--- a/presentation/ballwall.pptx
+++ b/presentation/ballwall.pptx
@@ -14,14 +14,18 @@
     <p:sldId id="261" r:id="rId8"/>
     <p:sldId id="266" r:id="rId9"/>
     <p:sldId id="265" r:id="rId10"/>
-    <p:sldId id="267" r:id="rId11"/>
-    <p:sldId id="268" r:id="rId12"/>
-    <p:sldId id="269" r:id="rId13"/>
-    <p:sldId id="270" r:id="rId14"/>
-    <p:sldId id="271" r:id="rId15"/>
-    <p:sldId id="272" r:id="rId16"/>
-    <p:sldId id="262" r:id="rId17"/>
-    <p:sldId id="264" r:id="rId18"/>
+    <p:sldId id="273" r:id="rId11"/>
+    <p:sldId id="274" r:id="rId12"/>
+    <p:sldId id="275" r:id="rId13"/>
+    <p:sldId id="267" r:id="rId14"/>
+    <p:sldId id="268" r:id="rId15"/>
+    <p:sldId id="276" r:id="rId16"/>
+    <p:sldId id="269" r:id="rId17"/>
+    <p:sldId id="270" r:id="rId18"/>
+    <p:sldId id="271" r:id="rId19"/>
+    <p:sldId id="272" r:id="rId20"/>
+    <p:sldId id="262" r:id="rId21"/>
+    <p:sldId id="264" r:id="rId22"/>
   </p:sldIdLst>
   <p:sldSz cx="12192000" cy="6858000"/>
   <p:notesSz cx="6858000" cy="9144000"/>
@@ -356,7 +360,7 @@
           <a:p>
             <a:fld id="{19989466-504B-4804-90BA-42AAF5AF4E6F}" type="datetimeFigureOut">
               <a:rPr lang="de-AT" smtClean="0"/>
-              <a:t>31.05.2021</a:t>
+              <a:t>14.06.2021</a:t>
             </a:fld>
             <a:endParaRPr lang="de-AT"/>
           </a:p>
@@ -564,7 +568,7 @@
           <a:p>
             <a:fld id="{19989466-504B-4804-90BA-42AAF5AF4E6F}" type="datetimeFigureOut">
               <a:rPr lang="de-AT" smtClean="0"/>
-              <a:t>31.05.2021</a:t>
+              <a:t>14.06.2021</a:t>
             </a:fld>
             <a:endParaRPr lang="de-AT"/>
           </a:p>
@@ -822,7 +826,7 @@
           <a:p>
             <a:fld id="{19989466-504B-4804-90BA-42AAF5AF4E6F}" type="datetimeFigureOut">
               <a:rPr lang="de-AT" smtClean="0"/>
-              <a:t>31.05.2021</a:t>
+              <a:t>14.06.2021</a:t>
             </a:fld>
             <a:endParaRPr lang="de-AT"/>
           </a:p>
@@ -992,7 +996,7 @@
           <a:p>
             <a:fld id="{19989466-504B-4804-90BA-42AAF5AF4E6F}" type="datetimeFigureOut">
               <a:rPr lang="de-AT" smtClean="0"/>
-              <a:t>31.05.2021</a:t>
+              <a:t>14.06.2021</a:t>
             </a:fld>
             <a:endParaRPr lang="de-AT"/>
           </a:p>
@@ -1329,7 +1333,7 @@
           <a:p>
             <a:fld id="{19989466-504B-4804-90BA-42AAF5AF4E6F}" type="datetimeFigureOut">
               <a:rPr lang="de-AT" smtClean="0"/>
-              <a:t>31.05.2021</a:t>
+              <a:t>14.06.2021</a:t>
             </a:fld>
             <a:endParaRPr lang="de-AT"/>
           </a:p>
@@ -1604,7 +1608,7 @@
           <a:p>
             <a:fld id="{19989466-504B-4804-90BA-42AAF5AF4E6F}" type="datetimeFigureOut">
               <a:rPr lang="de-AT" smtClean="0"/>
-              <a:t>31.05.2021</a:t>
+              <a:t>14.06.2021</a:t>
             </a:fld>
             <a:endParaRPr lang="de-AT"/>
           </a:p>
@@ -1983,7 +1987,7 @@
           <a:p>
             <a:fld id="{19989466-504B-4804-90BA-42AAF5AF4E6F}" type="datetimeFigureOut">
               <a:rPr lang="de-AT" smtClean="0"/>
-              <a:t>31.05.2021</a:t>
+              <a:t>14.06.2021</a:t>
             </a:fld>
             <a:endParaRPr lang="de-AT"/>
           </a:p>
@@ -2101,7 +2105,7 @@
           <a:p>
             <a:fld id="{19989466-504B-4804-90BA-42AAF5AF4E6F}" type="datetimeFigureOut">
               <a:rPr lang="de-AT" smtClean="0"/>
-              <a:t>31.05.2021</a:t>
+              <a:t>14.06.2021</a:t>
             </a:fld>
             <a:endParaRPr lang="de-AT"/>
           </a:p>
@@ -2274,7 +2278,7 @@
           <a:p>
             <a:fld id="{19989466-504B-4804-90BA-42AAF5AF4E6F}" type="datetimeFigureOut">
               <a:rPr lang="de-AT" smtClean="0"/>
-              <a:t>31.05.2021</a:t>
+              <a:t>14.06.2021</a:t>
             </a:fld>
             <a:endParaRPr lang="de-AT"/>
           </a:p>
@@ -2630,7 +2634,7 @@
           <a:p>
             <a:fld id="{19989466-504B-4804-90BA-42AAF5AF4E6F}" type="datetimeFigureOut">
               <a:rPr lang="de-AT" smtClean="0"/>
-              <a:t>31.05.2021</a:t>
+              <a:t>14.06.2021</a:t>
             </a:fld>
             <a:endParaRPr lang="de-AT"/>
           </a:p>
@@ -3009,7 +3013,7 @@
           <a:p>
             <a:fld id="{19989466-504B-4804-90BA-42AAF5AF4E6F}" type="datetimeFigureOut">
               <a:rPr lang="de-AT" smtClean="0"/>
-              <a:t>31.05.2021</a:t>
+              <a:t>14.06.2021</a:t>
             </a:fld>
             <a:endParaRPr lang="de-AT"/>
           </a:p>
@@ -3298,7 +3302,7 @@
           <a:p>
             <a:fld id="{19989466-504B-4804-90BA-42AAF5AF4E6F}" type="datetimeFigureOut">
               <a:rPr lang="de-AT" smtClean="0"/>
-              <a:t>31.05.2021</a:t>
+              <a:t>14.06.2021</a:t>
             </a:fld>
             <a:endParaRPr lang="de-AT"/>
           </a:p>
@@ -3961,7 +3965,7 @@
           <p:cNvPr id="2" name="Titel 1">
             <a:extLst>
               <a:ext uri="{FF2B5EF4-FFF2-40B4-BE49-F238E27FC236}">
-                <a16:creationId xmlns:a16="http://schemas.microsoft.com/office/drawing/2014/main" id="{AA2166B8-C90E-42E5-B6B7-2CA12AFCF00F}"/>
+                <a16:creationId xmlns:a16="http://schemas.microsoft.com/office/drawing/2014/main" id="{5596BBE6-1823-406B-A551-5B0197572640}"/>
               </a:ext>
             </a:extLst>
           </p:cNvPr>
@@ -3979,23 +3983,7 @@
           <a:p>
             <a:r>
               <a:rPr lang="de-DE" dirty="0" err="1"/>
-              <a:t>Creating</a:t>
-            </a:r>
-            <a:r>
-              <a:rPr lang="de-DE" dirty="0"/>
-              <a:t> </a:t>
-            </a:r>
-            <a:r>
-              <a:rPr lang="de-DE" dirty="0" err="1"/>
-              <a:t>the</a:t>
-            </a:r>
-            <a:r>
-              <a:rPr lang="de-DE" dirty="0"/>
-              <a:t> </a:t>
-            </a:r>
-            <a:r>
-              <a:rPr lang="de-DE" dirty="0" err="1"/>
-              <a:t>sphere</a:t>
+              <a:t>Sphere</a:t>
             </a:r>
             <a:endParaRPr lang="de-AT" dirty="0"/>
           </a:p>
@@ -4006,7 +3994,7 @@
           <p:cNvPr id="3" name="Inhaltsplatzhalter 2">
             <a:extLst>
               <a:ext uri="{FF2B5EF4-FFF2-40B4-BE49-F238E27FC236}">
-                <a16:creationId xmlns:a16="http://schemas.microsoft.com/office/drawing/2014/main" id="{1935A9B4-7F8D-442E-8AF2-CBCFC8D203F3}"/>
+                <a16:creationId xmlns:a16="http://schemas.microsoft.com/office/drawing/2014/main" id="{03AA14AE-C590-468B-8889-7E89B83B6020}"/>
               </a:ext>
             </a:extLst>
           </p:cNvPr>
@@ -4019,7 +4007,9 @@
         </p:nvSpPr>
         <p:spPr/>
         <p:txBody>
-          <a:bodyPr anchor="ctr"/>
+          <a:bodyPr>
+            <a:normAutofit/>
+          </a:bodyPr>
           <a:lstStyle/>
           <a:p>
             <a:pPr>
@@ -4027,24 +4017,19 @@
               <a:buChar char="Ø"/>
             </a:pPr>
             <a:r>
-              <a:rPr lang="en-US" dirty="0">
+              <a:rPr lang="de-DE" sz="2400" dirty="0">
                 <a:latin typeface="Times New Roman" panose="02020603050405020304" pitchFamily="18" charset="0"/>
                 <a:cs typeface="Times New Roman" panose="02020603050405020304" pitchFamily="18" charset="0"/>
               </a:rPr>
-              <a:t> adapted from </a:t>
-            </a:r>
-            <a:r>
-              <a:rPr lang="en-US" dirty="0">
+              <a:t> </a:t>
+            </a:r>
+            <a:r>
+              <a:rPr lang="en-US" sz="2400" dirty="0">
                 <a:latin typeface="Times New Roman" panose="02020603050405020304" pitchFamily="18" charset="0"/>
                 <a:cs typeface="Times New Roman" panose="02020603050405020304" pitchFamily="18" charset="0"/>
-                <a:hlinkClick r:id="rId2"/>
-              </a:rPr>
-              <a:t>http://www.songho.ca/opengl/gl_sphere.html</a:t>
-            </a:r>
-            <a:endParaRPr lang="en-US" dirty="0">
-              <a:latin typeface="Times New Roman" panose="02020603050405020304" pitchFamily="18" charset="0"/>
-              <a:cs typeface="Times New Roman" panose="02020603050405020304" pitchFamily="18" charset="0"/>
-            </a:endParaRPr>
+              </a:rPr>
+              <a:t>3D closed surface where every point on the sphere is same distance (radius) from a given point</a:t>
+            </a:r>
           </a:p>
           <a:p>
             <a:pPr>
@@ -4052,23 +4037,235 @@
               <a:buChar char="Ø"/>
             </a:pPr>
             <a:r>
-              <a:rPr lang="en-US" dirty="0">
+              <a:rPr lang="de-AT" sz="2400" dirty="0">
                 <a:latin typeface="Times New Roman" panose="02020603050405020304" pitchFamily="18" charset="0"/>
                 <a:cs typeface="Times New Roman" panose="02020603050405020304" pitchFamily="18" charset="0"/>
               </a:rPr>
-              <a:t> done in three main steps</a:t>
-            </a:r>
-            <a:endParaRPr lang="de-AT" dirty="0">
-              <a:latin typeface="Times New Roman" panose="02020603050405020304" pitchFamily="18" charset="0"/>
-              <a:cs typeface="Times New Roman" panose="02020603050405020304" pitchFamily="18" charset="0"/>
-            </a:endParaRPr>
-          </a:p>
-        </p:txBody>
-      </p:sp>
+              <a:t> x</a:t>
+            </a:r>
+            <a:r>
+              <a:rPr lang="de-AT" sz="2400" baseline="30000" dirty="0">
+                <a:latin typeface="Times New Roman" panose="02020603050405020304" pitchFamily="18" charset="0"/>
+                <a:cs typeface="Times New Roman" panose="02020603050405020304" pitchFamily="18" charset="0"/>
+              </a:rPr>
+              <a:t>2</a:t>
+            </a:r>
+            <a:r>
+              <a:rPr lang="de-AT" sz="2400" dirty="0">
+                <a:latin typeface="Times New Roman" panose="02020603050405020304" pitchFamily="18" charset="0"/>
+                <a:cs typeface="Times New Roman" panose="02020603050405020304" pitchFamily="18" charset="0"/>
+              </a:rPr>
+              <a:t> + y</a:t>
+            </a:r>
+            <a:r>
+              <a:rPr lang="de-AT" sz="2400" baseline="30000" dirty="0">
+                <a:latin typeface="Times New Roman" panose="02020603050405020304" pitchFamily="18" charset="0"/>
+                <a:cs typeface="Times New Roman" panose="02020603050405020304" pitchFamily="18" charset="0"/>
+              </a:rPr>
+              <a:t>2</a:t>
+            </a:r>
+            <a:r>
+              <a:rPr lang="de-AT" sz="2400" dirty="0">
+                <a:latin typeface="Times New Roman" panose="02020603050405020304" pitchFamily="18" charset="0"/>
+                <a:cs typeface="Times New Roman" panose="02020603050405020304" pitchFamily="18" charset="0"/>
+              </a:rPr>
+              <a:t> + z</a:t>
+            </a:r>
+            <a:r>
+              <a:rPr lang="de-AT" sz="2400" baseline="30000" dirty="0">
+                <a:latin typeface="Times New Roman" panose="02020603050405020304" pitchFamily="18" charset="0"/>
+                <a:cs typeface="Times New Roman" panose="02020603050405020304" pitchFamily="18" charset="0"/>
+              </a:rPr>
+              <a:t>2</a:t>
+            </a:r>
+            <a:r>
+              <a:rPr lang="de-AT" sz="2400" dirty="0">
+                <a:latin typeface="Times New Roman" panose="02020603050405020304" pitchFamily="18" charset="0"/>
+                <a:cs typeface="Times New Roman" panose="02020603050405020304" pitchFamily="18" charset="0"/>
+              </a:rPr>
+              <a:t> = r</a:t>
+            </a:r>
+            <a:r>
+              <a:rPr lang="de-AT" sz="2400" baseline="30000" dirty="0">
+                <a:latin typeface="Times New Roman" panose="02020603050405020304" pitchFamily="18" charset="0"/>
+                <a:cs typeface="Times New Roman" panose="02020603050405020304" pitchFamily="18" charset="0"/>
+              </a:rPr>
+              <a:t>2</a:t>
+            </a:r>
+          </a:p>
+          <a:p>
+            <a:pPr>
+              <a:buFont typeface="Wingdings" panose="05000000000000000000" pitchFamily="2" charset="2"/>
+              <a:buChar char="Ø"/>
+            </a:pPr>
+            <a:r>
+              <a:rPr lang="de-AT" sz="2400" dirty="0">
+                <a:latin typeface="Times New Roman" panose="02020603050405020304" pitchFamily="18" charset="0"/>
+                <a:cs typeface="Times New Roman" panose="02020603050405020304" pitchFamily="18" charset="0"/>
+              </a:rPr>
+              <a:t> </a:t>
+            </a:r>
+            <a:r>
+              <a:rPr lang="en-US" sz="2400" dirty="0">
+                <a:latin typeface="Times New Roman" panose="02020603050405020304" pitchFamily="18" charset="0"/>
+                <a:cs typeface="Times New Roman" panose="02020603050405020304" pitchFamily="18" charset="0"/>
+              </a:rPr>
+              <a:t>we cannot draw all the points on a sphere</a:t>
+            </a:r>
+          </a:p>
+          <a:p>
+            <a:pPr>
+              <a:buFont typeface="Wingdings" panose="05000000000000000000" pitchFamily="2" charset="2"/>
+              <a:buChar char="Ø"/>
+            </a:pPr>
+            <a:r>
+              <a:rPr lang="en-US" sz="2400" dirty="0">
+                <a:latin typeface="Times New Roman" panose="02020603050405020304" pitchFamily="18" charset="0"/>
+                <a:cs typeface="Times New Roman" panose="02020603050405020304" pitchFamily="18" charset="0"/>
+              </a:rPr>
+              <a:t> sample a limited amount of points by dividing the sphere by sectors and stacks</a:t>
+            </a:r>
+          </a:p>
+          <a:p>
+            <a:pPr>
+              <a:buFont typeface="Wingdings" panose="05000000000000000000" pitchFamily="2" charset="2"/>
+              <a:buChar char="Ø"/>
+            </a:pPr>
+            <a:r>
+              <a:rPr lang="en-US" sz="2400" dirty="0">
+                <a:latin typeface="Times New Roman" panose="02020603050405020304" pitchFamily="18" charset="0"/>
+                <a:cs typeface="Times New Roman" panose="02020603050405020304" pitchFamily="18" charset="0"/>
+              </a:rPr>
+              <a:t> an arbitrary point (x, y, z) on a sphere can be computed with the corresponding sector angle θ and stack angle ϕ</a:t>
+            </a:r>
+          </a:p>
+          <a:p>
+            <a:pPr>
+              <a:buFont typeface="Wingdings" panose="05000000000000000000" pitchFamily="2" charset="2"/>
+              <a:buChar char="Ø"/>
+            </a:pPr>
+            <a:r>
+              <a:rPr lang="en-US" sz="2400" dirty="0">
+                <a:latin typeface="Times New Roman" panose="02020603050405020304" pitchFamily="18" charset="0"/>
+                <a:cs typeface="Times New Roman" panose="02020603050405020304" pitchFamily="18" charset="0"/>
+              </a:rPr>
+              <a:t> </a:t>
+            </a:r>
+          </a:p>
+        </p:txBody>
+      </p:sp>
+      <p:pic>
+        <p:nvPicPr>
+          <p:cNvPr id="2052" name="Picture 4" descr="formula to find a point on a sphere">
+            <a:extLst>
+              <a:ext uri="{FF2B5EF4-FFF2-40B4-BE49-F238E27FC236}">
+                <a16:creationId xmlns:a16="http://schemas.microsoft.com/office/drawing/2014/main" id="{2780149B-F359-4A4C-BBE1-BF87F30DE39A}"/>
+              </a:ext>
+            </a:extLst>
+          </p:cNvPr>
+          <p:cNvPicPr>
+            <a:picLocks noChangeAspect="1" noChangeArrowheads="1"/>
+          </p:cNvPicPr>
+          <p:nvPr/>
+        </p:nvPicPr>
+        <p:blipFill rotWithShape="1">
+          <a:blip r:embed="rId2">
+            <a:extLst>
+              <a:ext uri="{BEBA8EAE-BF5A-486C-A8C5-ECC9F3942E4B}">
+                <a14:imgProps xmlns:a14="http://schemas.microsoft.com/office/drawing/2010/main">
+                  <a14:imgLayer r:embed="rId3">
+                    <a14:imgEffect>
+                      <a14:artisticPhotocopy/>
+                    </a14:imgEffect>
+                  </a14:imgLayer>
+                </a14:imgProps>
+              </a:ext>
+              <a:ext uri="{28A0092B-C50C-407E-A947-70E740481C1C}">
+                <a14:useLocalDpi xmlns:a14="http://schemas.microsoft.com/office/drawing/2010/main" val="0"/>
+              </a:ext>
+            </a:extLst>
+          </a:blip>
+          <a:srcRect b="29880"/>
+          <a:stretch/>
+        </p:blipFill>
+        <p:spPr bwMode="auto">
+          <a:xfrm>
+            <a:off x="1666802" y="5037195"/>
+            <a:ext cx="3990975" cy="1166657"/>
+          </a:xfrm>
+          <a:prstGeom prst="rect">
+            <a:avLst/>
+          </a:prstGeom>
+          <a:noFill/>
+          <a:extLst>
+            <a:ext uri="{909E8E84-426E-40DD-AFC4-6F175D3DCCD1}">
+              <a14:hiddenFill xmlns:a14="http://schemas.microsoft.com/office/drawing/2010/main">
+                <a:solidFill>
+                  <a:srgbClr val="FFFFFF"/>
+                </a:solidFill>
+              </a14:hiddenFill>
+            </a:ext>
+          </a:extLst>
+        </p:spPr>
+      </p:pic>
+      <p:pic>
+        <p:nvPicPr>
+          <p:cNvPr id="2054" name="Picture 6" descr="formula to find a point on a sphere">
+            <a:extLst>
+              <a:ext uri="{FF2B5EF4-FFF2-40B4-BE49-F238E27FC236}">
+                <a16:creationId xmlns:a16="http://schemas.microsoft.com/office/drawing/2014/main" id="{6906086A-07DE-4942-AB89-88C69FB5B975}"/>
+              </a:ext>
+            </a:extLst>
+          </p:cNvPr>
+          <p:cNvPicPr>
+            <a:picLocks noChangeAspect="1" noChangeArrowheads="1"/>
+          </p:cNvPicPr>
+          <p:nvPr/>
+        </p:nvPicPr>
+        <p:blipFill rotWithShape="1">
+          <a:blip r:embed="rId2">
+            <a:extLst>
+              <a:ext uri="{BEBA8EAE-BF5A-486C-A8C5-ECC9F3942E4B}">
+                <a14:imgProps xmlns:a14="http://schemas.microsoft.com/office/drawing/2010/main">
+                  <a14:imgLayer r:embed="rId3">
+                    <a14:imgEffect>
+                      <a14:artisticPhotocopy/>
+                    </a14:imgEffect>
+                  </a14:imgLayer>
+                </a14:imgProps>
+              </a:ext>
+              <a:ext uri="{28A0092B-C50C-407E-A947-70E740481C1C}">
+                <a14:useLocalDpi xmlns:a14="http://schemas.microsoft.com/office/drawing/2010/main" val="0"/>
+              </a:ext>
+            </a:extLst>
+          </a:blip>
+          <a:srcRect t="70167"/>
+          <a:stretch/>
+        </p:blipFill>
+        <p:spPr bwMode="auto">
+          <a:xfrm>
+            <a:off x="6411241" y="5037195"/>
+            <a:ext cx="3990975" cy="466019"/>
+          </a:xfrm>
+          <a:prstGeom prst="rect">
+            <a:avLst/>
+          </a:prstGeom>
+          <a:noFill/>
+          <a:extLst>
+            <a:ext uri="{909E8E84-426E-40DD-AFC4-6F175D3DCCD1}">
+              <a14:hiddenFill xmlns:a14="http://schemas.microsoft.com/office/drawing/2010/main">
+                <a:solidFill>
+                  <a:srgbClr val="FFFFFF"/>
+                </a:solidFill>
+              </a14:hiddenFill>
+            </a:ext>
+          </a:extLst>
+        </p:spPr>
+      </p:pic>
     </p:spTree>
     <p:extLst>
       <p:ext uri="{BB962C8B-B14F-4D97-AF65-F5344CB8AC3E}">
-        <p14:creationId xmlns:p14="http://schemas.microsoft.com/office/powerpoint/2010/main" val="3810413879"/>
+        <p14:creationId xmlns:p14="http://schemas.microsoft.com/office/powerpoint/2010/main" val="2398359700"/>
       </p:ext>
     </p:extLst>
   </p:cSld>
@@ -4081,14 +4278,6 @@
 <file path=ppt/slides/slide11.xml><?xml version="1.0" encoding="utf-8"?>
 <p:sld xmlns:a="http://schemas.openxmlformats.org/drawingml/2006/main" xmlns:r="http://schemas.openxmlformats.org/officeDocument/2006/relationships" xmlns:p="http://schemas.openxmlformats.org/presentationml/2006/main">
   <p:cSld>
-    <p:bg>
-      <p:bgPr>
-        <a:solidFill>
-          <a:schemeClr val="bg2"/>
-        </a:solidFill>
-        <a:effectLst/>
-      </p:bgPr>
-    </p:bg>
     <p:spTree>
       <p:nvGrpSpPr>
         <p:cNvPr id="1" name=""/>
@@ -4103,292 +4292,104 @@
           <a:chExt cx="0" cy="0"/>
         </a:xfrm>
       </p:grpSpPr>
-      <p:sp useBgFill="1">
-        <p:nvSpPr>
-          <p:cNvPr id="12" name="Rectangle 11">
-            <a:extLst>
-              <a:ext uri="{FF2B5EF4-FFF2-40B4-BE49-F238E27FC236}">
-                <a16:creationId xmlns:a16="http://schemas.microsoft.com/office/drawing/2014/main" id="{3DBD0226-9703-41AF-92F4-0830512A0A54}"/>
-              </a:ext>
-              <a:ext uri="{C183D7F6-B498-43B3-948B-1728B52AA6E4}">
-                <adec:decorative xmlns:adec="http://schemas.microsoft.com/office/drawing/2017/decorative" val="1"/>
-              </a:ext>
-            </a:extLst>
-          </p:cNvPr>
-          <p:cNvSpPr>
-            <a:spLocks noGrp="1" noRot="1" noChangeAspect="1" noMove="1" noResize="1" noEditPoints="1" noAdjustHandles="1" noChangeArrowheads="1" noChangeShapeType="1" noTextEdit="1"/>
-          </p:cNvSpPr>
-          <p:nvPr>
-            <p:extLst>
-              <p:ext uri="{386F3935-93C4-4BCD-93E2-E3B085C9AB24}">
-                <p16:designElem xmlns:p16="http://schemas.microsoft.com/office/powerpoint/2015/main" val="1"/>
-              </p:ext>
-            </p:extLst>
-          </p:nvPr>
-        </p:nvSpPr>
-        <p:spPr>
-          <a:xfrm>
-            <a:off x="0" y="0"/>
-            <a:ext cx="12186315" cy="6858000"/>
-          </a:xfrm>
-          <a:prstGeom prst="rect">
-            <a:avLst/>
-          </a:prstGeom>
-          <a:ln>
-            <a:noFill/>
-          </a:ln>
-        </p:spPr>
-        <p:style>
-          <a:lnRef idx="2">
-            <a:schemeClr val="accent6">
-              <a:shade val="50000"/>
-            </a:schemeClr>
-          </a:lnRef>
-          <a:fillRef idx="1001">
-            <a:schemeClr val="lt1"/>
-          </a:fillRef>
-          <a:effectRef idx="0">
-            <a:schemeClr val="accent6"/>
-          </a:effectRef>
-          <a:fontRef idx="minor">
-            <a:schemeClr val="lt1"/>
-          </a:fontRef>
-        </p:style>
-        <p:txBody>
-          <a:bodyPr rtlCol="0" anchor="ctr"/>
-          <a:lstStyle/>
-          <a:p>
-            <a:pPr algn="ctr"/>
-            <a:endParaRPr lang="en-US"/>
-          </a:p>
-        </p:txBody>
-      </p:sp>
-      <p:sp>
-        <p:nvSpPr>
-          <p:cNvPr id="14" name="Rectangle 13">
-            <a:extLst>
-              <a:ext uri="{FF2B5EF4-FFF2-40B4-BE49-F238E27FC236}">
-                <a16:creationId xmlns:a16="http://schemas.microsoft.com/office/drawing/2014/main" id="{3E49C037-89D1-4D16-9F78-B92699686649}"/>
-              </a:ext>
-              <a:ext uri="{C183D7F6-B498-43B3-948B-1728B52AA6E4}">
-                <adec:decorative xmlns:adec="http://schemas.microsoft.com/office/drawing/2017/decorative" val="1"/>
-              </a:ext>
-            </a:extLst>
-          </p:cNvPr>
-          <p:cNvSpPr>
-            <a:spLocks noGrp="1" noRot="1" noChangeAspect="1" noMove="1" noResize="1" noEditPoints="1" noAdjustHandles="1" noChangeArrowheads="1" noChangeShapeType="1" noTextEdit="1"/>
-          </p:cNvSpPr>
-          <p:nvPr>
-            <p:extLst>
-              <p:ext uri="{386F3935-93C4-4BCD-93E2-E3B085C9AB24}">
-                <p16:designElem xmlns:p16="http://schemas.microsoft.com/office/powerpoint/2015/main" val="1"/>
-              </p:ext>
-            </p:extLst>
-          </p:nvPr>
-        </p:nvSpPr>
-        <p:spPr>
-          <a:xfrm>
-            <a:off x="16" y="0"/>
-            <a:ext cx="4050791" cy="6858000"/>
-          </a:xfrm>
-          <a:prstGeom prst="rect">
-            <a:avLst/>
-          </a:prstGeom>
-          <a:solidFill>
-            <a:schemeClr val="accent1">
-              <a:lumMod val="50000"/>
-            </a:schemeClr>
-          </a:solidFill>
-          <a:ln>
-            <a:noFill/>
-          </a:ln>
-        </p:spPr>
-        <p:style>
-          <a:lnRef idx="2">
-            <a:schemeClr val="accent1">
-              <a:shade val="50000"/>
-            </a:schemeClr>
-          </a:lnRef>
-          <a:fillRef idx="1">
-            <a:schemeClr val="accent1"/>
-          </a:fillRef>
-          <a:effectRef idx="0">
-            <a:schemeClr val="accent1"/>
-          </a:effectRef>
-          <a:fontRef idx="minor">
-            <a:schemeClr val="lt1"/>
-          </a:fontRef>
-        </p:style>
-      </p:sp>
-      <p:sp>
-        <p:nvSpPr>
-          <p:cNvPr id="2" name="Titel 1">
-            <a:extLst>
-              <a:ext uri="{FF2B5EF4-FFF2-40B4-BE49-F238E27FC236}">
-                <a16:creationId xmlns:a16="http://schemas.microsoft.com/office/drawing/2014/main" id="{813CBFB9-7F76-4A9D-908B-14CE62DBDD92}"/>
-              </a:ext>
-            </a:extLst>
-          </p:cNvPr>
-          <p:cNvSpPr>
-            <a:spLocks noGrp="1"/>
-          </p:cNvSpPr>
-          <p:nvPr>
-            <p:ph type="title"/>
-          </p:nvPr>
-        </p:nvSpPr>
-        <p:spPr>
-          <a:xfrm>
-            <a:off x="492370" y="516835"/>
-            <a:ext cx="3084844" cy="2103875"/>
-          </a:xfrm>
-        </p:spPr>
-        <p:txBody>
-          <a:bodyPr>
-            <a:normAutofit/>
-          </a:bodyPr>
-          <a:lstStyle/>
-          <a:p>
-            <a:r>
-              <a:rPr lang="de-DE" sz="3600">
-                <a:solidFill>
-                  <a:srgbClr val="FFFFFF"/>
-                </a:solidFill>
-              </a:rPr>
-              <a:t>Creating the sphere: 1.step</a:t>
-            </a:r>
-            <a:endParaRPr lang="de-AT" sz="3600">
-              <a:solidFill>
-                <a:srgbClr val="FFFFFF"/>
-              </a:solidFill>
-            </a:endParaRPr>
-          </a:p>
-        </p:txBody>
-      </p:sp>
-      <p:sp>
-        <p:nvSpPr>
-          <p:cNvPr id="9" name="Content Placeholder 8">
-            <a:extLst>
-              <a:ext uri="{FF2B5EF4-FFF2-40B4-BE49-F238E27FC236}">
-                <a16:creationId xmlns:a16="http://schemas.microsoft.com/office/drawing/2014/main" id="{23497F57-47E4-4C01-902B-036AF2EBCF04}"/>
-              </a:ext>
-            </a:extLst>
-          </p:cNvPr>
-          <p:cNvSpPr>
-            <a:spLocks noGrp="1"/>
-          </p:cNvSpPr>
-          <p:nvPr>
-            <p:ph idx="1"/>
-          </p:nvPr>
-        </p:nvSpPr>
-        <p:spPr>
-          <a:xfrm>
-            <a:off x="492371" y="2653800"/>
-            <a:ext cx="3084844" cy="3335519"/>
-          </a:xfrm>
-        </p:spPr>
-        <p:txBody>
-          <a:bodyPr>
-            <a:normAutofit/>
-          </a:bodyPr>
-          <a:lstStyle/>
-          <a:p>
-            <a:endParaRPr lang="en-US" sz="1500">
-              <a:solidFill>
-                <a:srgbClr val="FFFFFF"/>
-              </a:solidFill>
-            </a:endParaRPr>
-          </a:p>
-        </p:txBody>
-      </p:sp>
-      <p:sp>
-        <p:nvSpPr>
-          <p:cNvPr id="16" name="Rectangle 15">
-            <a:extLst>
-              <a:ext uri="{FF2B5EF4-FFF2-40B4-BE49-F238E27FC236}">
-                <a16:creationId xmlns:a16="http://schemas.microsoft.com/office/drawing/2014/main" id="{F5EF713F-D367-4E26-8830-885F751C3AC8}"/>
-              </a:ext>
-              <a:ext uri="{C183D7F6-B498-43B3-948B-1728B52AA6E4}">
-                <adec:decorative xmlns:adec="http://schemas.microsoft.com/office/drawing/2017/decorative" val="1"/>
-              </a:ext>
-            </a:extLst>
-          </p:cNvPr>
-          <p:cNvSpPr>
-            <a:spLocks noGrp="1" noRot="1" noChangeAspect="1" noMove="1" noResize="1" noEditPoints="1" noAdjustHandles="1" noChangeArrowheads="1" noChangeShapeType="1" noTextEdit="1"/>
-          </p:cNvSpPr>
-          <p:nvPr>
-            <p:extLst>
-              <p:ext uri="{386F3935-93C4-4BCD-93E2-E3B085C9AB24}">
-                <p16:designElem xmlns:p16="http://schemas.microsoft.com/office/powerpoint/2015/main" val="1"/>
-              </p:ext>
-            </p:extLst>
-          </p:nvPr>
-        </p:nvSpPr>
-        <p:spPr>
-          <a:xfrm>
-            <a:off x="4040071" y="0"/>
-            <a:ext cx="64008" cy="6858000"/>
-          </a:xfrm>
-          <a:prstGeom prst="rect">
-            <a:avLst/>
-          </a:prstGeom>
-          <a:solidFill>
-            <a:schemeClr val="accent1"/>
-          </a:solidFill>
-          <a:ln>
-            <a:noFill/>
-          </a:ln>
-        </p:spPr>
-        <p:style>
-          <a:lnRef idx="2">
-            <a:schemeClr val="accent1">
-              <a:shade val="50000"/>
-            </a:schemeClr>
-          </a:lnRef>
-          <a:fillRef idx="1">
-            <a:schemeClr val="accent1"/>
-          </a:fillRef>
-          <a:effectRef idx="0">
-            <a:schemeClr val="accent1"/>
-          </a:effectRef>
-          <a:fontRef idx="minor">
-            <a:schemeClr val="lt1"/>
-          </a:fontRef>
-        </p:style>
-      </p:sp>
       <p:pic>
         <p:nvPicPr>
-          <p:cNvPr id="6" name="Grafik 5">
-            <a:extLst>
-              <a:ext uri="{FF2B5EF4-FFF2-40B4-BE49-F238E27FC236}">
-                <a16:creationId xmlns:a16="http://schemas.microsoft.com/office/drawing/2014/main" id="{D71F9CE4-4757-4ED4-AB94-D791E17B7470}"/>
+          <p:cNvPr id="1026" name="Picture 2" descr="Parametric equation of a sphere">
+            <a:extLst>
+              <a:ext uri="{FF2B5EF4-FFF2-40B4-BE49-F238E27FC236}">
+                <a16:creationId xmlns:a16="http://schemas.microsoft.com/office/drawing/2014/main" id="{591B8EC2-87DB-4437-93F4-4D95BB48F923}"/>
               </a:ext>
             </a:extLst>
           </p:cNvPr>
           <p:cNvPicPr>
-            <a:picLocks noChangeAspect="1"/>
+            <a:picLocks noChangeAspect="1" noChangeArrowheads="1"/>
           </p:cNvPicPr>
           <p:nvPr/>
         </p:nvPicPr>
         <p:blipFill>
-          <a:blip r:embed="rId2"/>
+          <a:blip r:embed="rId2">
+            <a:extLst>
+              <a:ext uri="{28A0092B-C50C-407E-A947-70E740481C1C}">
+                <a14:useLocalDpi xmlns:a14="http://schemas.microsoft.com/office/drawing/2010/main" val="0"/>
+              </a:ext>
+            </a:extLst>
+          </a:blip>
+          <a:srcRect/>
           <a:stretch>
             <a:fillRect/>
           </a:stretch>
         </p:blipFill>
-        <p:spPr>
-          <a:xfrm>
-            <a:off x="4128954" y="938568"/>
-            <a:ext cx="8083997" cy="4980864"/>
+        <p:spPr bwMode="auto">
+          <a:xfrm>
+            <a:off x="6511680" y="1136849"/>
+            <a:ext cx="4644000" cy="4584299"/>
           </a:xfrm>
           <a:prstGeom prst="rect">
             <a:avLst/>
           </a:prstGeom>
+          <a:noFill/>
+          <a:extLst>
+            <a:ext uri="{909E8E84-426E-40DD-AFC4-6F175D3DCCD1}">
+              <a14:hiddenFill xmlns:a14="http://schemas.microsoft.com/office/drawing/2010/main">
+                <a:solidFill>
+                  <a:srgbClr val="FFFFFF"/>
+                </a:solidFill>
+              </a14:hiddenFill>
+            </a:ext>
+          </a:extLst>
+        </p:spPr>
+      </p:pic>
+      <p:pic>
+        <p:nvPicPr>
+          <p:cNvPr id="1028" name="Picture 4" descr="Sectors and stacks of a sphere">
+            <a:extLst>
+              <a:ext uri="{FF2B5EF4-FFF2-40B4-BE49-F238E27FC236}">
+                <a16:creationId xmlns:a16="http://schemas.microsoft.com/office/drawing/2014/main" id="{735FAA33-9727-4164-9494-C0CA73B5BB8B}"/>
+              </a:ext>
+            </a:extLst>
+          </p:cNvPr>
+          <p:cNvPicPr>
+            <a:picLocks noChangeAspect="1" noChangeArrowheads="1"/>
+          </p:cNvPicPr>
+          <p:nvPr/>
+        </p:nvPicPr>
+        <p:blipFill>
+          <a:blip r:embed="rId3">
+            <a:extLst>
+              <a:ext uri="{28A0092B-C50C-407E-A947-70E740481C1C}">
+                <a14:useLocalDpi xmlns:a14="http://schemas.microsoft.com/office/drawing/2010/main" val="0"/>
+              </a:ext>
+            </a:extLst>
+          </a:blip>
+          <a:srcRect/>
+          <a:stretch>
+            <a:fillRect/>
+          </a:stretch>
+        </p:blipFill>
+        <p:spPr bwMode="auto">
+          <a:xfrm>
+            <a:off x="1568612" y="1394470"/>
+            <a:ext cx="4309504" cy="4438789"/>
+          </a:xfrm>
+          <a:prstGeom prst="rect">
+            <a:avLst/>
+          </a:prstGeom>
+          <a:noFill/>
+          <a:extLst>
+            <a:ext uri="{909E8E84-426E-40DD-AFC4-6F175D3DCCD1}">
+              <a14:hiddenFill xmlns:a14="http://schemas.microsoft.com/office/drawing/2010/main">
+                <a:solidFill>
+                  <a:srgbClr val="FFFFFF"/>
+                </a:solidFill>
+              </a14:hiddenFill>
+            </a:ext>
+          </a:extLst>
         </p:spPr>
       </p:pic>
     </p:spTree>
     <p:extLst>
       <p:ext uri="{BB962C8B-B14F-4D97-AF65-F5344CB8AC3E}">
-        <p14:creationId xmlns:p14="http://schemas.microsoft.com/office/powerpoint/2010/main" val="2330474677"/>
+        <p14:creationId xmlns:p14="http://schemas.microsoft.com/office/powerpoint/2010/main" val="996085788"/>
       </p:ext>
     </p:extLst>
   </p:cSld>
@@ -4401,14 +4402,6 @@
 <file path=ppt/slides/slide12.xml><?xml version="1.0" encoding="utf-8"?>
 <p:sld xmlns:a="http://schemas.openxmlformats.org/drawingml/2006/main" xmlns:r="http://schemas.openxmlformats.org/officeDocument/2006/relationships" xmlns:p="http://schemas.openxmlformats.org/presentationml/2006/main">
   <p:cSld>
-    <p:bg>
-      <p:bgPr>
-        <a:solidFill>
-          <a:schemeClr val="bg2"/>
-        </a:solidFill>
-        <a:effectLst/>
-      </p:bgPr>
-    </p:bg>
     <p:spTree>
       <p:nvGrpSpPr>
         <p:cNvPr id="1" name=""/>
@@ -4423,129 +4416,41 @@
           <a:chExt cx="0" cy="0"/>
         </a:xfrm>
       </p:grpSpPr>
-      <p:sp useBgFill="1">
-        <p:nvSpPr>
-          <p:cNvPr id="12" name="Rectangle 11">
-            <a:extLst>
-              <a:ext uri="{FF2B5EF4-FFF2-40B4-BE49-F238E27FC236}">
-                <a16:creationId xmlns:a16="http://schemas.microsoft.com/office/drawing/2014/main" id="{3DBD0226-9703-41AF-92F4-0830512A0A54}"/>
-              </a:ext>
-              <a:ext uri="{C183D7F6-B498-43B3-948B-1728B52AA6E4}">
-                <adec:decorative xmlns:adec="http://schemas.microsoft.com/office/drawing/2017/decorative" val="1"/>
-              </a:ext>
-            </a:extLst>
-          </p:cNvPr>
-          <p:cNvSpPr>
-            <a:spLocks noGrp="1" noRot="1" noChangeAspect="1" noMove="1" noResize="1" noEditPoints="1" noAdjustHandles="1" noChangeArrowheads="1" noChangeShapeType="1" noTextEdit="1"/>
-          </p:cNvSpPr>
-          <p:nvPr>
-            <p:extLst>
-              <p:ext uri="{386F3935-93C4-4BCD-93E2-E3B085C9AB24}">
-                <p16:designElem xmlns:p16="http://schemas.microsoft.com/office/powerpoint/2015/main" val="1"/>
-              </p:ext>
-            </p:extLst>
-          </p:nvPr>
-        </p:nvSpPr>
-        <p:spPr>
-          <a:xfrm>
-            <a:off x="0" y="0"/>
-            <a:ext cx="12186315" cy="6858000"/>
-          </a:xfrm>
-          <a:prstGeom prst="rect">
-            <a:avLst/>
-          </a:prstGeom>
-          <a:ln>
-            <a:noFill/>
-          </a:ln>
-        </p:spPr>
-        <p:style>
-          <a:lnRef idx="2">
-            <a:schemeClr val="accent6">
-              <a:shade val="50000"/>
-            </a:schemeClr>
-          </a:lnRef>
-          <a:fillRef idx="1001">
-            <a:schemeClr val="lt1"/>
-          </a:fillRef>
-          <a:effectRef idx="0">
-            <a:schemeClr val="accent6"/>
-          </a:effectRef>
-          <a:fontRef idx="minor">
-            <a:schemeClr val="lt1"/>
-          </a:fontRef>
-        </p:style>
-        <p:txBody>
-          <a:bodyPr rtlCol="0" anchor="ctr"/>
+      <p:sp>
+        <p:nvSpPr>
+          <p:cNvPr id="2" name="Titel 1">
+            <a:extLst>
+              <a:ext uri="{FF2B5EF4-FFF2-40B4-BE49-F238E27FC236}">
+                <a16:creationId xmlns:a16="http://schemas.microsoft.com/office/drawing/2014/main" id="{96E30842-7312-41F9-A888-F3BF9DD89B74}"/>
+              </a:ext>
+            </a:extLst>
+          </p:cNvPr>
+          <p:cNvSpPr>
+            <a:spLocks noGrp="1"/>
+          </p:cNvSpPr>
+          <p:nvPr>
+            <p:ph type="title"/>
+          </p:nvPr>
+        </p:nvSpPr>
+        <p:spPr/>
+        <p:txBody>
+          <a:bodyPr/>
           <a:lstStyle/>
           <a:p>
-            <a:pPr algn="ctr"/>
-            <a:endParaRPr lang="en-US"/>
-          </a:p>
-        </p:txBody>
-      </p:sp>
-      <p:sp>
-        <p:nvSpPr>
-          <p:cNvPr id="14" name="Rectangle 13">
-            <a:extLst>
-              <a:ext uri="{FF2B5EF4-FFF2-40B4-BE49-F238E27FC236}">
-                <a16:creationId xmlns:a16="http://schemas.microsoft.com/office/drawing/2014/main" id="{3E49C037-89D1-4D16-9F78-B92699686649}"/>
-              </a:ext>
-              <a:ext uri="{C183D7F6-B498-43B3-948B-1728B52AA6E4}">
-                <adec:decorative xmlns:adec="http://schemas.microsoft.com/office/drawing/2017/decorative" val="1"/>
-              </a:ext>
-            </a:extLst>
-          </p:cNvPr>
-          <p:cNvSpPr>
-            <a:spLocks noGrp="1" noRot="1" noChangeAspect="1" noMove="1" noResize="1" noEditPoints="1" noAdjustHandles="1" noChangeArrowheads="1" noChangeShapeType="1" noTextEdit="1"/>
-          </p:cNvSpPr>
-          <p:nvPr>
-            <p:extLst>
-              <p:ext uri="{386F3935-93C4-4BCD-93E2-E3B085C9AB24}">
-                <p16:designElem xmlns:p16="http://schemas.microsoft.com/office/powerpoint/2015/main" val="1"/>
-              </p:ext>
-            </p:extLst>
-          </p:nvPr>
-        </p:nvSpPr>
-        <p:spPr>
-          <a:xfrm>
-            <a:off x="16" y="0"/>
-            <a:ext cx="4050791" cy="6858000"/>
-          </a:xfrm>
-          <a:prstGeom prst="rect">
-            <a:avLst/>
-          </a:prstGeom>
-          <a:solidFill>
-            <a:schemeClr val="accent1">
-              <a:lumMod val="50000"/>
-            </a:schemeClr>
-          </a:solidFill>
-          <a:ln>
-            <a:noFill/>
-          </a:ln>
-        </p:spPr>
-        <p:style>
-          <a:lnRef idx="2">
-            <a:schemeClr val="accent1">
-              <a:shade val="50000"/>
-            </a:schemeClr>
-          </a:lnRef>
-          <a:fillRef idx="1">
-            <a:schemeClr val="accent1"/>
-          </a:fillRef>
-          <a:effectRef idx="0">
-            <a:schemeClr val="accent1"/>
-          </a:effectRef>
-          <a:fontRef idx="minor">
-            <a:schemeClr val="lt1"/>
-          </a:fontRef>
-        </p:style>
-      </p:sp>
-      <p:sp>
-        <p:nvSpPr>
-          <p:cNvPr id="2" name="Titel 1">
-            <a:extLst>
-              <a:ext uri="{FF2B5EF4-FFF2-40B4-BE49-F238E27FC236}">
-                <a16:creationId xmlns:a16="http://schemas.microsoft.com/office/drawing/2014/main" id="{813CBFB9-7F76-4A9D-908B-14CE62DBDD92}"/>
+            <a:r>
+              <a:rPr lang="de-DE" dirty="0" err="1"/>
+              <a:t>Sphere</a:t>
+            </a:r>
+            <a:endParaRPr lang="de-AT" dirty="0"/>
+          </a:p>
+        </p:txBody>
+      </p:sp>
+      <p:sp>
+        <p:nvSpPr>
+          <p:cNvPr id="3" name="Inhaltsplatzhalter 2">
+            <a:extLst>
+              <a:ext uri="{FF2B5EF4-FFF2-40B4-BE49-F238E27FC236}">
+                <a16:creationId xmlns:a16="http://schemas.microsoft.com/office/drawing/2014/main" id="{E68663C5-6ADD-4466-A8EF-AC441F3AAC01}"/>
               </a:ext>
             </a:extLst>
           </p:cNvPr>
@@ -4553,171 +4458,127 @@
             <a:spLocks noGrp="1"/>
           </p:cNvSpPr>
           <p:nvPr>
-            <p:ph type="title"/>
-          </p:nvPr>
-        </p:nvSpPr>
-        <p:spPr>
-          <a:xfrm>
-            <a:off x="492370" y="516835"/>
-            <a:ext cx="3084844" cy="2103875"/>
-          </a:xfrm>
-        </p:spPr>
+            <p:ph idx="1"/>
+          </p:nvPr>
+        </p:nvSpPr>
+        <p:spPr/>
         <p:txBody>
           <a:bodyPr>
             <a:normAutofit/>
           </a:bodyPr>
           <a:lstStyle/>
           <a:p>
-            <a:r>
-              <a:rPr lang="de-DE" sz="3600" dirty="0" err="1">
-                <a:solidFill>
-                  <a:srgbClr val="FFFFFF"/>
-                </a:solidFill>
-              </a:rPr>
-              <a:t>Creating</a:t>
-            </a:r>
-            <a:r>
-              <a:rPr lang="de-DE" sz="3600" dirty="0">
-                <a:solidFill>
-                  <a:srgbClr val="FFFFFF"/>
-                </a:solidFill>
+            <a:pPr>
+              <a:buFont typeface="Wingdings" panose="05000000000000000000" pitchFamily="2" charset="2"/>
+              <a:buChar char="Ø"/>
+            </a:pPr>
+            <a:r>
+              <a:rPr lang="en-US" sz="2400" dirty="0">
+                <a:latin typeface="Times New Roman" panose="02020603050405020304" pitchFamily="18" charset="0"/>
+                <a:cs typeface="Times New Roman" panose="02020603050405020304" pitchFamily="18" charset="0"/>
+              </a:rPr>
+              <a:t> range of sector angles is from 0 to 360 degrees</a:t>
+            </a:r>
+          </a:p>
+          <a:p>
+            <a:pPr>
+              <a:buFont typeface="Wingdings" panose="05000000000000000000" pitchFamily="2" charset="2"/>
+              <a:buChar char="Ø"/>
+            </a:pPr>
+            <a:r>
+              <a:rPr lang="en-US" sz="2400" dirty="0">
+                <a:latin typeface="Times New Roman" panose="02020603050405020304" pitchFamily="18" charset="0"/>
+                <a:cs typeface="Times New Roman" panose="02020603050405020304" pitchFamily="18" charset="0"/>
+              </a:rPr>
+              <a:t> stack angles are from 90 (top) to -90 degrees (bottom</a:t>
+            </a:r>
+            <a:r>
+              <a:rPr lang="de-AT" sz="2400" dirty="0">
+                <a:latin typeface="Times New Roman" panose="02020603050405020304" pitchFamily="18" charset="0"/>
+                <a:cs typeface="Times New Roman" panose="02020603050405020304" pitchFamily="18" charset="0"/>
+              </a:rPr>
+              <a:t>)</a:t>
+            </a:r>
+          </a:p>
+          <a:p>
+            <a:pPr>
+              <a:buFont typeface="Wingdings" panose="05000000000000000000" pitchFamily="2" charset="2"/>
+              <a:buChar char="Ø"/>
+            </a:pPr>
+            <a:r>
+              <a:rPr lang="de-AT" sz="2400" dirty="0">
+                <a:latin typeface="Times New Roman" panose="02020603050405020304" pitchFamily="18" charset="0"/>
+                <a:cs typeface="Times New Roman" panose="02020603050405020304" pitchFamily="18" charset="0"/>
               </a:rPr>
               <a:t> </a:t>
             </a:r>
-            <a:r>
-              <a:rPr lang="de-DE" sz="3600" dirty="0" err="1">
-                <a:solidFill>
-                  <a:srgbClr val="FFFFFF"/>
-                </a:solidFill>
-              </a:rPr>
-              <a:t>the</a:t>
-            </a:r>
-            <a:r>
-              <a:rPr lang="de-DE" sz="3600" dirty="0">
-                <a:solidFill>
-                  <a:srgbClr val="FFFFFF"/>
-                </a:solidFill>
-              </a:rPr>
-              <a:t> </a:t>
-            </a:r>
-            <a:r>
-              <a:rPr lang="de-DE" sz="3600" dirty="0" err="1">
-                <a:solidFill>
-                  <a:srgbClr val="FFFFFF"/>
-                </a:solidFill>
-              </a:rPr>
-              <a:t>sphere</a:t>
-            </a:r>
-            <a:r>
-              <a:rPr lang="de-DE" sz="3600" dirty="0">
-                <a:solidFill>
-                  <a:srgbClr val="FFFFFF"/>
-                </a:solidFill>
-              </a:rPr>
-              <a:t>: 2.step</a:t>
-            </a:r>
-            <a:endParaRPr lang="de-AT" sz="3600" dirty="0">
-              <a:solidFill>
-                <a:srgbClr val="FFFFFF"/>
-              </a:solidFill>
+            <a:endParaRPr lang="en-US" sz="2400" dirty="0">
+              <a:latin typeface="Times New Roman" panose="02020603050405020304" pitchFamily="18" charset="0"/>
+              <a:cs typeface="Times New Roman" panose="02020603050405020304" pitchFamily="18" charset="0"/>
             </a:endParaRPr>
           </a:p>
         </p:txBody>
       </p:sp>
       <p:pic>
         <p:nvPicPr>
-          <p:cNvPr id="4" name="Inhaltsplatzhalter 3" descr="Ein Bild, das Text enthält.&#10;&#10;Automatisch generierte Beschreibung">
-            <a:extLst>
-              <a:ext uri="{FF2B5EF4-FFF2-40B4-BE49-F238E27FC236}">
-                <a16:creationId xmlns:a16="http://schemas.microsoft.com/office/drawing/2014/main" id="{BDF8BC30-725C-44DE-84CE-16DA965170BD}"/>
+          <p:cNvPr id="3076" name="Picture 4">
+            <a:extLst>
+              <a:ext uri="{FF2B5EF4-FFF2-40B4-BE49-F238E27FC236}">
+                <a16:creationId xmlns:a16="http://schemas.microsoft.com/office/drawing/2014/main" id="{678A937D-725C-41B4-833F-52E2D8D146BA}"/>
               </a:ext>
             </a:extLst>
           </p:cNvPr>
           <p:cNvPicPr>
-            <a:picLocks noGrp="1" noChangeAspect="1"/>
+            <a:picLocks noChangeAspect="1" noChangeArrowheads="1"/>
           </p:cNvPicPr>
-          <p:nvPr>
-            <p:ph idx="1"/>
-          </p:nvPr>
+          <p:nvPr/>
         </p:nvPicPr>
         <p:blipFill>
           <a:blip r:embed="rId2">
             <a:extLst>
+              <a:ext uri="{BEBA8EAE-BF5A-486C-A8C5-ECC9F3942E4B}">
+                <a14:imgProps xmlns:a14="http://schemas.microsoft.com/office/drawing/2010/main">
+                  <a14:imgLayer r:embed="rId3">
+                    <a14:imgEffect>
+                      <a14:artisticPhotocopy/>
+                    </a14:imgEffect>
+                  </a14:imgLayer>
+                </a14:imgProps>
+              </a:ext>
               <a:ext uri="{28A0092B-C50C-407E-A947-70E740481C1C}">
                 <a14:useLocalDpi xmlns:a14="http://schemas.microsoft.com/office/drawing/2010/main" val="0"/>
               </a:ext>
             </a:extLst>
           </a:blip>
+          <a:srcRect/>
           <a:stretch>
             <a:fillRect/>
           </a:stretch>
         </p:blipFill>
-        <p:spPr>
-          <a:xfrm>
-            <a:off x="4104079" y="549000"/>
-            <a:ext cx="8118065" cy="5760000"/>
-          </a:xfrm>
-        </p:spPr>
-      </p:pic>
-      <p:sp>
-        <p:nvSpPr>
-          <p:cNvPr id="16" name="Rectangle 15">
-            <a:extLst>
-              <a:ext uri="{FF2B5EF4-FFF2-40B4-BE49-F238E27FC236}">
-                <a16:creationId xmlns:a16="http://schemas.microsoft.com/office/drawing/2014/main" id="{F5EF713F-D367-4E26-8830-885F751C3AC8}"/>
-              </a:ext>
-              <a:ext uri="{C183D7F6-B498-43B3-948B-1728B52AA6E4}">
-                <adec:decorative xmlns:adec="http://schemas.microsoft.com/office/drawing/2017/decorative" val="1"/>
-              </a:ext>
-            </a:extLst>
-          </p:cNvPr>
-          <p:cNvSpPr>
-            <a:spLocks noGrp="1" noRot="1" noChangeAspect="1" noMove="1" noResize="1" noEditPoints="1" noAdjustHandles="1" noChangeArrowheads="1" noChangeShapeType="1" noTextEdit="1"/>
-          </p:cNvSpPr>
-          <p:nvPr>
-            <p:extLst>
-              <p:ext uri="{386F3935-93C4-4BCD-93E2-E3B085C9AB24}">
-                <p16:designElem xmlns:p16="http://schemas.microsoft.com/office/powerpoint/2015/main" val="1"/>
-              </p:ext>
-            </p:extLst>
-          </p:nvPr>
-        </p:nvSpPr>
-        <p:spPr>
-          <a:xfrm>
-            <a:off x="4040071" y="0"/>
-            <a:ext cx="64008" cy="6858000"/>
+        <p:spPr bwMode="auto">
+          <a:xfrm>
+            <a:off x="1572578" y="3086833"/>
+            <a:ext cx="4657725" cy="1809750"/>
           </a:xfrm>
           <a:prstGeom prst="rect">
             <a:avLst/>
           </a:prstGeom>
-          <a:solidFill>
-            <a:schemeClr val="accent1"/>
-          </a:solidFill>
-          <a:ln>
-            <a:noFill/>
-          </a:ln>
-        </p:spPr>
-        <p:style>
-          <a:lnRef idx="2">
-            <a:schemeClr val="accent1">
-              <a:shade val="50000"/>
-            </a:schemeClr>
-          </a:lnRef>
-          <a:fillRef idx="1">
-            <a:schemeClr val="accent1"/>
-          </a:fillRef>
-          <a:effectRef idx="0">
-            <a:schemeClr val="accent1"/>
-          </a:effectRef>
-          <a:fontRef idx="minor">
-            <a:schemeClr val="lt1"/>
-          </a:fontRef>
-        </p:style>
-      </p:sp>
+          <a:noFill/>
+          <a:extLst>
+            <a:ext uri="{909E8E84-426E-40DD-AFC4-6F175D3DCCD1}">
+              <a14:hiddenFill xmlns:a14="http://schemas.microsoft.com/office/drawing/2010/main">
+                <a:solidFill>
+                  <a:srgbClr val="FFFFFF"/>
+                </a:solidFill>
+              </a14:hiddenFill>
+            </a:ext>
+          </a:extLst>
+        </p:spPr>
+      </p:pic>
     </p:spTree>
     <p:extLst>
       <p:ext uri="{BB962C8B-B14F-4D97-AF65-F5344CB8AC3E}">
-        <p14:creationId xmlns:p14="http://schemas.microsoft.com/office/powerpoint/2010/main" val="1064492176"/>
+        <p14:creationId xmlns:p14="http://schemas.microsoft.com/office/powerpoint/2010/main" val="2060452004"/>
       </p:ext>
     </p:extLst>
   </p:cSld>
@@ -4730,14 +4591,6 @@
 <file path=ppt/slides/slide13.xml><?xml version="1.0" encoding="utf-8"?>
 <p:sld xmlns:a="http://schemas.openxmlformats.org/drawingml/2006/main" xmlns:r="http://schemas.openxmlformats.org/officeDocument/2006/relationships" xmlns:p="http://schemas.openxmlformats.org/presentationml/2006/main">
   <p:cSld>
-    <p:bg>
-      <p:bgPr>
-        <a:solidFill>
-          <a:schemeClr val="bg2"/>
-        </a:solidFill>
-        <a:effectLst/>
-      </p:bgPr>
-    </p:bg>
     <p:spTree>
       <p:nvGrpSpPr>
         <p:cNvPr id="1" name=""/>
@@ -4754,234 +4607,10 @@
       </p:grpSpPr>
       <p:sp>
         <p:nvSpPr>
-          <p:cNvPr id="38" name="Rectangle 37">
-            <a:extLst>
-              <a:ext uri="{FF2B5EF4-FFF2-40B4-BE49-F238E27FC236}">
-                <a16:creationId xmlns:a16="http://schemas.microsoft.com/office/drawing/2014/main" id="{C1CEA5B3-F026-4EA7-8ECF-E1F5465E5684}"/>
-              </a:ext>
-              <a:ext uri="{C183D7F6-B498-43B3-948B-1728B52AA6E4}">
-                <adec:decorative xmlns:adec="http://schemas.microsoft.com/office/drawing/2017/decorative" val="1"/>
-              </a:ext>
-            </a:extLst>
-          </p:cNvPr>
-          <p:cNvSpPr>
-            <a:spLocks noGrp="1" noRot="1" noChangeAspect="1" noMove="1" noResize="1" noEditPoints="1" noAdjustHandles="1" noChangeArrowheads="1" noChangeShapeType="1" noTextEdit="1"/>
-          </p:cNvSpPr>
-          <p:nvPr>
-            <p:extLst>
-              <p:ext uri="{386F3935-93C4-4BCD-93E2-E3B085C9AB24}">
-                <p16:designElem xmlns:p16="http://schemas.microsoft.com/office/powerpoint/2015/main" val="1"/>
-              </p:ext>
-            </p:extLst>
-          </p:nvPr>
-        </p:nvSpPr>
-        <p:spPr>
-          <a:xfrm>
-            <a:off x="3175" y="6400800"/>
-            <a:ext cx="12188825" cy="457200"/>
-          </a:xfrm>
-          <a:prstGeom prst="rect">
-            <a:avLst/>
-          </a:prstGeom>
-          <a:solidFill>
-            <a:schemeClr val="accent1">
-              <a:lumMod val="50000"/>
-            </a:schemeClr>
-          </a:solidFill>
-          <a:ln>
-            <a:noFill/>
-          </a:ln>
-        </p:spPr>
-        <p:style>
-          <a:lnRef idx="2">
-            <a:schemeClr val="accent1">
-              <a:shade val="50000"/>
-            </a:schemeClr>
-          </a:lnRef>
-          <a:fillRef idx="1">
-            <a:schemeClr val="accent1"/>
-          </a:fillRef>
-          <a:effectRef idx="0">
-            <a:schemeClr val="accent1"/>
-          </a:effectRef>
-          <a:fontRef idx="minor">
-            <a:schemeClr val="lt1"/>
-          </a:fontRef>
-        </p:style>
-      </p:sp>
-      <p:sp>
-        <p:nvSpPr>
-          <p:cNvPr id="40" name="Rectangle 39">
-            <a:extLst>
-              <a:ext uri="{FF2B5EF4-FFF2-40B4-BE49-F238E27FC236}">
-                <a16:creationId xmlns:a16="http://schemas.microsoft.com/office/drawing/2014/main" id="{4B486FE1-17CE-45A4-9CBC-8C0B185E1963}"/>
-              </a:ext>
-              <a:ext uri="{C183D7F6-B498-43B3-948B-1728B52AA6E4}">
-                <adec:decorative xmlns:adec="http://schemas.microsoft.com/office/drawing/2017/decorative" val="1"/>
-              </a:ext>
-            </a:extLst>
-          </p:cNvPr>
-          <p:cNvSpPr>
-            <a:spLocks noGrp="1" noRot="1" noChangeAspect="1" noMove="1" noResize="1" noEditPoints="1" noAdjustHandles="1" noChangeArrowheads="1" noChangeShapeType="1" noTextEdit="1"/>
-          </p:cNvSpPr>
-          <p:nvPr>
-            <p:extLst>
-              <p:ext uri="{386F3935-93C4-4BCD-93E2-E3B085C9AB24}">
-                <p16:designElem xmlns:p16="http://schemas.microsoft.com/office/powerpoint/2015/main" val="1"/>
-              </p:ext>
-            </p:extLst>
-          </p:nvPr>
-        </p:nvSpPr>
-        <p:spPr>
-          <a:xfrm>
-            <a:off x="15" y="6334316"/>
-            <a:ext cx="12188825" cy="64008"/>
-          </a:xfrm>
-          <a:prstGeom prst="rect">
-            <a:avLst/>
-          </a:prstGeom>
-          <a:solidFill>
-            <a:schemeClr val="accent1"/>
-          </a:solidFill>
-          <a:ln>
-            <a:noFill/>
-          </a:ln>
-        </p:spPr>
-        <p:style>
-          <a:lnRef idx="2">
-            <a:schemeClr val="accent1">
-              <a:shade val="50000"/>
-            </a:schemeClr>
-          </a:lnRef>
-          <a:fillRef idx="1">
-            <a:schemeClr val="accent1"/>
-          </a:fillRef>
-          <a:effectRef idx="0">
-            <a:schemeClr val="accent1"/>
-          </a:effectRef>
-          <a:fontRef idx="minor">
-            <a:schemeClr val="lt1"/>
-          </a:fontRef>
-        </p:style>
-      </p:sp>
-      <p:cxnSp>
-        <p:nvCxnSpPr>
-          <p:cNvPr id="42" name="Straight Connector 41">
-            <a:extLst>
-              <a:ext uri="{FF2B5EF4-FFF2-40B4-BE49-F238E27FC236}">
-                <a16:creationId xmlns:a16="http://schemas.microsoft.com/office/drawing/2014/main" id="{2AF0217B-4943-4BF1-8CDF-A5FB04C876DA}"/>
-              </a:ext>
-              <a:ext uri="{C183D7F6-B498-43B3-948B-1728B52AA6E4}">
-                <adec:decorative xmlns:adec="http://schemas.microsoft.com/office/drawing/2017/decorative" val="1"/>
-              </a:ext>
-            </a:extLst>
-          </p:cNvPr>
-          <p:cNvCxnSpPr>
-            <a:cxnSpLocks noGrp="1" noRot="1" noChangeAspect="1" noMove="1" noResize="1" noEditPoints="1" noAdjustHandles="1" noChangeArrowheads="1" noChangeShapeType="1"/>
-          </p:cNvCxnSpPr>
-          <p:nvPr>
-            <p:extLst>
-              <p:ext uri="{386F3935-93C4-4BCD-93E2-E3B085C9AB24}">
-                <p16:designElem xmlns:p16="http://schemas.microsoft.com/office/powerpoint/2015/main" val="1"/>
-              </p:ext>
-            </p:extLst>
-          </p:nvPr>
-        </p:nvCxnSpPr>
-        <p:spPr>
-          <a:xfrm>
-            <a:off x="1207658" y="4343400"/>
-            <a:ext cx="9875520" cy="0"/>
-          </a:xfrm>
-          <a:prstGeom prst="line">
-            <a:avLst/>
-          </a:prstGeom>
-          <a:ln w="6350">
-            <a:solidFill>
-              <a:schemeClr val="tx1">
-                <a:lumMod val="50000"/>
-                <a:lumOff val="50000"/>
-              </a:schemeClr>
-            </a:solidFill>
-          </a:ln>
-        </p:spPr>
-        <p:style>
-          <a:lnRef idx="1">
-            <a:schemeClr val="accent1"/>
-          </a:lnRef>
-          <a:fillRef idx="0">
-            <a:schemeClr val="accent1"/>
-          </a:fillRef>
-          <a:effectRef idx="0">
-            <a:schemeClr val="accent1"/>
-          </a:effectRef>
-          <a:fontRef idx="minor">
-            <a:schemeClr val="tx1"/>
-          </a:fontRef>
-        </p:style>
-      </p:cxnSp>
-      <p:sp>
-        <p:nvSpPr>
-          <p:cNvPr id="44" name="Rectangle 43">
-            <a:extLst>
-              <a:ext uri="{FF2B5EF4-FFF2-40B4-BE49-F238E27FC236}">
-                <a16:creationId xmlns:a16="http://schemas.microsoft.com/office/drawing/2014/main" id="{947A5FA4-F7D9-4BD2-BCEA-016B70DC8E02}"/>
-              </a:ext>
-              <a:ext uri="{C183D7F6-B498-43B3-948B-1728B52AA6E4}">
-                <adec:decorative xmlns:adec="http://schemas.microsoft.com/office/drawing/2017/decorative" val="1"/>
-              </a:ext>
-            </a:extLst>
-          </p:cNvPr>
-          <p:cNvSpPr>
-            <a:spLocks noGrp="1" noRot="1" noChangeAspect="1" noMove="1" noResize="1" noEditPoints="1" noAdjustHandles="1" noChangeArrowheads="1" noChangeShapeType="1" noTextEdit="1"/>
-          </p:cNvSpPr>
-          <p:nvPr>
-            <p:extLst>
-              <p:ext uri="{386F3935-93C4-4BCD-93E2-E3B085C9AB24}">
-                <p16:designElem xmlns:p16="http://schemas.microsoft.com/office/powerpoint/2015/main" val="1"/>
-              </p:ext>
-            </p:extLst>
-          </p:nvPr>
-        </p:nvSpPr>
-        <p:spPr bwMode="white">
-          <a:xfrm>
-            <a:off x="1507" y="4953000"/>
-            <a:ext cx="12188952" cy="1905000"/>
-          </a:xfrm>
-          <a:prstGeom prst="rect">
-            <a:avLst/>
-          </a:prstGeom>
-          <a:solidFill>
-            <a:schemeClr val="accent1">
-              <a:lumMod val="50000"/>
-            </a:schemeClr>
-          </a:solidFill>
-          <a:ln>
-            <a:noFill/>
-          </a:ln>
-        </p:spPr>
-        <p:style>
-          <a:lnRef idx="2">
-            <a:schemeClr val="accent1">
-              <a:shade val="50000"/>
-            </a:schemeClr>
-          </a:lnRef>
-          <a:fillRef idx="1">
-            <a:schemeClr val="accent1"/>
-          </a:fillRef>
-          <a:effectRef idx="0">
-            <a:schemeClr val="accent1"/>
-          </a:effectRef>
-          <a:fontRef idx="minor">
-            <a:schemeClr val="lt1"/>
-          </a:fontRef>
-        </p:style>
-      </p:sp>
-      <p:sp>
-        <p:nvSpPr>
           <p:cNvPr id="2" name="Titel 1">
             <a:extLst>
               <a:ext uri="{FF2B5EF4-FFF2-40B4-BE49-F238E27FC236}">
-                <a16:creationId xmlns:a16="http://schemas.microsoft.com/office/drawing/2014/main" id="{813CBFB9-7F76-4A9D-908B-14CE62DBDD92}"/>
+                <a16:creationId xmlns:a16="http://schemas.microsoft.com/office/drawing/2014/main" id="{AA2166B8-C90E-42E5-B6B7-2CA12AFCF00F}"/>
               </a:ext>
             </a:extLst>
           </p:cNvPr>
@@ -4992,123 +4621,103 @@
             <p:ph type="title"/>
           </p:nvPr>
         </p:nvSpPr>
-        <p:spPr>
-          <a:xfrm>
-            <a:off x="1065197" y="5120640"/>
-            <a:ext cx="10058400" cy="822960"/>
-          </a:xfrm>
-        </p:spPr>
-        <p:txBody>
-          <a:bodyPr vert="horz" lIns="91440" tIns="45720" rIns="91440" bIns="45720" rtlCol="0" anchor="b">
-            <a:normAutofit/>
-          </a:bodyPr>
+        <p:spPr/>
+        <p:txBody>
+          <a:bodyPr/>
           <a:lstStyle/>
           <a:p>
             <a:r>
-              <a:rPr lang="en-US" sz="3600">
-                <a:solidFill>
-                  <a:srgbClr val="FFFFFF"/>
-                </a:solidFill>
-              </a:rPr>
-              <a:t>Creating the sphere: 3.step</a:t>
-            </a:r>
-          </a:p>
-        </p:txBody>
-      </p:sp>
-      <p:sp>
-        <p:nvSpPr>
-          <p:cNvPr id="46" name="Rectangle 45">
-            <a:extLst>
-              <a:ext uri="{FF2B5EF4-FFF2-40B4-BE49-F238E27FC236}">
-                <a16:creationId xmlns:a16="http://schemas.microsoft.com/office/drawing/2014/main" id="{D5AADE08-A85D-4367-AF35-82927B65BCD5}"/>
-              </a:ext>
-              <a:ext uri="{C183D7F6-B498-43B3-948B-1728B52AA6E4}">
-                <adec:decorative xmlns:adec="http://schemas.microsoft.com/office/drawing/2017/decorative" val="1"/>
-              </a:ext>
-            </a:extLst>
-          </p:cNvPr>
-          <p:cNvSpPr>
-            <a:spLocks noGrp="1" noRot="1" noChangeAspect="1" noMove="1" noResize="1" noEditPoints="1" noAdjustHandles="1" noChangeArrowheads="1" noChangeShapeType="1" noTextEdit="1"/>
-          </p:cNvSpPr>
-          <p:nvPr>
-            <p:extLst>
-              <p:ext uri="{386F3935-93C4-4BCD-93E2-E3B085C9AB24}">
-                <p16:designElem xmlns:p16="http://schemas.microsoft.com/office/powerpoint/2015/main" val="1"/>
-              </p:ext>
-            </p:extLst>
-          </p:nvPr>
-        </p:nvSpPr>
-        <p:spPr>
-          <a:xfrm>
-            <a:off x="1507" y="4906176"/>
-            <a:ext cx="12188952" cy="64008"/>
-          </a:xfrm>
-          <a:prstGeom prst="rect">
-            <a:avLst/>
-          </a:prstGeom>
-          <a:solidFill>
-            <a:schemeClr val="accent1"/>
-          </a:solidFill>
-          <a:ln>
-            <a:noFill/>
-          </a:ln>
-        </p:spPr>
-        <p:style>
-          <a:lnRef idx="2">
-            <a:schemeClr val="accent1">
-              <a:shade val="50000"/>
-            </a:schemeClr>
-          </a:lnRef>
-          <a:fillRef idx="1">
-            <a:schemeClr val="accent1"/>
-          </a:fillRef>
-          <a:effectRef idx="0">
-            <a:schemeClr val="accent1"/>
-          </a:effectRef>
-          <a:fontRef idx="minor">
-            <a:schemeClr val="lt1"/>
-          </a:fontRef>
-        </p:style>
-      </p:sp>
-      <p:pic>
-        <p:nvPicPr>
-          <p:cNvPr id="11" name="Inhaltsplatzhalter 10" descr="Ein Bild, das Text enthält.&#10;&#10;Automatisch generierte Beschreibung">
-            <a:extLst>
-              <a:ext uri="{FF2B5EF4-FFF2-40B4-BE49-F238E27FC236}">
-                <a16:creationId xmlns:a16="http://schemas.microsoft.com/office/drawing/2014/main" id="{607388EC-9D73-4DC2-A649-E5B9AC37C99B}"/>
-              </a:ext>
-            </a:extLst>
-          </p:cNvPr>
-          <p:cNvPicPr>
-            <a:picLocks noGrp="1" noChangeAspect="1"/>
-          </p:cNvPicPr>
+              <a:rPr lang="de-DE" dirty="0" err="1"/>
+              <a:t>Creating</a:t>
+            </a:r>
+            <a:r>
+              <a:rPr lang="de-DE" dirty="0"/>
+              <a:t> </a:t>
+            </a:r>
+            <a:r>
+              <a:rPr lang="de-DE" dirty="0" err="1"/>
+              <a:t>the</a:t>
+            </a:r>
+            <a:r>
+              <a:rPr lang="de-DE" dirty="0"/>
+              <a:t> </a:t>
+            </a:r>
+            <a:r>
+              <a:rPr lang="de-DE" dirty="0" err="1"/>
+              <a:t>sphere</a:t>
+            </a:r>
+            <a:endParaRPr lang="de-AT" dirty="0"/>
+          </a:p>
+        </p:txBody>
+      </p:sp>
+      <p:sp>
+        <p:nvSpPr>
+          <p:cNvPr id="3" name="Inhaltsplatzhalter 2">
+            <a:extLst>
+              <a:ext uri="{FF2B5EF4-FFF2-40B4-BE49-F238E27FC236}">
+                <a16:creationId xmlns:a16="http://schemas.microsoft.com/office/drawing/2014/main" id="{1935A9B4-7F8D-442E-8AF2-CBCFC8D203F3}"/>
+              </a:ext>
+            </a:extLst>
+          </p:cNvPr>
+          <p:cNvSpPr>
+            <a:spLocks noGrp="1"/>
+          </p:cNvSpPr>
           <p:nvPr>
             <p:ph idx="1"/>
           </p:nvPr>
-        </p:nvPicPr>
-        <p:blipFill>
-          <a:blip r:embed="rId2">
-            <a:extLst>
-              <a:ext uri="{28A0092B-C50C-407E-A947-70E740481C1C}">
-                <a14:useLocalDpi xmlns:a14="http://schemas.microsoft.com/office/drawing/2010/main" val="0"/>
-              </a:ext>
-            </a:extLst>
-          </a:blip>
-          <a:stretch>
-            <a:fillRect/>
-          </a:stretch>
-        </p:blipFill>
-        <p:spPr>
-          <a:xfrm>
-            <a:off x="-3975" y="78948"/>
-            <a:ext cx="12192815" cy="4752000"/>
-          </a:xfrm>
-        </p:spPr>
-      </p:pic>
+        </p:nvSpPr>
+        <p:spPr/>
+        <p:txBody>
+          <a:bodyPr anchor="ctr"/>
+          <a:lstStyle/>
+          <a:p>
+            <a:pPr>
+              <a:buFont typeface="Wingdings" panose="05000000000000000000" pitchFamily="2" charset="2"/>
+              <a:buChar char="Ø"/>
+            </a:pPr>
+            <a:r>
+              <a:rPr lang="en-US" dirty="0">
+                <a:latin typeface="Times New Roman" panose="02020603050405020304" pitchFamily="18" charset="0"/>
+                <a:cs typeface="Times New Roman" panose="02020603050405020304" pitchFamily="18" charset="0"/>
+              </a:rPr>
+              <a:t> adapted from </a:t>
+            </a:r>
+            <a:r>
+              <a:rPr lang="en-US" dirty="0">
+                <a:latin typeface="Times New Roman" panose="02020603050405020304" pitchFamily="18" charset="0"/>
+                <a:cs typeface="Times New Roman" panose="02020603050405020304" pitchFamily="18" charset="0"/>
+                <a:hlinkClick r:id="rId2"/>
+              </a:rPr>
+              <a:t>http://www.songho.ca/opengl/gl_sphere.html</a:t>
+            </a:r>
+            <a:endParaRPr lang="en-US" dirty="0">
+              <a:latin typeface="Times New Roman" panose="02020603050405020304" pitchFamily="18" charset="0"/>
+              <a:cs typeface="Times New Roman" panose="02020603050405020304" pitchFamily="18" charset="0"/>
+            </a:endParaRPr>
+          </a:p>
+          <a:p>
+            <a:pPr>
+              <a:buFont typeface="Wingdings" panose="05000000000000000000" pitchFamily="2" charset="2"/>
+              <a:buChar char="Ø"/>
+            </a:pPr>
+            <a:r>
+              <a:rPr lang="en-US" dirty="0">
+                <a:latin typeface="Times New Roman" panose="02020603050405020304" pitchFamily="18" charset="0"/>
+                <a:cs typeface="Times New Roman" panose="02020603050405020304" pitchFamily="18" charset="0"/>
+              </a:rPr>
+              <a:t> done in three main steps</a:t>
+            </a:r>
+            <a:endParaRPr lang="de-AT" dirty="0">
+              <a:latin typeface="Times New Roman" panose="02020603050405020304" pitchFamily="18" charset="0"/>
+              <a:cs typeface="Times New Roman" panose="02020603050405020304" pitchFamily="18" charset="0"/>
+            </a:endParaRPr>
+          </a:p>
+        </p:txBody>
+      </p:sp>
     </p:spTree>
     <p:extLst>
       <p:ext uri="{BB962C8B-B14F-4D97-AF65-F5344CB8AC3E}">
-        <p14:creationId xmlns:p14="http://schemas.microsoft.com/office/powerpoint/2010/main" val="2516939678"/>
+        <p14:creationId xmlns:p14="http://schemas.microsoft.com/office/powerpoint/2010/main" val="3810413879"/>
       </p:ext>
     </p:extLst>
   </p:cSld>
@@ -5143,12 +4752,12 @@
           <a:chExt cx="0" cy="0"/>
         </a:xfrm>
       </p:grpSpPr>
-      <p:sp>
-        <p:nvSpPr>
-          <p:cNvPr id="10" name="Rectangle 9">
-            <a:extLst>
-              <a:ext uri="{FF2B5EF4-FFF2-40B4-BE49-F238E27FC236}">
-                <a16:creationId xmlns:a16="http://schemas.microsoft.com/office/drawing/2014/main" id="{C1CEA5B3-F026-4EA7-8ECF-E1F5465E5684}"/>
+      <p:sp useBgFill="1">
+        <p:nvSpPr>
+          <p:cNvPr id="12" name="Rectangle 11">
+            <a:extLst>
+              <a:ext uri="{FF2B5EF4-FFF2-40B4-BE49-F238E27FC236}">
+                <a16:creationId xmlns:a16="http://schemas.microsoft.com/office/drawing/2014/main" id="{3DBD0226-9703-41AF-92F4-0830512A0A54}"/>
               </a:ext>
               <a:ext uri="{C183D7F6-B498-43B3-948B-1728B52AA6E4}">
                 <adec:decorative xmlns:adec="http://schemas.microsoft.com/office/drawing/2017/decorative" val="1"/>
@@ -5168,8 +4777,68 @@
         </p:nvSpPr>
         <p:spPr>
           <a:xfrm>
-            <a:off x="3175" y="6400800"/>
-            <a:ext cx="12188825" cy="457200"/>
+            <a:off x="0" y="0"/>
+            <a:ext cx="12186315" cy="6858000"/>
+          </a:xfrm>
+          <a:prstGeom prst="rect">
+            <a:avLst/>
+          </a:prstGeom>
+          <a:ln>
+            <a:noFill/>
+          </a:ln>
+        </p:spPr>
+        <p:style>
+          <a:lnRef idx="2">
+            <a:schemeClr val="accent6">
+              <a:shade val="50000"/>
+            </a:schemeClr>
+          </a:lnRef>
+          <a:fillRef idx="1001">
+            <a:schemeClr val="lt1"/>
+          </a:fillRef>
+          <a:effectRef idx="0">
+            <a:schemeClr val="accent6"/>
+          </a:effectRef>
+          <a:fontRef idx="minor">
+            <a:schemeClr val="lt1"/>
+          </a:fontRef>
+        </p:style>
+        <p:txBody>
+          <a:bodyPr rtlCol="0" anchor="ctr"/>
+          <a:lstStyle/>
+          <a:p>
+            <a:pPr algn="ctr"/>
+            <a:endParaRPr lang="en-US"/>
+          </a:p>
+        </p:txBody>
+      </p:sp>
+      <p:sp>
+        <p:nvSpPr>
+          <p:cNvPr id="14" name="Rectangle 13">
+            <a:extLst>
+              <a:ext uri="{FF2B5EF4-FFF2-40B4-BE49-F238E27FC236}">
+                <a16:creationId xmlns:a16="http://schemas.microsoft.com/office/drawing/2014/main" id="{3E49C037-89D1-4D16-9F78-B92699686649}"/>
+              </a:ext>
+              <a:ext uri="{C183D7F6-B498-43B3-948B-1728B52AA6E4}">
+                <adec:decorative xmlns:adec="http://schemas.microsoft.com/office/drawing/2017/decorative" val="1"/>
+              </a:ext>
+            </a:extLst>
+          </p:cNvPr>
+          <p:cNvSpPr>
+            <a:spLocks noGrp="1" noRot="1" noChangeAspect="1" noMove="1" noResize="1" noEditPoints="1" noAdjustHandles="1" noChangeArrowheads="1" noChangeShapeType="1" noTextEdit="1"/>
+          </p:cNvSpPr>
+          <p:nvPr>
+            <p:extLst>
+              <p:ext uri="{386F3935-93C4-4BCD-93E2-E3B085C9AB24}">
+                <p16:designElem xmlns:p16="http://schemas.microsoft.com/office/powerpoint/2015/main" val="1"/>
+              </p:ext>
+            </p:extLst>
+          </p:nvPr>
+        </p:nvSpPr>
+        <p:spPr>
+          <a:xfrm>
+            <a:off x="16" y="0"/>
+            <a:ext cx="4050791" cy="6858000"/>
           </a:xfrm>
           <a:prstGeom prst="rect">
             <a:avLst/>
@@ -5202,10 +4871,90 @@
       </p:sp>
       <p:sp>
         <p:nvSpPr>
-          <p:cNvPr id="12" name="Rectangle 11">
-            <a:extLst>
-              <a:ext uri="{FF2B5EF4-FFF2-40B4-BE49-F238E27FC236}">
-                <a16:creationId xmlns:a16="http://schemas.microsoft.com/office/drawing/2014/main" id="{4B486FE1-17CE-45A4-9CBC-8C0B185E1963}"/>
+          <p:cNvPr id="2" name="Titel 1">
+            <a:extLst>
+              <a:ext uri="{FF2B5EF4-FFF2-40B4-BE49-F238E27FC236}">
+                <a16:creationId xmlns:a16="http://schemas.microsoft.com/office/drawing/2014/main" id="{813CBFB9-7F76-4A9D-908B-14CE62DBDD92}"/>
+              </a:ext>
+            </a:extLst>
+          </p:cNvPr>
+          <p:cNvSpPr>
+            <a:spLocks noGrp="1"/>
+          </p:cNvSpPr>
+          <p:nvPr>
+            <p:ph type="title"/>
+          </p:nvPr>
+        </p:nvSpPr>
+        <p:spPr>
+          <a:xfrm>
+            <a:off x="492370" y="516835"/>
+            <a:ext cx="3084844" cy="2103875"/>
+          </a:xfrm>
+        </p:spPr>
+        <p:txBody>
+          <a:bodyPr>
+            <a:normAutofit/>
+          </a:bodyPr>
+          <a:lstStyle/>
+          <a:p>
+            <a:r>
+              <a:rPr lang="de-DE" sz="3600">
+                <a:solidFill>
+                  <a:srgbClr val="FFFFFF"/>
+                </a:solidFill>
+              </a:rPr>
+              <a:t>Creating the sphere: 1.step</a:t>
+            </a:r>
+            <a:endParaRPr lang="de-AT" sz="3600">
+              <a:solidFill>
+                <a:srgbClr val="FFFFFF"/>
+              </a:solidFill>
+            </a:endParaRPr>
+          </a:p>
+        </p:txBody>
+      </p:sp>
+      <p:sp>
+        <p:nvSpPr>
+          <p:cNvPr id="9" name="Content Placeholder 8">
+            <a:extLst>
+              <a:ext uri="{FF2B5EF4-FFF2-40B4-BE49-F238E27FC236}">
+                <a16:creationId xmlns:a16="http://schemas.microsoft.com/office/drawing/2014/main" id="{23497F57-47E4-4C01-902B-036AF2EBCF04}"/>
+              </a:ext>
+            </a:extLst>
+          </p:cNvPr>
+          <p:cNvSpPr>
+            <a:spLocks noGrp="1"/>
+          </p:cNvSpPr>
+          <p:nvPr>
+            <p:ph idx="1"/>
+          </p:nvPr>
+        </p:nvSpPr>
+        <p:spPr>
+          <a:xfrm>
+            <a:off x="492371" y="2653800"/>
+            <a:ext cx="3084844" cy="3335519"/>
+          </a:xfrm>
+        </p:spPr>
+        <p:txBody>
+          <a:bodyPr>
+            <a:normAutofit/>
+          </a:bodyPr>
+          <a:lstStyle/>
+          <a:p>
+            <a:endParaRPr lang="en-US" sz="1500">
+              <a:solidFill>
+                <a:srgbClr val="FFFFFF"/>
+              </a:solidFill>
+            </a:endParaRPr>
+          </a:p>
+        </p:txBody>
+      </p:sp>
+      <p:sp>
+        <p:nvSpPr>
+          <p:cNvPr id="16" name="Rectangle 15">
+            <a:extLst>
+              <a:ext uri="{FF2B5EF4-FFF2-40B4-BE49-F238E27FC236}">
+                <a16:creationId xmlns:a16="http://schemas.microsoft.com/office/drawing/2014/main" id="{F5EF713F-D367-4E26-8830-885F751C3AC8}"/>
               </a:ext>
               <a:ext uri="{C183D7F6-B498-43B3-948B-1728B52AA6E4}">
                 <adec:decorative xmlns:adec="http://schemas.microsoft.com/office/drawing/2017/decorative" val="1"/>
@@ -5225,8 +4974,8 @@
         </p:nvSpPr>
         <p:spPr>
           <a:xfrm>
-            <a:off x="15" y="6334316"/>
-            <a:ext cx="12188825" cy="64008"/>
+            <a:off x="4040071" y="0"/>
+            <a:ext cx="64008" cy="6858000"/>
           </a:xfrm>
           <a:prstGeom prst="rect">
             <a:avLst/>
@@ -5255,251 +5004,40 @@
           </a:fontRef>
         </p:style>
       </p:sp>
-      <p:cxnSp>
-        <p:nvCxnSpPr>
-          <p:cNvPr id="14" name="Straight Connector 13">
-            <a:extLst>
-              <a:ext uri="{FF2B5EF4-FFF2-40B4-BE49-F238E27FC236}">
-                <a16:creationId xmlns:a16="http://schemas.microsoft.com/office/drawing/2014/main" id="{2AF0217B-4943-4BF1-8CDF-A5FB04C876DA}"/>
-              </a:ext>
-              <a:ext uri="{C183D7F6-B498-43B3-948B-1728B52AA6E4}">
-                <adec:decorative xmlns:adec="http://schemas.microsoft.com/office/drawing/2017/decorative" val="1"/>
-              </a:ext>
-            </a:extLst>
-          </p:cNvPr>
-          <p:cNvCxnSpPr>
-            <a:cxnSpLocks noGrp="1" noRot="1" noChangeAspect="1" noMove="1" noResize="1" noEditPoints="1" noAdjustHandles="1" noChangeArrowheads="1" noChangeShapeType="1"/>
-          </p:cNvCxnSpPr>
-          <p:nvPr>
-            <p:extLst>
-              <p:ext uri="{386F3935-93C4-4BCD-93E2-E3B085C9AB24}">
-                <p16:designElem xmlns:p16="http://schemas.microsoft.com/office/powerpoint/2015/main" val="1"/>
-              </p:ext>
-            </p:extLst>
-          </p:nvPr>
-        </p:nvCxnSpPr>
-        <p:spPr>
-          <a:xfrm>
-            <a:off x="1207658" y="4343400"/>
-            <a:ext cx="9875520" cy="0"/>
-          </a:xfrm>
-          <a:prstGeom prst="line">
-            <a:avLst/>
-          </a:prstGeom>
-          <a:ln w="6350">
-            <a:solidFill>
-              <a:schemeClr val="tx1">
-                <a:lumMod val="50000"/>
-                <a:lumOff val="50000"/>
-              </a:schemeClr>
-            </a:solidFill>
-          </a:ln>
-        </p:spPr>
-        <p:style>
-          <a:lnRef idx="1">
-            <a:schemeClr val="accent1"/>
-          </a:lnRef>
-          <a:fillRef idx="0">
-            <a:schemeClr val="accent1"/>
-          </a:fillRef>
-          <a:effectRef idx="0">
-            <a:schemeClr val="accent1"/>
-          </a:effectRef>
-          <a:fontRef idx="minor">
-            <a:schemeClr val="tx1"/>
-          </a:fontRef>
-        </p:style>
-      </p:cxnSp>
-      <p:sp>
-        <p:nvSpPr>
-          <p:cNvPr id="16" name="Rectangle 15">
-            <a:extLst>
-              <a:ext uri="{FF2B5EF4-FFF2-40B4-BE49-F238E27FC236}">
-                <a16:creationId xmlns:a16="http://schemas.microsoft.com/office/drawing/2014/main" id="{947A5FA4-F7D9-4BD2-BCEA-016B70DC8E02}"/>
-              </a:ext>
-              <a:ext uri="{C183D7F6-B498-43B3-948B-1728B52AA6E4}">
-                <adec:decorative xmlns:adec="http://schemas.microsoft.com/office/drawing/2017/decorative" val="1"/>
-              </a:ext>
-            </a:extLst>
-          </p:cNvPr>
-          <p:cNvSpPr>
-            <a:spLocks noGrp="1" noRot="1" noChangeAspect="1" noMove="1" noResize="1" noEditPoints="1" noAdjustHandles="1" noChangeArrowheads="1" noChangeShapeType="1" noTextEdit="1"/>
-          </p:cNvSpPr>
-          <p:nvPr>
-            <p:extLst>
-              <p:ext uri="{386F3935-93C4-4BCD-93E2-E3B085C9AB24}">
-                <p16:designElem xmlns:p16="http://schemas.microsoft.com/office/powerpoint/2015/main" val="1"/>
-              </p:ext>
-            </p:extLst>
-          </p:nvPr>
-        </p:nvSpPr>
-        <p:spPr bwMode="white">
-          <a:xfrm>
-            <a:off x="1507" y="4953000"/>
-            <a:ext cx="12188952" cy="1905000"/>
-          </a:xfrm>
-          <a:prstGeom prst="rect">
-            <a:avLst/>
-          </a:prstGeom>
-          <a:solidFill>
-            <a:schemeClr val="accent1">
-              <a:lumMod val="50000"/>
-            </a:schemeClr>
-          </a:solidFill>
-          <a:ln>
-            <a:noFill/>
-          </a:ln>
-        </p:spPr>
-        <p:style>
-          <a:lnRef idx="2">
-            <a:schemeClr val="accent1">
-              <a:shade val="50000"/>
-            </a:schemeClr>
-          </a:lnRef>
-          <a:fillRef idx="1">
-            <a:schemeClr val="accent1"/>
-          </a:fillRef>
-          <a:effectRef idx="0">
-            <a:schemeClr val="accent1"/>
-          </a:effectRef>
-          <a:fontRef idx="minor">
-            <a:schemeClr val="lt1"/>
-          </a:fontRef>
-        </p:style>
-      </p:sp>
-      <p:sp>
-        <p:nvSpPr>
-          <p:cNvPr id="2" name="Titel 1">
-            <a:extLst>
-              <a:ext uri="{FF2B5EF4-FFF2-40B4-BE49-F238E27FC236}">
-                <a16:creationId xmlns:a16="http://schemas.microsoft.com/office/drawing/2014/main" id="{299ED1C5-2372-4D17-8C63-7692DB9BA827}"/>
-              </a:ext>
-            </a:extLst>
-          </p:cNvPr>
-          <p:cNvSpPr>
-            <a:spLocks noGrp="1"/>
-          </p:cNvSpPr>
-          <p:nvPr>
-            <p:ph type="title"/>
-          </p:nvPr>
-        </p:nvSpPr>
-        <p:spPr>
-          <a:xfrm>
-            <a:off x="1065197" y="5120640"/>
-            <a:ext cx="10058400" cy="822960"/>
-          </a:xfrm>
-        </p:spPr>
-        <p:txBody>
-          <a:bodyPr vert="horz" lIns="91440" tIns="45720" rIns="91440" bIns="45720" rtlCol="0" anchor="b">
-            <a:normAutofit/>
-          </a:bodyPr>
-          <a:lstStyle/>
-          <a:p>
-            <a:r>
-              <a:rPr lang="en-US" sz="3600" dirty="0">
-                <a:solidFill>
-                  <a:srgbClr val="FFFFFF"/>
-                </a:solidFill>
-              </a:rPr>
-              <a:t>Perspective / View</a:t>
-            </a:r>
-          </a:p>
-        </p:txBody>
-      </p:sp>
-      <p:sp>
-        <p:nvSpPr>
-          <p:cNvPr id="18" name="Rectangle 17">
-            <a:extLst>
-              <a:ext uri="{FF2B5EF4-FFF2-40B4-BE49-F238E27FC236}">
-                <a16:creationId xmlns:a16="http://schemas.microsoft.com/office/drawing/2014/main" id="{D5AADE08-A85D-4367-AF35-82927B65BCD5}"/>
-              </a:ext>
-              <a:ext uri="{C183D7F6-B498-43B3-948B-1728B52AA6E4}">
-                <adec:decorative xmlns:adec="http://schemas.microsoft.com/office/drawing/2017/decorative" val="1"/>
-              </a:ext>
-            </a:extLst>
-          </p:cNvPr>
-          <p:cNvSpPr>
-            <a:spLocks noGrp="1" noRot="1" noChangeAspect="1" noMove="1" noResize="1" noEditPoints="1" noAdjustHandles="1" noChangeArrowheads="1" noChangeShapeType="1" noTextEdit="1"/>
-          </p:cNvSpPr>
-          <p:nvPr>
-            <p:extLst>
-              <p:ext uri="{386F3935-93C4-4BCD-93E2-E3B085C9AB24}">
-                <p16:designElem xmlns:p16="http://schemas.microsoft.com/office/powerpoint/2015/main" val="1"/>
-              </p:ext>
-            </p:extLst>
-          </p:nvPr>
-        </p:nvSpPr>
-        <p:spPr>
-          <a:xfrm>
-            <a:off x="1507" y="4906176"/>
-            <a:ext cx="12188952" cy="64008"/>
-          </a:xfrm>
-          <a:prstGeom prst="rect">
-            <a:avLst/>
-          </a:prstGeom>
-          <a:solidFill>
-            <a:schemeClr val="accent1"/>
-          </a:solidFill>
-          <a:ln>
-            <a:noFill/>
-          </a:ln>
-        </p:spPr>
-        <p:style>
-          <a:lnRef idx="2">
-            <a:schemeClr val="accent1">
-              <a:shade val="50000"/>
-            </a:schemeClr>
-          </a:lnRef>
-          <a:fillRef idx="1">
-            <a:schemeClr val="accent1"/>
-          </a:fillRef>
-          <a:effectRef idx="0">
-            <a:schemeClr val="accent1"/>
-          </a:effectRef>
-          <a:fontRef idx="minor">
-            <a:schemeClr val="lt1"/>
-          </a:fontRef>
-        </p:style>
-      </p:sp>
       <p:pic>
         <p:nvPicPr>
-          <p:cNvPr id="11" name="Inhaltsplatzhalter 10" descr="Ein Bild, das Text enthält.&#10;&#10;Automatisch generierte Beschreibung">
-            <a:extLst>
-              <a:ext uri="{FF2B5EF4-FFF2-40B4-BE49-F238E27FC236}">
-                <a16:creationId xmlns:a16="http://schemas.microsoft.com/office/drawing/2014/main" id="{015F3B47-6CEE-4316-9498-07BE6723DCDB}"/>
+          <p:cNvPr id="6" name="Grafik 5">
+            <a:extLst>
+              <a:ext uri="{FF2B5EF4-FFF2-40B4-BE49-F238E27FC236}">
+                <a16:creationId xmlns:a16="http://schemas.microsoft.com/office/drawing/2014/main" id="{D71F9CE4-4757-4ED4-AB94-D791E17B7470}"/>
               </a:ext>
             </a:extLst>
           </p:cNvPr>
           <p:cNvPicPr>
-            <a:picLocks noGrp="1" noChangeAspect="1"/>
+            <a:picLocks noChangeAspect="1"/>
           </p:cNvPicPr>
-          <p:nvPr>
-            <p:ph idx="1"/>
-          </p:nvPr>
+          <p:nvPr/>
         </p:nvPicPr>
         <p:blipFill>
-          <a:blip r:embed="rId2">
-            <a:extLst>
-              <a:ext uri="{28A0092B-C50C-407E-A947-70E740481C1C}">
-                <a14:useLocalDpi xmlns:a14="http://schemas.microsoft.com/office/drawing/2010/main" val="0"/>
-              </a:ext>
-            </a:extLst>
-          </a:blip>
+          <a:blip r:embed="rId2"/>
           <a:stretch>
             <a:fillRect/>
           </a:stretch>
         </p:blipFill>
         <p:spPr>
           <a:xfrm>
-            <a:off x="824375" y="0"/>
-            <a:ext cx="10642085" cy="4896000"/>
-          </a:xfrm>
+            <a:off x="4128954" y="938568"/>
+            <a:ext cx="8083997" cy="4980864"/>
+          </a:xfrm>
+          <a:prstGeom prst="rect">
+            <a:avLst/>
+          </a:prstGeom>
         </p:spPr>
       </p:pic>
     </p:spTree>
     <p:extLst>
       <p:ext uri="{BB962C8B-B14F-4D97-AF65-F5344CB8AC3E}">
-        <p14:creationId xmlns:p14="http://schemas.microsoft.com/office/powerpoint/2010/main" val="1335712501"/>
+        <p14:creationId xmlns:p14="http://schemas.microsoft.com/office/powerpoint/2010/main" val="2330474677"/>
       </p:ext>
     </p:extLst>
   </p:cSld>
@@ -5512,6 +5050,14 @@
 <file path=ppt/slides/slide15.xml><?xml version="1.0" encoding="utf-8"?>
 <p:sld xmlns:a="http://schemas.openxmlformats.org/drawingml/2006/main" xmlns:r="http://schemas.openxmlformats.org/officeDocument/2006/relationships" xmlns:p="http://schemas.openxmlformats.org/presentationml/2006/main">
   <p:cSld>
+    <p:bg>
+      <p:bgPr>
+        <a:solidFill>
+          <a:schemeClr val="bg2"/>
+        </a:solidFill>
+        <a:effectLst/>
+      </p:bgPr>
+    </p:bg>
     <p:spTree>
       <p:nvGrpSpPr>
         <p:cNvPr id="1" name=""/>
@@ -5526,12 +5072,72 @@
           <a:chExt cx="0" cy="0"/>
         </a:xfrm>
       </p:grpSpPr>
+      <p:sp useBgFill="1">
+        <p:nvSpPr>
+          <p:cNvPr id="4100" name="Rectangle 70">
+            <a:extLst>
+              <a:ext uri="{FF2B5EF4-FFF2-40B4-BE49-F238E27FC236}">
+                <a16:creationId xmlns:a16="http://schemas.microsoft.com/office/drawing/2014/main" id="{9A2C1126-B82F-462B-8DEB-8B10A5B0FDF4}"/>
+              </a:ext>
+              <a:ext uri="{C183D7F6-B498-43B3-948B-1728B52AA6E4}">
+                <adec:decorative xmlns:adec="http://schemas.microsoft.com/office/drawing/2017/decorative" val="1"/>
+              </a:ext>
+            </a:extLst>
+          </p:cNvPr>
+          <p:cNvSpPr>
+            <a:spLocks noGrp="1" noRot="1" noChangeAspect="1" noMove="1" noResize="1" noEditPoints="1" noAdjustHandles="1" noChangeArrowheads="1" noChangeShapeType="1" noTextEdit="1"/>
+          </p:cNvSpPr>
+          <p:nvPr>
+            <p:extLst>
+              <p:ext uri="{386F3935-93C4-4BCD-93E2-E3B085C9AB24}">
+                <p16:designElem xmlns:p16="http://schemas.microsoft.com/office/powerpoint/2015/main" val="1"/>
+              </p:ext>
+            </p:extLst>
+          </p:nvPr>
+        </p:nvSpPr>
+        <p:spPr>
+          <a:xfrm>
+            <a:off x="0" y="0"/>
+            <a:ext cx="12192001" cy="6334316"/>
+          </a:xfrm>
+          <a:prstGeom prst="rect">
+            <a:avLst/>
+          </a:prstGeom>
+          <a:ln>
+            <a:noFill/>
+          </a:ln>
+        </p:spPr>
+        <p:style>
+          <a:lnRef idx="2">
+            <a:schemeClr val="accent1">
+              <a:shade val="50000"/>
+            </a:schemeClr>
+          </a:lnRef>
+          <a:fillRef idx="1">
+            <a:schemeClr val="accent1"/>
+          </a:fillRef>
+          <a:effectRef idx="0">
+            <a:schemeClr val="accent1"/>
+          </a:effectRef>
+          <a:fontRef idx="minor">
+            <a:schemeClr val="lt1"/>
+          </a:fontRef>
+        </p:style>
+        <p:txBody>
+          <a:bodyPr rtlCol="0" anchor="ctr"/>
+          <a:lstStyle/>
+          <a:p>
+            <a:pPr algn="ctr"/>
+            <a:endParaRPr lang="en-US"/>
+          </a:p>
+        </p:txBody>
+      </p:sp>
       <p:sp>
         <p:nvSpPr>
           <p:cNvPr id="2" name="Titel 1">
             <a:extLst>
               <a:ext uri="{FF2B5EF4-FFF2-40B4-BE49-F238E27FC236}">
-                <a16:creationId xmlns:a16="http://schemas.microsoft.com/office/drawing/2014/main" id="{D3579722-9D15-41B3-BBD2-84DD6BA11313}"/>
+                <a16:creationId xmlns:a16="http://schemas.microsoft.com/office/drawing/2014/main" id="{DE397EB4-05F3-43A8-BA6A-DCD0AC14819F}"/>
               </a:ext>
             </a:extLst>
           </p:cNvPr>
@@ -5542,18 +5148,21 @@
             <p:ph type="title"/>
           </p:nvPr>
         </p:nvSpPr>
-        <p:spPr/>
-        <p:txBody>
-          <a:bodyPr/>
+        <p:spPr>
+          <a:xfrm>
+            <a:off x="6411685" y="634946"/>
+            <a:ext cx="5127171" cy="1450757"/>
+          </a:xfrm>
+        </p:spPr>
+        <p:txBody>
+          <a:bodyPr>
+            <a:normAutofit/>
+          </a:bodyPr>
           <a:lstStyle/>
           <a:p>
             <a:r>
-              <a:rPr lang="en-US" sz="4800" dirty="0">
-                <a:solidFill>
-                  <a:srgbClr val="FFFFFF"/>
-                </a:solidFill>
-              </a:rPr>
-              <a:t>Perspective / View</a:t>
+              <a:rPr lang="de-DE" dirty="0" err="1"/>
+              <a:t>Sphere</a:t>
             </a:r>
             <a:endParaRPr lang="de-AT" dirty="0"/>
           </a:p>
@@ -5561,19 +5170,17 @@
       </p:sp>
       <p:pic>
         <p:nvPicPr>
-          <p:cNvPr id="5" name="Inhaltsplatzhalter 4" descr="Ein Bild, das Text enthält.&#10;&#10;Automatisch generierte Beschreibung">
-            <a:extLst>
-              <a:ext uri="{FF2B5EF4-FFF2-40B4-BE49-F238E27FC236}">
-                <a16:creationId xmlns:a16="http://schemas.microsoft.com/office/drawing/2014/main" id="{013940FA-AE63-472C-9C64-2AFAFAA89285}"/>
+          <p:cNvPr id="4098" name="Picture 2" descr="vertex indices of sphere">
+            <a:extLst>
+              <a:ext uri="{FF2B5EF4-FFF2-40B4-BE49-F238E27FC236}">
+                <a16:creationId xmlns:a16="http://schemas.microsoft.com/office/drawing/2014/main" id="{1A23B5E2-6616-412A-BA2C-8D3D84EC03F2}"/>
               </a:ext>
             </a:extLst>
           </p:cNvPr>
           <p:cNvPicPr>
-            <a:picLocks noGrp="1" noChangeAspect="1"/>
+            <a:picLocks noChangeAspect="1" noChangeArrowheads="1"/>
           </p:cNvPicPr>
-          <p:nvPr>
-            <p:ph idx="1"/>
-          </p:nvPr>
+          <p:nvPr/>
         </p:nvPicPr>
         <p:blipFill>
           <a:blip r:embed="rId2">
@@ -5587,17 +5194,292 @@
             <a:fillRect/>
           </a:stretch>
         </p:blipFill>
-        <p:spPr>
-          <a:xfrm>
-            <a:off x="1097280" y="2372449"/>
-            <a:ext cx="6674994" cy="2340000"/>
-          </a:xfrm>
+        <p:spPr bwMode="auto">
+          <a:xfrm>
+            <a:off x="643192" y="1565346"/>
+            <a:ext cx="5451627" cy="3407266"/>
+          </a:xfrm>
+          <a:prstGeom prst="rect">
+            <a:avLst/>
+          </a:prstGeom>
+          <a:noFill/>
+          <a:extLst>
+            <a:ext uri="{909E8E84-426E-40DD-AFC4-6F175D3DCCD1}">
+              <a14:hiddenFill xmlns:a14="http://schemas.microsoft.com/office/drawing/2010/main">
+                <a:solidFill>
+                  <a:srgbClr val="FFFFFF"/>
+                </a:solidFill>
+              </a14:hiddenFill>
+            </a:ext>
+          </a:extLst>
         </p:spPr>
       </p:pic>
+      <p:cxnSp>
+        <p:nvCxnSpPr>
+          <p:cNvPr id="4101" name="Straight Connector 72">
+            <a:extLst>
+              <a:ext uri="{FF2B5EF4-FFF2-40B4-BE49-F238E27FC236}">
+                <a16:creationId xmlns:a16="http://schemas.microsoft.com/office/drawing/2014/main" id="{BE5B8EFE-AF32-4125-97CC-7322A38DA09A}"/>
+              </a:ext>
+              <a:ext uri="{C183D7F6-B498-43B3-948B-1728B52AA6E4}">
+                <adec:decorative xmlns:adec="http://schemas.microsoft.com/office/drawing/2017/decorative" val="1"/>
+              </a:ext>
+            </a:extLst>
+          </p:cNvPr>
+          <p:cNvCxnSpPr>
+            <a:cxnSpLocks noGrp="1" noRot="1" noChangeAspect="1" noMove="1" noResize="1" noEditPoints="1" noAdjustHandles="1" noChangeArrowheads="1" noChangeShapeType="1"/>
+          </p:cNvCxnSpPr>
+          <p:nvPr>
+            <p:extLst>
+              <p:ext uri="{386F3935-93C4-4BCD-93E2-E3B085C9AB24}">
+                <p16:designElem xmlns:p16="http://schemas.microsoft.com/office/powerpoint/2015/main" val="1"/>
+              </p:ext>
+            </p:extLst>
+          </p:nvPr>
+        </p:nvCxnSpPr>
+        <p:spPr>
+          <a:xfrm>
+            <a:off x="6411684" y="2086188"/>
+            <a:ext cx="4748808" cy="0"/>
+          </a:xfrm>
+          <a:prstGeom prst="line">
+            <a:avLst/>
+          </a:prstGeom>
+          <a:ln w="6350">
+            <a:solidFill>
+              <a:schemeClr val="tx1">
+                <a:lumMod val="50000"/>
+                <a:lumOff val="50000"/>
+                <a:alpha val="90000"/>
+              </a:schemeClr>
+            </a:solidFill>
+          </a:ln>
+        </p:spPr>
+        <p:style>
+          <a:lnRef idx="1">
+            <a:schemeClr val="accent1"/>
+          </a:lnRef>
+          <a:fillRef idx="0">
+            <a:schemeClr val="accent1"/>
+          </a:fillRef>
+          <a:effectRef idx="0">
+            <a:schemeClr val="accent1"/>
+          </a:effectRef>
+          <a:fontRef idx="minor">
+            <a:schemeClr val="tx1"/>
+          </a:fontRef>
+        </p:style>
+      </p:cxnSp>
+      <p:sp>
+        <p:nvSpPr>
+          <p:cNvPr id="3" name="Inhaltsplatzhalter 2">
+            <a:extLst>
+              <a:ext uri="{FF2B5EF4-FFF2-40B4-BE49-F238E27FC236}">
+                <a16:creationId xmlns:a16="http://schemas.microsoft.com/office/drawing/2014/main" id="{9C25780B-AB06-4354-940D-4DD37D79DE91}"/>
+              </a:ext>
+            </a:extLst>
+          </p:cNvPr>
+          <p:cNvSpPr>
+            <a:spLocks noGrp="1"/>
+          </p:cNvSpPr>
+          <p:nvPr>
+            <p:ph idx="1"/>
+          </p:nvPr>
+        </p:nvSpPr>
+        <p:spPr>
+          <a:xfrm>
+            <a:off x="6411684" y="2198914"/>
+            <a:ext cx="5127172" cy="3670180"/>
+          </a:xfrm>
+        </p:spPr>
+        <p:txBody>
+          <a:bodyPr>
+            <a:normAutofit/>
+          </a:bodyPr>
+          <a:lstStyle/>
+          <a:p>
+            <a:pPr>
+              <a:buFont typeface="Wingdings" panose="05000000000000000000" pitchFamily="2" charset="2"/>
+              <a:buChar char="Ø"/>
+            </a:pPr>
+            <a:r>
+              <a:rPr lang="en-US" dirty="0">
+                <a:latin typeface="Times New Roman" panose="02020603050405020304" pitchFamily="18" charset="0"/>
+                <a:cs typeface="Times New Roman" panose="02020603050405020304" pitchFamily="18" charset="0"/>
+              </a:rPr>
+              <a:t> to draw the surface of a sphere in OpenGL, you must triangulate adjacent vertices to form polygons</a:t>
+            </a:r>
+          </a:p>
+          <a:p>
+            <a:pPr>
+              <a:buFont typeface="Wingdings" panose="05000000000000000000" pitchFamily="2" charset="2"/>
+              <a:buChar char="Ø"/>
+            </a:pPr>
+            <a:r>
+              <a:rPr lang="en-US" dirty="0">
+                <a:latin typeface="Times New Roman" panose="02020603050405020304" pitchFamily="18" charset="0"/>
+                <a:cs typeface="Times New Roman" panose="02020603050405020304" pitchFamily="18" charset="0"/>
+              </a:rPr>
+              <a:t> Each sector in a stack requires 2 triangles</a:t>
+            </a:r>
+          </a:p>
+          <a:p>
+            <a:pPr>
+              <a:buFont typeface="Wingdings" panose="05000000000000000000" pitchFamily="2" charset="2"/>
+              <a:buChar char="Ø"/>
+            </a:pPr>
+            <a:r>
+              <a:rPr lang="en-US" dirty="0">
+                <a:latin typeface="Times New Roman" panose="02020603050405020304" pitchFamily="18" charset="0"/>
+                <a:cs typeface="Times New Roman" panose="02020603050405020304" pitchFamily="18" charset="0"/>
+              </a:rPr>
+              <a:t> If the first vertex index in the current stack is k1 and the next stack is k2, then the counterclockwise orders of vertex indices of 2 triangles are;</a:t>
+            </a:r>
+          </a:p>
+          <a:p>
+            <a:pPr>
+              <a:buFont typeface="Wingdings" panose="05000000000000000000" pitchFamily="2" charset="2"/>
+              <a:buChar char="Ø"/>
+            </a:pPr>
+            <a:r>
+              <a:rPr lang="en-US" dirty="0">
+                <a:latin typeface="Times New Roman" panose="02020603050405020304" pitchFamily="18" charset="0"/>
+                <a:cs typeface="Times New Roman" panose="02020603050405020304" pitchFamily="18" charset="0"/>
+              </a:rPr>
+              <a:t> k1 ⟶ k2 ⟶ k1+1</a:t>
+            </a:r>
+          </a:p>
+          <a:p>
+            <a:pPr>
+              <a:buFont typeface="Wingdings" panose="05000000000000000000" pitchFamily="2" charset="2"/>
+              <a:buChar char="Ø"/>
+            </a:pPr>
+            <a:r>
+              <a:rPr lang="en-US" dirty="0">
+                <a:latin typeface="Times New Roman" panose="02020603050405020304" pitchFamily="18" charset="0"/>
+                <a:cs typeface="Times New Roman" panose="02020603050405020304" pitchFamily="18" charset="0"/>
+              </a:rPr>
+              <a:t> k1+1 ⟶ k2 ⟶ k2+1</a:t>
+            </a:r>
+          </a:p>
+        </p:txBody>
+      </p:sp>
+      <p:sp>
+        <p:nvSpPr>
+          <p:cNvPr id="4102" name="Rectangle 74">
+            <a:extLst>
+              <a:ext uri="{FF2B5EF4-FFF2-40B4-BE49-F238E27FC236}">
+                <a16:creationId xmlns:a16="http://schemas.microsoft.com/office/drawing/2014/main" id="{E225B535-6DF5-4B36-9E4B-B80A0796A199}"/>
+              </a:ext>
+              <a:ext uri="{C183D7F6-B498-43B3-948B-1728B52AA6E4}">
+                <adec:decorative xmlns:adec="http://schemas.microsoft.com/office/drawing/2017/decorative" val="1"/>
+              </a:ext>
+            </a:extLst>
+          </p:cNvPr>
+          <p:cNvSpPr>
+            <a:spLocks noGrp="1" noRot="1" noChangeAspect="1" noMove="1" noResize="1" noEditPoints="1" noAdjustHandles="1" noChangeArrowheads="1" noChangeShapeType="1" noTextEdit="1"/>
+          </p:cNvSpPr>
+          <p:nvPr>
+            <p:extLst>
+              <p:ext uri="{386F3935-93C4-4BCD-93E2-E3B085C9AB24}">
+                <p16:designElem xmlns:p16="http://schemas.microsoft.com/office/powerpoint/2015/main" val="1"/>
+              </p:ext>
+            </p:extLst>
+          </p:nvPr>
+        </p:nvSpPr>
+        <p:spPr>
+          <a:xfrm>
+            <a:off x="15" y="6334316"/>
+            <a:ext cx="12191985" cy="66484"/>
+          </a:xfrm>
+          <a:prstGeom prst="rect">
+            <a:avLst/>
+          </a:prstGeom>
+          <a:solidFill>
+            <a:schemeClr val="accent1"/>
+          </a:solidFill>
+          <a:ln>
+            <a:noFill/>
+          </a:ln>
+        </p:spPr>
+        <p:style>
+          <a:lnRef idx="2">
+            <a:schemeClr val="accent1">
+              <a:shade val="50000"/>
+            </a:schemeClr>
+          </a:lnRef>
+          <a:fillRef idx="1">
+            <a:schemeClr val="accent1"/>
+          </a:fillRef>
+          <a:effectRef idx="0">
+            <a:schemeClr val="accent1"/>
+          </a:effectRef>
+          <a:fontRef idx="minor">
+            <a:schemeClr val="lt1"/>
+          </a:fontRef>
+        </p:style>
+      </p:sp>
+      <p:sp>
+        <p:nvSpPr>
+          <p:cNvPr id="77" name="Rectangle 76">
+            <a:extLst>
+              <a:ext uri="{FF2B5EF4-FFF2-40B4-BE49-F238E27FC236}">
+                <a16:creationId xmlns:a16="http://schemas.microsoft.com/office/drawing/2014/main" id="{EE43A332-627C-4D63-B88B-FC1C2B12D8AF}"/>
+              </a:ext>
+              <a:ext uri="{C183D7F6-B498-43B3-948B-1728B52AA6E4}">
+                <adec:decorative xmlns:adec="http://schemas.microsoft.com/office/drawing/2017/decorative" val="1"/>
+              </a:ext>
+            </a:extLst>
+          </p:cNvPr>
+          <p:cNvSpPr>
+            <a:spLocks noGrp="1" noRot="1" noChangeAspect="1" noMove="1" noResize="1" noEditPoints="1" noAdjustHandles="1" noChangeArrowheads="1" noChangeShapeType="1" noTextEdit="1"/>
+          </p:cNvSpPr>
+          <p:nvPr>
+            <p:extLst>
+              <p:ext uri="{386F3935-93C4-4BCD-93E2-E3B085C9AB24}">
+                <p16:designElem xmlns:p16="http://schemas.microsoft.com/office/powerpoint/2015/main" val="1"/>
+              </p:ext>
+            </p:extLst>
+          </p:nvPr>
+        </p:nvSpPr>
+        <p:spPr>
+          <a:xfrm>
+            <a:off x="1" y="6400800"/>
+            <a:ext cx="12192000" cy="457200"/>
+          </a:xfrm>
+          <a:prstGeom prst="rect">
+            <a:avLst/>
+          </a:prstGeom>
+          <a:solidFill>
+            <a:schemeClr val="accent1">
+              <a:lumMod val="50000"/>
+            </a:schemeClr>
+          </a:solidFill>
+          <a:ln>
+            <a:noFill/>
+          </a:ln>
+        </p:spPr>
+        <p:style>
+          <a:lnRef idx="2">
+            <a:schemeClr val="accent1">
+              <a:shade val="50000"/>
+            </a:schemeClr>
+          </a:lnRef>
+          <a:fillRef idx="1">
+            <a:schemeClr val="accent1"/>
+          </a:fillRef>
+          <a:effectRef idx="0">
+            <a:schemeClr val="accent1"/>
+          </a:effectRef>
+          <a:fontRef idx="minor">
+            <a:schemeClr val="lt1"/>
+          </a:fontRef>
+        </p:style>
+      </p:sp>
     </p:spTree>
     <p:extLst>
       <p:ext uri="{BB962C8B-B14F-4D97-AF65-F5344CB8AC3E}">
-        <p14:creationId xmlns:p14="http://schemas.microsoft.com/office/powerpoint/2010/main" val="1689369632"/>
+        <p14:creationId xmlns:p14="http://schemas.microsoft.com/office/powerpoint/2010/main" val="3068432199"/>
       </p:ext>
     </p:extLst>
   </p:cSld>
@@ -5634,10 +5516,10 @@
       </p:grpSpPr>
       <p:sp useBgFill="1">
         <p:nvSpPr>
-          <p:cNvPr id="10" name="Rectangle 9">
-            <a:extLst>
-              <a:ext uri="{FF2B5EF4-FFF2-40B4-BE49-F238E27FC236}">
-                <a16:creationId xmlns:a16="http://schemas.microsoft.com/office/drawing/2014/main" id="{05670695-BABB-487A-9D4A-6B549E1C4F3C}"/>
+          <p:cNvPr id="12" name="Rectangle 11">
+            <a:extLst>
+              <a:ext uri="{FF2B5EF4-FFF2-40B4-BE49-F238E27FC236}">
+                <a16:creationId xmlns:a16="http://schemas.microsoft.com/office/drawing/2014/main" id="{3DBD0226-9703-41AF-92F4-0830512A0A54}"/>
               </a:ext>
               <a:ext uri="{C183D7F6-B498-43B3-948B-1728B52AA6E4}">
                 <adec:decorative xmlns:adec="http://schemas.microsoft.com/office/drawing/2017/decorative" val="1"/>
@@ -5694,10 +5576,10 @@
       </p:sp>
       <p:sp>
         <p:nvSpPr>
-          <p:cNvPr id="12" name="Rectangle 11">
-            <a:extLst>
-              <a:ext uri="{FF2B5EF4-FFF2-40B4-BE49-F238E27FC236}">
-                <a16:creationId xmlns:a16="http://schemas.microsoft.com/office/drawing/2014/main" id="{0E639418-A68B-41C9-8706-DAD1D3E21DE1}"/>
+          <p:cNvPr id="14" name="Rectangle 13">
+            <a:extLst>
+              <a:ext uri="{FF2B5EF4-FFF2-40B4-BE49-F238E27FC236}">
+                <a16:creationId xmlns:a16="http://schemas.microsoft.com/office/drawing/2014/main" id="{3E49C037-89D1-4D16-9F78-B92699686649}"/>
               </a:ext>
               <a:ext uri="{C183D7F6-B498-43B3-948B-1728B52AA6E4}">
                 <adec:decorative xmlns:adec="http://schemas.microsoft.com/office/drawing/2017/decorative" val="1"/>
@@ -5754,7 +5636,7 @@
           <p:cNvPr id="2" name="Titel 1">
             <a:extLst>
               <a:ext uri="{FF2B5EF4-FFF2-40B4-BE49-F238E27FC236}">
-                <a16:creationId xmlns:a16="http://schemas.microsoft.com/office/drawing/2014/main" id="{FB802FF9-04D8-4652-942F-8F50B2ABD29A}"/>
+                <a16:creationId xmlns:a16="http://schemas.microsoft.com/office/drawing/2014/main" id="{813CBFB9-7F76-4A9D-908B-14CE62DBDD92}"/>
               </a:ext>
             </a:extLst>
           </p:cNvPr>
@@ -5778,14 +5660,54 @@
           <a:lstStyle/>
           <a:p>
             <a:r>
-              <a:rPr lang="de-DE" sz="3600">
+              <a:rPr lang="de-DE" sz="3600" dirty="0" err="1">
                 <a:solidFill>
                   <a:srgbClr val="FFFFFF"/>
                 </a:solidFill>
               </a:rPr>
-              <a:t>Shaders</a:t>
-            </a:r>
-            <a:endParaRPr lang="de-AT" sz="3600">
+              <a:t>Creating</a:t>
+            </a:r>
+            <a:r>
+              <a:rPr lang="de-DE" sz="3600" dirty="0">
+                <a:solidFill>
+                  <a:srgbClr val="FFFFFF"/>
+                </a:solidFill>
+              </a:rPr>
+              <a:t> </a:t>
+            </a:r>
+            <a:r>
+              <a:rPr lang="de-DE" sz="3600" dirty="0" err="1">
+                <a:solidFill>
+                  <a:srgbClr val="FFFFFF"/>
+                </a:solidFill>
+              </a:rPr>
+              <a:t>the</a:t>
+            </a:r>
+            <a:r>
+              <a:rPr lang="de-DE" sz="3600" dirty="0">
+                <a:solidFill>
+                  <a:srgbClr val="FFFFFF"/>
+                </a:solidFill>
+              </a:rPr>
+              <a:t> </a:t>
+            </a:r>
+            <a:r>
+              <a:rPr lang="de-DE" sz="3600" dirty="0" err="1">
+                <a:solidFill>
+                  <a:srgbClr val="FFFFFF"/>
+                </a:solidFill>
+              </a:rPr>
+              <a:t>sphere</a:t>
+            </a:r>
+            <a:r>
+              <a:rPr lang="de-DE" sz="3600" dirty="0">
+                <a:solidFill>
+                  <a:srgbClr val="FFFFFF"/>
+                </a:solidFill>
+              </a:rPr>
+              <a:t>: 2.step</a:t>
+            </a:r>
+            <a:endParaRPr lang="de-AT" sz="3600" dirty="0">
               <a:solidFill>
                 <a:srgbClr val="FFFFFF"/>
               </a:solidFill>
@@ -5793,60 +5715,47 @@
           </a:p>
         </p:txBody>
       </p:sp>
-      <p:sp>
-        <p:nvSpPr>
-          <p:cNvPr id="3" name="Inhaltsplatzhalter 2">
-            <a:extLst>
-              <a:ext uri="{FF2B5EF4-FFF2-40B4-BE49-F238E27FC236}">
-                <a16:creationId xmlns:a16="http://schemas.microsoft.com/office/drawing/2014/main" id="{E02D23AF-6D2B-4179-ACA4-8B686BD8B319}"/>
-              </a:ext>
-            </a:extLst>
-          </p:cNvPr>
-          <p:cNvSpPr>
-            <a:spLocks noGrp="1"/>
-          </p:cNvSpPr>
+      <p:pic>
+        <p:nvPicPr>
+          <p:cNvPr id="4" name="Inhaltsplatzhalter 3" descr="Ein Bild, das Text enthält.&#10;&#10;Automatisch generierte Beschreibung">
+            <a:extLst>
+              <a:ext uri="{FF2B5EF4-FFF2-40B4-BE49-F238E27FC236}">
+                <a16:creationId xmlns:a16="http://schemas.microsoft.com/office/drawing/2014/main" id="{BDF8BC30-725C-44DE-84CE-16DA965170BD}"/>
+              </a:ext>
+            </a:extLst>
+          </p:cNvPr>
+          <p:cNvPicPr>
+            <a:picLocks noGrp="1" noChangeAspect="1"/>
+          </p:cNvPicPr>
           <p:nvPr>
             <p:ph idx="1"/>
           </p:nvPr>
-        </p:nvSpPr>
-        <p:spPr>
-          <a:xfrm>
-            <a:off x="492371" y="2653800"/>
-            <a:ext cx="3084844" cy="3335519"/>
-          </a:xfrm>
-        </p:spPr>
-        <p:txBody>
-          <a:bodyPr>
-            <a:normAutofit/>
-          </a:bodyPr>
-          <a:lstStyle/>
-          <a:p>
-            <a:pPr>
-              <a:buFont typeface="Wingdings" panose="05000000000000000000" pitchFamily="2" charset="2"/>
-              <a:buChar char="Ø"/>
-            </a:pPr>
-            <a:r>
-              <a:rPr lang="de-DE" sz="1500">
-                <a:solidFill>
-                  <a:srgbClr val="FFFFFF"/>
-                </a:solidFill>
-              </a:rPr>
-              <a:t> </a:t>
-            </a:r>
-            <a:endParaRPr lang="de-AT" sz="1500">
-              <a:solidFill>
-                <a:srgbClr val="FFFFFF"/>
-              </a:solidFill>
-            </a:endParaRPr>
-          </a:p>
-        </p:txBody>
-      </p:sp>
-      <p:sp>
-        <p:nvSpPr>
-          <p:cNvPr id="14" name="Rectangle 13">
-            <a:extLst>
-              <a:ext uri="{FF2B5EF4-FFF2-40B4-BE49-F238E27FC236}">
-                <a16:creationId xmlns:a16="http://schemas.microsoft.com/office/drawing/2014/main" id="{E579711D-7383-441E-8339-9A2B566677DB}"/>
+        </p:nvPicPr>
+        <p:blipFill>
+          <a:blip r:embed="rId2">
+            <a:extLst>
+              <a:ext uri="{28A0092B-C50C-407E-A947-70E740481C1C}">
+                <a14:useLocalDpi xmlns:a14="http://schemas.microsoft.com/office/drawing/2010/main" val="0"/>
+              </a:ext>
+            </a:extLst>
+          </a:blip>
+          <a:stretch>
+            <a:fillRect/>
+          </a:stretch>
+        </p:blipFill>
+        <p:spPr>
+          <a:xfrm>
+            <a:off x="4104079" y="549000"/>
+            <a:ext cx="8118065" cy="5760000"/>
+          </a:xfrm>
+        </p:spPr>
+      </p:pic>
+      <p:sp>
+        <p:nvSpPr>
+          <p:cNvPr id="16" name="Rectangle 15">
+            <a:extLst>
+              <a:ext uri="{FF2B5EF4-FFF2-40B4-BE49-F238E27FC236}">
+                <a16:creationId xmlns:a16="http://schemas.microsoft.com/office/drawing/2014/main" id="{F5EF713F-D367-4E26-8830-885F751C3AC8}"/>
               </a:ext>
               <a:ext uri="{C183D7F6-B498-43B3-948B-1728B52AA6E4}">
                 <adec:decorative xmlns:adec="http://schemas.microsoft.com/office/drawing/2017/decorative" val="1"/>
@@ -5896,46 +5805,10 @@
           </a:fontRef>
         </p:style>
       </p:sp>
-      <p:pic>
-        <p:nvPicPr>
-          <p:cNvPr id="6" name="Grafik 5" descr="Ein Bild, das Text enthält.&#10;&#10;Automatisch generierte Beschreibung">
-            <a:extLst>
-              <a:ext uri="{FF2B5EF4-FFF2-40B4-BE49-F238E27FC236}">
-                <a16:creationId xmlns:a16="http://schemas.microsoft.com/office/drawing/2014/main" id="{E65AA5B8-5B53-45FE-B0CC-C35A22EF7A97}"/>
-              </a:ext>
-            </a:extLst>
-          </p:cNvPr>
-          <p:cNvPicPr>
-            <a:picLocks noChangeAspect="1"/>
-          </p:cNvPicPr>
-          <p:nvPr/>
-        </p:nvPicPr>
-        <p:blipFill>
-          <a:blip r:embed="rId2">
-            <a:extLst>
-              <a:ext uri="{28A0092B-C50C-407E-A947-70E740481C1C}">
-                <a14:useLocalDpi xmlns:a14="http://schemas.microsoft.com/office/drawing/2010/main" val="0"/>
-              </a:ext>
-            </a:extLst>
-          </a:blip>
-          <a:stretch>
-            <a:fillRect/>
-          </a:stretch>
-        </p:blipFill>
-        <p:spPr>
-          <a:xfrm>
-            <a:off x="0" y="1673"/>
-            <a:ext cx="12192000" cy="6854653"/>
-          </a:xfrm>
-          <a:prstGeom prst="rect">
-            <a:avLst/>
-          </a:prstGeom>
-        </p:spPr>
-      </p:pic>
     </p:spTree>
     <p:extLst>
       <p:ext uri="{BB962C8B-B14F-4D97-AF65-F5344CB8AC3E}">
-        <p14:creationId xmlns:p14="http://schemas.microsoft.com/office/powerpoint/2010/main" val="438599437"/>
+        <p14:creationId xmlns:p14="http://schemas.microsoft.com/office/powerpoint/2010/main" val="1064492176"/>
       </p:ext>
     </p:extLst>
   </p:cSld>
@@ -5970,12 +5843,12 @@
           <a:chExt cx="0" cy="0"/>
         </a:xfrm>
       </p:grpSpPr>
-      <p:sp useBgFill="1">
-        <p:nvSpPr>
-          <p:cNvPr id="12" name="Rectangle 11">
-            <a:extLst>
-              <a:ext uri="{FF2B5EF4-FFF2-40B4-BE49-F238E27FC236}">
-                <a16:creationId xmlns:a16="http://schemas.microsoft.com/office/drawing/2014/main" id="{05670695-BABB-487A-9D4A-6B549E1C4F3C}"/>
+      <p:sp>
+        <p:nvSpPr>
+          <p:cNvPr id="38" name="Rectangle 37">
+            <a:extLst>
+              <a:ext uri="{FF2B5EF4-FFF2-40B4-BE49-F238E27FC236}">
+                <a16:creationId xmlns:a16="http://schemas.microsoft.com/office/drawing/2014/main" id="{C1CEA5B3-F026-4EA7-8ECF-E1F5465E5684}"/>
               </a:ext>
               <a:ext uri="{C183D7F6-B498-43B3-948B-1728B52AA6E4}">
                 <adec:decorative xmlns:adec="http://schemas.microsoft.com/office/drawing/2017/decorative" val="1"/>
@@ -5995,68 +5868,8 @@
         </p:nvSpPr>
         <p:spPr>
           <a:xfrm>
-            <a:off x="0" y="0"/>
-            <a:ext cx="12186315" cy="6858000"/>
-          </a:xfrm>
-          <a:prstGeom prst="rect">
-            <a:avLst/>
-          </a:prstGeom>
-          <a:ln>
-            <a:noFill/>
-          </a:ln>
-        </p:spPr>
-        <p:style>
-          <a:lnRef idx="2">
-            <a:schemeClr val="accent6">
-              <a:shade val="50000"/>
-            </a:schemeClr>
-          </a:lnRef>
-          <a:fillRef idx="1001">
-            <a:schemeClr val="lt1"/>
-          </a:fillRef>
-          <a:effectRef idx="0">
-            <a:schemeClr val="accent6"/>
-          </a:effectRef>
-          <a:fontRef idx="minor">
-            <a:schemeClr val="lt1"/>
-          </a:fontRef>
-        </p:style>
-        <p:txBody>
-          <a:bodyPr rtlCol="0" anchor="ctr"/>
-          <a:lstStyle/>
-          <a:p>
-            <a:pPr algn="ctr"/>
-            <a:endParaRPr lang="en-US"/>
-          </a:p>
-        </p:txBody>
-      </p:sp>
-      <p:sp>
-        <p:nvSpPr>
-          <p:cNvPr id="14" name="Rectangle 13">
-            <a:extLst>
-              <a:ext uri="{FF2B5EF4-FFF2-40B4-BE49-F238E27FC236}">
-                <a16:creationId xmlns:a16="http://schemas.microsoft.com/office/drawing/2014/main" id="{0E639418-A68B-41C9-8706-DAD1D3E21DE1}"/>
-              </a:ext>
-              <a:ext uri="{C183D7F6-B498-43B3-948B-1728B52AA6E4}">
-                <adec:decorative xmlns:adec="http://schemas.microsoft.com/office/drawing/2017/decorative" val="1"/>
-              </a:ext>
-            </a:extLst>
-          </p:cNvPr>
-          <p:cNvSpPr>
-            <a:spLocks noGrp="1" noRot="1" noChangeAspect="1" noMove="1" noResize="1" noEditPoints="1" noAdjustHandles="1" noChangeArrowheads="1" noChangeShapeType="1" noTextEdit="1"/>
-          </p:cNvSpPr>
-          <p:nvPr>
-            <p:extLst>
-              <p:ext uri="{386F3935-93C4-4BCD-93E2-E3B085C9AB24}">
-                <p16:designElem xmlns:p16="http://schemas.microsoft.com/office/powerpoint/2015/main" val="1"/>
-              </p:ext>
-            </p:extLst>
-          </p:nvPr>
-        </p:nvSpPr>
-        <p:spPr>
-          <a:xfrm>
-            <a:off x="16" y="0"/>
-            <a:ext cx="4050791" cy="6858000"/>
+            <a:off x="3175" y="6400800"/>
+            <a:ext cx="12188825" cy="457200"/>
           </a:xfrm>
           <a:prstGeom prst="rect">
             <a:avLst/>
@@ -6089,90 +5902,10 @@
       </p:sp>
       <p:sp>
         <p:nvSpPr>
-          <p:cNvPr id="2" name="Titel 1">
-            <a:extLst>
-              <a:ext uri="{FF2B5EF4-FFF2-40B4-BE49-F238E27FC236}">
-                <a16:creationId xmlns:a16="http://schemas.microsoft.com/office/drawing/2014/main" id="{79A32583-8E09-487C-A962-9B147266A792}"/>
-              </a:ext>
-            </a:extLst>
-          </p:cNvPr>
-          <p:cNvSpPr>
-            <a:spLocks noGrp="1"/>
-          </p:cNvSpPr>
-          <p:nvPr>
-            <p:ph type="title"/>
-          </p:nvPr>
-        </p:nvSpPr>
-        <p:spPr>
-          <a:xfrm>
-            <a:off x="492370" y="516835"/>
-            <a:ext cx="3084844" cy="2103875"/>
-          </a:xfrm>
-        </p:spPr>
-        <p:txBody>
-          <a:bodyPr>
-            <a:normAutofit/>
-          </a:bodyPr>
-          <a:lstStyle/>
-          <a:p>
-            <a:r>
-              <a:rPr lang="de-DE" sz="3600" dirty="0">
-                <a:solidFill>
-                  <a:srgbClr val="FFFFFF"/>
-                </a:solidFill>
-              </a:rPr>
-              <a:t>Shaders</a:t>
-            </a:r>
-            <a:endParaRPr lang="de-AT" sz="3600" dirty="0">
-              <a:solidFill>
-                <a:srgbClr val="FFFFFF"/>
-              </a:solidFill>
-            </a:endParaRPr>
-          </a:p>
-        </p:txBody>
-      </p:sp>
-      <p:sp>
-        <p:nvSpPr>
-          <p:cNvPr id="9" name="Content Placeholder 8">
-            <a:extLst>
-              <a:ext uri="{FF2B5EF4-FFF2-40B4-BE49-F238E27FC236}">
-                <a16:creationId xmlns:a16="http://schemas.microsoft.com/office/drawing/2014/main" id="{2BA7E0E7-50A9-470B-865F-8F306ADE8DF6}"/>
-              </a:ext>
-            </a:extLst>
-          </p:cNvPr>
-          <p:cNvSpPr>
-            <a:spLocks noGrp="1"/>
-          </p:cNvSpPr>
-          <p:nvPr>
-            <p:ph idx="1"/>
-          </p:nvPr>
-        </p:nvSpPr>
-        <p:spPr>
-          <a:xfrm>
-            <a:off x="492371" y="2653800"/>
-            <a:ext cx="3084844" cy="3335519"/>
-          </a:xfrm>
-        </p:spPr>
-        <p:txBody>
-          <a:bodyPr>
-            <a:normAutofit/>
-          </a:bodyPr>
-          <a:lstStyle/>
-          <a:p>
-            <a:endParaRPr lang="en-US" sz="1500">
-              <a:solidFill>
-                <a:srgbClr val="FFFFFF"/>
-              </a:solidFill>
-            </a:endParaRPr>
-          </a:p>
-        </p:txBody>
-      </p:sp>
-      <p:sp>
-        <p:nvSpPr>
-          <p:cNvPr id="16" name="Rectangle 15">
-            <a:extLst>
-              <a:ext uri="{FF2B5EF4-FFF2-40B4-BE49-F238E27FC236}">
-                <a16:creationId xmlns:a16="http://schemas.microsoft.com/office/drawing/2014/main" id="{E579711D-7383-441E-8339-9A2B566677DB}"/>
+          <p:cNvPr id="40" name="Rectangle 39">
+            <a:extLst>
+              <a:ext uri="{FF2B5EF4-FFF2-40B4-BE49-F238E27FC236}">
+                <a16:creationId xmlns:a16="http://schemas.microsoft.com/office/drawing/2014/main" id="{4B486FE1-17CE-45A4-9CBC-8C0B185E1963}"/>
               </a:ext>
               <a:ext uri="{C183D7F6-B498-43B3-948B-1728B52AA6E4}">
                 <adec:decorative xmlns:adec="http://schemas.microsoft.com/office/drawing/2017/decorative" val="1"/>
@@ -6192,8 +5925,8 @@
         </p:nvSpPr>
         <p:spPr>
           <a:xfrm>
-            <a:off x="4040071" y="0"/>
-            <a:ext cx="64008" cy="6858000"/>
+            <a:off x="15" y="6334316"/>
+            <a:ext cx="12188825" cy="64008"/>
           </a:xfrm>
           <a:prstGeom prst="rect">
             <a:avLst/>
@@ -6222,19 +5955,227 @@
           </a:fontRef>
         </p:style>
       </p:sp>
+      <p:cxnSp>
+        <p:nvCxnSpPr>
+          <p:cNvPr id="42" name="Straight Connector 41">
+            <a:extLst>
+              <a:ext uri="{FF2B5EF4-FFF2-40B4-BE49-F238E27FC236}">
+                <a16:creationId xmlns:a16="http://schemas.microsoft.com/office/drawing/2014/main" id="{2AF0217B-4943-4BF1-8CDF-A5FB04C876DA}"/>
+              </a:ext>
+              <a:ext uri="{C183D7F6-B498-43B3-948B-1728B52AA6E4}">
+                <adec:decorative xmlns:adec="http://schemas.microsoft.com/office/drawing/2017/decorative" val="1"/>
+              </a:ext>
+            </a:extLst>
+          </p:cNvPr>
+          <p:cNvCxnSpPr>
+            <a:cxnSpLocks noGrp="1" noRot="1" noChangeAspect="1" noMove="1" noResize="1" noEditPoints="1" noAdjustHandles="1" noChangeArrowheads="1" noChangeShapeType="1"/>
+          </p:cNvCxnSpPr>
+          <p:nvPr>
+            <p:extLst>
+              <p:ext uri="{386F3935-93C4-4BCD-93E2-E3B085C9AB24}">
+                <p16:designElem xmlns:p16="http://schemas.microsoft.com/office/powerpoint/2015/main" val="1"/>
+              </p:ext>
+            </p:extLst>
+          </p:nvPr>
+        </p:nvCxnSpPr>
+        <p:spPr>
+          <a:xfrm>
+            <a:off x="1207658" y="4343400"/>
+            <a:ext cx="9875520" cy="0"/>
+          </a:xfrm>
+          <a:prstGeom prst="line">
+            <a:avLst/>
+          </a:prstGeom>
+          <a:ln w="6350">
+            <a:solidFill>
+              <a:schemeClr val="tx1">
+                <a:lumMod val="50000"/>
+                <a:lumOff val="50000"/>
+              </a:schemeClr>
+            </a:solidFill>
+          </a:ln>
+        </p:spPr>
+        <p:style>
+          <a:lnRef idx="1">
+            <a:schemeClr val="accent1"/>
+          </a:lnRef>
+          <a:fillRef idx="0">
+            <a:schemeClr val="accent1"/>
+          </a:fillRef>
+          <a:effectRef idx="0">
+            <a:schemeClr val="accent1"/>
+          </a:effectRef>
+          <a:fontRef idx="minor">
+            <a:schemeClr val="tx1"/>
+          </a:fontRef>
+        </p:style>
+      </p:cxnSp>
+      <p:sp>
+        <p:nvSpPr>
+          <p:cNvPr id="44" name="Rectangle 43">
+            <a:extLst>
+              <a:ext uri="{FF2B5EF4-FFF2-40B4-BE49-F238E27FC236}">
+                <a16:creationId xmlns:a16="http://schemas.microsoft.com/office/drawing/2014/main" id="{947A5FA4-F7D9-4BD2-BCEA-016B70DC8E02}"/>
+              </a:ext>
+              <a:ext uri="{C183D7F6-B498-43B3-948B-1728B52AA6E4}">
+                <adec:decorative xmlns:adec="http://schemas.microsoft.com/office/drawing/2017/decorative" val="1"/>
+              </a:ext>
+            </a:extLst>
+          </p:cNvPr>
+          <p:cNvSpPr>
+            <a:spLocks noGrp="1" noRot="1" noChangeAspect="1" noMove="1" noResize="1" noEditPoints="1" noAdjustHandles="1" noChangeArrowheads="1" noChangeShapeType="1" noTextEdit="1"/>
+          </p:cNvSpPr>
+          <p:nvPr>
+            <p:extLst>
+              <p:ext uri="{386F3935-93C4-4BCD-93E2-E3B085C9AB24}">
+                <p16:designElem xmlns:p16="http://schemas.microsoft.com/office/powerpoint/2015/main" val="1"/>
+              </p:ext>
+            </p:extLst>
+          </p:nvPr>
+        </p:nvSpPr>
+        <p:spPr bwMode="white">
+          <a:xfrm>
+            <a:off x="1507" y="4953000"/>
+            <a:ext cx="12188952" cy="1905000"/>
+          </a:xfrm>
+          <a:prstGeom prst="rect">
+            <a:avLst/>
+          </a:prstGeom>
+          <a:solidFill>
+            <a:schemeClr val="accent1">
+              <a:lumMod val="50000"/>
+            </a:schemeClr>
+          </a:solidFill>
+          <a:ln>
+            <a:noFill/>
+          </a:ln>
+        </p:spPr>
+        <p:style>
+          <a:lnRef idx="2">
+            <a:schemeClr val="accent1">
+              <a:shade val="50000"/>
+            </a:schemeClr>
+          </a:lnRef>
+          <a:fillRef idx="1">
+            <a:schemeClr val="accent1"/>
+          </a:fillRef>
+          <a:effectRef idx="0">
+            <a:schemeClr val="accent1"/>
+          </a:effectRef>
+          <a:fontRef idx="minor">
+            <a:schemeClr val="lt1"/>
+          </a:fontRef>
+        </p:style>
+      </p:sp>
+      <p:sp>
+        <p:nvSpPr>
+          <p:cNvPr id="2" name="Titel 1">
+            <a:extLst>
+              <a:ext uri="{FF2B5EF4-FFF2-40B4-BE49-F238E27FC236}">
+                <a16:creationId xmlns:a16="http://schemas.microsoft.com/office/drawing/2014/main" id="{813CBFB9-7F76-4A9D-908B-14CE62DBDD92}"/>
+              </a:ext>
+            </a:extLst>
+          </p:cNvPr>
+          <p:cNvSpPr>
+            <a:spLocks noGrp="1"/>
+          </p:cNvSpPr>
+          <p:nvPr>
+            <p:ph type="title"/>
+          </p:nvPr>
+        </p:nvSpPr>
+        <p:spPr>
+          <a:xfrm>
+            <a:off x="1065197" y="5120640"/>
+            <a:ext cx="10058400" cy="822960"/>
+          </a:xfrm>
+        </p:spPr>
+        <p:txBody>
+          <a:bodyPr vert="horz" lIns="91440" tIns="45720" rIns="91440" bIns="45720" rtlCol="0" anchor="b">
+            <a:normAutofit/>
+          </a:bodyPr>
+          <a:lstStyle/>
+          <a:p>
+            <a:r>
+              <a:rPr lang="en-US" sz="3600">
+                <a:solidFill>
+                  <a:srgbClr val="FFFFFF"/>
+                </a:solidFill>
+              </a:rPr>
+              <a:t>Creating the sphere: 3.step</a:t>
+            </a:r>
+          </a:p>
+        </p:txBody>
+      </p:sp>
+      <p:sp>
+        <p:nvSpPr>
+          <p:cNvPr id="46" name="Rectangle 45">
+            <a:extLst>
+              <a:ext uri="{FF2B5EF4-FFF2-40B4-BE49-F238E27FC236}">
+                <a16:creationId xmlns:a16="http://schemas.microsoft.com/office/drawing/2014/main" id="{D5AADE08-A85D-4367-AF35-82927B65BCD5}"/>
+              </a:ext>
+              <a:ext uri="{C183D7F6-B498-43B3-948B-1728B52AA6E4}">
+                <adec:decorative xmlns:adec="http://schemas.microsoft.com/office/drawing/2017/decorative" val="1"/>
+              </a:ext>
+            </a:extLst>
+          </p:cNvPr>
+          <p:cNvSpPr>
+            <a:spLocks noGrp="1" noRot="1" noChangeAspect="1" noMove="1" noResize="1" noEditPoints="1" noAdjustHandles="1" noChangeArrowheads="1" noChangeShapeType="1" noTextEdit="1"/>
+          </p:cNvSpPr>
+          <p:nvPr>
+            <p:extLst>
+              <p:ext uri="{386F3935-93C4-4BCD-93E2-E3B085C9AB24}">
+                <p16:designElem xmlns:p16="http://schemas.microsoft.com/office/powerpoint/2015/main" val="1"/>
+              </p:ext>
+            </p:extLst>
+          </p:nvPr>
+        </p:nvSpPr>
+        <p:spPr>
+          <a:xfrm>
+            <a:off x="1507" y="4906176"/>
+            <a:ext cx="12188952" cy="64008"/>
+          </a:xfrm>
+          <a:prstGeom prst="rect">
+            <a:avLst/>
+          </a:prstGeom>
+          <a:solidFill>
+            <a:schemeClr val="accent1"/>
+          </a:solidFill>
+          <a:ln>
+            <a:noFill/>
+          </a:ln>
+        </p:spPr>
+        <p:style>
+          <a:lnRef idx="2">
+            <a:schemeClr val="accent1">
+              <a:shade val="50000"/>
+            </a:schemeClr>
+          </a:lnRef>
+          <a:fillRef idx="1">
+            <a:schemeClr val="accent1"/>
+          </a:fillRef>
+          <a:effectRef idx="0">
+            <a:schemeClr val="accent1"/>
+          </a:effectRef>
+          <a:fontRef idx="minor">
+            <a:schemeClr val="lt1"/>
+          </a:fontRef>
+        </p:style>
+      </p:sp>
       <p:pic>
         <p:nvPicPr>
-          <p:cNvPr id="5" name="Inhaltsplatzhalter 4" descr="Ein Bild, das Text enthält.&#10;&#10;Automatisch generierte Beschreibung">
-            <a:extLst>
-              <a:ext uri="{FF2B5EF4-FFF2-40B4-BE49-F238E27FC236}">
-                <a16:creationId xmlns:a16="http://schemas.microsoft.com/office/drawing/2014/main" id="{CA23BF1B-5F34-49C4-B266-96BBF9A15592}"/>
+          <p:cNvPr id="11" name="Inhaltsplatzhalter 10" descr="Ein Bild, das Text enthält.&#10;&#10;Automatisch generierte Beschreibung">
+            <a:extLst>
+              <a:ext uri="{FF2B5EF4-FFF2-40B4-BE49-F238E27FC236}">
+                <a16:creationId xmlns:a16="http://schemas.microsoft.com/office/drawing/2014/main" id="{607388EC-9D73-4DC2-A649-E5B9AC37C99B}"/>
               </a:ext>
             </a:extLst>
           </p:cNvPr>
           <p:cNvPicPr>
-            <a:picLocks noChangeAspect="1"/>
+            <a:picLocks noGrp="1" noChangeAspect="1"/>
           </p:cNvPicPr>
-          <p:nvPr/>
+          <p:nvPr>
+            <p:ph idx="1"/>
+          </p:nvPr>
         </p:nvPicPr>
         <p:blipFill>
           <a:blip r:embed="rId2">
@@ -6250,18 +6191,504 @@
         </p:blipFill>
         <p:spPr>
           <a:xfrm>
-            <a:off x="4108644" y="-54000"/>
-            <a:ext cx="7017250" cy="6912000"/>
-          </a:xfrm>
-          <a:prstGeom prst="rect">
-            <a:avLst/>
-          </a:prstGeom>
+            <a:off x="-3975" y="78948"/>
+            <a:ext cx="12192815" cy="4752000"/>
+          </a:xfrm>
         </p:spPr>
       </p:pic>
     </p:spTree>
     <p:extLst>
       <p:ext uri="{BB962C8B-B14F-4D97-AF65-F5344CB8AC3E}">
-        <p14:creationId xmlns:p14="http://schemas.microsoft.com/office/powerpoint/2010/main" val="937389746"/>
+        <p14:creationId xmlns:p14="http://schemas.microsoft.com/office/powerpoint/2010/main" val="2516939678"/>
+      </p:ext>
+    </p:extLst>
+  </p:cSld>
+  <p:clrMapOvr>
+    <a:masterClrMapping/>
+  </p:clrMapOvr>
+</p:sld>
+</file>
+
+<file path=ppt/slides/slide18.xml><?xml version="1.0" encoding="utf-8"?>
+<p:sld xmlns:a="http://schemas.openxmlformats.org/drawingml/2006/main" xmlns:r="http://schemas.openxmlformats.org/officeDocument/2006/relationships" xmlns:p="http://schemas.openxmlformats.org/presentationml/2006/main">
+  <p:cSld>
+    <p:bg>
+      <p:bgPr>
+        <a:solidFill>
+          <a:schemeClr val="bg2"/>
+        </a:solidFill>
+        <a:effectLst/>
+      </p:bgPr>
+    </p:bg>
+    <p:spTree>
+      <p:nvGrpSpPr>
+        <p:cNvPr id="1" name=""/>
+        <p:cNvGrpSpPr/>
+        <p:nvPr/>
+      </p:nvGrpSpPr>
+      <p:grpSpPr>
+        <a:xfrm>
+          <a:off x="0" y="0"/>
+          <a:ext cx="0" cy="0"/>
+          <a:chOff x="0" y="0"/>
+          <a:chExt cx="0" cy="0"/>
+        </a:xfrm>
+      </p:grpSpPr>
+      <p:sp>
+        <p:nvSpPr>
+          <p:cNvPr id="10" name="Rectangle 9">
+            <a:extLst>
+              <a:ext uri="{FF2B5EF4-FFF2-40B4-BE49-F238E27FC236}">
+                <a16:creationId xmlns:a16="http://schemas.microsoft.com/office/drawing/2014/main" id="{C1CEA5B3-F026-4EA7-8ECF-E1F5465E5684}"/>
+              </a:ext>
+              <a:ext uri="{C183D7F6-B498-43B3-948B-1728B52AA6E4}">
+                <adec:decorative xmlns:adec="http://schemas.microsoft.com/office/drawing/2017/decorative" val="1"/>
+              </a:ext>
+            </a:extLst>
+          </p:cNvPr>
+          <p:cNvSpPr>
+            <a:spLocks noGrp="1" noRot="1" noChangeAspect="1" noMove="1" noResize="1" noEditPoints="1" noAdjustHandles="1" noChangeArrowheads="1" noChangeShapeType="1" noTextEdit="1"/>
+          </p:cNvSpPr>
+          <p:nvPr>
+            <p:extLst>
+              <p:ext uri="{386F3935-93C4-4BCD-93E2-E3B085C9AB24}">
+                <p16:designElem xmlns:p16="http://schemas.microsoft.com/office/powerpoint/2015/main" val="1"/>
+              </p:ext>
+            </p:extLst>
+          </p:nvPr>
+        </p:nvSpPr>
+        <p:spPr>
+          <a:xfrm>
+            <a:off x="3175" y="6400800"/>
+            <a:ext cx="12188825" cy="457200"/>
+          </a:xfrm>
+          <a:prstGeom prst="rect">
+            <a:avLst/>
+          </a:prstGeom>
+          <a:solidFill>
+            <a:schemeClr val="accent1">
+              <a:lumMod val="50000"/>
+            </a:schemeClr>
+          </a:solidFill>
+          <a:ln>
+            <a:noFill/>
+          </a:ln>
+        </p:spPr>
+        <p:style>
+          <a:lnRef idx="2">
+            <a:schemeClr val="accent1">
+              <a:shade val="50000"/>
+            </a:schemeClr>
+          </a:lnRef>
+          <a:fillRef idx="1">
+            <a:schemeClr val="accent1"/>
+          </a:fillRef>
+          <a:effectRef idx="0">
+            <a:schemeClr val="accent1"/>
+          </a:effectRef>
+          <a:fontRef idx="minor">
+            <a:schemeClr val="lt1"/>
+          </a:fontRef>
+        </p:style>
+      </p:sp>
+      <p:sp>
+        <p:nvSpPr>
+          <p:cNvPr id="12" name="Rectangle 11">
+            <a:extLst>
+              <a:ext uri="{FF2B5EF4-FFF2-40B4-BE49-F238E27FC236}">
+                <a16:creationId xmlns:a16="http://schemas.microsoft.com/office/drawing/2014/main" id="{4B486FE1-17CE-45A4-9CBC-8C0B185E1963}"/>
+              </a:ext>
+              <a:ext uri="{C183D7F6-B498-43B3-948B-1728B52AA6E4}">
+                <adec:decorative xmlns:adec="http://schemas.microsoft.com/office/drawing/2017/decorative" val="1"/>
+              </a:ext>
+            </a:extLst>
+          </p:cNvPr>
+          <p:cNvSpPr>
+            <a:spLocks noGrp="1" noRot="1" noChangeAspect="1" noMove="1" noResize="1" noEditPoints="1" noAdjustHandles="1" noChangeArrowheads="1" noChangeShapeType="1" noTextEdit="1"/>
+          </p:cNvSpPr>
+          <p:nvPr>
+            <p:extLst>
+              <p:ext uri="{386F3935-93C4-4BCD-93E2-E3B085C9AB24}">
+                <p16:designElem xmlns:p16="http://schemas.microsoft.com/office/powerpoint/2015/main" val="1"/>
+              </p:ext>
+            </p:extLst>
+          </p:nvPr>
+        </p:nvSpPr>
+        <p:spPr>
+          <a:xfrm>
+            <a:off x="15" y="6334316"/>
+            <a:ext cx="12188825" cy="64008"/>
+          </a:xfrm>
+          <a:prstGeom prst="rect">
+            <a:avLst/>
+          </a:prstGeom>
+          <a:solidFill>
+            <a:schemeClr val="accent1"/>
+          </a:solidFill>
+          <a:ln>
+            <a:noFill/>
+          </a:ln>
+        </p:spPr>
+        <p:style>
+          <a:lnRef idx="2">
+            <a:schemeClr val="accent1">
+              <a:shade val="50000"/>
+            </a:schemeClr>
+          </a:lnRef>
+          <a:fillRef idx="1">
+            <a:schemeClr val="accent1"/>
+          </a:fillRef>
+          <a:effectRef idx="0">
+            <a:schemeClr val="accent1"/>
+          </a:effectRef>
+          <a:fontRef idx="minor">
+            <a:schemeClr val="lt1"/>
+          </a:fontRef>
+        </p:style>
+      </p:sp>
+      <p:cxnSp>
+        <p:nvCxnSpPr>
+          <p:cNvPr id="14" name="Straight Connector 13">
+            <a:extLst>
+              <a:ext uri="{FF2B5EF4-FFF2-40B4-BE49-F238E27FC236}">
+                <a16:creationId xmlns:a16="http://schemas.microsoft.com/office/drawing/2014/main" id="{2AF0217B-4943-4BF1-8CDF-A5FB04C876DA}"/>
+              </a:ext>
+              <a:ext uri="{C183D7F6-B498-43B3-948B-1728B52AA6E4}">
+                <adec:decorative xmlns:adec="http://schemas.microsoft.com/office/drawing/2017/decorative" val="1"/>
+              </a:ext>
+            </a:extLst>
+          </p:cNvPr>
+          <p:cNvCxnSpPr>
+            <a:cxnSpLocks noGrp="1" noRot="1" noChangeAspect="1" noMove="1" noResize="1" noEditPoints="1" noAdjustHandles="1" noChangeArrowheads="1" noChangeShapeType="1"/>
+          </p:cNvCxnSpPr>
+          <p:nvPr>
+            <p:extLst>
+              <p:ext uri="{386F3935-93C4-4BCD-93E2-E3B085C9AB24}">
+                <p16:designElem xmlns:p16="http://schemas.microsoft.com/office/powerpoint/2015/main" val="1"/>
+              </p:ext>
+            </p:extLst>
+          </p:nvPr>
+        </p:nvCxnSpPr>
+        <p:spPr>
+          <a:xfrm>
+            <a:off x="1207658" y="4343400"/>
+            <a:ext cx="9875520" cy="0"/>
+          </a:xfrm>
+          <a:prstGeom prst="line">
+            <a:avLst/>
+          </a:prstGeom>
+          <a:ln w="6350">
+            <a:solidFill>
+              <a:schemeClr val="tx1">
+                <a:lumMod val="50000"/>
+                <a:lumOff val="50000"/>
+              </a:schemeClr>
+            </a:solidFill>
+          </a:ln>
+        </p:spPr>
+        <p:style>
+          <a:lnRef idx="1">
+            <a:schemeClr val="accent1"/>
+          </a:lnRef>
+          <a:fillRef idx="0">
+            <a:schemeClr val="accent1"/>
+          </a:fillRef>
+          <a:effectRef idx="0">
+            <a:schemeClr val="accent1"/>
+          </a:effectRef>
+          <a:fontRef idx="minor">
+            <a:schemeClr val="tx1"/>
+          </a:fontRef>
+        </p:style>
+      </p:cxnSp>
+      <p:sp>
+        <p:nvSpPr>
+          <p:cNvPr id="16" name="Rectangle 15">
+            <a:extLst>
+              <a:ext uri="{FF2B5EF4-FFF2-40B4-BE49-F238E27FC236}">
+                <a16:creationId xmlns:a16="http://schemas.microsoft.com/office/drawing/2014/main" id="{947A5FA4-F7D9-4BD2-BCEA-016B70DC8E02}"/>
+              </a:ext>
+              <a:ext uri="{C183D7F6-B498-43B3-948B-1728B52AA6E4}">
+                <adec:decorative xmlns:adec="http://schemas.microsoft.com/office/drawing/2017/decorative" val="1"/>
+              </a:ext>
+            </a:extLst>
+          </p:cNvPr>
+          <p:cNvSpPr>
+            <a:spLocks noGrp="1" noRot="1" noChangeAspect="1" noMove="1" noResize="1" noEditPoints="1" noAdjustHandles="1" noChangeArrowheads="1" noChangeShapeType="1" noTextEdit="1"/>
+          </p:cNvSpPr>
+          <p:nvPr>
+            <p:extLst>
+              <p:ext uri="{386F3935-93C4-4BCD-93E2-E3B085C9AB24}">
+                <p16:designElem xmlns:p16="http://schemas.microsoft.com/office/powerpoint/2015/main" val="1"/>
+              </p:ext>
+            </p:extLst>
+          </p:nvPr>
+        </p:nvSpPr>
+        <p:spPr bwMode="white">
+          <a:xfrm>
+            <a:off x="1507" y="4953000"/>
+            <a:ext cx="12188952" cy="1905000"/>
+          </a:xfrm>
+          <a:prstGeom prst="rect">
+            <a:avLst/>
+          </a:prstGeom>
+          <a:solidFill>
+            <a:schemeClr val="accent1">
+              <a:lumMod val="50000"/>
+            </a:schemeClr>
+          </a:solidFill>
+          <a:ln>
+            <a:noFill/>
+          </a:ln>
+        </p:spPr>
+        <p:style>
+          <a:lnRef idx="2">
+            <a:schemeClr val="accent1">
+              <a:shade val="50000"/>
+            </a:schemeClr>
+          </a:lnRef>
+          <a:fillRef idx="1">
+            <a:schemeClr val="accent1"/>
+          </a:fillRef>
+          <a:effectRef idx="0">
+            <a:schemeClr val="accent1"/>
+          </a:effectRef>
+          <a:fontRef idx="minor">
+            <a:schemeClr val="lt1"/>
+          </a:fontRef>
+        </p:style>
+      </p:sp>
+      <p:sp>
+        <p:nvSpPr>
+          <p:cNvPr id="2" name="Titel 1">
+            <a:extLst>
+              <a:ext uri="{FF2B5EF4-FFF2-40B4-BE49-F238E27FC236}">
+                <a16:creationId xmlns:a16="http://schemas.microsoft.com/office/drawing/2014/main" id="{299ED1C5-2372-4D17-8C63-7692DB9BA827}"/>
+              </a:ext>
+            </a:extLst>
+          </p:cNvPr>
+          <p:cNvSpPr>
+            <a:spLocks noGrp="1"/>
+          </p:cNvSpPr>
+          <p:nvPr>
+            <p:ph type="title"/>
+          </p:nvPr>
+        </p:nvSpPr>
+        <p:spPr>
+          <a:xfrm>
+            <a:off x="1065197" y="5120640"/>
+            <a:ext cx="10058400" cy="822960"/>
+          </a:xfrm>
+        </p:spPr>
+        <p:txBody>
+          <a:bodyPr vert="horz" lIns="91440" tIns="45720" rIns="91440" bIns="45720" rtlCol="0" anchor="b">
+            <a:normAutofit/>
+          </a:bodyPr>
+          <a:lstStyle/>
+          <a:p>
+            <a:r>
+              <a:rPr lang="en-US" sz="3600" dirty="0">
+                <a:solidFill>
+                  <a:srgbClr val="FFFFFF"/>
+                </a:solidFill>
+              </a:rPr>
+              <a:t>Perspective / View</a:t>
+            </a:r>
+          </a:p>
+        </p:txBody>
+      </p:sp>
+      <p:sp>
+        <p:nvSpPr>
+          <p:cNvPr id="18" name="Rectangle 17">
+            <a:extLst>
+              <a:ext uri="{FF2B5EF4-FFF2-40B4-BE49-F238E27FC236}">
+                <a16:creationId xmlns:a16="http://schemas.microsoft.com/office/drawing/2014/main" id="{D5AADE08-A85D-4367-AF35-82927B65BCD5}"/>
+              </a:ext>
+              <a:ext uri="{C183D7F6-B498-43B3-948B-1728B52AA6E4}">
+                <adec:decorative xmlns:adec="http://schemas.microsoft.com/office/drawing/2017/decorative" val="1"/>
+              </a:ext>
+            </a:extLst>
+          </p:cNvPr>
+          <p:cNvSpPr>
+            <a:spLocks noGrp="1" noRot="1" noChangeAspect="1" noMove="1" noResize="1" noEditPoints="1" noAdjustHandles="1" noChangeArrowheads="1" noChangeShapeType="1" noTextEdit="1"/>
+          </p:cNvSpPr>
+          <p:nvPr>
+            <p:extLst>
+              <p:ext uri="{386F3935-93C4-4BCD-93E2-E3B085C9AB24}">
+                <p16:designElem xmlns:p16="http://schemas.microsoft.com/office/powerpoint/2015/main" val="1"/>
+              </p:ext>
+            </p:extLst>
+          </p:nvPr>
+        </p:nvSpPr>
+        <p:spPr>
+          <a:xfrm>
+            <a:off x="1507" y="4906176"/>
+            <a:ext cx="12188952" cy="64008"/>
+          </a:xfrm>
+          <a:prstGeom prst="rect">
+            <a:avLst/>
+          </a:prstGeom>
+          <a:solidFill>
+            <a:schemeClr val="accent1"/>
+          </a:solidFill>
+          <a:ln>
+            <a:noFill/>
+          </a:ln>
+        </p:spPr>
+        <p:style>
+          <a:lnRef idx="2">
+            <a:schemeClr val="accent1">
+              <a:shade val="50000"/>
+            </a:schemeClr>
+          </a:lnRef>
+          <a:fillRef idx="1">
+            <a:schemeClr val="accent1"/>
+          </a:fillRef>
+          <a:effectRef idx="0">
+            <a:schemeClr val="accent1"/>
+          </a:effectRef>
+          <a:fontRef idx="minor">
+            <a:schemeClr val="lt1"/>
+          </a:fontRef>
+        </p:style>
+      </p:sp>
+      <p:pic>
+        <p:nvPicPr>
+          <p:cNvPr id="11" name="Inhaltsplatzhalter 10" descr="Ein Bild, das Text enthält.&#10;&#10;Automatisch generierte Beschreibung">
+            <a:extLst>
+              <a:ext uri="{FF2B5EF4-FFF2-40B4-BE49-F238E27FC236}">
+                <a16:creationId xmlns:a16="http://schemas.microsoft.com/office/drawing/2014/main" id="{015F3B47-6CEE-4316-9498-07BE6723DCDB}"/>
+              </a:ext>
+            </a:extLst>
+          </p:cNvPr>
+          <p:cNvPicPr>
+            <a:picLocks noGrp="1" noChangeAspect="1"/>
+          </p:cNvPicPr>
+          <p:nvPr>
+            <p:ph idx="1"/>
+          </p:nvPr>
+        </p:nvPicPr>
+        <p:blipFill>
+          <a:blip r:embed="rId2">
+            <a:extLst>
+              <a:ext uri="{28A0092B-C50C-407E-A947-70E740481C1C}">
+                <a14:useLocalDpi xmlns:a14="http://schemas.microsoft.com/office/drawing/2010/main" val="0"/>
+              </a:ext>
+            </a:extLst>
+          </a:blip>
+          <a:stretch>
+            <a:fillRect/>
+          </a:stretch>
+        </p:blipFill>
+        <p:spPr>
+          <a:xfrm>
+            <a:off x="824375" y="0"/>
+            <a:ext cx="10642085" cy="4896000"/>
+          </a:xfrm>
+        </p:spPr>
+      </p:pic>
+    </p:spTree>
+    <p:extLst>
+      <p:ext uri="{BB962C8B-B14F-4D97-AF65-F5344CB8AC3E}">
+        <p14:creationId xmlns:p14="http://schemas.microsoft.com/office/powerpoint/2010/main" val="1335712501"/>
+      </p:ext>
+    </p:extLst>
+  </p:cSld>
+  <p:clrMapOvr>
+    <a:masterClrMapping/>
+  </p:clrMapOvr>
+</p:sld>
+</file>
+
+<file path=ppt/slides/slide19.xml><?xml version="1.0" encoding="utf-8"?>
+<p:sld xmlns:a="http://schemas.openxmlformats.org/drawingml/2006/main" xmlns:r="http://schemas.openxmlformats.org/officeDocument/2006/relationships" xmlns:p="http://schemas.openxmlformats.org/presentationml/2006/main">
+  <p:cSld>
+    <p:spTree>
+      <p:nvGrpSpPr>
+        <p:cNvPr id="1" name=""/>
+        <p:cNvGrpSpPr/>
+        <p:nvPr/>
+      </p:nvGrpSpPr>
+      <p:grpSpPr>
+        <a:xfrm>
+          <a:off x="0" y="0"/>
+          <a:ext cx="0" cy="0"/>
+          <a:chOff x="0" y="0"/>
+          <a:chExt cx="0" cy="0"/>
+        </a:xfrm>
+      </p:grpSpPr>
+      <p:sp>
+        <p:nvSpPr>
+          <p:cNvPr id="2" name="Titel 1">
+            <a:extLst>
+              <a:ext uri="{FF2B5EF4-FFF2-40B4-BE49-F238E27FC236}">
+                <a16:creationId xmlns:a16="http://schemas.microsoft.com/office/drawing/2014/main" id="{D3579722-9D15-41B3-BBD2-84DD6BA11313}"/>
+              </a:ext>
+            </a:extLst>
+          </p:cNvPr>
+          <p:cNvSpPr>
+            <a:spLocks noGrp="1"/>
+          </p:cNvSpPr>
+          <p:nvPr>
+            <p:ph type="title"/>
+          </p:nvPr>
+        </p:nvSpPr>
+        <p:spPr/>
+        <p:txBody>
+          <a:bodyPr/>
+          <a:lstStyle/>
+          <a:p>
+            <a:r>
+              <a:rPr lang="en-US" sz="4800" dirty="0">
+                <a:solidFill>
+                  <a:srgbClr val="FFFFFF"/>
+                </a:solidFill>
+              </a:rPr>
+              <a:t>Perspective / View</a:t>
+            </a:r>
+            <a:endParaRPr lang="de-AT" dirty="0"/>
+          </a:p>
+        </p:txBody>
+      </p:sp>
+      <p:pic>
+        <p:nvPicPr>
+          <p:cNvPr id="5" name="Inhaltsplatzhalter 4" descr="Ein Bild, das Text enthält.&#10;&#10;Automatisch generierte Beschreibung">
+            <a:extLst>
+              <a:ext uri="{FF2B5EF4-FFF2-40B4-BE49-F238E27FC236}">
+                <a16:creationId xmlns:a16="http://schemas.microsoft.com/office/drawing/2014/main" id="{013940FA-AE63-472C-9C64-2AFAFAA89285}"/>
+              </a:ext>
+            </a:extLst>
+          </p:cNvPr>
+          <p:cNvPicPr>
+            <a:picLocks noGrp="1" noChangeAspect="1"/>
+          </p:cNvPicPr>
+          <p:nvPr>
+            <p:ph idx="1"/>
+          </p:nvPr>
+        </p:nvPicPr>
+        <p:blipFill>
+          <a:blip r:embed="rId2">
+            <a:extLst>
+              <a:ext uri="{28A0092B-C50C-407E-A947-70E740481C1C}">
+                <a14:useLocalDpi xmlns:a14="http://schemas.microsoft.com/office/drawing/2010/main" val="0"/>
+              </a:ext>
+            </a:extLst>
+          </a:blip>
+          <a:stretch>
+            <a:fillRect/>
+          </a:stretch>
+        </p:blipFill>
+        <p:spPr>
+          <a:xfrm>
+            <a:off x="1097280" y="2372449"/>
+            <a:ext cx="6674994" cy="2340000"/>
+          </a:xfrm>
+        </p:spPr>
+      </p:pic>
+    </p:spTree>
+    <p:extLst>
+      <p:ext uri="{BB962C8B-B14F-4D97-AF65-F5344CB8AC3E}">
+        <p14:creationId xmlns:p14="http://schemas.microsoft.com/office/powerpoint/2010/main" val="1689369632"/>
       </p:ext>
     </p:extLst>
   </p:cSld>
@@ -6402,6 +6829,670 @@
     <p:extLst>
       <p:ext uri="{BB962C8B-B14F-4D97-AF65-F5344CB8AC3E}">
         <p14:creationId xmlns:p14="http://schemas.microsoft.com/office/powerpoint/2010/main" val="4095677151"/>
+      </p:ext>
+    </p:extLst>
+  </p:cSld>
+  <p:clrMapOvr>
+    <a:masterClrMapping/>
+  </p:clrMapOvr>
+</p:sld>
+</file>
+
+<file path=ppt/slides/slide20.xml><?xml version="1.0" encoding="utf-8"?>
+<p:sld xmlns:a="http://schemas.openxmlformats.org/drawingml/2006/main" xmlns:r="http://schemas.openxmlformats.org/officeDocument/2006/relationships" xmlns:p="http://schemas.openxmlformats.org/presentationml/2006/main">
+  <p:cSld>
+    <p:bg>
+      <p:bgPr>
+        <a:solidFill>
+          <a:schemeClr val="bg2"/>
+        </a:solidFill>
+        <a:effectLst/>
+      </p:bgPr>
+    </p:bg>
+    <p:spTree>
+      <p:nvGrpSpPr>
+        <p:cNvPr id="1" name=""/>
+        <p:cNvGrpSpPr/>
+        <p:nvPr/>
+      </p:nvGrpSpPr>
+      <p:grpSpPr>
+        <a:xfrm>
+          <a:off x="0" y="0"/>
+          <a:ext cx="0" cy="0"/>
+          <a:chOff x="0" y="0"/>
+          <a:chExt cx="0" cy="0"/>
+        </a:xfrm>
+      </p:grpSpPr>
+      <p:sp useBgFill="1">
+        <p:nvSpPr>
+          <p:cNvPr id="10" name="Rectangle 9">
+            <a:extLst>
+              <a:ext uri="{FF2B5EF4-FFF2-40B4-BE49-F238E27FC236}">
+                <a16:creationId xmlns:a16="http://schemas.microsoft.com/office/drawing/2014/main" id="{05670695-BABB-487A-9D4A-6B549E1C4F3C}"/>
+              </a:ext>
+              <a:ext uri="{C183D7F6-B498-43B3-948B-1728B52AA6E4}">
+                <adec:decorative xmlns:adec="http://schemas.microsoft.com/office/drawing/2017/decorative" val="1"/>
+              </a:ext>
+            </a:extLst>
+          </p:cNvPr>
+          <p:cNvSpPr>
+            <a:spLocks noGrp="1" noRot="1" noChangeAspect="1" noMove="1" noResize="1" noEditPoints="1" noAdjustHandles="1" noChangeArrowheads="1" noChangeShapeType="1" noTextEdit="1"/>
+          </p:cNvSpPr>
+          <p:nvPr>
+            <p:extLst>
+              <p:ext uri="{386F3935-93C4-4BCD-93E2-E3B085C9AB24}">
+                <p16:designElem xmlns:p16="http://schemas.microsoft.com/office/powerpoint/2015/main" val="1"/>
+              </p:ext>
+            </p:extLst>
+          </p:nvPr>
+        </p:nvSpPr>
+        <p:spPr>
+          <a:xfrm>
+            <a:off x="0" y="0"/>
+            <a:ext cx="12186315" cy="6858000"/>
+          </a:xfrm>
+          <a:prstGeom prst="rect">
+            <a:avLst/>
+          </a:prstGeom>
+          <a:ln>
+            <a:noFill/>
+          </a:ln>
+        </p:spPr>
+        <p:style>
+          <a:lnRef idx="2">
+            <a:schemeClr val="accent6">
+              <a:shade val="50000"/>
+            </a:schemeClr>
+          </a:lnRef>
+          <a:fillRef idx="1001">
+            <a:schemeClr val="lt1"/>
+          </a:fillRef>
+          <a:effectRef idx="0">
+            <a:schemeClr val="accent6"/>
+          </a:effectRef>
+          <a:fontRef idx="minor">
+            <a:schemeClr val="lt1"/>
+          </a:fontRef>
+        </p:style>
+        <p:txBody>
+          <a:bodyPr rtlCol="0" anchor="ctr"/>
+          <a:lstStyle/>
+          <a:p>
+            <a:pPr algn="ctr"/>
+            <a:endParaRPr lang="en-US"/>
+          </a:p>
+        </p:txBody>
+      </p:sp>
+      <p:sp>
+        <p:nvSpPr>
+          <p:cNvPr id="12" name="Rectangle 11">
+            <a:extLst>
+              <a:ext uri="{FF2B5EF4-FFF2-40B4-BE49-F238E27FC236}">
+                <a16:creationId xmlns:a16="http://schemas.microsoft.com/office/drawing/2014/main" id="{0E639418-A68B-41C9-8706-DAD1D3E21DE1}"/>
+              </a:ext>
+              <a:ext uri="{C183D7F6-B498-43B3-948B-1728B52AA6E4}">
+                <adec:decorative xmlns:adec="http://schemas.microsoft.com/office/drawing/2017/decorative" val="1"/>
+              </a:ext>
+            </a:extLst>
+          </p:cNvPr>
+          <p:cNvSpPr>
+            <a:spLocks noGrp="1" noRot="1" noChangeAspect="1" noMove="1" noResize="1" noEditPoints="1" noAdjustHandles="1" noChangeArrowheads="1" noChangeShapeType="1" noTextEdit="1"/>
+          </p:cNvSpPr>
+          <p:nvPr>
+            <p:extLst>
+              <p:ext uri="{386F3935-93C4-4BCD-93E2-E3B085C9AB24}">
+                <p16:designElem xmlns:p16="http://schemas.microsoft.com/office/powerpoint/2015/main" val="1"/>
+              </p:ext>
+            </p:extLst>
+          </p:nvPr>
+        </p:nvSpPr>
+        <p:spPr>
+          <a:xfrm>
+            <a:off x="16" y="0"/>
+            <a:ext cx="4050791" cy="6858000"/>
+          </a:xfrm>
+          <a:prstGeom prst="rect">
+            <a:avLst/>
+          </a:prstGeom>
+          <a:solidFill>
+            <a:schemeClr val="accent1">
+              <a:lumMod val="50000"/>
+            </a:schemeClr>
+          </a:solidFill>
+          <a:ln>
+            <a:noFill/>
+          </a:ln>
+        </p:spPr>
+        <p:style>
+          <a:lnRef idx="2">
+            <a:schemeClr val="accent1">
+              <a:shade val="50000"/>
+            </a:schemeClr>
+          </a:lnRef>
+          <a:fillRef idx="1">
+            <a:schemeClr val="accent1"/>
+          </a:fillRef>
+          <a:effectRef idx="0">
+            <a:schemeClr val="accent1"/>
+          </a:effectRef>
+          <a:fontRef idx="minor">
+            <a:schemeClr val="lt1"/>
+          </a:fontRef>
+        </p:style>
+      </p:sp>
+      <p:sp>
+        <p:nvSpPr>
+          <p:cNvPr id="2" name="Titel 1">
+            <a:extLst>
+              <a:ext uri="{FF2B5EF4-FFF2-40B4-BE49-F238E27FC236}">
+                <a16:creationId xmlns:a16="http://schemas.microsoft.com/office/drawing/2014/main" id="{FB802FF9-04D8-4652-942F-8F50B2ABD29A}"/>
+              </a:ext>
+            </a:extLst>
+          </p:cNvPr>
+          <p:cNvSpPr>
+            <a:spLocks noGrp="1"/>
+          </p:cNvSpPr>
+          <p:nvPr>
+            <p:ph type="title"/>
+          </p:nvPr>
+        </p:nvSpPr>
+        <p:spPr>
+          <a:xfrm>
+            <a:off x="492370" y="516835"/>
+            <a:ext cx="3084844" cy="2103875"/>
+          </a:xfrm>
+        </p:spPr>
+        <p:txBody>
+          <a:bodyPr>
+            <a:normAutofit/>
+          </a:bodyPr>
+          <a:lstStyle/>
+          <a:p>
+            <a:r>
+              <a:rPr lang="de-DE" sz="3600">
+                <a:solidFill>
+                  <a:srgbClr val="FFFFFF"/>
+                </a:solidFill>
+              </a:rPr>
+              <a:t>Shaders</a:t>
+            </a:r>
+            <a:endParaRPr lang="de-AT" sz="3600">
+              <a:solidFill>
+                <a:srgbClr val="FFFFFF"/>
+              </a:solidFill>
+            </a:endParaRPr>
+          </a:p>
+        </p:txBody>
+      </p:sp>
+      <p:sp>
+        <p:nvSpPr>
+          <p:cNvPr id="3" name="Inhaltsplatzhalter 2">
+            <a:extLst>
+              <a:ext uri="{FF2B5EF4-FFF2-40B4-BE49-F238E27FC236}">
+                <a16:creationId xmlns:a16="http://schemas.microsoft.com/office/drawing/2014/main" id="{E02D23AF-6D2B-4179-ACA4-8B686BD8B319}"/>
+              </a:ext>
+            </a:extLst>
+          </p:cNvPr>
+          <p:cNvSpPr>
+            <a:spLocks noGrp="1"/>
+          </p:cNvSpPr>
+          <p:nvPr>
+            <p:ph idx="1"/>
+          </p:nvPr>
+        </p:nvSpPr>
+        <p:spPr>
+          <a:xfrm>
+            <a:off x="492371" y="2653800"/>
+            <a:ext cx="3084844" cy="3335519"/>
+          </a:xfrm>
+        </p:spPr>
+        <p:txBody>
+          <a:bodyPr>
+            <a:normAutofit/>
+          </a:bodyPr>
+          <a:lstStyle/>
+          <a:p>
+            <a:pPr>
+              <a:buFont typeface="Wingdings" panose="05000000000000000000" pitchFamily="2" charset="2"/>
+              <a:buChar char="Ø"/>
+            </a:pPr>
+            <a:r>
+              <a:rPr lang="de-DE" sz="1500">
+                <a:solidFill>
+                  <a:srgbClr val="FFFFFF"/>
+                </a:solidFill>
+              </a:rPr>
+              <a:t> </a:t>
+            </a:r>
+            <a:endParaRPr lang="de-AT" sz="1500">
+              <a:solidFill>
+                <a:srgbClr val="FFFFFF"/>
+              </a:solidFill>
+            </a:endParaRPr>
+          </a:p>
+        </p:txBody>
+      </p:sp>
+      <p:sp>
+        <p:nvSpPr>
+          <p:cNvPr id="14" name="Rectangle 13">
+            <a:extLst>
+              <a:ext uri="{FF2B5EF4-FFF2-40B4-BE49-F238E27FC236}">
+                <a16:creationId xmlns:a16="http://schemas.microsoft.com/office/drawing/2014/main" id="{E579711D-7383-441E-8339-9A2B566677DB}"/>
+              </a:ext>
+              <a:ext uri="{C183D7F6-B498-43B3-948B-1728B52AA6E4}">
+                <adec:decorative xmlns:adec="http://schemas.microsoft.com/office/drawing/2017/decorative" val="1"/>
+              </a:ext>
+            </a:extLst>
+          </p:cNvPr>
+          <p:cNvSpPr>
+            <a:spLocks noGrp="1" noRot="1" noChangeAspect="1" noMove="1" noResize="1" noEditPoints="1" noAdjustHandles="1" noChangeArrowheads="1" noChangeShapeType="1" noTextEdit="1"/>
+          </p:cNvSpPr>
+          <p:nvPr>
+            <p:extLst>
+              <p:ext uri="{386F3935-93C4-4BCD-93E2-E3B085C9AB24}">
+                <p16:designElem xmlns:p16="http://schemas.microsoft.com/office/powerpoint/2015/main" val="1"/>
+              </p:ext>
+            </p:extLst>
+          </p:nvPr>
+        </p:nvSpPr>
+        <p:spPr>
+          <a:xfrm>
+            <a:off x="4040071" y="0"/>
+            <a:ext cx="64008" cy="6858000"/>
+          </a:xfrm>
+          <a:prstGeom prst="rect">
+            <a:avLst/>
+          </a:prstGeom>
+          <a:solidFill>
+            <a:schemeClr val="accent1"/>
+          </a:solidFill>
+          <a:ln>
+            <a:noFill/>
+          </a:ln>
+        </p:spPr>
+        <p:style>
+          <a:lnRef idx="2">
+            <a:schemeClr val="accent1">
+              <a:shade val="50000"/>
+            </a:schemeClr>
+          </a:lnRef>
+          <a:fillRef idx="1">
+            <a:schemeClr val="accent1"/>
+          </a:fillRef>
+          <a:effectRef idx="0">
+            <a:schemeClr val="accent1"/>
+          </a:effectRef>
+          <a:fontRef idx="minor">
+            <a:schemeClr val="lt1"/>
+          </a:fontRef>
+        </p:style>
+      </p:sp>
+      <p:pic>
+        <p:nvPicPr>
+          <p:cNvPr id="6" name="Grafik 5" descr="Ein Bild, das Text enthält.&#10;&#10;Automatisch generierte Beschreibung">
+            <a:extLst>
+              <a:ext uri="{FF2B5EF4-FFF2-40B4-BE49-F238E27FC236}">
+                <a16:creationId xmlns:a16="http://schemas.microsoft.com/office/drawing/2014/main" id="{E65AA5B8-5B53-45FE-B0CC-C35A22EF7A97}"/>
+              </a:ext>
+            </a:extLst>
+          </p:cNvPr>
+          <p:cNvPicPr>
+            <a:picLocks noChangeAspect="1"/>
+          </p:cNvPicPr>
+          <p:nvPr/>
+        </p:nvPicPr>
+        <p:blipFill>
+          <a:blip r:embed="rId2">
+            <a:extLst>
+              <a:ext uri="{28A0092B-C50C-407E-A947-70E740481C1C}">
+                <a14:useLocalDpi xmlns:a14="http://schemas.microsoft.com/office/drawing/2010/main" val="0"/>
+              </a:ext>
+            </a:extLst>
+          </a:blip>
+          <a:stretch>
+            <a:fillRect/>
+          </a:stretch>
+        </p:blipFill>
+        <p:spPr>
+          <a:xfrm>
+            <a:off x="0" y="1673"/>
+            <a:ext cx="12192000" cy="6854653"/>
+          </a:xfrm>
+          <a:prstGeom prst="rect">
+            <a:avLst/>
+          </a:prstGeom>
+        </p:spPr>
+      </p:pic>
+    </p:spTree>
+    <p:extLst>
+      <p:ext uri="{BB962C8B-B14F-4D97-AF65-F5344CB8AC3E}">
+        <p14:creationId xmlns:p14="http://schemas.microsoft.com/office/powerpoint/2010/main" val="438599437"/>
+      </p:ext>
+    </p:extLst>
+  </p:cSld>
+  <p:clrMapOvr>
+    <a:masterClrMapping/>
+  </p:clrMapOvr>
+</p:sld>
+</file>
+
+<file path=ppt/slides/slide21.xml><?xml version="1.0" encoding="utf-8"?>
+<p:sld xmlns:a="http://schemas.openxmlformats.org/drawingml/2006/main" xmlns:r="http://schemas.openxmlformats.org/officeDocument/2006/relationships" xmlns:p="http://schemas.openxmlformats.org/presentationml/2006/main">
+  <p:cSld>
+    <p:bg>
+      <p:bgPr>
+        <a:solidFill>
+          <a:schemeClr val="bg2"/>
+        </a:solidFill>
+        <a:effectLst/>
+      </p:bgPr>
+    </p:bg>
+    <p:spTree>
+      <p:nvGrpSpPr>
+        <p:cNvPr id="1" name=""/>
+        <p:cNvGrpSpPr/>
+        <p:nvPr/>
+      </p:nvGrpSpPr>
+      <p:grpSpPr>
+        <a:xfrm>
+          <a:off x="0" y="0"/>
+          <a:ext cx="0" cy="0"/>
+          <a:chOff x="0" y="0"/>
+          <a:chExt cx="0" cy="0"/>
+        </a:xfrm>
+      </p:grpSpPr>
+      <p:sp useBgFill="1">
+        <p:nvSpPr>
+          <p:cNvPr id="12" name="Rectangle 11">
+            <a:extLst>
+              <a:ext uri="{FF2B5EF4-FFF2-40B4-BE49-F238E27FC236}">
+                <a16:creationId xmlns:a16="http://schemas.microsoft.com/office/drawing/2014/main" id="{05670695-BABB-487A-9D4A-6B549E1C4F3C}"/>
+              </a:ext>
+              <a:ext uri="{C183D7F6-B498-43B3-948B-1728B52AA6E4}">
+                <adec:decorative xmlns:adec="http://schemas.microsoft.com/office/drawing/2017/decorative" val="1"/>
+              </a:ext>
+            </a:extLst>
+          </p:cNvPr>
+          <p:cNvSpPr>
+            <a:spLocks noGrp="1" noRot="1" noChangeAspect="1" noMove="1" noResize="1" noEditPoints="1" noAdjustHandles="1" noChangeArrowheads="1" noChangeShapeType="1" noTextEdit="1"/>
+          </p:cNvSpPr>
+          <p:nvPr>
+            <p:extLst>
+              <p:ext uri="{386F3935-93C4-4BCD-93E2-E3B085C9AB24}">
+                <p16:designElem xmlns:p16="http://schemas.microsoft.com/office/powerpoint/2015/main" val="1"/>
+              </p:ext>
+            </p:extLst>
+          </p:nvPr>
+        </p:nvSpPr>
+        <p:spPr>
+          <a:xfrm>
+            <a:off x="0" y="0"/>
+            <a:ext cx="12186315" cy="6858000"/>
+          </a:xfrm>
+          <a:prstGeom prst="rect">
+            <a:avLst/>
+          </a:prstGeom>
+          <a:ln>
+            <a:noFill/>
+          </a:ln>
+        </p:spPr>
+        <p:style>
+          <a:lnRef idx="2">
+            <a:schemeClr val="accent6">
+              <a:shade val="50000"/>
+            </a:schemeClr>
+          </a:lnRef>
+          <a:fillRef idx="1001">
+            <a:schemeClr val="lt1"/>
+          </a:fillRef>
+          <a:effectRef idx="0">
+            <a:schemeClr val="accent6"/>
+          </a:effectRef>
+          <a:fontRef idx="minor">
+            <a:schemeClr val="lt1"/>
+          </a:fontRef>
+        </p:style>
+        <p:txBody>
+          <a:bodyPr rtlCol="0" anchor="ctr"/>
+          <a:lstStyle/>
+          <a:p>
+            <a:pPr algn="ctr"/>
+            <a:endParaRPr lang="en-US"/>
+          </a:p>
+        </p:txBody>
+      </p:sp>
+      <p:sp>
+        <p:nvSpPr>
+          <p:cNvPr id="14" name="Rectangle 13">
+            <a:extLst>
+              <a:ext uri="{FF2B5EF4-FFF2-40B4-BE49-F238E27FC236}">
+                <a16:creationId xmlns:a16="http://schemas.microsoft.com/office/drawing/2014/main" id="{0E639418-A68B-41C9-8706-DAD1D3E21DE1}"/>
+              </a:ext>
+              <a:ext uri="{C183D7F6-B498-43B3-948B-1728B52AA6E4}">
+                <adec:decorative xmlns:adec="http://schemas.microsoft.com/office/drawing/2017/decorative" val="1"/>
+              </a:ext>
+            </a:extLst>
+          </p:cNvPr>
+          <p:cNvSpPr>
+            <a:spLocks noGrp="1" noRot="1" noChangeAspect="1" noMove="1" noResize="1" noEditPoints="1" noAdjustHandles="1" noChangeArrowheads="1" noChangeShapeType="1" noTextEdit="1"/>
+          </p:cNvSpPr>
+          <p:nvPr>
+            <p:extLst>
+              <p:ext uri="{386F3935-93C4-4BCD-93E2-E3B085C9AB24}">
+                <p16:designElem xmlns:p16="http://schemas.microsoft.com/office/powerpoint/2015/main" val="1"/>
+              </p:ext>
+            </p:extLst>
+          </p:nvPr>
+        </p:nvSpPr>
+        <p:spPr>
+          <a:xfrm>
+            <a:off x="16" y="0"/>
+            <a:ext cx="4050791" cy="6858000"/>
+          </a:xfrm>
+          <a:prstGeom prst="rect">
+            <a:avLst/>
+          </a:prstGeom>
+          <a:solidFill>
+            <a:schemeClr val="accent1">
+              <a:lumMod val="50000"/>
+            </a:schemeClr>
+          </a:solidFill>
+          <a:ln>
+            <a:noFill/>
+          </a:ln>
+        </p:spPr>
+        <p:style>
+          <a:lnRef idx="2">
+            <a:schemeClr val="accent1">
+              <a:shade val="50000"/>
+            </a:schemeClr>
+          </a:lnRef>
+          <a:fillRef idx="1">
+            <a:schemeClr val="accent1"/>
+          </a:fillRef>
+          <a:effectRef idx="0">
+            <a:schemeClr val="accent1"/>
+          </a:effectRef>
+          <a:fontRef idx="minor">
+            <a:schemeClr val="lt1"/>
+          </a:fontRef>
+        </p:style>
+      </p:sp>
+      <p:sp>
+        <p:nvSpPr>
+          <p:cNvPr id="2" name="Titel 1">
+            <a:extLst>
+              <a:ext uri="{FF2B5EF4-FFF2-40B4-BE49-F238E27FC236}">
+                <a16:creationId xmlns:a16="http://schemas.microsoft.com/office/drawing/2014/main" id="{79A32583-8E09-487C-A962-9B147266A792}"/>
+              </a:ext>
+            </a:extLst>
+          </p:cNvPr>
+          <p:cNvSpPr>
+            <a:spLocks noGrp="1"/>
+          </p:cNvSpPr>
+          <p:nvPr>
+            <p:ph type="title"/>
+          </p:nvPr>
+        </p:nvSpPr>
+        <p:spPr>
+          <a:xfrm>
+            <a:off x="492370" y="516835"/>
+            <a:ext cx="3084844" cy="2103875"/>
+          </a:xfrm>
+        </p:spPr>
+        <p:txBody>
+          <a:bodyPr>
+            <a:normAutofit/>
+          </a:bodyPr>
+          <a:lstStyle/>
+          <a:p>
+            <a:r>
+              <a:rPr lang="de-DE" sz="3600" dirty="0">
+                <a:solidFill>
+                  <a:srgbClr val="FFFFFF"/>
+                </a:solidFill>
+              </a:rPr>
+              <a:t>Shaders</a:t>
+            </a:r>
+            <a:endParaRPr lang="de-AT" sz="3600" dirty="0">
+              <a:solidFill>
+                <a:srgbClr val="FFFFFF"/>
+              </a:solidFill>
+            </a:endParaRPr>
+          </a:p>
+        </p:txBody>
+      </p:sp>
+      <p:sp>
+        <p:nvSpPr>
+          <p:cNvPr id="9" name="Content Placeholder 8">
+            <a:extLst>
+              <a:ext uri="{FF2B5EF4-FFF2-40B4-BE49-F238E27FC236}">
+                <a16:creationId xmlns:a16="http://schemas.microsoft.com/office/drawing/2014/main" id="{2BA7E0E7-50A9-470B-865F-8F306ADE8DF6}"/>
+              </a:ext>
+            </a:extLst>
+          </p:cNvPr>
+          <p:cNvSpPr>
+            <a:spLocks noGrp="1"/>
+          </p:cNvSpPr>
+          <p:nvPr>
+            <p:ph idx="1"/>
+          </p:nvPr>
+        </p:nvSpPr>
+        <p:spPr>
+          <a:xfrm>
+            <a:off x="492371" y="2653800"/>
+            <a:ext cx="3084844" cy="3335519"/>
+          </a:xfrm>
+        </p:spPr>
+        <p:txBody>
+          <a:bodyPr>
+            <a:normAutofit/>
+          </a:bodyPr>
+          <a:lstStyle/>
+          <a:p>
+            <a:endParaRPr lang="en-US" sz="1500">
+              <a:solidFill>
+                <a:srgbClr val="FFFFFF"/>
+              </a:solidFill>
+            </a:endParaRPr>
+          </a:p>
+        </p:txBody>
+      </p:sp>
+      <p:sp>
+        <p:nvSpPr>
+          <p:cNvPr id="16" name="Rectangle 15">
+            <a:extLst>
+              <a:ext uri="{FF2B5EF4-FFF2-40B4-BE49-F238E27FC236}">
+                <a16:creationId xmlns:a16="http://schemas.microsoft.com/office/drawing/2014/main" id="{E579711D-7383-441E-8339-9A2B566677DB}"/>
+              </a:ext>
+              <a:ext uri="{C183D7F6-B498-43B3-948B-1728B52AA6E4}">
+                <adec:decorative xmlns:adec="http://schemas.microsoft.com/office/drawing/2017/decorative" val="1"/>
+              </a:ext>
+            </a:extLst>
+          </p:cNvPr>
+          <p:cNvSpPr>
+            <a:spLocks noGrp="1" noRot="1" noChangeAspect="1" noMove="1" noResize="1" noEditPoints="1" noAdjustHandles="1" noChangeArrowheads="1" noChangeShapeType="1" noTextEdit="1"/>
+          </p:cNvSpPr>
+          <p:nvPr>
+            <p:extLst>
+              <p:ext uri="{386F3935-93C4-4BCD-93E2-E3B085C9AB24}">
+                <p16:designElem xmlns:p16="http://schemas.microsoft.com/office/powerpoint/2015/main" val="1"/>
+              </p:ext>
+            </p:extLst>
+          </p:nvPr>
+        </p:nvSpPr>
+        <p:spPr>
+          <a:xfrm>
+            <a:off x="4040071" y="0"/>
+            <a:ext cx="64008" cy="6858000"/>
+          </a:xfrm>
+          <a:prstGeom prst="rect">
+            <a:avLst/>
+          </a:prstGeom>
+          <a:solidFill>
+            <a:schemeClr val="accent1"/>
+          </a:solidFill>
+          <a:ln>
+            <a:noFill/>
+          </a:ln>
+        </p:spPr>
+        <p:style>
+          <a:lnRef idx="2">
+            <a:schemeClr val="accent1">
+              <a:shade val="50000"/>
+            </a:schemeClr>
+          </a:lnRef>
+          <a:fillRef idx="1">
+            <a:schemeClr val="accent1"/>
+          </a:fillRef>
+          <a:effectRef idx="0">
+            <a:schemeClr val="accent1"/>
+          </a:effectRef>
+          <a:fontRef idx="minor">
+            <a:schemeClr val="lt1"/>
+          </a:fontRef>
+        </p:style>
+      </p:sp>
+      <p:pic>
+        <p:nvPicPr>
+          <p:cNvPr id="5" name="Inhaltsplatzhalter 4" descr="Ein Bild, das Text enthält.&#10;&#10;Automatisch generierte Beschreibung">
+            <a:extLst>
+              <a:ext uri="{FF2B5EF4-FFF2-40B4-BE49-F238E27FC236}">
+                <a16:creationId xmlns:a16="http://schemas.microsoft.com/office/drawing/2014/main" id="{CA23BF1B-5F34-49C4-B266-96BBF9A15592}"/>
+              </a:ext>
+            </a:extLst>
+          </p:cNvPr>
+          <p:cNvPicPr>
+            <a:picLocks noChangeAspect="1"/>
+          </p:cNvPicPr>
+          <p:nvPr/>
+        </p:nvPicPr>
+        <p:blipFill>
+          <a:blip r:embed="rId2">
+            <a:extLst>
+              <a:ext uri="{28A0092B-C50C-407E-A947-70E740481C1C}">
+                <a14:useLocalDpi xmlns:a14="http://schemas.microsoft.com/office/drawing/2010/main" val="0"/>
+              </a:ext>
+            </a:extLst>
+          </a:blip>
+          <a:stretch>
+            <a:fillRect/>
+          </a:stretch>
+        </p:blipFill>
+        <p:spPr>
+          <a:xfrm>
+            <a:off x="4108644" y="-54000"/>
+            <a:ext cx="7017250" cy="6912000"/>
+          </a:xfrm>
+          <a:prstGeom prst="rect">
+            <a:avLst/>
+          </a:prstGeom>
+        </p:spPr>
+      </p:pic>
+    </p:spTree>
+    <p:extLst>
+      <p:ext uri="{BB962C8B-B14F-4D97-AF65-F5344CB8AC3E}">
+        <p14:creationId xmlns:p14="http://schemas.microsoft.com/office/powerpoint/2010/main" val="937389746"/>
       </p:ext>
     </p:extLst>
   </p:cSld>

--- a/presentation/ballwall.pptx
+++ b/presentation/ballwall.pptx
@@ -9,23 +9,24 @@
     <p:sldId id="257" r:id="rId3"/>
     <p:sldId id="258" r:id="rId4"/>
     <p:sldId id="259" r:id="rId5"/>
-    <p:sldId id="260" r:id="rId6"/>
-    <p:sldId id="263" r:id="rId7"/>
-    <p:sldId id="261" r:id="rId8"/>
-    <p:sldId id="266" r:id="rId9"/>
-    <p:sldId id="265" r:id="rId10"/>
-    <p:sldId id="273" r:id="rId11"/>
-    <p:sldId id="274" r:id="rId12"/>
-    <p:sldId id="275" r:id="rId13"/>
-    <p:sldId id="267" r:id="rId14"/>
-    <p:sldId id="268" r:id="rId15"/>
-    <p:sldId id="276" r:id="rId16"/>
-    <p:sldId id="269" r:id="rId17"/>
-    <p:sldId id="270" r:id="rId18"/>
-    <p:sldId id="271" r:id="rId19"/>
-    <p:sldId id="272" r:id="rId20"/>
-    <p:sldId id="262" r:id="rId21"/>
-    <p:sldId id="264" r:id="rId22"/>
+    <p:sldId id="261" r:id="rId6"/>
+    <p:sldId id="266" r:id="rId7"/>
+    <p:sldId id="273" r:id="rId8"/>
+    <p:sldId id="274" r:id="rId9"/>
+    <p:sldId id="275" r:id="rId10"/>
+    <p:sldId id="267" r:id="rId11"/>
+    <p:sldId id="268" r:id="rId12"/>
+    <p:sldId id="276" r:id="rId13"/>
+    <p:sldId id="269" r:id="rId14"/>
+    <p:sldId id="270" r:id="rId15"/>
+    <p:sldId id="260" r:id="rId16"/>
+    <p:sldId id="265" r:id="rId17"/>
+    <p:sldId id="271" r:id="rId18"/>
+    <p:sldId id="272" r:id="rId19"/>
+    <p:sldId id="262" r:id="rId20"/>
+    <p:sldId id="264" r:id="rId21"/>
+    <p:sldId id="263" r:id="rId22"/>
+    <p:sldId id="277" r:id="rId23"/>
   </p:sldIdLst>
   <p:sldSz cx="12192000" cy="6858000"/>
   <p:notesSz cx="6858000" cy="9144000"/>
@@ -360,7 +361,7 @@
           <a:p>
             <a:fld id="{19989466-504B-4804-90BA-42AAF5AF4E6F}" type="datetimeFigureOut">
               <a:rPr lang="de-AT" smtClean="0"/>
-              <a:t>14.06.2021</a:t>
+              <a:t>15.06.2021</a:t>
             </a:fld>
             <a:endParaRPr lang="de-AT"/>
           </a:p>
@@ -568,7 +569,7 @@
           <a:p>
             <a:fld id="{19989466-504B-4804-90BA-42AAF5AF4E6F}" type="datetimeFigureOut">
               <a:rPr lang="de-AT" smtClean="0"/>
-              <a:t>14.06.2021</a:t>
+              <a:t>15.06.2021</a:t>
             </a:fld>
             <a:endParaRPr lang="de-AT"/>
           </a:p>
@@ -826,7 +827,7 @@
           <a:p>
             <a:fld id="{19989466-504B-4804-90BA-42AAF5AF4E6F}" type="datetimeFigureOut">
               <a:rPr lang="de-AT" smtClean="0"/>
-              <a:t>14.06.2021</a:t>
+              <a:t>15.06.2021</a:t>
             </a:fld>
             <a:endParaRPr lang="de-AT"/>
           </a:p>
@@ -996,7 +997,7 @@
           <a:p>
             <a:fld id="{19989466-504B-4804-90BA-42AAF5AF4E6F}" type="datetimeFigureOut">
               <a:rPr lang="de-AT" smtClean="0"/>
-              <a:t>14.06.2021</a:t>
+              <a:t>15.06.2021</a:t>
             </a:fld>
             <a:endParaRPr lang="de-AT"/>
           </a:p>
@@ -1333,7 +1334,7 @@
           <a:p>
             <a:fld id="{19989466-504B-4804-90BA-42AAF5AF4E6F}" type="datetimeFigureOut">
               <a:rPr lang="de-AT" smtClean="0"/>
-              <a:t>14.06.2021</a:t>
+              <a:t>15.06.2021</a:t>
             </a:fld>
             <a:endParaRPr lang="de-AT"/>
           </a:p>
@@ -1608,7 +1609,7 @@
           <a:p>
             <a:fld id="{19989466-504B-4804-90BA-42AAF5AF4E6F}" type="datetimeFigureOut">
               <a:rPr lang="de-AT" smtClean="0"/>
-              <a:t>14.06.2021</a:t>
+              <a:t>15.06.2021</a:t>
             </a:fld>
             <a:endParaRPr lang="de-AT"/>
           </a:p>
@@ -1987,7 +1988,7 @@
           <a:p>
             <a:fld id="{19989466-504B-4804-90BA-42AAF5AF4E6F}" type="datetimeFigureOut">
               <a:rPr lang="de-AT" smtClean="0"/>
-              <a:t>14.06.2021</a:t>
+              <a:t>15.06.2021</a:t>
             </a:fld>
             <a:endParaRPr lang="de-AT"/>
           </a:p>
@@ -2105,7 +2106,7 @@
           <a:p>
             <a:fld id="{19989466-504B-4804-90BA-42AAF5AF4E6F}" type="datetimeFigureOut">
               <a:rPr lang="de-AT" smtClean="0"/>
-              <a:t>14.06.2021</a:t>
+              <a:t>15.06.2021</a:t>
             </a:fld>
             <a:endParaRPr lang="de-AT"/>
           </a:p>
@@ -2278,7 +2279,7 @@
           <a:p>
             <a:fld id="{19989466-504B-4804-90BA-42AAF5AF4E6F}" type="datetimeFigureOut">
               <a:rPr lang="de-AT" smtClean="0"/>
-              <a:t>14.06.2021</a:t>
+              <a:t>15.06.2021</a:t>
             </a:fld>
             <a:endParaRPr lang="de-AT"/>
           </a:p>
@@ -2634,7 +2635,7 @@
           <a:p>
             <a:fld id="{19989466-504B-4804-90BA-42AAF5AF4E6F}" type="datetimeFigureOut">
               <a:rPr lang="de-AT" smtClean="0"/>
-              <a:t>14.06.2021</a:t>
+              <a:t>15.06.2021</a:t>
             </a:fld>
             <a:endParaRPr lang="de-AT"/>
           </a:p>
@@ -3013,7 +3014,7 @@
           <a:p>
             <a:fld id="{19989466-504B-4804-90BA-42AAF5AF4E6F}" type="datetimeFigureOut">
               <a:rPr lang="de-AT" smtClean="0"/>
-              <a:t>14.06.2021</a:t>
+              <a:t>15.06.2021</a:t>
             </a:fld>
             <a:endParaRPr lang="de-AT"/>
           </a:p>
@@ -3302,7 +3303,7 @@
           <a:p>
             <a:fld id="{19989466-504B-4804-90BA-42AAF5AF4E6F}" type="datetimeFigureOut">
               <a:rPr lang="de-AT" smtClean="0"/>
-              <a:t>14.06.2021</a:t>
+              <a:t>15.06.2021</a:t>
             </a:fld>
             <a:endParaRPr lang="de-AT"/>
           </a:p>
@@ -3965,7 +3966,7 @@
           <p:cNvPr id="2" name="Titel 1">
             <a:extLst>
               <a:ext uri="{FF2B5EF4-FFF2-40B4-BE49-F238E27FC236}">
-                <a16:creationId xmlns:a16="http://schemas.microsoft.com/office/drawing/2014/main" id="{5596BBE6-1823-406B-A551-5B0197572640}"/>
+                <a16:creationId xmlns:a16="http://schemas.microsoft.com/office/drawing/2014/main" id="{AA2166B8-C90E-42E5-B6B7-2CA12AFCF00F}"/>
               </a:ext>
             </a:extLst>
           </p:cNvPr>
@@ -3983,7 +3984,23 @@
           <a:p>
             <a:r>
               <a:rPr lang="de-DE" dirty="0" err="1"/>
-              <a:t>Sphere</a:t>
+              <a:t>Creating</a:t>
+            </a:r>
+            <a:r>
+              <a:rPr lang="de-DE" dirty="0"/>
+              <a:t> </a:t>
+            </a:r>
+            <a:r>
+              <a:rPr lang="de-DE" dirty="0" err="1"/>
+              <a:t>the</a:t>
+            </a:r>
+            <a:r>
+              <a:rPr lang="de-DE" dirty="0"/>
+              <a:t> </a:t>
+            </a:r>
+            <a:r>
+              <a:rPr lang="de-DE" dirty="0" err="1"/>
+              <a:t>sphere</a:t>
             </a:r>
             <a:endParaRPr lang="de-AT" dirty="0"/>
           </a:p>
@@ -3994,7 +4011,7 @@
           <p:cNvPr id="3" name="Inhaltsplatzhalter 2">
             <a:extLst>
               <a:ext uri="{FF2B5EF4-FFF2-40B4-BE49-F238E27FC236}">
-                <a16:creationId xmlns:a16="http://schemas.microsoft.com/office/drawing/2014/main" id="{03AA14AE-C590-468B-8889-7E89B83B6020}"/>
+                <a16:creationId xmlns:a16="http://schemas.microsoft.com/office/drawing/2014/main" id="{1935A9B4-7F8D-442E-8AF2-CBCFC8D203F3}"/>
               </a:ext>
             </a:extLst>
           </p:cNvPr>
@@ -4007,9 +4024,7 @@
         </p:nvSpPr>
         <p:spPr/>
         <p:txBody>
-          <a:bodyPr>
-            <a:normAutofit/>
-          </a:bodyPr>
+          <a:bodyPr anchor="ctr"/>
           <a:lstStyle/>
           <a:p>
             <a:pPr>
@@ -4017,19 +4032,24 @@
               <a:buChar char="Ø"/>
             </a:pPr>
             <a:r>
-              <a:rPr lang="de-DE" sz="2400" dirty="0">
+              <a:rPr lang="en-US" dirty="0">
                 <a:latin typeface="Times New Roman" panose="02020603050405020304" pitchFamily="18" charset="0"/>
                 <a:cs typeface="Times New Roman" panose="02020603050405020304" pitchFamily="18" charset="0"/>
               </a:rPr>
-              <a:t> </a:t>
-            </a:r>
-            <a:r>
-              <a:rPr lang="en-US" sz="2400" dirty="0">
+              <a:t> adapted from </a:t>
+            </a:r>
+            <a:r>
+              <a:rPr lang="en-US" dirty="0">
                 <a:latin typeface="Times New Roman" panose="02020603050405020304" pitchFamily="18" charset="0"/>
                 <a:cs typeface="Times New Roman" panose="02020603050405020304" pitchFamily="18" charset="0"/>
+                <a:hlinkClick r:id="rId2"/>
               </a:rPr>
-              <a:t>3D closed surface where every point on the sphere is same distance (radius) from a given point</a:t>
-            </a:r>
+              <a:t>http://www.songho.ca/opengl/gl_sphere.html</a:t>
+            </a:r>
+            <a:endParaRPr lang="en-US" dirty="0">
+              <a:latin typeface="Times New Roman" panose="02020603050405020304" pitchFamily="18" charset="0"/>
+              <a:cs typeface="Times New Roman" panose="02020603050405020304" pitchFamily="18" charset="0"/>
+            </a:endParaRPr>
           </a:p>
           <a:p>
             <a:pPr>
@@ -4037,235 +4057,23 @@
               <a:buChar char="Ø"/>
             </a:pPr>
             <a:r>
-              <a:rPr lang="de-AT" sz="2400" dirty="0">
+              <a:rPr lang="en-US" dirty="0">
                 <a:latin typeface="Times New Roman" panose="02020603050405020304" pitchFamily="18" charset="0"/>
                 <a:cs typeface="Times New Roman" panose="02020603050405020304" pitchFamily="18" charset="0"/>
               </a:rPr>
-              <a:t> x</a:t>
-            </a:r>
-            <a:r>
-              <a:rPr lang="de-AT" sz="2400" baseline="30000" dirty="0">
-                <a:latin typeface="Times New Roman" panose="02020603050405020304" pitchFamily="18" charset="0"/>
-                <a:cs typeface="Times New Roman" panose="02020603050405020304" pitchFamily="18" charset="0"/>
-              </a:rPr>
-              <a:t>2</a:t>
-            </a:r>
-            <a:r>
-              <a:rPr lang="de-AT" sz="2400" dirty="0">
-                <a:latin typeface="Times New Roman" panose="02020603050405020304" pitchFamily="18" charset="0"/>
-                <a:cs typeface="Times New Roman" panose="02020603050405020304" pitchFamily="18" charset="0"/>
-              </a:rPr>
-              <a:t> + y</a:t>
-            </a:r>
-            <a:r>
-              <a:rPr lang="de-AT" sz="2400" baseline="30000" dirty="0">
-                <a:latin typeface="Times New Roman" panose="02020603050405020304" pitchFamily="18" charset="0"/>
-                <a:cs typeface="Times New Roman" panose="02020603050405020304" pitchFamily="18" charset="0"/>
-              </a:rPr>
-              <a:t>2</a:t>
-            </a:r>
-            <a:r>
-              <a:rPr lang="de-AT" sz="2400" dirty="0">
-                <a:latin typeface="Times New Roman" panose="02020603050405020304" pitchFamily="18" charset="0"/>
-                <a:cs typeface="Times New Roman" panose="02020603050405020304" pitchFamily="18" charset="0"/>
-              </a:rPr>
-              <a:t> + z</a:t>
-            </a:r>
-            <a:r>
-              <a:rPr lang="de-AT" sz="2400" baseline="30000" dirty="0">
-                <a:latin typeface="Times New Roman" panose="02020603050405020304" pitchFamily="18" charset="0"/>
-                <a:cs typeface="Times New Roman" panose="02020603050405020304" pitchFamily="18" charset="0"/>
-              </a:rPr>
-              <a:t>2</a:t>
-            </a:r>
-            <a:r>
-              <a:rPr lang="de-AT" sz="2400" dirty="0">
-                <a:latin typeface="Times New Roman" panose="02020603050405020304" pitchFamily="18" charset="0"/>
-                <a:cs typeface="Times New Roman" panose="02020603050405020304" pitchFamily="18" charset="0"/>
-              </a:rPr>
-              <a:t> = r</a:t>
-            </a:r>
-            <a:r>
-              <a:rPr lang="de-AT" sz="2400" baseline="30000" dirty="0">
-                <a:latin typeface="Times New Roman" panose="02020603050405020304" pitchFamily="18" charset="0"/>
-                <a:cs typeface="Times New Roman" panose="02020603050405020304" pitchFamily="18" charset="0"/>
-              </a:rPr>
-              <a:t>2</a:t>
-            </a:r>
-          </a:p>
-          <a:p>
-            <a:pPr>
-              <a:buFont typeface="Wingdings" panose="05000000000000000000" pitchFamily="2" charset="2"/>
-              <a:buChar char="Ø"/>
-            </a:pPr>
-            <a:r>
-              <a:rPr lang="de-AT" sz="2400" dirty="0">
-                <a:latin typeface="Times New Roman" panose="02020603050405020304" pitchFamily="18" charset="0"/>
-                <a:cs typeface="Times New Roman" panose="02020603050405020304" pitchFamily="18" charset="0"/>
-              </a:rPr>
-              <a:t> </a:t>
-            </a:r>
-            <a:r>
-              <a:rPr lang="en-US" sz="2400" dirty="0">
-                <a:latin typeface="Times New Roman" panose="02020603050405020304" pitchFamily="18" charset="0"/>
-                <a:cs typeface="Times New Roman" panose="02020603050405020304" pitchFamily="18" charset="0"/>
-              </a:rPr>
-              <a:t>we cannot draw all the points on a sphere</a:t>
-            </a:r>
-          </a:p>
-          <a:p>
-            <a:pPr>
-              <a:buFont typeface="Wingdings" panose="05000000000000000000" pitchFamily="2" charset="2"/>
-              <a:buChar char="Ø"/>
-            </a:pPr>
-            <a:r>
-              <a:rPr lang="en-US" sz="2400" dirty="0">
-                <a:latin typeface="Times New Roman" panose="02020603050405020304" pitchFamily="18" charset="0"/>
-                <a:cs typeface="Times New Roman" panose="02020603050405020304" pitchFamily="18" charset="0"/>
-              </a:rPr>
-              <a:t> sample a limited amount of points by dividing the sphere by sectors and stacks</a:t>
-            </a:r>
-          </a:p>
-          <a:p>
-            <a:pPr>
-              <a:buFont typeface="Wingdings" panose="05000000000000000000" pitchFamily="2" charset="2"/>
-              <a:buChar char="Ø"/>
-            </a:pPr>
-            <a:r>
-              <a:rPr lang="en-US" sz="2400" dirty="0">
-                <a:latin typeface="Times New Roman" panose="02020603050405020304" pitchFamily="18" charset="0"/>
-                <a:cs typeface="Times New Roman" panose="02020603050405020304" pitchFamily="18" charset="0"/>
-              </a:rPr>
-              <a:t> an arbitrary point (x, y, z) on a sphere can be computed with the corresponding sector angle θ and stack angle ϕ</a:t>
-            </a:r>
-          </a:p>
-          <a:p>
-            <a:pPr>
-              <a:buFont typeface="Wingdings" panose="05000000000000000000" pitchFamily="2" charset="2"/>
-              <a:buChar char="Ø"/>
-            </a:pPr>
-            <a:r>
-              <a:rPr lang="en-US" sz="2400" dirty="0">
-                <a:latin typeface="Times New Roman" panose="02020603050405020304" pitchFamily="18" charset="0"/>
-                <a:cs typeface="Times New Roman" panose="02020603050405020304" pitchFamily="18" charset="0"/>
-              </a:rPr>
-              <a:t> </a:t>
-            </a:r>
-          </a:p>
-        </p:txBody>
-      </p:sp>
-      <p:pic>
-        <p:nvPicPr>
-          <p:cNvPr id="2052" name="Picture 4" descr="formula to find a point on a sphere">
-            <a:extLst>
-              <a:ext uri="{FF2B5EF4-FFF2-40B4-BE49-F238E27FC236}">
-                <a16:creationId xmlns:a16="http://schemas.microsoft.com/office/drawing/2014/main" id="{2780149B-F359-4A4C-BBE1-BF87F30DE39A}"/>
-              </a:ext>
-            </a:extLst>
-          </p:cNvPr>
-          <p:cNvPicPr>
-            <a:picLocks noChangeAspect="1" noChangeArrowheads="1"/>
-          </p:cNvPicPr>
-          <p:nvPr/>
-        </p:nvPicPr>
-        <p:blipFill rotWithShape="1">
-          <a:blip r:embed="rId2">
-            <a:extLst>
-              <a:ext uri="{BEBA8EAE-BF5A-486C-A8C5-ECC9F3942E4B}">
-                <a14:imgProps xmlns:a14="http://schemas.microsoft.com/office/drawing/2010/main">
-                  <a14:imgLayer r:embed="rId3">
-                    <a14:imgEffect>
-                      <a14:artisticPhotocopy/>
-                    </a14:imgEffect>
-                  </a14:imgLayer>
-                </a14:imgProps>
-              </a:ext>
-              <a:ext uri="{28A0092B-C50C-407E-A947-70E740481C1C}">
-                <a14:useLocalDpi xmlns:a14="http://schemas.microsoft.com/office/drawing/2010/main" val="0"/>
-              </a:ext>
-            </a:extLst>
-          </a:blip>
-          <a:srcRect b="29880"/>
-          <a:stretch/>
-        </p:blipFill>
-        <p:spPr bwMode="auto">
-          <a:xfrm>
-            <a:off x="1666802" y="5037195"/>
-            <a:ext cx="3990975" cy="1166657"/>
-          </a:xfrm>
-          <a:prstGeom prst="rect">
-            <a:avLst/>
-          </a:prstGeom>
-          <a:noFill/>
-          <a:extLst>
-            <a:ext uri="{909E8E84-426E-40DD-AFC4-6F175D3DCCD1}">
-              <a14:hiddenFill xmlns:a14="http://schemas.microsoft.com/office/drawing/2010/main">
-                <a:solidFill>
-                  <a:srgbClr val="FFFFFF"/>
-                </a:solidFill>
-              </a14:hiddenFill>
-            </a:ext>
-          </a:extLst>
-        </p:spPr>
-      </p:pic>
-      <p:pic>
-        <p:nvPicPr>
-          <p:cNvPr id="2054" name="Picture 6" descr="formula to find a point on a sphere">
-            <a:extLst>
-              <a:ext uri="{FF2B5EF4-FFF2-40B4-BE49-F238E27FC236}">
-                <a16:creationId xmlns:a16="http://schemas.microsoft.com/office/drawing/2014/main" id="{6906086A-07DE-4942-AB89-88C69FB5B975}"/>
-              </a:ext>
-            </a:extLst>
-          </p:cNvPr>
-          <p:cNvPicPr>
-            <a:picLocks noChangeAspect="1" noChangeArrowheads="1"/>
-          </p:cNvPicPr>
-          <p:nvPr/>
-        </p:nvPicPr>
-        <p:blipFill rotWithShape="1">
-          <a:blip r:embed="rId2">
-            <a:extLst>
-              <a:ext uri="{BEBA8EAE-BF5A-486C-A8C5-ECC9F3942E4B}">
-                <a14:imgProps xmlns:a14="http://schemas.microsoft.com/office/drawing/2010/main">
-                  <a14:imgLayer r:embed="rId3">
-                    <a14:imgEffect>
-                      <a14:artisticPhotocopy/>
-                    </a14:imgEffect>
-                  </a14:imgLayer>
-                </a14:imgProps>
-              </a:ext>
-              <a:ext uri="{28A0092B-C50C-407E-A947-70E740481C1C}">
-                <a14:useLocalDpi xmlns:a14="http://schemas.microsoft.com/office/drawing/2010/main" val="0"/>
-              </a:ext>
-            </a:extLst>
-          </a:blip>
-          <a:srcRect t="70167"/>
-          <a:stretch/>
-        </p:blipFill>
-        <p:spPr bwMode="auto">
-          <a:xfrm>
-            <a:off x="6411241" y="5037195"/>
-            <a:ext cx="3990975" cy="466019"/>
-          </a:xfrm>
-          <a:prstGeom prst="rect">
-            <a:avLst/>
-          </a:prstGeom>
-          <a:noFill/>
-          <a:extLst>
-            <a:ext uri="{909E8E84-426E-40DD-AFC4-6F175D3DCCD1}">
-              <a14:hiddenFill xmlns:a14="http://schemas.microsoft.com/office/drawing/2010/main">
-                <a:solidFill>
-                  <a:srgbClr val="FFFFFF"/>
-                </a:solidFill>
-              </a14:hiddenFill>
-            </a:ext>
-          </a:extLst>
-        </p:spPr>
-      </p:pic>
+              <a:t> done in three main steps</a:t>
+            </a:r>
+            <a:endParaRPr lang="de-AT" dirty="0">
+              <a:latin typeface="Times New Roman" panose="02020603050405020304" pitchFamily="18" charset="0"/>
+              <a:cs typeface="Times New Roman" panose="02020603050405020304" pitchFamily="18" charset="0"/>
+            </a:endParaRPr>
+          </a:p>
+        </p:txBody>
+      </p:sp>
     </p:spTree>
     <p:extLst>
       <p:ext uri="{BB962C8B-B14F-4D97-AF65-F5344CB8AC3E}">
-        <p14:creationId xmlns:p14="http://schemas.microsoft.com/office/powerpoint/2010/main" val="2398359700"/>
+        <p14:creationId xmlns:p14="http://schemas.microsoft.com/office/powerpoint/2010/main" val="3810413879"/>
       </p:ext>
     </p:extLst>
   </p:cSld>
@@ -4278,6 +4086,14 @@
 <file path=ppt/slides/slide11.xml><?xml version="1.0" encoding="utf-8"?>
 <p:sld xmlns:a="http://schemas.openxmlformats.org/drawingml/2006/main" xmlns:r="http://schemas.openxmlformats.org/officeDocument/2006/relationships" xmlns:p="http://schemas.openxmlformats.org/presentationml/2006/main">
   <p:cSld>
+    <p:bg>
+      <p:bgPr>
+        <a:solidFill>
+          <a:schemeClr val="bg2"/>
+        </a:solidFill>
+        <a:effectLst/>
+      </p:bgPr>
+    </p:bg>
     <p:spTree>
       <p:nvGrpSpPr>
         <p:cNvPr id="1" name=""/>
@@ -4292,104 +4108,292 @@
           <a:chExt cx="0" cy="0"/>
         </a:xfrm>
       </p:grpSpPr>
+      <p:sp useBgFill="1">
+        <p:nvSpPr>
+          <p:cNvPr id="12" name="Rectangle 11">
+            <a:extLst>
+              <a:ext uri="{FF2B5EF4-FFF2-40B4-BE49-F238E27FC236}">
+                <a16:creationId xmlns:a16="http://schemas.microsoft.com/office/drawing/2014/main" id="{3DBD0226-9703-41AF-92F4-0830512A0A54}"/>
+              </a:ext>
+              <a:ext uri="{C183D7F6-B498-43B3-948B-1728B52AA6E4}">
+                <adec:decorative xmlns:adec="http://schemas.microsoft.com/office/drawing/2017/decorative" val="1"/>
+              </a:ext>
+            </a:extLst>
+          </p:cNvPr>
+          <p:cNvSpPr>
+            <a:spLocks noGrp="1" noRot="1" noChangeAspect="1" noMove="1" noResize="1" noEditPoints="1" noAdjustHandles="1" noChangeArrowheads="1" noChangeShapeType="1" noTextEdit="1"/>
+          </p:cNvSpPr>
+          <p:nvPr>
+            <p:extLst>
+              <p:ext uri="{386F3935-93C4-4BCD-93E2-E3B085C9AB24}">
+                <p16:designElem xmlns:p16="http://schemas.microsoft.com/office/powerpoint/2015/main" val="1"/>
+              </p:ext>
+            </p:extLst>
+          </p:nvPr>
+        </p:nvSpPr>
+        <p:spPr>
+          <a:xfrm>
+            <a:off x="0" y="0"/>
+            <a:ext cx="12186315" cy="6858000"/>
+          </a:xfrm>
+          <a:prstGeom prst="rect">
+            <a:avLst/>
+          </a:prstGeom>
+          <a:ln>
+            <a:noFill/>
+          </a:ln>
+        </p:spPr>
+        <p:style>
+          <a:lnRef idx="2">
+            <a:schemeClr val="accent6">
+              <a:shade val="50000"/>
+            </a:schemeClr>
+          </a:lnRef>
+          <a:fillRef idx="1001">
+            <a:schemeClr val="lt1"/>
+          </a:fillRef>
+          <a:effectRef idx="0">
+            <a:schemeClr val="accent6"/>
+          </a:effectRef>
+          <a:fontRef idx="minor">
+            <a:schemeClr val="lt1"/>
+          </a:fontRef>
+        </p:style>
+        <p:txBody>
+          <a:bodyPr rtlCol="0" anchor="ctr"/>
+          <a:lstStyle/>
+          <a:p>
+            <a:pPr algn="ctr"/>
+            <a:endParaRPr lang="en-US"/>
+          </a:p>
+        </p:txBody>
+      </p:sp>
+      <p:sp>
+        <p:nvSpPr>
+          <p:cNvPr id="14" name="Rectangle 13">
+            <a:extLst>
+              <a:ext uri="{FF2B5EF4-FFF2-40B4-BE49-F238E27FC236}">
+                <a16:creationId xmlns:a16="http://schemas.microsoft.com/office/drawing/2014/main" id="{3E49C037-89D1-4D16-9F78-B92699686649}"/>
+              </a:ext>
+              <a:ext uri="{C183D7F6-B498-43B3-948B-1728B52AA6E4}">
+                <adec:decorative xmlns:adec="http://schemas.microsoft.com/office/drawing/2017/decorative" val="1"/>
+              </a:ext>
+            </a:extLst>
+          </p:cNvPr>
+          <p:cNvSpPr>
+            <a:spLocks noGrp="1" noRot="1" noChangeAspect="1" noMove="1" noResize="1" noEditPoints="1" noAdjustHandles="1" noChangeArrowheads="1" noChangeShapeType="1" noTextEdit="1"/>
+          </p:cNvSpPr>
+          <p:nvPr>
+            <p:extLst>
+              <p:ext uri="{386F3935-93C4-4BCD-93E2-E3B085C9AB24}">
+                <p16:designElem xmlns:p16="http://schemas.microsoft.com/office/powerpoint/2015/main" val="1"/>
+              </p:ext>
+            </p:extLst>
+          </p:nvPr>
+        </p:nvSpPr>
+        <p:spPr>
+          <a:xfrm>
+            <a:off x="16" y="0"/>
+            <a:ext cx="4050791" cy="6858000"/>
+          </a:xfrm>
+          <a:prstGeom prst="rect">
+            <a:avLst/>
+          </a:prstGeom>
+          <a:solidFill>
+            <a:schemeClr val="accent1">
+              <a:lumMod val="50000"/>
+            </a:schemeClr>
+          </a:solidFill>
+          <a:ln>
+            <a:noFill/>
+          </a:ln>
+        </p:spPr>
+        <p:style>
+          <a:lnRef idx="2">
+            <a:schemeClr val="accent1">
+              <a:shade val="50000"/>
+            </a:schemeClr>
+          </a:lnRef>
+          <a:fillRef idx="1">
+            <a:schemeClr val="accent1"/>
+          </a:fillRef>
+          <a:effectRef idx="0">
+            <a:schemeClr val="accent1"/>
+          </a:effectRef>
+          <a:fontRef idx="minor">
+            <a:schemeClr val="lt1"/>
+          </a:fontRef>
+        </p:style>
+      </p:sp>
+      <p:sp>
+        <p:nvSpPr>
+          <p:cNvPr id="2" name="Titel 1">
+            <a:extLst>
+              <a:ext uri="{FF2B5EF4-FFF2-40B4-BE49-F238E27FC236}">
+                <a16:creationId xmlns:a16="http://schemas.microsoft.com/office/drawing/2014/main" id="{813CBFB9-7F76-4A9D-908B-14CE62DBDD92}"/>
+              </a:ext>
+            </a:extLst>
+          </p:cNvPr>
+          <p:cNvSpPr>
+            <a:spLocks noGrp="1"/>
+          </p:cNvSpPr>
+          <p:nvPr>
+            <p:ph type="title"/>
+          </p:nvPr>
+        </p:nvSpPr>
+        <p:spPr>
+          <a:xfrm>
+            <a:off x="492370" y="516835"/>
+            <a:ext cx="3084844" cy="2103875"/>
+          </a:xfrm>
+        </p:spPr>
+        <p:txBody>
+          <a:bodyPr>
+            <a:normAutofit/>
+          </a:bodyPr>
+          <a:lstStyle/>
+          <a:p>
+            <a:r>
+              <a:rPr lang="de-DE" sz="3600">
+                <a:solidFill>
+                  <a:srgbClr val="FFFFFF"/>
+                </a:solidFill>
+              </a:rPr>
+              <a:t>Creating the sphere: 1.step</a:t>
+            </a:r>
+            <a:endParaRPr lang="de-AT" sz="3600">
+              <a:solidFill>
+                <a:srgbClr val="FFFFFF"/>
+              </a:solidFill>
+            </a:endParaRPr>
+          </a:p>
+        </p:txBody>
+      </p:sp>
+      <p:sp>
+        <p:nvSpPr>
+          <p:cNvPr id="9" name="Content Placeholder 8">
+            <a:extLst>
+              <a:ext uri="{FF2B5EF4-FFF2-40B4-BE49-F238E27FC236}">
+                <a16:creationId xmlns:a16="http://schemas.microsoft.com/office/drawing/2014/main" id="{23497F57-47E4-4C01-902B-036AF2EBCF04}"/>
+              </a:ext>
+            </a:extLst>
+          </p:cNvPr>
+          <p:cNvSpPr>
+            <a:spLocks noGrp="1"/>
+          </p:cNvSpPr>
+          <p:nvPr>
+            <p:ph idx="1"/>
+          </p:nvPr>
+        </p:nvSpPr>
+        <p:spPr>
+          <a:xfrm>
+            <a:off x="492371" y="2653800"/>
+            <a:ext cx="3084844" cy="3335519"/>
+          </a:xfrm>
+        </p:spPr>
+        <p:txBody>
+          <a:bodyPr>
+            <a:normAutofit/>
+          </a:bodyPr>
+          <a:lstStyle/>
+          <a:p>
+            <a:endParaRPr lang="en-US" sz="1500">
+              <a:solidFill>
+                <a:srgbClr val="FFFFFF"/>
+              </a:solidFill>
+            </a:endParaRPr>
+          </a:p>
+        </p:txBody>
+      </p:sp>
+      <p:sp>
+        <p:nvSpPr>
+          <p:cNvPr id="16" name="Rectangle 15">
+            <a:extLst>
+              <a:ext uri="{FF2B5EF4-FFF2-40B4-BE49-F238E27FC236}">
+                <a16:creationId xmlns:a16="http://schemas.microsoft.com/office/drawing/2014/main" id="{F5EF713F-D367-4E26-8830-885F751C3AC8}"/>
+              </a:ext>
+              <a:ext uri="{C183D7F6-B498-43B3-948B-1728B52AA6E4}">
+                <adec:decorative xmlns:adec="http://schemas.microsoft.com/office/drawing/2017/decorative" val="1"/>
+              </a:ext>
+            </a:extLst>
+          </p:cNvPr>
+          <p:cNvSpPr>
+            <a:spLocks noGrp="1" noRot="1" noChangeAspect="1" noMove="1" noResize="1" noEditPoints="1" noAdjustHandles="1" noChangeArrowheads="1" noChangeShapeType="1" noTextEdit="1"/>
+          </p:cNvSpPr>
+          <p:nvPr>
+            <p:extLst>
+              <p:ext uri="{386F3935-93C4-4BCD-93E2-E3B085C9AB24}">
+                <p16:designElem xmlns:p16="http://schemas.microsoft.com/office/powerpoint/2015/main" val="1"/>
+              </p:ext>
+            </p:extLst>
+          </p:nvPr>
+        </p:nvSpPr>
+        <p:spPr>
+          <a:xfrm>
+            <a:off x="4040071" y="0"/>
+            <a:ext cx="64008" cy="6858000"/>
+          </a:xfrm>
+          <a:prstGeom prst="rect">
+            <a:avLst/>
+          </a:prstGeom>
+          <a:solidFill>
+            <a:schemeClr val="accent1"/>
+          </a:solidFill>
+          <a:ln>
+            <a:noFill/>
+          </a:ln>
+        </p:spPr>
+        <p:style>
+          <a:lnRef idx="2">
+            <a:schemeClr val="accent1">
+              <a:shade val="50000"/>
+            </a:schemeClr>
+          </a:lnRef>
+          <a:fillRef idx="1">
+            <a:schemeClr val="accent1"/>
+          </a:fillRef>
+          <a:effectRef idx="0">
+            <a:schemeClr val="accent1"/>
+          </a:effectRef>
+          <a:fontRef idx="minor">
+            <a:schemeClr val="lt1"/>
+          </a:fontRef>
+        </p:style>
+      </p:sp>
       <p:pic>
         <p:nvPicPr>
-          <p:cNvPr id="1026" name="Picture 2" descr="Parametric equation of a sphere">
-            <a:extLst>
-              <a:ext uri="{FF2B5EF4-FFF2-40B4-BE49-F238E27FC236}">
-                <a16:creationId xmlns:a16="http://schemas.microsoft.com/office/drawing/2014/main" id="{591B8EC2-87DB-4437-93F4-4D95BB48F923}"/>
+          <p:cNvPr id="6" name="Grafik 5">
+            <a:extLst>
+              <a:ext uri="{FF2B5EF4-FFF2-40B4-BE49-F238E27FC236}">
+                <a16:creationId xmlns:a16="http://schemas.microsoft.com/office/drawing/2014/main" id="{D71F9CE4-4757-4ED4-AB94-D791E17B7470}"/>
               </a:ext>
             </a:extLst>
           </p:cNvPr>
           <p:cNvPicPr>
-            <a:picLocks noChangeAspect="1" noChangeArrowheads="1"/>
+            <a:picLocks noChangeAspect="1"/>
           </p:cNvPicPr>
           <p:nvPr/>
         </p:nvPicPr>
         <p:blipFill>
-          <a:blip r:embed="rId2">
-            <a:extLst>
-              <a:ext uri="{28A0092B-C50C-407E-A947-70E740481C1C}">
-                <a14:useLocalDpi xmlns:a14="http://schemas.microsoft.com/office/drawing/2010/main" val="0"/>
-              </a:ext>
-            </a:extLst>
-          </a:blip>
-          <a:srcRect/>
+          <a:blip r:embed="rId2"/>
           <a:stretch>
             <a:fillRect/>
           </a:stretch>
         </p:blipFill>
-        <p:spPr bwMode="auto">
-          <a:xfrm>
-            <a:off x="6511680" y="1136849"/>
-            <a:ext cx="4644000" cy="4584299"/>
+        <p:spPr>
+          <a:xfrm>
+            <a:off x="4128954" y="938568"/>
+            <a:ext cx="8083997" cy="4980864"/>
           </a:xfrm>
           <a:prstGeom prst="rect">
             <a:avLst/>
           </a:prstGeom>
-          <a:noFill/>
-          <a:extLst>
-            <a:ext uri="{909E8E84-426E-40DD-AFC4-6F175D3DCCD1}">
-              <a14:hiddenFill xmlns:a14="http://schemas.microsoft.com/office/drawing/2010/main">
-                <a:solidFill>
-                  <a:srgbClr val="FFFFFF"/>
-                </a:solidFill>
-              </a14:hiddenFill>
-            </a:ext>
-          </a:extLst>
-        </p:spPr>
-      </p:pic>
-      <p:pic>
-        <p:nvPicPr>
-          <p:cNvPr id="1028" name="Picture 4" descr="Sectors and stacks of a sphere">
-            <a:extLst>
-              <a:ext uri="{FF2B5EF4-FFF2-40B4-BE49-F238E27FC236}">
-                <a16:creationId xmlns:a16="http://schemas.microsoft.com/office/drawing/2014/main" id="{735FAA33-9727-4164-9494-C0CA73B5BB8B}"/>
-              </a:ext>
-            </a:extLst>
-          </p:cNvPr>
-          <p:cNvPicPr>
-            <a:picLocks noChangeAspect="1" noChangeArrowheads="1"/>
-          </p:cNvPicPr>
-          <p:nvPr/>
-        </p:nvPicPr>
-        <p:blipFill>
-          <a:blip r:embed="rId3">
-            <a:extLst>
-              <a:ext uri="{28A0092B-C50C-407E-A947-70E740481C1C}">
-                <a14:useLocalDpi xmlns:a14="http://schemas.microsoft.com/office/drawing/2010/main" val="0"/>
-              </a:ext>
-            </a:extLst>
-          </a:blip>
-          <a:srcRect/>
-          <a:stretch>
-            <a:fillRect/>
-          </a:stretch>
-        </p:blipFill>
-        <p:spPr bwMode="auto">
-          <a:xfrm>
-            <a:off x="1568612" y="1394470"/>
-            <a:ext cx="4309504" cy="4438789"/>
-          </a:xfrm>
-          <a:prstGeom prst="rect">
-            <a:avLst/>
-          </a:prstGeom>
-          <a:noFill/>
-          <a:extLst>
-            <a:ext uri="{909E8E84-426E-40DD-AFC4-6F175D3DCCD1}">
-              <a14:hiddenFill xmlns:a14="http://schemas.microsoft.com/office/drawing/2010/main">
-                <a:solidFill>
-                  <a:srgbClr val="FFFFFF"/>
-                </a:solidFill>
-              </a14:hiddenFill>
-            </a:ext>
-          </a:extLst>
         </p:spPr>
       </p:pic>
     </p:spTree>
     <p:extLst>
       <p:ext uri="{BB962C8B-B14F-4D97-AF65-F5344CB8AC3E}">
-        <p14:creationId xmlns:p14="http://schemas.microsoft.com/office/powerpoint/2010/main" val="996085788"/>
+        <p14:creationId xmlns:p14="http://schemas.microsoft.com/office/powerpoint/2010/main" val="2330474677"/>
       </p:ext>
     </p:extLst>
   </p:cSld>
@@ -4402,6 +4406,14 @@
 <file path=ppt/slides/slide12.xml><?xml version="1.0" encoding="utf-8"?>
 <p:sld xmlns:a="http://schemas.openxmlformats.org/drawingml/2006/main" xmlns:r="http://schemas.openxmlformats.org/officeDocument/2006/relationships" xmlns:p="http://schemas.openxmlformats.org/presentationml/2006/main">
   <p:cSld>
+    <p:bg>
+      <p:bgPr>
+        <a:solidFill>
+          <a:schemeClr val="bg2"/>
+        </a:solidFill>
+        <a:effectLst/>
+      </p:bgPr>
+    </p:bg>
     <p:spTree>
       <p:nvGrpSpPr>
         <p:cNvPr id="1" name=""/>
@@ -4416,12 +4428,72 @@
           <a:chExt cx="0" cy="0"/>
         </a:xfrm>
       </p:grpSpPr>
+      <p:sp useBgFill="1">
+        <p:nvSpPr>
+          <p:cNvPr id="4100" name="Rectangle 70">
+            <a:extLst>
+              <a:ext uri="{FF2B5EF4-FFF2-40B4-BE49-F238E27FC236}">
+                <a16:creationId xmlns:a16="http://schemas.microsoft.com/office/drawing/2014/main" id="{9A2C1126-B82F-462B-8DEB-8B10A5B0FDF4}"/>
+              </a:ext>
+              <a:ext uri="{C183D7F6-B498-43B3-948B-1728B52AA6E4}">
+                <adec:decorative xmlns:adec="http://schemas.microsoft.com/office/drawing/2017/decorative" val="1"/>
+              </a:ext>
+            </a:extLst>
+          </p:cNvPr>
+          <p:cNvSpPr>
+            <a:spLocks noGrp="1" noRot="1" noChangeAspect="1" noMove="1" noResize="1" noEditPoints="1" noAdjustHandles="1" noChangeArrowheads="1" noChangeShapeType="1" noTextEdit="1"/>
+          </p:cNvSpPr>
+          <p:nvPr>
+            <p:extLst>
+              <p:ext uri="{386F3935-93C4-4BCD-93E2-E3B085C9AB24}">
+                <p16:designElem xmlns:p16="http://schemas.microsoft.com/office/powerpoint/2015/main" val="1"/>
+              </p:ext>
+            </p:extLst>
+          </p:nvPr>
+        </p:nvSpPr>
+        <p:spPr>
+          <a:xfrm>
+            <a:off x="0" y="0"/>
+            <a:ext cx="12192001" cy="6334316"/>
+          </a:xfrm>
+          <a:prstGeom prst="rect">
+            <a:avLst/>
+          </a:prstGeom>
+          <a:ln>
+            <a:noFill/>
+          </a:ln>
+        </p:spPr>
+        <p:style>
+          <a:lnRef idx="2">
+            <a:schemeClr val="accent1">
+              <a:shade val="50000"/>
+            </a:schemeClr>
+          </a:lnRef>
+          <a:fillRef idx="1">
+            <a:schemeClr val="accent1"/>
+          </a:fillRef>
+          <a:effectRef idx="0">
+            <a:schemeClr val="accent1"/>
+          </a:effectRef>
+          <a:fontRef idx="minor">
+            <a:schemeClr val="lt1"/>
+          </a:fontRef>
+        </p:style>
+        <p:txBody>
+          <a:bodyPr rtlCol="0" anchor="ctr"/>
+          <a:lstStyle/>
+          <a:p>
+            <a:pPr algn="ctr"/>
+            <a:endParaRPr lang="en-US"/>
+          </a:p>
+        </p:txBody>
+      </p:sp>
       <p:sp>
         <p:nvSpPr>
           <p:cNvPr id="2" name="Titel 1">
             <a:extLst>
               <a:ext uri="{FF2B5EF4-FFF2-40B4-BE49-F238E27FC236}">
-                <a16:creationId xmlns:a16="http://schemas.microsoft.com/office/drawing/2014/main" id="{96E30842-7312-41F9-A888-F3BF9DD89B74}"/>
+                <a16:creationId xmlns:a16="http://schemas.microsoft.com/office/drawing/2014/main" id="{DE397EB4-05F3-43A8-BA6A-DCD0AC14819F}"/>
               </a:ext>
             </a:extLst>
           </p:cNvPr>
@@ -4432,99 +4504,32 @@
             <p:ph type="title"/>
           </p:nvPr>
         </p:nvSpPr>
-        <p:spPr/>
-        <p:txBody>
-          <a:bodyPr/>
-          <a:lstStyle/>
-          <a:p>
-            <a:r>
-              <a:rPr lang="de-DE" dirty="0" err="1"/>
-              <a:t>Sphere</a:t>
-            </a:r>
-            <a:endParaRPr lang="de-AT" dirty="0"/>
-          </a:p>
-        </p:txBody>
-      </p:sp>
-      <p:sp>
-        <p:nvSpPr>
-          <p:cNvPr id="3" name="Inhaltsplatzhalter 2">
-            <a:extLst>
-              <a:ext uri="{FF2B5EF4-FFF2-40B4-BE49-F238E27FC236}">
-                <a16:creationId xmlns:a16="http://schemas.microsoft.com/office/drawing/2014/main" id="{E68663C5-6ADD-4466-A8EF-AC441F3AAC01}"/>
-              </a:ext>
-            </a:extLst>
-          </p:cNvPr>
-          <p:cNvSpPr>
-            <a:spLocks noGrp="1"/>
-          </p:cNvSpPr>
-          <p:nvPr>
-            <p:ph idx="1"/>
-          </p:nvPr>
-        </p:nvSpPr>
-        <p:spPr/>
+        <p:spPr>
+          <a:xfrm>
+            <a:off x="6411685" y="634946"/>
+            <a:ext cx="5127171" cy="1450757"/>
+          </a:xfrm>
+        </p:spPr>
         <p:txBody>
           <a:bodyPr>
             <a:normAutofit/>
           </a:bodyPr>
           <a:lstStyle/>
           <a:p>
-            <a:pPr>
-              <a:buFont typeface="Wingdings" panose="05000000000000000000" pitchFamily="2" charset="2"/>
-              <a:buChar char="Ø"/>
-            </a:pPr>
-            <a:r>
-              <a:rPr lang="en-US" sz="2400" dirty="0">
-                <a:latin typeface="Times New Roman" panose="02020603050405020304" pitchFamily="18" charset="0"/>
-                <a:cs typeface="Times New Roman" panose="02020603050405020304" pitchFamily="18" charset="0"/>
-              </a:rPr>
-              <a:t> range of sector angles is from 0 to 360 degrees</a:t>
-            </a:r>
-          </a:p>
-          <a:p>
-            <a:pPr>
-              <a:buFont typeface="Wingdings" panose="05000000000000000000" pitchFamily="2" charset="2"/>
-              <a:buChar char="Ø"/>
-            </a:pPr>
-            <a:r>
-              <a:rPr lang="en-US" sz="2400" dirty="0">
-                <a:latin typeface="Times New Roman" panose="02020603050405020304" pitchFamily="18" charset="0"/>
-                <a:cs typeface="Times New Roman" panose="02020603050405020304" pitchFamily="18" charset="0"/>
-              </a:rPr>
-              <a:t> stack angles are from 90 (top) to -90 degrees (bottom</a:t>
-            </a:r>
-            <a:r>
-              <a:rPr lang="de-AT" sz="2400" dirty="0">
-                <a:latin typeface="Times New Roman" panose="02020603050405020304" pitchFamily="18" charset="0"/>
-                <a:cs typeface="Times New Roman" panose="02020603050405020304" pitchFamily="18" charset="0"/>
-              </a:rPr>
-              <a:t>)</a:t>
-            </a:r>
-          </a:p>
-          <a:p>
-            <a:pPr>
-              <a:buFont typeface="Wingdings" panose="05000000000000000000" pitchFamily="2" charset="2"/>
-              <a:buChar char="Ø"/>
-            </a:pPr>
-            <a:r>
-              <a:rPr lang="de-AT" sz="2400" dirty="0">
-                <a:latin typeface="Times New Roman" panose="02020603050405020304" pitchFamily="18" charset="0"/>
-                <a:cs typeface="Times New Roman" panose="02020603050405020304" pitchFamily="18" charset="0"/>
-              </a:rPr>
-              <a:t> </a:t>
-            </a:r>
-            <a:endParaRPr lang="en-US" sz="2400" dirty="0">
-              <a:latin typeface="Times New Roman" panose="02020603050405020304" pitchFamily="18" charset="0"/>
-              <a:cs typeface="Times New Roman" panose="02020603050405020304" pitchFamily="18" charset="0"/>
-            </a:endParaRPr>
+            <a:r>
+              <a:rPr lang="de-DE" dirty="0" err="1"/>
+              <a:t>Sphere</a:t>
+            </a:r>
+            <a:endParaRPr lang="de-AT" dirty="0"/>
           </a:p>
         </p:txBody>
       </p:sp>
       <p:pic>
         <p:nvPicPr>
-          <p:cNvPr id="3076" name="Picture 4">
-            <a:extLst>
-              <a:ext uri="{FF2B5EF4-FFF2-40B4-BE49-F238E27FC236}">
-                <a16:creationId xmlns:a16="http://schemas.microsoft.com/office/drawing/2014/main" id="{678A937D-725C-41B4-833F-52E2D8D146BA}"/>
+          <p:cNvPr id="4098" name="Picture 2" descr="vertex indices of sphere">
+            <a:extLst>
+              <a:ext uri="{FF2B5EF4-FFF2-40B4-BE49-F238E27FC236}">
+                <a16:creationId xmlns:a16="http://schemas.microsoft.com/office/drawing/2014/main" id="{1A23B5E2-6616-412A-BA2C-8D3D84EC03F2}"/>
               </a:ext>
             </a:extLst>
           </p:cNvPr>
@@ -4536,29 +4541,19 @@
         <p:blipFill>
           <a:blip r:embed="rId2">
             <a:extLst>
-              <a:ext uri="{BEBA8EAE-BF5A-486C-A8C5-ECC9F3942E4B}">
-                <a14:imgProps xmlns:a14="http://schemas.microsoft.com/office/drawing/2010/main">
-                  <a14:imgLayer r:embed="rId3">
-                    <a14:imgEffect>
-                      <a14:artisticPhotocopy/>
-                    </a14:imgEffect>
-                  </a14:imgLayer>
-                </a14:imgProps>
-              </a:ext>
               <a:ext uri="{28A0092B-C50C-407E-A947-70E740481C1C}">
                 <a14:useLocalDpi xmlns:a14="http://schemas.microsoft.com/office/drawing/2010/main" val="0"/>
               </a:ext>
             </a:extLst>
           </a:blip>
-          <a:srcRect/>
           <a:stretch>
             <a:fillRect/>
           </a:stretch>
         </p:blipFill>
         <p:spPr bwMode="auto">
           <a:xfrm>
-            <a:off x="1572578" y="3086833"/>
-            <a:ext cx="4657725" cy="1809750"/>
+            <a:off x="643192" y="1565346"/>
+            <a:ext cx="5451627" cy="3407266"/>
           </a:xfrm>
           <a:prstGeom prst="rect">
             <a:avLst/>
@@ -4575,10 +4570,272 @@
           </a:extLst>
         </p:spPr>
       </p:pic>
+      <p:cxnSp>
+        <p:nvCxnSpPr>
+          <p:cNvPr id="4101" name="Straight Connector 72">
+            <a:extLst>
+              <a:ext uri="{FF2B5EF4-FFF2-40B4-BE49-F238E27FC236}">
+                <a16:creationId xmlns:a16="http://schemas.microsoft.com/office/drawing/2014/main" id="{BE5B8EFE-AF32-4125-97CC-7322A38DA09A}"/>
+              </a:ext>
+              <a:ext uri="{C183D7F6-B498-43B3-948B-1728B52AA6E4}">
+                <adec:decorative xmlns:adec="http://schemas.microsoft.com/office/drawing/2017/decorative" val="1"/>
+              </a:ext>
+            </a:extLst>
+          </p:cNvPr>
+          <p:cNvCxnSpPr>
+            <a:cxnSpLocks noGrp="1" noRot="1" noChangeAspect="1" noMove="1" noResize="1" noEditPoints="1" noAdjustHandles="1" noChangeArrowheads="1" noChangeShapeType="1"/>
+          </p:cNvCxnSpPr>
+          <p:nvPr>
+            <p:extLst>
+              <p:ext uri="{386F3935-93C4-4BCD-93E2-E3B085C9AB24}">
+                <p16:designElem xmlns:p16="http://schemas.microsoft.com/office/powerpoint/2015/main" val="1"/>
+              </p:ext>
+            </p:extLst>
+          </p:nvPr>
+        </p:nvCxnSpPr>
+        <p:spPr>
+          <a:xfrm>
+            <a:off x="6411684" y="2086188"/>
+            <a:ext cx="4748808" cy="0"/>
+          </a:xfrm>
+          <a:prstGeom prst="line">
+            <a:avLst/>
+          </a:prstGeom>
+          <a:ln w="6350">
+            <a:solidFill>
+              <a:schemeClr val="tx1">
+                <a:lumMod val="50000"/>
+                <a:lumOff val="50000"/>
+                <a:alpha val="90000"/>
+              </a:schemeClr>
+            </a:solidFill>
+          </a:ln>
+        </p:spPr>
+        <p:style>
+          <a:lnRef idx="1">
+            <a:schemeClr val="accent1"/>
+          </a:lnRef>
+          <a:fillRef idx="0">
+            <a:schemeClr val="accent1"/>
+          </a:fillRef>
+          <a:effectRef idx="0">
+            <a:schemeClr val="accent1"/>
+          </a:effectRef>
+          <a:fontRef idx="minor">
+            <a:schemeClr val="tx1"/>
+          </a:fontRef>
+        </p:style>
+      </p:cxnSp>
+      <p:sp>
+        <p:nvSpPr>
+          <p:cNvPr id="3" name="Inhaltsplatzhalter 2">
+            <a:extLst>
+              <a:ext uri="{FF2B5EF4-FFF2-40B4-BE49-F238E27FC236}">
+                <a16:creationId xmlns:a16="http://schemas.microsoft.com/office/drawing/2014/main" id="{9C25780B-AB06-4354-940D-4DD37D79DE91}"/>
+              </a:ext>
+            </a:extLst>
+          </p:cNvPr>
+          <p:cNvSpPr>
+            <a:spLocks noGrp="1"/>
+          </p:cNvSpPr>
+          <p:nvPr>
+            <p:ph idx="1"/>
+          </p:nvPr>
+        </p:nvSpPr>
+        <p:spPr>
+          <a:xfrm>
+            <a:off x="6411684" y="2198914"/>
+            <a:ext cx="5127172" cy="3670180"/>
+          </a:xfrm>
+        </p:spPr>
+        <p:txBody>
+          <a:bodyPr>
+            <a:normAutofit/>
+          </a:bodyPr>
+          <a:lstStyle/>
+          <a:p>
+            <a:pPr>
+              <a:buFont typeface="Wingdings" panose="05000000000000000000" pitchFamily="2" charset="2"/>
+              <a:buChar char="Ø"/>
+            </a:pPr>
+            <a:r>
+              <a:rPr lang="en-US" dirty="0">
+                <a:latin typeface="Times New Roman" panose="02020603050405020304" pitchFamily="18" charset="0"/>
+                <a:cs typeface="Times New Roman" panose="02020603050405020304" pitchFamily="18" charset="0"/>
+              </a:rPr>
+              <a:t> to draw the surface of a sphere in OpenGL, you must triangulate adjacent vertices to form polygons</a:t>
+            </a:r>
+          </a:p>
+          <a:p>
+            <a:pPr>
+              <a:buFont typeface="Wingdings" panose="05000000000000000000" pitchFamily="2" charset="2"/>
+              <a:buChar char="Ø"/>
+            </a:pPr>
+            <a:r>
+              <a:rPr lang="en-US" dirty="0">
+                <a:latin typeface="Times New Roman" panose="02020603050405020304" pitchFamily="18" charset="0"/>
+                <a:cs typeface="Times New Roman" panose="02020603050405020304" pitchFamily="18" charset="0"/>
+              </a:rPr>
+              <a:t> Each sector in a stack requires 2 triangles</a:t>
+            </a:r>
+          </a:p>
+          <a:p>
+            <a:pPr>
+              <a:buFont typeface="Wingdings" panose="05000000000000000000" pitchFamily="2" charset="2"/>
+              <a:buChar char="Ø"/>
+            </a:pPr>
+            <a:r>
+              <a:rPr lang="en-US" dirty="0">
+                <a:latin typeface="Times New Roman" panose="02020603050405020304" pitchFamily="18" charset="0"/>
+                <a:cs typeface="Times New Roman" panose="02020603050405020304" pitchFamily="18" charset="0"/>
+              </a:rPr>
+              <a:t> If the first vertex index in the current stack is k1 and the next stack is k2, then the counterclockwise orders of vertex indices of 2 triangles are;</a:t>
+            </a:r>
+          </a:p>
+          <a:p>
+            <a:pPr>
+              <a:buFont typeface="Wingdings" panose="05000000000000000000" pitchFamily="2" charset="2"/>
+              <a:buChar char="Ø"/>
+            </a:pPr>
+            <a:r>
+              <a:rPr lang="en-US" dirty="0">
+                <a:latin typeface="Times New Roman" panose="02020603050405020304" pitchFamily="18" charset="0"/>
+                <a:cs typeface="Times New Roman" panose="02020603050405020304" pitchFamily="18" charset="0"/>
+              </a:rPr>
+              <a:t> k1 ⟶ k2 ⟶ k1+1</a:t>
+            </a:r>
+          </a:p>
+          <a:p>
+            <a:pPr>
+              <a:buFont typeface="Wingdings" panose="05000000000000000000" pitchFamily="2" charset="2"/>
+              <a:buChar char="Ø"/>
+            </a:pPr>
+            <a:r>
+              <a:rPr lang="en-US" dirty="0">
+                <a:latin typeface="Times New Roman" panose="02020603050405020304" pitchFamily="18" charset="0"/>
+                <a:cs typeface="Times New Roman" panose="02020603050405020304" pitchFamily="18" charset="0"/>
+              </a:rPr>
+              <a:t> k1+1 ⟶ k2 ⟶ k2+1</a:t>
+            </a:r>
+          </a:p>
+        </p:txBody>
+      </p:sp>
+      <p:sp>
+        <p:nvSpPr>
+          <p:cNvPr id="4102" name="Rectangle 74">
+            <a:extLst>
+              <a:ext uri="{FF2B5EF4-FFF2-40B4-BE49-F238E27FC236}">
+                <a16:creationId xmlns:a16="http://schemas.microsoft.com/office/drawing/2014/main" id="{E225B535-6DF5-4B36-9E4B-B80A0796A199}"/>
+              </a:ext>
+              <a:ext uri="{C183D7F6-B498-43B3-948B-1728B52AA6E4}">
+                <adec:decorative xmlns:adec="http://schemas.microsoft.com/office/drawing/2017/decorative" val="1"/>
+              </a:ext>
+            </a:extLst>
+          </p:cNvPr>
+          <p:cNvSpPr>
+            <a:spLocks noGrp="1" noRot="1" noChangeAspect="1" noMove="1" noResize="1" noEditPoints="1" noAdjustHandles="1" noChangeArrowheads="1" noChangeShapeType="1" noTextEdit="1"/>
+          </p:cNvSpPr>
+          <p:nvPr>
+            <p:extLst>
+              <p:ext uri="{386F3935-93C4-4BCD-93E2-E3B085C9AB24}">
+                <p16:designElem xmlns:p16="http://schemas.microsoft.com/office/powerpoint/2015/main" val="1"/>
+              </p:ext>
+            </p:extLst>
+          </p:nvPr>
+        </p:nvSpPr>
+        <p:spPr>
+          <a:xfrm>
+            <a:off x="15" y="6334316"/>
+            <a:ext cx="12191985" cy="66484"/>
+          </a:xfrm>
+          <a:prstGeom prst="rect">
+            <a:avLst/>
+          </a:prstGeom>
+          <a:solidFill>
+            <a:schemeClr val="accent1"/>
+          </a:solidFill>
+          <a:ln>
+            <a:noFill/>
+          </a:ln>
+        </p:spPr>
+        <p:style>
+          <a:lnRef idx="2">
+            <a:schemeClr val="accent1">
+              <a:shade val="50000"/>
+            </a:schemeClr>
+          </a:lnRef>
+          <a:fillRef idx="1">
+            <a:schemeClr val="accent1"/>
+          </a:fillRef>
+          <a:effectRef idx="0">
+            <a:schemeClr val="accent1"/>
+          </a:effectRef>
+          <a:fontRef idx="minor">
+            <a:schemeClr val="lt1"/>
+          </a:fontRef>
+        </p:style>
+      </p:sp>
+      <p:sp>
+        <p:nvSpPr>
+          <p:cNvPr id="77" name="Rectangle 76">
+            <a:extLst>
+              <a:ext uri="{FF2B5EF4-FFF2-40B4-BE49-F238E27FC236}">
+                <a16:creationId xmlns:a16="http://schemas.microsoft.com/office/drawing/2014/main" id="{EE43A332-627C-4D63-B88B-FC1C2B12D8AF}"/>
+              </a:ext>
+              <a:ext uri="{C183D7F6-B498-43B3-948B-1728B52AA6E4}">
+                <adec:decorative xmlns:adec="http://schemas.microsoft.com/office/drawing/2017/decorative" val="1"/>
+              </a:ext>
+            </a:extLst>
+          </p:cNvPr>
+          <p:cNvSpPr>
+            <a:spLocks noGrp="1" noRot="1" noChangeAspect="1" noMove="1" noResize="1" noEditPoints="1" noAdjustHandles="1" noChangeArrowheads="1" noChangeShapeType="1" noTextEdit="1"/>
+          </p:cNvSpPr>
+          <p:nvPr>
+            <p:extLst>
+              <p:ext uri="{386F3935-93C4-4BCD-93E2-E3B085C9AB24}">
+                <p16:designElem xmlns:p16="http://schemas.microsoft.com/office/powerpoint/2015/main" val="1"/>
+              </p:ext>
+            </p:extLst>
+          </p:nvPr>
+        </p:nvSpPr>
+        <p:spPr>
+          <a:xfrm>
+            <a:off x="1" y="6400800"/>
+            <a:ext cx="12192000" cy="457200"/>
+          </a:xfrm>
+          <a:prstGeom prst="rect">
+            <a:avLst/>
+          </a:prstGeom>
+          <a:solidFill>
+            <a:schemeClr val="accent1">
+              <a:lumMod val="50000"/>
+            </a:schemeClr>
+          </a:solidFill>
+          <a:ln>
+            <a:noFill/>
+          </a:ln>
+        </p:spPr>
+        <p:style>
+          <a:lnRef idx="2">
+            <a:schemeClr val="accent1">
+              <a:shade val="50000"/>
+            </a:schemeClr>
+          </a:lnRef>
+          <a:fillRef idx="1">
+            <a:schemeClr val="accent1"/>
+          </a:fillRef>
+          <a:effectRef idx="0">
+            <a:schemeClr val="accent1"/>
+          </a:effectRef>
+          <a:fontRef idx="minor">
+            <a:schemeClr val="lt1"/>
+          </a:fontRef>
+        </p:style>
+      </p:sp>
     </p:spTree>
     <p:extLst>
       <p:ext uri="{BB962C8B-B14F-4D97-AF65-F5344CB8AC3E}">
-        <p14:creationId xmlns:p14="http://schemas.microsoft.com/office/powerpoint/2010/main" val="2060452004"/>
+        <p14:creationId xmlns:p14="http://schemas.microsoft.com/office/powerpoint/2010/main" val="3068432199"/>
       </p:ext>
     </p:extLst>
   </p:cSld>
@@ -4591,6 +4848,14 @@
 <file path=ppt/slides/slide13.xml><?xml version="1.0" encoding="utf-8"?>
 <p:sld xmlns:a="http://schemas.openxmlformats.org/drawingml/2006/main" xmlns:r="http://schemas.openxmlformats.org/officeDocument/2006/relationships" xmlns:p="http://schemas.openxmlformats.org/presentationml/2006/main">
   <p:cSld>
+    <p:bg>
+      <p:bgPr>
+        <a:solidFill>
+          <a:schemeClr val="bg2"/>
+        </a:solidFill>
+        <a:effectLst/>
+      </p:bgPr>
+    </p:bg>
     <p:spTree>
       <p:nvGrpSpPr>
         <p:cNvPr id="1" name=""/>
@@ -4605,12 +4870,129 @@
           <a:chExt cx="0" cy="0"/>
         </a:xfrm>
       </p:grpSpPr>
+      <p:sp useBgFill="1">
+        <p:nvSpPr>
+          <p:cNvPr id="12" name="Rectangle 11">
+            <a:extLst>
+              <a:ext uri="{FF2B5EF4-FFF2-40B4-BE49-F238E27FC236}">
+                <a16:creationId xmlns:a16="http://schemas.microsoft.com/office/drawing/2014/main" id="{3DBD0226-9703-41AF-92F4-0830512A0A54}"/>
+              </a:ext>
+              <a:ext uri="{C183D7F6-B498-43B3-948B-1728B52AA6E4}">
+                <adec:decorative xmlns:adec="http://schemas.microsoft.com/office/drawing/2017/decorative" val="1"/>
+              </a:ext>
+            </a:extLst>
+          </p:cNvPr>
+          <p:cNvSpPr>
+            <a:spLocks noGrp="1" noRot="1" noChangeAspect="1" noMove="1" noResize="1" noEditPoints="1" noAdjustHandles="1" noChangeArrowheads="1" noChangeShapeType="1" noTextEdit="1"/>
+          </p:cNvSpPr>
+          <p:nvPr>
+            <p:extLst>
+              <p:ext uri="{386F3935-93C4-4BCD-93E2-E3B085C9AB24}">
+                <p16:designElem xmlns:p16="http://schemas.microsoft.com/office/powerpoint/2015/main" val="1"/>
+              </p:ext>
+            </p:extLst>
+          </p:nvPr>
+        </p:nvSpPr>
+        <p:spPr>
+          <a:xfrm>
+            <a:off x="0" y="0"/>
+            <a:ext cx="12186315" cy="6858000"/>
+          </a:xfrm>
+          <a:prstGeom prst="rect">
+            <a:avLst/>
+          </a:prstGeom>
+          <a:ln>
+            <a:noFill/>
+          </a:ln>
+        </p:spPr>
+        <p:style>
+          <a:lnRef idx="2">
+            <a:schemeClr val="accent6">
+              <a:shade val="50000"/>
+            </a:schemeClr>
+          </a:lnRef>
+          <a:fillRef idx="1001">
+            <a:schemeClr val="lt1"/>
+          </a:fillRef>
+          <a:effectRef idx="0">
+            <a:schemeClr val="accent6"/>
+          </a:effectRef>
+          <a:fontRef idx="minor">
+            <a:schemeClr val="lt1"/>
+          </a:fontRef>
+        </p:style>
+        <p:txBody>
+          <a:bodyPr rtlCol="0" anchor="ctr"/>
+          <a:lstStyle/>
+          <a:p>
+            <a:pPr algn="ctr"/>
+            <a:endParaRPr lang="en-US"/>
+          </a:p>
+        </p:txBody>
+      </p:sp>
+      <p:sp>
+        <p:nvSpPr>
+          <p:cNvPr id="14" name="Rectangle 13">
+            <a:extLst>
+              <a:ext uri="{FF2B5EF4-FFF2-40B4-BE49-F238E27FC236}">
+                <a16:creationId xmlns:a16="http://schemas.microsoft.com/office/drawing/2014/main" id="{3E49C037-89D1-4D16-9F78-B92699686649}"/>
+              </a:ext>
+              <a:ext uri="{C183D7F6-B498-43B3-948B-1728B52AA6E4}">
+                <adec:decorative xmlns:adec="http://schemas.microsoft.com/office/drawing/2017/decorative" val="1"/>
+              </a:ext>
+            </a:extLst>
+          </p:cNvPr>
+          <p:cNvSpPr>
+            <a:spLocks noGrp="1" noRot="1" noChangeAspect="1" noMove="1" noResize="1" noEditPoints="1" noAdjustHandles="1" noChangeArrowheads="1" noChangeShapeType="1" noTextEdit="1"/>
+          </p:cNvSpPr>
+          <p:nvPr>
+            <p:extLst>
+              <p:ext uri="{386F3935-93C4-4BCD-93E2-E3B085C9AB24}">
+                <p16:designElem xmlns:p16="http://schemas.microsoft.com/office/powerpoint/2015/main" val="1"/>
+              </p:ext>
+            </p:extLst>
+          </p:nvPr>
+        </p:nvSpPr>
+        <p:spPr>
+          <a:xfrm>
+            <a:off x="16" y="0"/>
+            <a:ext cx="4050791" cy="6858000"/>
+          </a:xfrm>
+          <a:prstGeom prst="rect">
+            <a:avLst/>
+          </a:prstGeom>
+          <a:solidFill>
+            <a:schemeClr val="accent1">
+              <a:lumMod val="50000"/>
+            </a:schemeClr>
+          </a:solidFill>
+          <a:ln>
+            <a:noFill/>
+          </a:ln>
+        </p:spPr>
+        <p:style>
+          <a:lnRef idx="2">
+            <a:schemeClr val="accent1">
+              <a:shade val="50000"/>
+            </a:schemeClr>
+          </a:lnRef>
+          <a:fillRef idx="1">
+            <a:schemeClr val="accent1"/>
+          </a:fillRef>
+          <a:effectRef idx="0">
+            <a:schemeClr val="accent1"/>
+          </a:effectRef>
+          <a:fontRef idx="minor">
+            <a:schemeClr val="lt1"/>
+          </a:fontRef>
+        </p:style>
+      </p:sp>
       <p:sp>
         <p:nvSpPr>
           <p:cNvPr id="2" name="Titel 1">
             <a:extLst>
               <a:ext uri="{FF2B5EF4-FFF2-40B4-BE49-F238E27FC236}">
-                <a16:creationId xmlns:a16="http://schemas.microsoft.com/office/drawing/2014/main" id="{AA2166B8-C90E-42E5-B6B7-2CA12AFCF00F}"/>
+                <a16:creationId xmlns:a16="http://schemas.microsoft.com/office/drawing/2014/main" id="{813CBFB9-7F76-4A9D-908B-14CE62DBDD92}"/>
               </a:ext>
             </a:extLst>
           </p:cNvPr>
@@ -4621,103 +5003,168 @@
             <p:ph type="title"/>
           </p:nvPr>
         </p:nvSpPr>
-        <p:spPr/>
-        <p:txBody>
-          <a:bodyPr/>
+        <p:spPr>
+          <a:xfrm>
+            <a:off x="492370" y="516835"/>
+            <a:ext cx="3084844" cy="2103875"/>
+          </a:xfrm>
+        </p:spPr>
+        <p:txBody>
+          <a:bodyPr>
+            <a:normAutofit/>
+          </a:bodyPr>
           <a:lstStyle/>
           <a:p>
             <a:r>
-              <a:rPr lang="de-DE" dirty="0" err="1"/>
+              <a:rPr lang="de-DE" sz="3600" dirty="0" err="1">
+                <a:solidFill>
+                  <a:srgbClr val="FFFFFF"/>
+                </a:solidFill>
+              </a:rPr>
               <a:t>Creating</a:t>
             </a:r>
             <a:r>
-              <a:rPr lang="de-DE" dirty="0"/>
+              <a:rPr lang="de-DE" sz="3600" dirty="0">
+                <a:solidFill>
+                  <a:srgbClr val="FFFFFF"/>
+                </a:solidFill>
+              </a:rPr>
               <a:t> </a:t>
             </a:r>
             <a:r>
-              <a:rPr lang="de-DE" dirty="0" err="1"/>
+              <a:rPr lang="de-DE" sz="3600" dirty="0" err="1">
+                <a:solidFill>
+                  <a:srgbClr val="FFFFFF"/>
+                </a:solidFill>
+              </a:rPr>
               <a:t>the</a:t>
             </a:r>
             <a:r>
-              <a:rPr lang="de-DE" dirty="0"/>
+              <a:rPr lang="de-DE" sz="3600" dirty="0">
+                <a:solidFill>
+                  <a:srgbClr val="FFFFFF"/>
+                </a:solidFill>
+              </a:rPr>
               <a:t> </a:t>
             </a:r>
             <a:r>
-              <a:rPr lang="de-DE" dirty="0" err="1"/>
+              <a:rPr lang="de-DE" sz="3600" dirty="0" err="1">
+                <a:solidFill>
+                  <a:srgbClr val="FFFFFF"/>
+                </a:solidFill>
+              </a:rPr>
               <a:t>sphere</a:t>
             </a:r>
-            <a:endParaRPr lang="de-AT" dirty="0"/>
-          </a:p>
-        </p:txBody>
-      </p:sp>
-      <p:sp>
-        <p:nvSpPr>
-          <p:cNvPr id="3" name="Inhaltsplatzhalter 2">
-            <a:extLst>
-              <a:ext uri="{FF2B5EF4-FFF2-40B4-BE49-F238E27FC236}">
-                <a16:creationId xmlns:a16="http://schemas.microsoft.com/office/drawing/2014/main" id="{1935A9B4-7F8D-442E-8AF2-CBCFC8D203F3}"/>
-              </a:ext>
-            </a:extLst>
-          </p:cNvPr>
-          <p:cNvSpPr>
-            <a:spLocks noGrp="1"/>
-          </p:cNvSpPr>
+            <a:r>
+              <a:rPr lang="de-DE" sz="3600" dirty="0">
+                <a:solidFill>
+                  <a:srgbClr val="FFFFFF"/>
+                </a:solidFill>
+              </a:rPr>
+              <a:t>: 2.step</a:t>
+            </a:r>
+            <a:endParaRPr lang="de-AT" sz="3600" dirty="0">
+              <a:solidFill>
+                <a:srgbClr val="FFFFFF"/>
+              </a:solidFill>
+            </a:endParaRPr>
+          </a:p>
+        </p:txBody>
+      </p:sp>
+      <p:pic>
+        <p:nvPicPr>
+          <p:cNvPr id="4" name="Inhaltsplatzhalter 3" descr="Ein Bild, das Text enthält.&#10;&#10;Automatisch generierte Beschreibung">
+            <a:extLst>
+              <a:ext uri="{FF2B5EF4-FFF2-40B4-BE49-F238E27FC236}">
+                <a16:creationId xmlns:a16="http://schemas.microsoft.com/office/drawing/2014/main" id="{BDF8BC30-725C-44DE-84CE-16DA965170BD}"/>
+              </a:ext>
+            </a:extLst>
+          </p:cNvPr>
+          <p:cNvPicPr>
+            <a:picLocks noGrp="1" noChangeAspect="1"/>
+          </p:cNvPicPr>
           <p:nvPr>
             <p:ph idx="1"/>
           </p:nvPr>
-        </p:nvSpPr>
-        <p:spPr/>
-        <p:txBody>
-          <a:bodyPr anchor="ctr"/>
-          <a:lstStyle/>
-          <a:p>
-            <a:pPr>
-              <a:buFont typeface="Wingdings" panose="05000000000000000000" pitchFamily="2" charset="2"/>
-              <a:buChar char="Ø"/>
-            </a:pPr>
-            <a:r>
-              <a:rPr lang="en-US" dirty="0">
-                <a:latin typeface="Times New Roman" panose="02020603050405020304" pitchFamily="18" charset="0"/>
-                <a:cs typeface="Times New Roman" panose="02020603050405020304" pitchFamily="18" charset="0"/>
-              </a:rPr>
-              <a:t> adapted from </a:t>
-            </a:r>
-            <a:r>
-              <a:rPr lang="en-US" dirty="0">
-                <a:latin typeface="Times New Roman" panose="02020603050405020304" pitchFamily="18" charset="0"/>
-                <a:cs typeface="Times New Roman" panose="02020603050405020304" pitchFamily="18" charset="0"/>
-                <a:hlinkClick r:id="rId2"/>
-              </a:rPr>
-              <a:t>http://www.songho.ca/opengl/gl_sphere.html</a:t>
-            </a:r>
-            <a:endParaRPr lang="en-US" dirty="0">
-              <a:latin typeface="Times New Roman" panose="02020603050405020304" pitchFamily="18" charset="0"/>
-              <a:cs typeface="Times New Roman" panose="02020603050405020304" pitchFamily="18" charset="0"/>
-            </a:endParaRPr>
-          </a:p>
-          <a:p>
-            <a:pPr>
-              <a:buFont typeface="Wingdings" panose="05000000000000000000" pitchFamily="2" charset="2"/>
-              <a:buChar char="Ø"/>
-            </a:pPr>
-            <a:r>
-              <a:rPr lang="en-US" dirty="0">
-                <a:latin typeface="Times New Roman" panose="02020603050405020304" pitchFamily="18" charset="0"/>
-                <a:cs typeface="Times New Roman" panose="02020603050405020304" pitchFamily="18" charset="0"/>
-              </a:rPr>
-              <a:t> done in three main steps</a:t>
-            </a:r>
-            <a:endParaRPr lang="de-AT" dirty="0">
-              <a:latin typeface="Times New Roman" panose="02020603050405020304" pitchFamily="18" charset="0"/>
-              <a:cs typeface="Times New Roman" panose="02020603050405020304" pitchFamily="18" charset="0"/>
-            </a:endParaRPr>
-          </a:p>
-        </p:txBody>
+        </p:nvPicPr>
+        <p:blipFill>
+          <a:blip r:embed="rId2">
+            <a:extLst>
+              <a:ext uri="{28A0092B-C50C-407E-A947-70E740481C1C}">
+                <a14:useLocalDpi xmlns:a14="http://schemas.microsoft.com/office/drawing/2010/main" val="0"/>
+              </a:ext>
+            </a:extLst>
+          </a:blip>
+          <a:stretch>
+            <a:fillRect/>
+          </a:stretch>
+        </p:blipFill>
+        <p:spPr>
+          <a:xfrm>
+            <a:off x="4104079" y="549000"/>
+            <a:ext cx="8118065" cy="5760000"/>
+          </a:xfrm>
+        </p:spPr>
+      </p:pic>
+      <p:sp>
+        <p:nvSpPr>
+          <p:cNvPr id="16" name="Rectangle 15">
+            <a:extLst>
+              <a:ext uri="{FF2B5EF4-FFF2-40B4-BE49-F238E27FC236}">
+                <a16:creationId xmlns:a16="http://schemas.microsoft.com/office/drawing/2014/main" id="{F5EF713F-D367-4E26-8830-885F751C3AC8}"/>
+              </a:ext>
+              <a:ext uri="{C183D7F6-B498-43B3-948B-1728B52AA6E4}">
+                <adec:decorative xmlns:adec="http://schemas.microsoft.com/office/drawing/2017/decorative" val="1"/>
+              </a:ext>
+            </a:extLst>
+          </p:cNvPr>
+          <p:cNvSpPr>
+            <a:spLocks noGrp="1" noRot="1" noChangeAspect="1" noMove="1" noResize="1" noEditPoints="1" noAdjustHandles="1" noChangeArrowheads="1" noChangeShapeType="1" noTextEdit="1"/>
+          </p:cNvSpPr>
+          <p:nvPr>
+            <p:extLst>
+              <p:ext uri="{386F3935-93C4-4BCD-93E2-E3B085C9AB24}">
+                <p16:designElem xmlns:p16="http://schemas.microsoft.com/office/powerpoint/2015/main" val="1"/>
+              </p:ext>
+            </p:extLst>
+          </p:nvPr>
+        </p:nvSpPr>
+        <p:spPr>
+          <a:xfrm>
+            <a:off x="4040071" y="0"/>
+            <a:ext cx="64008" cy="6858000"/>
+          </a:xfrm>
+          <a:prstGeom prst="rect">
+            <a:avLst/>
+          </a:prstGeom>
+          <a:solidFill>
+            <a:schemeClr val="accent1"/>
+          </a:solidFill>
+          <a:ln>
+            <a:noFill/>
+          </a:ln>
+        </p:spPr>
+        <p:style>
+          <a:lnRef idx="2">
+            <a:schemeClr val="accent1">
+              <a:shade val="50000"/>
+            </a:schemeClr>
+          </a:lnRef>
+          <a:fillRef idx="1">
+            <a:schemeClr val="accent1"/>
+          </a:fillRef>
+          <a:effectRef idx="0">
+            <a:schemeClr val="accent1"/>
+          </a:effectRef>
+          <a:fontRef idx="minor">
+            <a:schemeClr val="lt1"/>
+          </a:fontRef>
+        </p:style>
       </p:sp>
     </p:spTree>
     <p:extLst>
       <p:ext uri="{BB962C8B-B14F-4D97-AF65-F5344CB8AC3E}">
-        <p14:creationId xmlns:p14="http://schemas.microsoft.com/office/powerpoint/2010/main" val="3810413879"/>
+        <p14:creationId xmlns:p14="http://schemas.microsoft.com/office/powerpoint/2010/main" val="1064492176"/>
       </p:ext>
     </p:extLst>
   </p:cSld>
@@ -4752,12 +5199,12 @@
           <a:chExt cx="0" cy="0"/>
         </a:xfrm>
       </p:grpSpPr>
-      <p:sp useBgFill="1">
-        <p:nvSpPr>
-          <p:cNvPr id="12" name="Rectangle 11">
-            <a:extLst>
-              <a:ext uri="{FF2B5EF4-FFF2-40B4-BE49-F238E27FC236}">
-                <a16:creationId xmlns:a16="http://schemas.microsoft.com/office/drawing/2014/main" id="{3DBD0226-9703-41AF-92F4-0830512A0A54}"/>
+      <p:sp>
+        <p:nvSpPr>
+          <p:cNvPr id="38" name="Rectangle 37">
+            <a:extLst>
+              <a:ext uri="{FF2B5EF4-FFF2-40B4-BE49-F238E27FC236}">
+                <a16:creationId xmlns:a16="http://schemas.microsoft.com/office/drawing/2014/main" id="{C1CEA5B3-F026-4EA7-8ECF-E1F5465E5684}"/>
               </a:ext>
               <a:ext uri="{C183D7F6-B498-43B3-948B-1728B52AA6E4}">
                 <adec:decorative xmlns:adec="http://schemas.microsoft.com/office/drawing/2017/decorative" val="1"/>
@@ -4777,68 +5224,8 @@
         </p:nvSpPr>
         <p:spPr>
           <a:xfrm>
-            <a:off x="0" y="0"/>
-            <a:ext cx="12186315" cy="6858000"/>
-          </a:xfrm>
-          <a:prstGeom prst="rect">
-            <a:avLst/>
-          </a:prstGeom>
-          <a:ln>
-            <a:noFill/>
-          </a:ln>
-        </p:spPr>
-        <p:style>
-          <a:lnRef idx="2">
-            <a:schemeClr val="accent6">
-              <a:shade val="50000"/>
-            </a:schemeClr>
-          </a:lnRef>
-          <a:fillRef idx="1001">
-            <a:schemeClr val="lt1"/>
-          </a:fillRef>
-          <a:effectRef idx="0">
-            <a:schemeClr val="accent6"/>
-          </a:effectRef>
-          <a:fontRef idx="minor">
-            <a:schemeClr val="lt1"/>
-          </a:fontRef>
-        </p:style>
-        <p:txBody>
-          <a:bodyPr rtlCol="0" anchor="ctr"/>
-          <a:lstStyle/>
-          <a:p>
-            <a:pPr algn="ctr"/>
-            <a:endParaRPr lang="en-US"/>
-          </a:p>
-        </p:txBody>
-      </p:sp>
-      <p:sp>
-        <p:nvSpPr>
-          <p:cNvPr id="14" name="Rectangle 13">
-            <a:extLst>
-              <a:ext uri="{FF2B5EF4-FFF2-40B4-BE49-F238E27FC236}">
-                <a16:creationId xmlns:a16="http://schemas.microsoft.com/office/drawing/2014/main" id="{3E49C037-89D1-4D16-9F78-B92699686649}"/>
-              </a:ext>
-              <a:ext uri="{C183D7F6-B498-43B3-948B-1728B52AA6E4}">
-                <adec:decorative xmlns:adec="http://schemas.microsoft.com/office/drawing/2017/decorative" val="1"/>
-              </a:ext>
-            </a:extLst>
-          </p:cNvPr>
-          <p:cNvSpPr>
-            <a:spLocks noGrp="1" noRot="1" noChangeAspect="1" noMove="1" noResize="1" noEditPoints="1" noAdjustHandles="1" noChangeArrowheads="1" noChangeShapeType="1" noTextEdit="1"/>
-          </p:cNvSpPr>
-          <p:nvPr>
-            <p:extLst>
-              <p:ext uri="{386F3935-93C4-4BCD-93E2-E3B085C9AB24}">
-                <p16:designElem xmlns:p16="http://schemas.microsoft.com/office/powerpoint/2015/main" val="1"/>
-              </p:ext>
-            </p:extLst>
-          </p:nvPr>
-        </p:nvSpPr>
-        <p:spPr>
-          <a:xfrm>
-            <a:off x="16" y="0"/>
-            <a:ext cx="4050791" cy="6858000"/>
+            <a:off x="3175" y="6400800"/>
+            <a:ext cx="12188825" cy="457200"/>
           </a:xfrm>
           <a:prstGeom prst="rect">
             <a:avLst/>
@@ -4871,90 +5258,10 @@
       </p:sp>
       <p:sp>
         <p:nvSpPr>
-          <p:cNvPr id="2" name="Titel 1">
-            <a:extLst>
-              <a:ext uri="{FF2B5EF4-FFF2-40B4-BE49-F238E27FC236}">
-                <a16:creationId xmlns:a16="http://schemas.microsoft.com/office/drawing/2014/main" id="{813CBFB9-7F76-4A9D-908B-14CE62DBDD92}"/>
-              </a:ext>
-            </a:extLst>
-          </p:cNvPr>
-          <p:cNvSpPr>
-            <a:spLocks noGrp="1"/>
-          </p:cNvSpPr>
-          <p:nvPr>
-            <p:ph type="title"/>
-          </p:nvPr>
-        </p:nvSpPr>
-        <p:spPr>
-          <a:xfrm>
-            <a:off x="492370" y="516835"/>
-            <a:ext cx="3084844" cy="2103875"/>
-          </a:xfrm>
-        </p:spPr>
-        <p:txBody>
-          <a:bodyPr>
-            <a:normAutofit/>
-          </a:bodyPr>
-          <a:lstStyle/>
-          <a:p>
-            <a:r>
-              <a:rPr lang="de-DE" sz="3600">
-                <a:solidFill>
-                  <a:srgbClr val="FFFFFF"/>
-                </a:solidFill>
-              </a:rPr>
-              <a:t>Creating the sphere: 1.step</a:t>
-            </a:r>
-            <a:endParaRPr lang="de-AT" sz="3600">
-              <a:solidFill>
-                <a:srgbClr val="FFFFFF"/>
-              </a:solidFill>
-            </a:endParaRPr>
-          </a:p>
-        </p:txBody>
-      </p:sp>
-      <p:sp>
-        <p:nvSpPr>
-          <p:cNvPr id="9" name="Content Placeholder 8">
-            <a:extLst>
-              <a:ext uri="{FF2B5EF4-FFF2-40B4-BE49-F238E27FC236}">
-                <a16:creationId xmlns:a16="http://schemas.microsoft.com/office/drawing/2014/main" id="{23497F57-47E4-4C01-902B-036AF2EBCF04}"/>
-              </a:ext>
-            </a:extLst>
-          </p:cNvPr>
-          <p:cNvSpPr>
-            <a:spLocks noGrp="1"/>
-          </p:cNvSpPr>
-          <p:nvPr>
-            <p:ph idx="1"/>
-          </p:nvPr>
-        </p:nvSpPr>
-        <p:spPr>
-          <a:xfrm>
-            <a:off x="492371" y="2653800"/>
-            <a:ext cx="3084844" cy="3335519"/>
-          </a:xfrm>
-        </p:spPr>
-        <p:txBody>
-          <a:bodyPr>
-            <a:normAutofit/>
-          </a:bodyPr>
-          <a:lstStyle/>
-          <a:p>
-            <a:endParaRPr lang="en-US" sz="1500">
-              <a:solidFill>
-                <a:srgbClr val="FFFFFF"/>
-              </a:solidFill>
-            </a:endParaRPr>
-          </a:p>
-        </p:txBody>
-      </p:sp>
-      <p:sp>
-        <p:nvSpPr>
-          <p:cNvPr id="16" name="Rectangle 15">
-            <a:extLst>
-              <a:ext uri="{FF2B5EF4-FFF2-40B4-BE49-F238E27FC236}">
-                <a16:creationId xmlns:a16="http://schemas.microsoft.com/office/drawing/2014/main" id="{F5EF713F-D367-4E26-8830-885F751C3AC8}"/>
+          <p:cNvPr id="40" name="Rectangle 39">
+            <a:extLst>
+              <a:ext uri="{FF2B5EF4-FFF2-40B4-BE49-F238E27FC236}">
+                <a16:creationId xmlns:a16="http://schemas.microsoft.com/office/drawing/2014/main" id="{4B486FE1-17CE-45A4-9CBC-8C0B185E1963}"/>
               </a:ext>
               <a:ext uri="{C183D7F6-B498-43B3-948B-1728B52AA6E4}">
                 <adec:decorative xmlns:adec="http://schemas.microsoft.com/office/drawing/2017/decorative" val="1"/>
@@ -4974,8 +5281,8 @@
         </p:nvSpPr>
         <p:spPr>
           <a:xfrm>
-            <a:off x="4040071" y="0"/>
-            <a:ext cx="64008" cy="6858000"/>
+            <a:off x="15" y="6334316"/>
+            <a:ext cx="12188825" cy="64008"/>
           </a:xfrm>
           <a:prstGeom prst="rect">
             <a:avLst/>
@@ -5004,40 +5311,251 @@
           </a:fontRef>
         </p:style>
       </p:sp>
+      <p:cxnSp>
+        <p:nvCxnSpPr>
+          <p:cNvPr id="42" name="Straight Connector 41">
+            <a:extLst>
+              <a:ext uri="{FF2B5EF4-FFF2-40B4-BE49-F238E27FC236}">
+                <a16:creationId xmlns:a16="http://schemas.microsoft.com/office/drawing/2014/main" id="{2AF0217B-4943-4BF1-8CDF-A5FB04C876DA}"/>
+              </a:ext>
+              <a:ext uri="{C183D7F6-B498-43B3-948B-1728B52AA6E4}">
+                <adec:decorative xmlns:adec="http://schemas.microsoft.com/office/drawing/2017/decorative" val="1"/>
+              </a:ext>
+            </a:extLst>
+          </p:cNvPr>
+          <p:cNvCxnSpPr>
+            <a:cxnSpLocks noGrp="1" noRot="1" noChangeAspect="1" noMove="1" noResize="1" noEditPoints="1" noAdjustHandles="1" noChangeArrowheads="1" noChangeShapeType="1"/>
+          </p:cNvCxnSpPr>
+          <p:nvPr>
+            <p:extLst>
+              <p:ext uri="{386F3935-93C4-4BCD-93E2-E3B085C9AB24}">
+                <p16:designElem xmlns:p16="http://schemas.microsoft.com/office/powerpoint/2015/main" val="1"/>
+              </p:ext>
+            </p:extLst>
+          </p:nvPr>
+        </p:nvCxnSpPr>
+        <p:spPr>
+          <a:xfrm>
+            <a:off x="1207658" y="4343400"/>
+            <a:ext cx="9875520" cy="0"/>
+          </a:xfrm>
+          <a:prstGeom prst="line">
+            <a:avLst/>
+          </a:prstGeom>
+          <a:ln w="6350">
+            <a:solidFill>
+              <a:schemeClr val="tx1">
+                <a:lumMod val="50000"/>
+                <a:lumOff val="50000"/>
+              </a:schemeClr>
+            </a:solidFill>
+          </a:ln>
+        </p:spPr>
+        <p:style>
+          <a:lnRef idx="1">
+            <a:schemeClr val="accent1"/>
+          </a:lnRef>
+          <a:fillRef idx="0">
+            <a:schemeClr val="accent1"/>
+          </a:fillRef>
+          <a:effectRef idx="0">
+            <a:schemeClr val="accent1"/>
+          </a:effectRef>
+          <a:fontRef idx="minor">
+            <a:schemeClr val="tx1"/>
+          </a:fontRef>
+        </p:style>
+      </p:cxnSp>
+      <p:sp>
+        <p:nvSpPr>
+          <p:cNvPr id="44" name="Rectangle 43">
+            <a:extLst>
+              <a:ext uri="{FF2B5EF4-FFF2-40B4-BE49-F238E27FC236}">
+                <a16:creationId xmlns:a16="http://schemas.microsoft.com/office/drawing/2014/main" id="{947A5FA4-F7D9-4BD2-BCEA-016B70DC8E02}"/>
+              </a:ext>
+              <a:ext uri="{C183D7F6-B498-43B3-948B-1728B52AA6E4}">
+                <adec:decorative xmlns:adec="http://schemas.microsoft.com/office/drawing/2017/decorative" val="1"/>
+              </a:ext>
+            </a:extLst>
+          </p:cNvPr>
+          <p:cNvSpPr>
+            <a:spLocks noGrp="1" noRot="1" noChangeAspect="1" noMove="1" noResize="1" noEditPoints="1" noAdjustHandles="1" noChangeArrowheads="1" noChangeShapeType="1" noTextEdit="1"/>
+          </p:cNvSpPr>
+          <p:nvPr>
+            <p:extLst>
+              <p:ext uri="{386F3935-93C4-4BCD-93E2-E3B085C9AB24}">
+                <p16:designElem xmlns:p16="http://schemas.microsoft.com/office/powerpoint/2015/main" val="1"/>
+              </p:ext>
+            </p:extLst>
+          </p:nvPr>
+        </p:nvSpPr>
+        <p:spPr bwMode="white">
+          <a:xfrm>
+            <a:off x="1507" y="4953000"/>
+            <a:ext cx="12188952" cy="1905000"/>
+          </a:xfrm>
+          <a:prstGeom prst="rect">
+            <a:avLst/>
+          </a:prstGeom>
+          <a:solidFill>
+            <a:schemeClr val="accent1">
+              <a:lumMod val="50000"/>
+            </a:schemeClr>
+          </a:solidFill>
+          <a:ln>
+            <a:noFill/>
+          </a:ln>
+        </p:spPr>
+        <p:style>
+          <a:lnRef idx="2">
+            <a:schemeClr val="accent1">
+              <a:shade val="50000"/>
+            </a:schemeClr>
+          </a:lnRef>
+          <a:fillRef idx="1">
+            <a:schemeClr val="accent1"/>
+          </a:fillRef>
+          <a:effectRef idx="0">
+            <a:schemeClr val="accent1"/>
+          </a:effectRef>
+          <a:fontRef idx="minor">
+            <a:schemeClr val="lt1"/>
+          </a:fontRef>
+        </p:style>
+      </p:sp>
+      <p:sp>
+        <p:nvSpPr>
+          <p:cNvPr id="2" name="Titel 1">
+            <a:extLst>
+              <a:ext uri="{FF2B5EF4-FFF2-40B4-BE49-F238E27FC236}">
+                <a16:creationId xmlns:a16="http://schemas.microsoft.com/office/drawing/2014/main" id="{813CBFB9-7F76-4A9D-908B-14CE62DBDD92}"/>
+              </a:ext>
+            </a:extLst>
+          </p:cNvPr>
+          <p:cNvSpPr>
+            <a:spLocks noGrp="1"/>
+          </p:cNvSpPr>
+          <p:nvPr>
+            <p:ph type="title"/>
+          </p:nvPr>
+        </p:nvSpPr>
+        <p:spPr>
+          <a:xfrm>
+            <a:off x="1065197" y="5120640"/>
+            <a:ext cx="10058400" cy="822960"/>
+          </a:xfrm>
+        </p:spPr>
+        <p:txBody>
+          <a:bodyPr vert="horz" lIns="91440" tIns="45720" rIns="91440" bIns="45720" rtlCol="0" anchor="b">
+            <a:normAutofit/>
+          </a:bodyPr>
+          <a:lstStyle/>
+          <a:p>
+            <a:r>
+              <a:rPr lang="en-US" sz="3600">
+                <a:solidFill>
+                  <a:srgbClr val="FFFFFF"/>
+                </a:solidFill>
+              </a:rPr>
+              <a:t>Creating the sphere: 3.step</a:t>
+            </a:r>
+          </a:p>
+        </p:txBody>
+      </p:sp>
+      <p:sp>
+        <p:nvSpPr>
+          <p:cNvPr id="46" name="Rectangle 45">
+            <a:extLst>
+              <a:ext uri="{FF2B5EF4-FFF2-40B4-BE49-F238E27FC236}">
+                <a16:creationId xmlns:a16="http://schemas.microsoft.com/office/drawing/2014/main" id="{D5AADE08-A85D-4367-AF35-82927B65BCD5}"/>
+              </a:ext>
+              <a:ext uri="{C183D7F6-B498-43B3-948B-1728B52AA6E4}">
+                <adec:decorative xmlns:adec="http://schemas.microsoft.com/office/drawing/2017/decorative" val="1"/>
+              </a:ext>
+            </a:extLst>
+          </p:cNvPr>
+          <p:cNvSpPr>
+            <a:spLocks noGrp="1" noRot="1" noChangeAspect="1" noMove="1" noResize="1" noEditPoints="1" noAdjustHandles="1" noChangeArrowheads="1" noChangeShapeType="1" noTextEdit="1"/>
+          </p:cNvSpPr>
+          <p:nvPr>
+            <p:extLst>
+              <p:ext uri="{386F3935-93C4-4BCD-93E2-E3B085C9AB24}">
+                <p16:designElem xmlns:p16="http://schemas.microsoft.com/office/powerpoint/2015/main" val="1"/>
+              </p:ext>
+            </p:extLst>
+          </p:nvPr>
+        </p:nvSpPr>
+        <p:spPr>
+          <a:xfrm>
+            <a:off x="1507" y="4906176"/>
+            <a:ext cx="12188952" cy="64008"/>
+          </a:xfrm>
+          <a:prstGeom prst="rect">
+            <a:avLst/>
+          </a:prstGeom>
+          <a:solidFill>
+            <a:schemeClr val="accent1"/>
+          </a:solidFill>
+          <a:ln>
+            <a:noFill/>
+          </a:ln>
+        </p:spPr>
+        <p:style>
+          <a:lnRef idx="2">
+            <a:schemeClr val="accent1">
+              <a:shade val="50000"/>
+            </a:schemeClr>
+          </a:lnRef>
+          <a:fillRef idx="1">
+            <a:schemeClr val="accent1"/>
+          </a:fillRef>
+          <a:effectRef idx="0">
+            <a:schemeClr val="accent1"/>
+          </a:effectRef>
+          <a:fontRef idx="minor">
+            <a:schemeClr val="lt1"/>
+          </a:fontRef>
+        </p:style>
+      </p:sp>
       <p:pic>
         <p:nvPicPr>
-          <p:cNvPr id="6" name="Grafik 5">
-            <a:extLst>
-              <a:ext uri="{FF2B5EF4-FFF2-40B4-BE49-F238E27FC236}">
-                <a16:creationId xmlns:a16="http://schemas.microsoft.com/office/drawing/2014/main" id="{D71F9CE4-4757-4ED4-AB94-D791E17B7470}"/>
+          <p:cNvPr id="11" name="Inhaltsplatzhalter 10" descr="Ein Bild, das Text enthält.&#10;&#10;Automatisch generierte Beschreibung">
+            <a:extLst>
+              <a:ext uri="{FF2B5EF4-FFF2-40B4-BE49-F238E27FC236}">
+                <a16:creationId xmlns:a16="http://schemas.microsoft.com/office/drawing/2014/main" id="{607388EC-9D73-4DC2-A649-E5B9AC37C99B}"/>
               </a:ext>
             </a:extLst>
           </p:cNvPr>
           <p:cNvPicPr>
-            <a:picLocks noChangeAspect="1"/>
+            <a:picLocks noGrp="1" noChangeAspect="1"/>
           </p:cNvPicPr>
-          <p:nvPr/>
+          <p:nvPr>
+            <p:ph idx="1"/>
+          </p:nvPr>
         </p:nvPicPr>
         <p:blipFill>
-          <a:blip r:embed="rId2"/>
+          <a:blip r:embed="rId2">
+            <a:extLst>
+              <a:ext uri="{28A0092B-C50C-407E-A947-70E740481C1C}">
+                <a14:useLocalDpi xmlns:a14="http://schemas.microsoft.com/office/drawing/2010/main" val="0"/>
+              </a:ext>
+            </a:extLst>
+          </a:blip>
           <a:stretch>
             <a:fillRect/>
           </a:stretch>
         </p:blipFill>
         <p:spPr>
           <a:xfrm>
-            <a:off x="4128954" y="938568"/>
-            <a:ext cx="8083997" cy="4980864"/>
-          </a:xfrm>
-          <a:prstGeom prst="rect">
-            <a:avLst/>
-          </a:prstGeom>
+            <a:off x="-3975" y="78948"/>
+            <a:ext cx="12192815" cy="4752000"/>
+          </a:xfrm>
         </p:spPr>
       </p:pic>
     </p:spTree>
     <p:extLst>
       <p:ext uri="{BB962C8B-B14F-4D97-AF65-F5344CB8AC3E}">
-        <p14:creationId xmlns:p14="http://schemas.microsoft.com/office/powerpoint/2010/main" val="2330474677"/>
+        <p14:creationId xmlns:p14="http://schemas.microsoft.com/office/powerpoint/2010/main" val="2516939678"/>
       </p:ext>
     </p:extLst>
   </p:cSld>
@@ -5048,12 +5566,12 @@
 </file>
 
 <file path=ppt/slides/slide15.xml><?xml version="1.0" encoding="utf-8"?>
-<p:sld xmlns:a="http://schemas.openxmlformats.org/drawingml/2006/main" xmlns:r="http://schemas.openxmlformats.org/officeDocument/2006/relationships" xmlns:p="http://schemas.openxmlformats.org/presentationml/2006/main">
+<p:sld xmlns:a="http://schemas.openxmlformats.org/drawingml/2006/main" xmlns:r="http://schemas.openxmlformats.org/officeDocument/2006/relationships" xmlns:p="http://schemas.openxmlformats.org/presentationml/2006/main" showMasterSp="0">
   <p:cSld>
     <p:bg>
       <p:bgPr>
         <a:solidFill>
-          <a:schemeClr val="bg2"/>
+          <a:srgbClr val="2F2F2F"/>
         </a:solidFill>
         <a:effectLst/>
       </p:bgPr>
@@ -5072,414 +5590,550 @@
           <a:chExt cx="0" cy="0"/>
         </a:xfrm>
       </p:grpSpPr>
-      <p:sp useBgFill="1">
-        <p:nvSpPr>
-          <p:cNvPr id="4100" name="Rectangle 70">
-            <a:extLst>
-              <a:ext uri="{FF2B5EF4-FFF2-40B4-BE49-F238E27FC236}">
-                <a16:creationId xmlns:a16="http://schemas.microsoft.com/office/drawing/2014/main" id="{9A2C1126-B82F-462B-8DEB-8B10A5B0FDF4}"/>
-              </a:ext>
-              <a:ext uri="{C183D7F6-B498-43B3-948B-1728B52AA6E4}">
-                <adec:decorative xmlns:adec="http://schemas.microsoft.com/office/drawing/2017/decorative" val="1"/>
-              </a:ext>
-            </a:extLst>
-          </p:cNvPr>
-          <p:cNvSpPr>
-            <a:spLocks noGrp="1" noRot="1" noChangeAspect="1" noMove="1" noResize="1" noEditPoints="1" noAdjustHandles="1" noChangeArrowheads="1" noChangeShapeType="1" noTextEdit="1"/>
-          </p:cNvSpPr>
-          <p:nvPr>
-            <p:extLst>
-              <p:ext uri="{386F3935-93C4-4BCD-93E2-E3B085C9AB24}">
-                <p16:designElem xmlns:p16="http://schemas.microsoft.com/office/powerpoint/2015/main" val="1"/>
-              </p:ext>
-            </p:extLst>
-          </p:nvPr>
-        </p:nvSpPr>
-        <p:spPr>
-          <a:xfrm>
-            <a:off x="0" y="0"/>
-            <a:ext cx="12192001" cy="6334316"/>
-          </a:xfrm>
-          <a:prstGeom prst="rect">
-            <a:avLst/>
-          </a:prstGeom>
-          <a:ln>
-            <a:noFill/>
-          </a:ln>
-        </p:spPr>
-        <p:style>
-          <a:lnRef idx="2">
-            <a:schemeClr val="accent1">
-              <a:shade val="50000"/>
-            </a:schemeClr>
-          </a:lnRef>
-          <a:fillRef idx="1">
-            <a:schemeClr val="accent1"/>
-          </a:fillRef>
-          <a:effectRef idx="0">
-            <a:schemeClr val="accent1"/>
-          </a:effectRef>
-          <a:fontRef idx="minor">
-            <a:schemeClr val="lt1"/>
-          </a:fontRef>
-        </p:style>
-        <p:txBody>
-          <a:bodyPr rtlCol="0" anchor="ctr"/>
-          <a:lstStyle/>
-          <a:p>
-            <a:pPr algn="ctr"/>
-            <a:endParaRPr lang="en-US"/>
-          </a:p>
-        </p:txBody>
-      </p:sp>
-      <p:sp>
-        <p:nvSpPr>
-          <p:cNvPr id="2" name="Titel 1">
-            <a:extLst>
-              <a:ext uri="{FF2B5EF4-FFF2-40B4-BE49-F238E27FC236}">
-                <a16:creationId xmlns:a16="http://schemas.microsoft.com/office/drawing/2014/main" id="{DE397EB4-05F3-43A8-BA6A-DCD0AC14819F}"/>
-              </a:ext>
-            </a:extLst>
-          </p:cNvPr>
-          <p:cNvSpPr>
-            <a:spLocks noGrp="1"/>
-          </p:cNvSpPr>
-          <p:nvPr>
-            <p:ph type="title"/>
-          </p:nvPr>
-        </p:nvSpPr>
-        <p:spPr>
-          <a:xfrm>
-            <a:off x="6411685" y="634946"/>
-            <a:ext cx="5127171" cy="1450757"/>
-          </a:xfrm>
-        </p:spPr>
-        <p:txBody>
-          <a:bodyPr>
-            <a:normAutofit/>
-          </a:bodyPr>
-          <a:lstStyle/>
-          <a:p>
-            <a:r>
-              <a:rPr lang="de-DE" dirty="0" err="1"/>
-              <a:t>Sphere</a:t>
-            </a:r>
-            <a:endParaRPr lang="de-AT" dirty="0"/>
-          </a:p>
-        </p:txBody>
-      </p:sp>
       <p:pic>
         <p:nvPicPr>
-          <p:cNvPr id="4098" name="Picture 2" descr="vertex indices of sphere">
-            <a:extLst>
-              <a:ext uri="{FF2B5EF4-FFF2-40B4-BE49-F238E27FC236}">
-                <a16:creationId xmlns:a16="http://schemas.microsoft.com/office/drawing/2014/main" id="{1A23B5E2-6616-412A-BA2C-8D3D84EC03F2}"/>
+          <p:cNvPr id="4" name="Grafik 3">
+            <a:extLst>
+              <a:ext uri="{FF2B5EF4-FFF2-40B4-BE49-F238E27FC236}">
+                <a16:creationId xmlns:a16="http://schemas.microsoft.com/office/drawing/2014/main" id="{969BF31F-55DB-4360-B21F-4292AFC5F317}"/>
               </a:ext>
             </a:extLst>
           </p:cNvPr>
           <p:cNvPicPr>
-            <a:picLocks noChangeAspect="1" noChangeArrowheads="1"/>
+            <a:picLocks noChangeAspect="1"/>
           </p:cNvPicPr>
           <p:nvPr/>
         </p:nvPicPr>
         <p:blipFill>
-          <a:blip r:embed="rId2">
-            <a:extLst>
-              <a:ext uri="{28A0092B-C50C-407E-A947-70E740481C1C}">
-                <a14:useLocalDpi xmlns:a14="http://schemas.microsoft.com/office/drawing/2010/main" val="0"/>
-              </a:ext>
-            </a:extLst>
-          </a:blip>
+          <a:blip r:embed="rId2"/>
           <a:stretch>
             <a:fillRect/>
           </a:stretch>
         </p:blipFill>
-        <p:spPr bwMode="auto">
-          <a:xfrm>
-            <a:off x="643192" y="1565346"/>
-            <a:ext cx="5451627" cy="3407266"/>
+        <p:spPr>
+          <a:xfrm>
+            <a:off x="8640403" y="2401735"/>
+            <a:ext cx="2652982" cy="2051589"/>
           </a:xfrm>
           <a:prstGeom prst="rect">
             <a:avLst/>
           </a:prstGeom>
-          <a:noFill/>
-          <a:extLst>
-            <a:ext uri="{909E8E84-426E-40DD-AFC4-6F175D3DCCD1}">
-              <a14:hiddenFill xmlns:a14="http://schemas.microsoft.com/office/drawing/2010/main">
-                <a:solidFill>
-                  <a:srgbClr val="FFFFFF"/>
-                </a:solidFill>
-              </a14:hiddenFill>
-            </a:ext>
-          </a:extLst>
         </p:spPr>
       </p:pic>
-      <p:cxnSp>
-        <p:nvCxnSpPr>
-          <p:cNvPr id="4101" name="Straight Connector 72">
-            <a:extLst>
-              <a:ext uri="{FF2B5EF4-FFF2-40B4-BE49-F238E27FC236}">
-                <a16:creationId xmlns:a16="http://schemas.microsoft.com/office/drawing/2014/main" id="{BE5B8EFE-AF32-4125-97CC-7322A38DA09A}"/>
-              </a:ext>
-              <a:ext uri="{C183D7F6-B498-43B3-948B-1728B52AA6E4}">
-                <adec:decorative xmlns:adec="http://schemas.microsoft.com/office/drawing/2017/decorative" val="1"/>
-              </a:ext>
-            </a:extLst>
-          </p:cNvPr>
-          <p:cNvCxnSpPr>
-            <a:cxnSpLocks noGrp="1" noRot="1" noChangeAspect="1" noMove="1" noResize="1" noEditPoints="1" noAdjustHandles="1" noChangeArrowheads="1" noChangeShapeType="1"/>
-          </p:cNvCxnSpPr>
-          <p:nvPr>
-            <p:extLst>
-              <p:ext uri="{386F3935-93C4-4BCD-93E2-E3B085C9AB24}">
-                <p16:designElem xmlns:p16="http://schemas.microsoft.com/office/powerpoint/2015/main" val="1"/>
-              </p:ext>
-            </p:extLst>
-          </p:nvPr>
-        </p:nvCxnSpPr>
-        <p:spPr>
-          <a:xfrm>
-            <a:off x="6411684" y="2086188"/>
-            <a:ext cx="4748808" cy="0"/>
-          </a:xfrm>
-          <a:prstGeom prst="line">
-            <a:avLst/>
-          </a:prstGeom>
-          <a:ln w="6350">
-            <a:solidFill>
-              <a:schemeClr val="tx1">
-                <a:lumMod val="50000"/>
-                <a:lumOff val="50000"/>
-                <a:alpha val="90000"/>
-              </a:schemeClr>
-            </a:solidFill>
-          </a:ln>
-        </p:spPr>
-        <p:style>
-          <a:lnRef idx="1">
-            <a:schemeClr val="accent1"/>
-          </a:lnRef>
-          <a:fillRef idx="0">
-            <a:schemeClr val="accent1"/>
-          </a:fillRef>
-          <a:effectRef idx="0">
-            <a:schemeClr val="accent1"/>
-          </a:effectRef>
-          <a:fontRef idx="minor">
-            <a:schemeClr val="tx1"/>
-          </a:fontRef>
-        </p:style>
-      </p:cxnSp>
-      <p:sp>
-        <p:nvSpPr>
-          <p:cNvPr id="3" name="Inhaltsplatzhalter 2">
-            <a:extLst>
-              <a:ext uri="{FF2B5EF4-FFF2-40B4-BE49-F238E27FC236}">
-                <a16:creationId xmlns:a16="http://schemas.microsoft.com/office/drawing/2014/main" id="{9C25780B-AB06-4354-940D-4DD37D79DE91}"/>
-              </a:ext>
-            </a:extLst>
-          </p:cNvPr>
-          <p:cNvSpPr>
-            <a:spLocks noGrp="1"/>
-          </p:cNvSpPr>
-          <p:nvPr>
-            <p:ph idx="1"/>
-          </p:nvPr>
-        </p:nvSpPr>
-        <p:spPr>
-          <a:xfrm>
-            <a:off x="6411684" y="2198914"/>
-            <a:ext cx="5127172" cy="3670180"/>
-          </a:xfrm>
-        </p:spPr>
-        <p:txBody>
-          <a:bodyPr>
-            <a:normAutofit/>
-          </a:bodyPr>
-          <a:lstStyle/>
-          <a:p>
-            <a:pPr>
-              <a:buFont typeface="Wingdings" panose="05000000000000000000" pitchFamily="2" charset="2"/>
-              <a:buChar char="Ø"/>
-            </a:pPr>
-            <a:r>
-              <a:rPr lang="en-US" dirty="0">
-                <a:latin typeface="Times New Roman" panose="02020603050405020304" pitchFamily="18" charset="0"/>
-                <a:cs typeface="Times New Roman" panose="02020603050405020304" pitchFamily="18" charset="0"/>
-              </a:rPr>
-              <a:t> to draw the surface of a sphere in OpenGL, you must triangulate adjacent vertices to form polygons</a:t>
-            </a:r>
-          </a:p>
-          <a:p>
-            <a:pPr>
-              <a:buFont typeface="Wingdings" panose="05000000000000000000" pitchFamily="2" charset="2"/>
-              <a:buChar char="Ø"/>
-            </a:pPr>
-            <a:r>
-              <a:rPr lang="en-US" dirty="0">
-                <a:latin typeface="Times New Roman" panose="02020603050405020304" pitchFamily="18" charset="0"/>
-                <a:cs typeface="Times New Roman" panose="02020603050405020304" pitchFamily="18" charset="0"/>
-              </a:rPr>
-              <a:t> Each sector in a stack requires 2 triangles</a:t>
-            </a:r>
-          </a:p>
-          <a:p>
-            <a:pPr>
-              <a:buFont typeface="Wingdings" panose="05000000000000000000" pitchFamily="2" charset="2"/>
-              <a:buChar char="Ø"/>
-            </a:pPr>
-            <a:r>
-              <a:rPr lang="en-US" dirty="0">
-                <a:latin typeface="Times New Roman" panose="02020603050405020304" pitchFamily="18" charset="0"/>
-                <a:cs typeface="Times New Roman" panose="02020603050405020304" pitchFamily="18" charset="0"/>
-              </a:rPr>
-              <a:t> If the first vertex index in the current stack is k1 and the next stack is k2, then the counterclockwise orders of vertex indices of 2 triangles are;</a:t>
-            </a:r>
-          </a:p>
-          <a:p>
-            <a:pPr>
-              <a:buFont typeface="Wingdings" panose="05000000000000000000" pitchFamily="2" charset="2"/>
-              <a:buChar char="Ø"/>
-            </a:pPr>
-            <a:r>
-              <a:rPr lang="en-US" dirty="0">
-                <a:latin typeface="Times New Roman" panose="02020603050405020304" pitchFamily="18" charset="0"/>
-                <a:cs typeface="Times New Roman" panose="02020603050405020304" pitchFamily="18" charset="0"/>
-              </a:rPr>
-              <a:t> k1 ⟶ k2 ⟶ k1+1</a:t>
-            </a:r>
-          </a:p>
-          <a:p>
-            <a:pPr>
-              <a:buFont typeface="Wingdings" panose="05000000000000000000" pitchFamily="2" charset="2"/>
-              <a:buChar char="Ø"/>
-            </a:pPr>
-            <a:r>
-              <a:rPr lang="en-US" dirty="0">
-                <a:latin typeface="Times New Roman" panose="02020603050405020304" pitchFamily="18" charset="0"/>
-                <a:cs typeface="Times New Roman" panose="02020603050405020304" pitchFamily="18" charset="0"/>
-              </a:rPr>
-              <a:t> k1+1 ⟶ k2 ⟶ k2+1</a:t>
-            </a:r>
-          </a:p>
-        </p:txBody>
-      </p:sp>
-      <p:sp>
-        <p:nvSpPr>
-          <p:cNvPr id="4102" name="Rectangle 74">
-            <a:extLst>
-              <a:ext uri="{FF2B5EF4-FFF2-40B4-BE49-F238E27FC236}">
-                <a16:creationId xmlns:a16="http://schemas.microsoft.com/office/drawing/2014/main" id="{E225B535-6DF5-4B36-9E4B-B80A0796A199}"/>
-              </a:ext>
-              <a:ext uri="{C183D7F6-B498-43B3-948B-1728B52AA6E4}">
-                <adec:decorative xmlns:adec="http://schemas.microsoft.com/office/drawing/2017/decorative" val="1"/>
-              </a:ext>
-            </a:extLst>
-          </p:cNvPr>
-          <p:cNvSpPr>
-            <a:spLocks noGrp="1" noRot="1" noChangeAspect="1" noMove="1" noResize="1" noEditPoints="1" noAdjustHandles="1" noChangeArrowheads="1" noChangeShapeType="1" noTextEdit="1"/>
-          </p:cNvSpPr>
-          <p:nvPr>
-            <p:extLst>
-              <p:ext uri="{386F3935-93C4-4BCD-93E2-E3B085C9AB24}">
-                <p16:designElem xmlns:p16="http://schemas.microsoft.com/office/powerpoint/2015/main" val="1"/>
-              </p:ext>
-            </p:extLst>
-          </p:nvPr>
-        </p:nvSpPr>
-        <p:spPr>
-          <a:xfrm>
-            <a:off x="15" y="6334316"/>
-            <a:ext cx="12191985" cy="66484"/>
+      <p:pic>
+        <p:nvPicPr>
+          <p:cNvPr id="5" name="Grafik 4">
+            <a:extLst>
+              <a:ext uri="{FF2B5EF4-FFF2-40B4-BE49-F238E27FC236}">
+                <a16:creationId xmlns:a16="http://schemas.microsoft.com/office/drawing/2014/main" id="{37F0449D-BFB0-48A4-90EA-F91C9480695F}"/>
+              </a:ext>
+            </a:extLst>
+          </p:cNvPr>
+          <p:cNvPicPr>
+            <a:picLocks noChangeAspect="1"/>
+          </p:cNvPicPr>
+          <p:nvPr/>
+        </p:nvPicPr>
+        <p:blipFill>
+          <a:blip r:embed="rId3"/>
+          <a:stretch>
+            <a:fillRect/>
+          </a:stretch>
+        </p:blipFill>
+        <p:spPr>
+          <a:xfrm>
+            <a:off x="4770005" y="2398794"/>
+            <a:ext cx="2651990" cy="2054530"/>
           </a:xfrm>
           <a:prstGeom prst="rect">
             <a:avLst/>
           </a:prstGeom>
-          <a:solidFill>
-            <a:schemeClr val="accent1"/>
-          </a:solidFill>
-          <a:ln>
-            <a:noFill/>
-          </a:ln>
-        </p:spPr>
-        <p:style>
-          <a:lnRef idx="2">
-            <a:schemeClr val="accent1">
-              <a:shade val="50000"/>
-            </a:schemeClr>
-          </a:lnRef>
-          <a:fillRef idx="1">
-            <a:schemeClr val="accent1"/>
-          </a:fillRef>
-          <a:effectRef idx="0">
-            <a:schemeClr val="accent1"/>
-          </a:effectRef>
-          <a:fontRef idx="minor">
-            <a:schemeClr val="lt1"/>
-          </a:fontRef>
-        </p:style>
-      </p:sp>
-      <p:sp>
-        <p:nvSpPr>
-          <p:cNvPr id="77" name="Rectangle 76">
-            <a:extLst>
-              <a:ext uri="{FF2B5EF4-FFF2-40B4-BE49-F238E27FC236}">
-                <a16:creationId xmlns:a16="http://schemas.microsoft.com/office/drawing/2014/main" id="{EE43A332-627C-4D63-B88B-FC1C2B12D8AF}"/>
-              </a:ext>
-              <a:ext uri="{C183D7F6-B498-43B3-948B-1728B52AA6E4}">
-                <adec:decorative xmlns:adec="http://schemas.microsoft.com/office/drawing/2017/decorative" val="1"/>
-              </a:ext>
-            </a:extLst>
-          </p:cNvPr>
-          <p:cNvSpPr>
-            <a:spLocks noGrp="1" noRot="1" noChangeAspect="1" noMove="1" noResize="1" noEditPoints="1" noAdjustHandles="1" noChangeArrowheads="1" noChangeShapeType="1" noTextEdit="1"/>
-          </p:cNvSpPr>
-          <p:nvPr>
-            <p:extLst>
-              <p:ext uri="{386F3935-93C4-4BCD-93E2-E3B085C9AB24}">
-                <p16:designElem xmlns:p16="http://schemas.microsoft.com/office/powerpoint/2015/main" val="1"/>
-              </p:ext>
-            </p:extLst>
-          </p:nvPr>
-        </p:nvSpPr>
-        <p:spPr>
-          <a:xfrm>
-            <a:off x="1" y="6400800"/>
-            <a:ext cx="12192000" cy="457200"/>
+        </p:spPr>
+      </p:pic>
+      <p:pic>
+        <p:nvPicPr>
+          <p:cNvPr id="6" name="Grafik 5">
+            <a:extLst>
+              <a:ext uri="{FF2B5EF4-FFF2-40B4-BE49-F238E27FC236}">
+                <a16:creationId xmlns:a16="http://schemas.microsoft.com/office/drawing/2014/main" id="{2F56425C-8913-4279-80EE-5D1B1290D8CB}"/>
+              </a:ext>
+            </a:extLst>
+          </p:cNvPr>
+          <p:cNvPicPr>
+            <a:picLocks noChangeAspect="1"/>
+          </p:cNvPicPr>
+          <p:nvPr/>
+        </p:nvPicPr>
+        <p:blipFill>
+          <a:blip r:embed="rId3"/>
+          <a:stretch>
+            <a:fillRect/>
+          </a:stretch>
+        </p:blipFill>
+        <p:spPr>
+          <a:xfrm>
+            <a:off x="899607" y="2398794"/>
+            <a:ext cx="2651990" cy="2054530"/>
           </a:xfrm>
           <a:prstGeom prst="rect">
             <a:avLst/>
           </a:prstGeom>
-          <a:solidFill>
-            <a:schemeClr val="accent1">
-              <a:lumMod val="50000"/>
-            </a:schemeClr>
-          </a:solidFill>
-          <a:ln>
-            <a:noFill/>
-          </a:ln>
-        </p:spPr>
-        <p:style>
-          <a:lnRef idx="2">
-            <a:schemeClr val="accent1">
-              <a:shade val="50000"/>
-            </a:schemeClr>
-          </a:lnRef>
-          <a:fillRef idx="1">
-            <a:schemeClr val="accent1"/>
-          </a:fillRef>
-          <a:effectRef idx="0">
-            <a:schemeClr val="accent1"/>
-          </a:effectRef>
-          <a:fontRef idx="minor">
-            <a:schemeClr val="lt1"/>
-          </a:fontRef>
-        </p:style>
-      </p:sp>
+        </p:spPr>
+      </p:pic>
+      <p:pic>
+        <p:nvPicPr>
+          <p:cNvPr id="7" name="Grafik 6">
+            <a:extLst>
+              <a:ext uri="{FF2B5EF4-FFF2-40B4-BE49-F238E27FC236}">
+                <a16:creationId xmlns:a16="http://schemas.microsoft.com/office/drawing/2014/main" id="{11E8C991-33AD-49D3-B490-5DA2FE09AD86}"/>
+              </a:ext>
+            </a:extLst>
+          </p:cNvPr>
+          <p:cNvPicPr>
+            <a:picLocks noChangeAspect="1"/>
+          </p:cNvPicPr>
+          <p:nvPr/>
+        </p:nvPicPr>
+        <p:blipFill>
+          <a:blip r:embed="rId3"/>
+          <a:stretch>
+            <a:fillRect/>
+          </a:stretch>
+        </p:blipFill>
+        <p:spPr>
+          <a:xfrm>
+            <a:off x="899607" y="0"/>
+            <a:ext cx="2651990" cy="2054530"/>
+          </a:xfrm>
+          <a:prstGeom prst="rect">
+            <a:avLst/>
+          </a:prstGeom>
+        </p:spPr>
+      </p:pic>
+      <p:pic>
+        <p:nvPicPr>
+          <p:cNvPr id="8" name="Grafik 7">
+            <a:extLst>
+              <a:ext uri="{FF2B5EF4-FFF2-40B4-BE49-F238E27FC236}">
+                <a16:creationId xmlns:a16="http://schemas.microsoft.com/office/drawing/2014/main" id="{6FC3A584-DE56-4D09-B163-873D0FEEB5B3}"/>
+              </a:ext>
+            </a:extLst>
+          </p:cNvPr>
+          <p:cNvPicPr>
+            <a:picLocks noChangeAspect="1"/>
+          </p:cNvPicPr>
+          <p:nvPr/>
+        </p:nvPicPr>
+        <p:blipFill>
+          <a:blip r:embed="rId3"/>
+          <a:stretch>
+            <a:fillRect/>
+          </a:stretch>
+        </p:blipFill>
+        <p:spPr>
+          <a:xfrm>
+            <a:off x="899607" y="4797588"/>
+            <a:ext cx="2651990" cy="2054530"/>
+          </a:xfrm>
+          <a:prstGeom prst="rect">
+            <a:avLst/>
+          </a:prstGeom>
+        </p:spPr>
+      </p:pic>
+      <p:pic>
+        <p:nvPicPr>
+          <p:cNvPr id="9" name="Grafik 8">
+            <a:extLst>
+              <a:ext uri="{FF2B5EF4-FFF2-40B4-BE49-F238E27FC236}">
+                <a16:creationId xmlns:a16="http://schemas.microsoft.com/office/drawing/2014/main" id="{01180461-F06F-47ED-9D68-ED828E252972}"/>
+              </a:ext>
+            </a:extLst>
+          </p:cNvPr>
+          <p:cNvPicPr>
+            <a:picLocks noChangeAspect="1"/>
+          </p:cNvPicPr>
+          <p:nvPr/>
+        </p:nvPicPr>
+        <p:blipFill>
+          <a:blip r:embed="rId3"/>
+          <a:stretch>
+            <a:fillRect/>
+          </a:stretch>
+        </p:blipFill>
+        <p:spPr>
+          <a:xfrm>
+            <a:off x="4770005" y="-34593"/>
+            <a:ext cx="2651990" cy="2054530"/>
+          </a:xfrm>
+          <a:prstGeom prst="rect">
+            <a:avLst/>
+          </a:prstGeom>
+        </p:spPr>
+      </p:pic>
+      <p:pic>
+        <p:nvPicPr>
+          <p:cNvPr id="10" name="Grafik 9">
+            <a:extLst>
+              <a:ext uri="{FF2B5EF4-FFF2-40B4-BE49-F238E27FC236}">
+                <a16:creationId xmlns:a16="http://schemas.microsoft.com/office/drawing/2014/main" id="{38CAD822-3636-48C3-A285-B143531941FE}"/>
+              </a:ext>
+            </a:extLst>
+          </p:cNvPr>
+          <p:cNvPicPr>
+            <a:picLocks noChangeAspect="1"/>
+          </p:cNvPicPr>
+          <p:nvPr/>
+        </p:nvPicPr>
+        <p:blipFill>
+          <a:blip r:embed="rId3"/>
+          <a:stretch>
+            <a:fillRect/>
+          </a:stretch>
+        </p:blipFill>
+        <p:spPr>
+          <a:xfrm>
+            <a:off x="4770005" y="4797588"/>
+            <a:ext cx="2651990" cy="2054530"/>
+          </a:xfrm>
+          <a:prstGeom prst="rect">
+            <a:avLst/>
+          </a:prstGeom>
+        </p:spPr>
+      </p:pic>
+      <p:pic>
+        <p:nvPicPr>
+          <p:cNvPr id="11" name="Grafik 10">
+            <a:extLst>
+              <a:ext uri="{FF2B5EF4-FFF2-40B4-BE49-F238E27FC236}">
+                <a16:creationId xmlns:a16="http://schemas.microsoft.com/office/drawing/2014/main" id="{FB9661C4-4DF8-4C55-941C-363DAF19C72A}"/>
+              </a:ext>
+            </a:extLst>
+          </p:cNvPr>
+          <p:cNvPicPr>
+            <a:picLocks noChangeAspect="1"/>
+          </p:cNvPicPr>
+          <p:nvPr/>
+        </p:nvPicPr>
+        <p:blipFill>
+          <a:blip r:embed="rId3"/>
+          <a:stretch>
+            <a:fillRect/>
+          </a:stretch>
+        </p:blipFill>
+        <p:spPr>
+          <a:xfrm>
+            <a:off x="8640403" y="0"/>
+            <a:ext cx="2651990" cy="2054530"/>
+          </a:xfrm>
+          <a:prstGeom prst="rect">
+            <a:avLst/>
+          </a:prstGeom>
+        </p:spPr>
+      </p:pic>
+      <p:pic>
+        <p:nvPicPr>
+          <p:cNvPr id="12" name="Grafik 11">
+            <a:extLst>
+              <a:ext uri="{FF2B5EF4-FFF2-40B4-BE49-F238E27FC236}">
+                <a16:creationId xmlns:a16="http://schemas.microsoft.com/office/drawing/2014/main" id="{DF764E2C-E01E-4815-8ED1-A6556CD3D7F3}"/>
+              </a:ext>
+            </a:extLst>
+          </p:cNvPr>
+          <p:cNvPicPr>
+            <a:picLocks noChangeAspect="1"/>
+          </p:cNvPicPr>
+          <p:nvPr/>
+        </p:nvPicPr>
+        <p:blipFill>
+          <a:blip r:embed="rId3"/>
+          <a:stretch>
+            <a:fillRect/>
+          </a:stretch>
+        </p:blipFill>
+        <p:spPr>
+          <a:xfrm>
+            <a:off x="8640403" y="4797588"/>
+            <a:ext cx="2651990" cy="2054530"/>
+          </a:xfrm>
+          <a:prstGeom prst="rect">
+            <a:avLst/>
+          </a:prstGeom>
+        </p:spPr>
+      </p:pic>
+      <p:pic>
+        <p:nvPicPr>
+          <p:cNvPr id="13" name="Grafik 12">
+            <a:extLst>
+              <a:ext uri="{FF2B5EF4-FFF2-40B4-BE49-F238E27FC236}">
+                <a16:creationId xmlns:a16="http://schemas.microsoft.com/office/drawing/2014/main" id="{473BF73C-9C6B-47F1-B16F-F22BEE997B13}"/>
+              </a:ext>
+            </a:extLst>
+          </p:cNvPr>
+          <p:cNvPicPr>
+            <a:picLocks noChangeAspect="1"/>
+          </p:cNvPicPr>
+          <p:nvPr/>
+        </p:nvPicPr>
+        <p:blipFill>
+          <a:blip r:embed="rId4"/>
+          <a:stretch>
+            <a:fillRect/>
+          </a:stretch>
+        </p:blipFill>
+        <p:spPr>
+          <a:xfrm>
+            <a:off x="1020793" y="135466"/>
+            <a:ext cx="615750" cy="606605"/>
+          </a:xfrm>
+          <a:prstGeom prst="rect">
+            <a:avLst/>
+          </a:prstGeom>
+        </p:spPr>
+      </p:pic>
+      <p:pic>
+        <p:nvPicPr>
+          <p:cNvPr id="14" name="Grafik 13">
+            <a:extLst>
+              <a:ext uri="{FF2B5EF4-FFF2-40B4-BE49-F238E27FC236}">
+                <a16:creationId xmlns:a16="http://schemas.microsoft.com/office/drawing/2014/main" id="{7EA6ADF8-F1CA-4597-9FB4-02D604378762}"/>
+              </a:ext>
+            </a:extLst>
+          </p:cNvPr>
+          <p:cNvPicPr>
+            <a:picLocks noChangeAspect="1"/>
+          </p:cNvPicPr>
+          <p:nvPr/>
+        </p:nvPicPr>
+        <p:blipFill>
+          <a:blip r:embed="rId5"/>
+          <a:stretch>
+            <a:fillRect/>
+          </a:stretch>
+        </p:blipFill>
+        <p:spPr>
+          <a:xfrm>
+            <a:off x="5788125" y="86426"/>
+            <a:ext cx="615749" cy="609653"/>
+          </a:xfrm>
+          <a:prstGeom prst="rect">
+            <a:avLst/>
+          </a:prstGeom>
+        </p:spPr>
+      </p:pic>
+      <p:pic>
+        <p:nvPicPr>
+          <p:cNvPr id="15" name="Grafik 14">
+            <a:extLst>
+              <a:ext uri="{FF2B5EF4-FFF2-40B4-BE49-F238E27FC236}">
+                <a16:creationId xmlns:a16="http://schemas.microsoft.com/office/drawing/2014/main" id="{2C4A390E-6E9E-4940-B06E-714F734B955D}"/>
+              </a:ext>
+            </a:extLst>
+          </p:cNvPr>
+          <p:cNvPicPr>
+            <a:picLocks noChangeAspect="1"/>
+          </p:cNvPicPr>
+          <p:nvPr/>
+        </p:nvPicPr>
+        <p:blipFill>
+          <a:blip r:embed="rId5"/>
+          <a:stretch>
+            <a:fillRect/>
+          </a:stretch>
+        </p:blipFill>
+        <p:spPr>
+          <a:xfrm>
+            <a:off x="10532012" y="111892"/>
+            <a:ext cx="615749" cy="609653"/>
+          </a:xfrm>
+          <a:prstGeom prst="rect">
+            <a:avLst/>
+          </a:prstGeom>
+        </p:spPr>
+      </p:pic>
+      <p:pic>
+        <p:nvPicPr>
+          <p:cNvPr id="16" name="Grafik 15">
+            <a:extLst>
+              <a:ext uri="{FF2B5EF4-FFF2-40B4-BE49-F238E27FC236}">
+                <a16:creationId xmlns:a16="http://schemas.microsoft.com/office/drawing/2014/main" id="{62524041-F198-44AB-863B-4C0A147A5F82}"/>
+              </a:ext>
+            </a:extLst>
+          </p:cNvPr>
+          <p:cNvPicPr>
+            <a:picLocks noChangeAspect="1"/>
+          </p:cNvPicPr>
+          <p:nvPr/>
+        </p:nvPicPr>
+        <p:blipFill>
+          <a:blip r:embed="rId5"/>
+          <a:stretch>
+            <a:fillRect/>
+          </a:stretch>
+        </p:blipFill>
+        <p:spPr>
+          <a:xfrm>
+            <a:off x="1020793" y="3121232"/>
+            <a:ext cx="615749" cy="609653"/>
+          </a:xfrm>
+          <a:prstGeom prst="rect">
+            <a:avLst/>
+          </a:prstGeom>
+        </p:spPr>
+      </p:pic>
+      <p:pic>
+        <p:nvPicPr>
+          <p:cNvPr id="17" name="Grafik 16">
+            <a:extLst>
+              <a:ext uri="{FF2B5EF4-FFF2-40B4-BE49-F238E27FC236}">
+                <a16:creationId xmlns:a16="http://schemas.microsoft.com/office/drawing/2014/main" id="{0D5D2777-220D-4B69-8F09-544349632A55}"/>
+              </a:ext>
+            </a:extLst>
+          </p:cNvPr>
+          <p:cNvPicPr>
+            <a:picLocks noChangeAspect="1"/>
+          </p:cNvPicPr>
+          <p:nvPr/>
+        </p:nvPicPr>
+        <p:blipFill>
+          <a:blip r:embed="rId5"/>
+          <a:stretch>
+            <a:fillRect/>
+          </a:stretch>
+        </p:blipFill>
+        <p:spPr>
+          <a:xfrm>
+            <a:off x="5788124" y="3121232"/>
+            <a:ext cx="615749" cy="609653"/>
+          </a:xfrm>
+          <a:prstGeom prst="rect">
+            <a:avLst/>
+          </a:prstGeom>
+        </p:spPr>
+      </p:pic>
+      <p:pic>
+        <p:nvPicPr>
+          <p:cNvPr id="18" name="Grafik 17">
+            <a:extLst>
+              <a:ext uri="{FF2B5EF4-FFF2-40B4-BE49-F238E27FC236}">
+                <a16:creationId xmlns:a16="http://schemas.microsoft.com/office/drawing/2014/main" id="{A45B506B-7F45-4039-895E-808B4E643045}"/>
+              </a:ext>
+            </a:extLst>
+          </p:cNvPr>
+          <p:cNvPicPr>
+            <a:picLocks noChangeAspect="1"/>
+          </p:cNvPicPr>
+          <p:nvPr/>
+        </p:nvPicPr>
+        <p:blipFill>
+          <a:blip r:embed="rId5"/>
+          <a:stretch>
+            <a:fillRect/>
+          </a:stretch>
+        </p:blipFill>
+        <p:spPr>
+          <a:xfrm>
+            <a:off x="10532011" y="3121231"/>
+            <a:ext cx="615749" cy="609653"/>
+          </a:xfrm>
+          <a:prstGeom prst="rect">
+            <a:avLst/>
+          </a:prstGeom>
+        </p:spPr>
+      </p:pic>
+      <p:pic>
+        <p:nvPicPr>
+          <p:cNvPr id="19" name="Grafik 18">
+            <a:extLst>
+              <a:ext uri="{FF2B5EF4-FFF2-40B4-BE49-F238E27FC236}">
+                <a16:creationId xmlns:a16="http://schemas.microsoft.com/office/drawing/2014/main" id="{BBE271B5-B485-4EA0-846F-E5464D67856F}"/>
+              </a:ext>
+            </a:extLst>
+          </p:cNvPr>
+          <p:cNvPicPr>
+            <a:picLocks noChangeAspect="1"/>
+          </p:cNvPicPr>
+          <p:nvPr/>
+        </p:nvPicPr>
+        <p:blipFill>
+          <a:blip r:embed="rId5"/>
+          <a:stretch>
+            <a:fillRect/>
+          </a:stretch>
+        </p:blipFill>
+        <p:spPr>
+          <a:xfrm>
+            <a:off x="1020793" y="6112881"/>
+            <a:ext cx="615749" cy="609653"/>
+          </a:xfrm>
+          <a:prstGeom prst="rect">
+            <a:avLst/>
+          </a:prstGeom>
+        </p:spPr>
+      </p:pic>
+      <p:pic>
+        <p:nvPicPr>
+          <p:cNvPr id="20" name="Grafik 19">
+            <a:extLst>
+              <a:ext uri="{FF2B5EF4-FFF2-40B4-BE49-F238E27FC236}">
+                <a16:creationId xmlns:a16="http://schemas.microsoft.com/office/drawing/2014/main" id="{9A06DD48-5DAE-4AAD-B80D-7126C19D2CBC}"/>
+              </a:ext>
+            </a:extLst>
+          </p:cNvPr>
+          <p:cNvPicPr>
+            <a:picLocks noChangeAspect="1"/>
+          </p:cNvPicPr>
+          <p:nvPr/>
+        </p:nvPicPr>
+        <p:blipFill>
+          <a:blip r:embed="rId5"/>
+          <a:stretch>
+            <a:fillRect/>
+          </a:stretch>
+        </p:blipFill>
+        <p:spPr>
+          <a:xfrm>
+            <a:off x="5788123" y="6112881"/>
+            <a:ext cx="615749" cy="609653"/>
+          </a:xfrm>
+          <a:prstGeom prst="rect">
+            <a:avLst/>
+          </a:prstGeom>
+        </p:spPr>
+      </p:pic>
+      <p:pic>
+        <p:nvPicPr>
+          <p:cNvPr id="21" name="Grafik 20">
+            <a:extLst>
+              <a:ext uri="{FF2B5EF4-FFF2-40B4-BE49-F238E27FC236}">
+                <a16:creationId xmlns:a16="http://schemas.microsoft.com/office/drawing/2014/main" id="{A5E9D70E-09AE-47FE-9B27-1511E51E26F8}"/>
+              </a:ext>
+            </a:extLst>
+          </p:cNvPr>
+          <p:cNvPicPr>
+            <a:picLocks noChangeAspect="1"/>
+          </p:cNvPicPr>
+          <p:nvPr/>
+        </p:nvPicPr>
+        <p:blipFill>
+          <a:blip r:embed="rId5"/>
+          <a:stretch>
+            <a:fillRect/>
+          </a:stretch>
+        </p:blipFill>
+        <p:spPr>
+          <a:xfrm>
+            <a:off x="10532010" y="6112881"/>
+            <a:ext cx="615749" cy="609653"/>
+          </a:xfrm>
+          <a:prstGeom prst="rect">
+            <a:avLst/>
+          </a:prstGeom>
+        </p:spPr>
+      </p:pic>
     </p:spTree>
     <p:extLst>
       <p:ext uri="{BB962C8B-B14F-4D97-AF65-F5344CB8AC3E}">
-        <p14:creationId xmlns:p14="http://schemas.microsoft.com/office/powerpoint/2010/main" val="3068432199"/>
+        <p14:creationId xmlns:p14="http://schemas.microsoft.com/office/powerpoint/2010/main" val="2296726793"/>
       </p:ext>
     </p:extLst>
   </p:cSld>
@@ -5514,12 +6168,12 @@
           <a:chExt cx="0" cy="0"/>
         </a:xfrm>
       </p:grpSpPr>
-      <p:sp useBgFill="1">
-        <p:nvSpPr>
-          <p:cNvPr id="12" name="Rectangle 11">
-            <a:extLst>
-              <a:ext uri="{FF2B5EF4-FFF2-40B4-BE49-F238E27FC236}">
-                <a16:creationId xmlns:a16="http://schemas.microsoft.com/office/drawing/2014/main" id="{3DBD0226-9703-41AF-92F4-0830512A0A54}"/>
+      <p:sp>
+        <p:nvSpPr>
+          <p:cNvPr id="10" name="Rectangle 9">
+            <a:extLst>
+              <a:ext uri="{FF2B5EF4-FFF2-40B4-BE49-F238E27FC236}">
+                <a16:creationId xmlns:a16="http://schemas.microsoft.com/office/drawing/2014/main" id="{C1CEA5B3-F026-4EA7-8ECF-E1F5465E5684}"/>
               </a:ext>
               <a:ext uri="{C183D7F6-B498-43B3-948B-1728B52AA6E4}">
                 <adec:decorative xmlns:adec="http://schemas.microsoft.com/office/drawing/2017/decorative" val="1"/>
@@ -5539,68 +6193,8 @@
         </p:nvSpPr>
         <p:spPr>
           <a:xfrm>
-            <a:off x="0" y="0"/>
-            <a:ext cx="12186315" cy="6858000"/>
-          </a:xfrm>
-          <a:prstGeom prst="rect">
-            <a:avLst/>
-          </a:prstGeom>
-          <a:ln>
-            <a:noFill/>
-          </a:ln>
-        </p:spPr>
-        <p:style>
-          <a:lnRef idx="2">
-            <a:schemeClr val="accent6">
-              <a:shade val="50000"/>
-            </a:schemeClr>
-          </a:lnRef>
-          <a:fillRef idx="1001">
-            <a:schemeClr val="lt1"/>
-          </a:fillRef>
-          <a:effectRef idx="0">
-            <a:schemeClr val="accent6"/>
-          </a:effectRef>
-          <a:fontRef idx="minor">
-            <a:schemeClr val="lt1"/>
-          </a:fontRef>
-        </p:style>
-        <p:txBody>
-          <a:bodyPr rtlCol="0" anchor="ctr"/>
-          <a:lstStyle/>
-          <a:p>
-            <a:pPr algn="ctr"/>
-            <a:endParaRPr lang="en-US"/>
-          </a:p>
-        </p:txBody>
-      </p:sp>
-      <p:sp>
-        <p:nvSpPr>
-          <p:cNvPr id="14" name="Rectangle 13">
-            <a:extLst>
-              <a:ext uri="{FF2B5EF4-FFF2-40B4-BE49-F238E27FC236}">
-                <a16:creationId xmlns:a16="http://schemas.microsoft.com/office/drawing/2014/main" id="{3E49C037-89D1-4D16-9F78-B92699686649}"/>
-              </a:ext>
-              <a:ext uri="{C183D7F6-B498-43B3-948B-1728B52AA6E4}">
-                <adec:decorative xmlns:adec="http://schemas.microsoft.com/office/drawing/2017/decorative" val="1"/>
-              </a:ext>
-            </a:extLst>
-          </p:cNvPr>
-          <p:cNvSpPr>
-            <a:spLocks noGrp="1" noRot="1" noChangeAspect="1" noMove="1" noResize="1" noEditPoints="1" noAdjustHandles="1" noChangeArrowheads="1" noChangeShapeType="1" noTextEdit="1"/>
-          </p:cNvSpPr>
-          <p:nvPr>
-            <p:extLst>
-              <p:ext uri="{386F3935-93C4-4BCD-93E2-E3B085C9AB24}">
-                <p16:designElem xmlns:p16="http://schemas.microsoft.com/office/powerpoint/2015/main" val="1"/>
-              </p:ext>
-            </p:extLst>
-          </p:nvPr>
-        </p:nvSpPr>
-        <p:spPr>
-          <a:xfrm>
-            <a:off x="16" y="0"/>
-            <a:ext cx="4050791" cy="6858000"/>
+            <a:off x="3175" y="6400800"/>
+            <a:ext cx="12188825" cy="457200"/>
           </a:xfrm>
           <a:prstGeom prst="rect">
             <a:avLst/>
@@ -5633,129 +6227,10 @@
       </p:sp>
       <p:sp>
         <p:nvSpPr>
-          <p:cNvPr id="2" name="Titel 1">
-            <a:extLst>
-              <a:ext uri="{FF2B5EF4-FFF2-40B4-BE49-F238E27FC236}">
-                <a16:creationId xmlns:a16="http://schemas.microsoft.com/office/drawing/2014/main" id="{813CBFB9-7F76-4A9D-908B-14CE62DBDD92}"/>
-              </a:ext>
-            </a:extLst>
-          </p:cNvPr>
-          <p:cNvSpPr>
-            <a:spLocks noGrp="1"/>
-          </p:cNvSpPr>
-          <p:nvPr>
-            <p:ph type="title"/>
-          </p:nvPr>
-        </p:nvSpPr>
-        <p:spPr>
-          <a:xfrm>
-            <a:off x="492370" y="516835"/>
-            <a:ext cx="3084844" cy="2103875"/>
-          </a:xfrm>
-        </p:spPr>
-        <p:txBody>
-          <a:bodyPr>
-            <a:normAutofit/>
-          </a:bodyPr>
-          <a:lstStyle/>
-          <a:p>
-            <a:r>
-              <a:rPr lang="de-DE" sz="3600" dirty="0" err="1">
-                <a:solidFill>
-                  <a:srgbClr val="FFFFFF"/>
-                </a:solidFill>
-              </a:rPr>
-              <a:t>Creating</a:t>
-            </a:r>
-            <a:r>
-              <a:rPr lang="de-DE" sz="3600" dirty="0">
-                <a:solidFill>
-                  <a:srgbClr val="FFFFFF"/>
-                </a:solidFill>
-              </a:rPr>
-              <a:t> </a:t>
-            </a:r>
-            <a:r>
-              <a:rPr lang="de-DE" sz="3600" dirty="0" err="1">
-                <a:solidFill>
-                  <a:srgbClr val="FFFFFF"/>
-                </a:solidFill>
-              </a:rPr>
-              <a:t>the</a:t>
-            </a:r>
-            <a:r>
-              <a:rPr lang="de-DE" sz="3600" dirty="0">
-                <a:solidFill>
-                  <a:srgbClr val="FFFFFF"/>
-                </a:solidFill>
-              </a:rPr>
-              <a:t> </a:t>
-            </a:r>
-            <a:r>
-              <a:rPr lang="de-DE" sz="3600" dirty="0" err="1">
-                <a:solidFill>
-                  <a:srgbClr val="FFFFFF"/>
-                </a:solidFill>
-              </a:rPr>
-              <a:t>sphere</a:t>
-            </a:r>
-            <a:r>
-              <a:rPr lang="de-DE" sz="3600" dirty="0">
-                <a:solidFill>
-                  <a:srgbClr val="FFFFFF"/>
-                </a:solidFill>
-              </a:rPr>
-              <a:t>: 2.step</a:t>
-            </a:r>
-            <a:endParaRPr lang="de-AT" sz="3600" dirty="0">
-              <a:solidFill>
-                <a:srgbClr val="FFFFFF"/>
-              </a:solidFill>
-            </a:endParaRPr>
-          </a:p>
-        </p:txBody>
-      </p:sp>
-      <p:pic>
-        <p:nvPicPr>
-          <p:cNvPr id="4" name="Inhaltsplatzhalter 3" descr="Ein Bild, das Text enthält.&#10;&#10;Automatisch generierte Beschreibung">
-            <a:extLst>
-              <a:ext uri="{FF2B5EF4-FFF2-40B4-BE49-F238E27FC236}">
-                <a16:creationId xmlns:a16="http://schemas.microsoft.com/office/drawing/2014/main" id="{BDF8BC30-725C-44DE-84CE-16DA965170BD}"/>
-              </a:ext>
-            </a:extLst>
-          </p:cNvPr>
-          <p:cNvPicPr>
-            <a:picLocks noGrp="1" noChangeAspect="1"/>
-          </p:cNvPicPr>
-          <p:nvPr>
-            <p:ph idx="1"/>
-          </p:nvPr>
-        </p:nvPicPr>
-        <p:blipFill>
-          <a:blip r:embed="rId2">
-            <a:extLst>
-              <a:ext uri="{28A0092B-C50C-407E-A947-70E740481C1C}">
-                <a14:useLocalDpi xmlns:a14="http://schemas.microsoft.com/office/drawing/2010/main" val="0"/>
-              </a:ext>
-            </a:extLst>
-          </a:blip>
-          <a:stretch>
-            <a:fillRect/>
-          </a:stretch>
-        </p:blipFill>
-        <p:spPr>
-          <a:xfrm>
-            <a:off x="4104079" y="549000"/>
-            <a:ext cx="8118065" cy="5760000"/>
-          </a:xfrm>
-        </p:spPr>
-      </p:pic>
-      <p:sp>
-        <p:nvSpPr>
-          <p:cNvPr id="16" name="Rectangle 15">
-            <a:extLst>
-              <a:ext uri="{FF2B5EF4-FFF2-40B4-BE49-F238E27FC236}">
-                <a16:creationId xmlns:a16="http://schemas.microsoft.com/office/drawing/2014/main" id="{F5EF713F-D367-4E26-8830-885F751C3AC8}"/>
+          <p:cNvPr id="12" name="Rectangle 11">
+            <a:extLst>
+              <a:ext uri="{FF2B5EF4-FFF2-40B4-BE49-F238E27FC236}">
+                <a16:creationId xmlns:a16="http://schemas.microsoft.com/office/drawing/2014/main" id="{4B486FE1-17CE-45A4-9CBC-8C0B185E1963}"/>
               </a:ext>
               <a:ext uri="{C183D7F6-B498-43B3-948B-1728B52AA6E4}">
                 <adec:decorative xmlns:adec="http://schemas.microsoft.com/office/drawing/2017/decorative" val="1"/>
@@ -5775,8 +6250,8 @@
         </p:nvSpPr>
         <p:spPr>
           <a:xfrm>
-            <a:off x="4040071" y="0"/>
-            <a:ext cx="64008" cy="6858000"/>
+            <a:off x="15" y="6334316"/>
+            <a:ext cx="12188825" cy="64008"/>
           </a:xfrm>
           <a:prstGeom prst="rect">
             <a:avLst/>
@@ -5805,10 +6280,253 @@
           </a:fontRef>
         </p:style>
       </p:sp>
+      <p:cxnSp>
+        <p:nvCxnSpPr>
+          <p:cNvPr id="14" name="Straight Connector 13">
+            <a:extLst>
+              <a:ext uri="{FF2B5EF4-FFF2-40B4-BE49-F238E27FC236}">
+                <a16:creationId xmlns:a16="http://schemas.microsoft.com/office/drawing/2014/main" id="{2AF0217B-4943-4BF1-8CDF-A5FB04C876DA}"/>
+              </a:ext>
+              <a:ext uri="{C183D7F6-B498-43B3-948B-1728B52AA6E4}">
+                <adec:decorative xmlns:adec="http://schemas.microsoft.com/office/drawing/2017/decorative" val="1"/>
+              </a:ext>
+            </a:extLst>
+          </p:cNvPr>
+          <p:cNvCxnSpPr>
+            <a:cxnSpLocks noGrp="1" noRot="1" noChangeAspect="1" noMove="1" noResize="1" noEditPoints="1" noAdjustHandles="1" noChangeArrowheads="1" noChangeShapeType="1"/>
+          </p:cNvCxnSpPr>
+          <p:nvPr>
+            <p:extLst>
+              <p:ext uri="{386F3935-93C4-4BCD-93E2-E3B085C9AB24}">
+                <p16:designElem xmlns:p16="http://schemas.microsoft.com/office/powerpoint/2015/main" val="1"/>
+              </p:ext>
+            </p:extLst>
+          </p:nvPr>
+        </p:nvCxnSpPr>
+        <p:spPr>
+          <a:xfrm>
+            <a:off x="1207658" y="4343400"/>
+            <a:ext cx="9875520" cy="0"/>
+          </a:xfrm>
+          <a:prstGeom prst="line">
+            <a:avLst/>
+          </a:prstGeom>
+          <a:ln w="6350">
+            <a:solidFill>
+              <a:schemeClr val="tx1">
+                <a:lumMod val="50000"/>
+                <a:lumOff val="50000"/>
+              </a:schemeClr>
+            </a:solidFill>
+          </a:ln>
+        </p:spPr>
+        <p:style>
+          <a:lnRef idx="1">
+            <a:schemeClr val="accent1"/>
+          </a:lnRef>
+          <a:fillRef idx="0">
+            <a:schemeClr val="accent1"/>
+          </a:fillRef>
+          <a:effectRef idx="0">
+            <a:schemeClr val="accent1"/>
+          </a:effectRef>
+          <a:fontRef idx="minor">
+            <a:schemeClr val="tx1"/>
+          </a:fontRef>
+        </p:style>
+      </p:cxnSp>
+      <p:pic>
+        <p:nvPicPr>
+          <p:cNvPr id="5" name="Inhaltsplatzhalter 4" descr="Ein Bild, das Text, grün, Screenshot enthält.&#10;&#10;Automatisch generierte Beschreibung">
+            <a:extLst>
+              <a:ext uri="{FF2B5EF4-FFF2-40B4-BE49-F238E27FC236}">
+                <a16:creationId xmlns:a16="http://schemas.microsoft.com/office/drawing/2014/main" id="{0709819E-0DD3-433C-A22C-2FB7D51A7E09}"/>
+              </a:ext>
+            </a:extLst>
+          </p:cNvPr>
+          <p:cNvPicPr>
+            <a:picLocks noGrp="1" noChangeAspect="1"/>
+          </p:cNvPicPr>
+          <p:nvPr>
+            <p:ph idx="1"/>
+          </p:nvPr>
+        </p:nvPicPr>
+        <p:blipFill rotWithShape="1">
+          <a:blip r:embed="rId2">
+            <a:extLst>
+              <a:ext uri="{28A0092B-C50C-407E-A947-70E740481C1C}">
+                <a14:useLocalDpi xmlns:a14="http://schemas.microsoft.com/office/drawing/2010/main" val="0"/>
+              </a:ext>
+            </a:extLst>
+          </a:blip>
+          <a:srcRect b="2269"/>
+          <a:stretch/>
+        </p:blipFill>
+        <p:spPr>
+          <a:xfrm>
+            <a:off x="-32" y="10"/>
+            <a:ext cx="12192031" cy="4915066"/>
+          </a:xfrm>
+          <a:prstGeom prst="rect">
+            <a:avLst/>
+          </a:prstGeom>
+        </p:spPr>
+      </p:pic>
+      <p:sp>
+        <p:nvSpPr>
+          <p:cNvPr id="16" name="Rectangle 15">
+            <a:extLst>
+              <a:ext uri="{FF2B5EF4-FFF2-40B4-BE49-F238E27FC236}">
+                <a16:creationId xmlns:a16="http://schemas.microsoft.com/office/drawing/2014/main" id="{947A5FA4-F7D9-4BD2-BCEA-016B70DC8E02}"/>
+              </a:ext>
+              <a:ext uri="{C183D7F6-B498-43B3-948B-1728B52AA6E4}">
+                <adec:decorative xmlns:adec="http://schemas.microsoft.com/office/drawing/2017/decorative" val="1"/>
+              </a:ext>
+            </a:extLst>
+          </p:cNvPr>
+          <p:cNvSpPr>
+            <a:spLocks noGrp="1" noRot="1" noChangeAspect="1" noMove="1" noResize="1" noEditPoints="1" noAdjustHandles="1" noChangeArrowheads="1" noChangeShapeType="1" noTextEdit="1"/>
+          </p:cNvSpPr>
+          <p:nvPr>
+            <p:extLst>
+              <p:ext uri="{386F3935-93C4-4BCD-93E2-E3B085C9AB24}">
+                <p16:designElem xmlns:p16="http://schemas.microsoft.com/office/powerpoint/2015/main" val="1"/>
+              </p:ext>
+            </p:extLst>
+          </p:nvPr>
+        </p:nvSpPr>
+        <p:spPr bwMode="white">
+          <a:xfrm>
+            <a:off x="1507" y="4953000"/>
+            <a:ext cx="12188952" cy="1905000"/>
+          </a:xfrm>
+          <a:prstGeom prst="rect">
+            <a:avLst/>
+          </a:prstGeom>
+          <a:solidFill>
+            <a:schemeClr val="accent1">
+              <a:lumMod val="50000"/>
+            </a:schemeClr>
+          </a:solidFill>
+          <a:ln>
+            <a:noFill/>
+          </a:ln>
+        </p:spPr>
+        <p:style>
+          <a:lnRef idx="2">
+            <a:schemeClr val="accent1">
+              <a:shade val="50000"/>
+            </a:schemeClr>
+          </a:lnRef>
+          <a:fillRef idx="1">
+            <a:schemeClr val="accent1"/>
+          </a:fillRef>
+          <a:effectRef idx="0">
+            <a:schemeClr val="accent1"/>
+          </a:effectRef>
+          <a:fontRef idx="minor">
+            <a:schemeClr val="lt1"/>
+          </a:fontRef>
+        </p:style>
+      </p:sp>
+      <p:sp>
+        <p:nvSpPr>
+          <p:cNvPr id="2" name="Titel 1">
+            <a:extLst>
+              <a:ext uri="{FF2B5EF4-FFF2-40B4-BE49-F238E27FC236}">
+                <a16:creationId xmlns:a16="http://schemas.microsoft.com/office/drawing/2014/main" id="{5F77DC0F-107D-491A-8C25-B0825FC5BEB1}"/>
+              </a:ext>
+            </a:extLst>
+          </p:cNvPr>
+          <p:cNvSpPr>
+            <a:spLocks noGrp="1"/>
+          </p:cNvSpPr>
+          <p:nvPr>
+            <p:ph type="title"/>
+          </p:nvPr>
+        </p:nvSpPr>
+        <p:spPr>
+          <a:xfrm>
+            <a:off x="1065197" y="5120640"/>
+            <a:ext cx="10058400" cy="822960"/>
+          </a:xfrm>
+        </p:spPr>
+        <p:txBody>
+          <a:bodyPr vert="horz" lIns="91440" tIns="45720" rIns="91440" bIns="45720" rtlCol="0" anchor="b">
+            <a:normAutofit/>
+          </a:bodyPr>
+          <a:lstStyle/>
+          <a:p>
+            <a:r>
+              <a:rPr lang="en-US" sz="3600" dirty="0">
+                <a:solidFill>
+                  <a:srgbClr val="FFFFFF"/>
+                </a:solidFill>
+              </a:rPr>
+              <a:t>Creating walls</a:t>
+            </a:r>
+          </a:p>
+        </p:txBody>
+      </p:sp>
+      <p:sp>
+        <p:nvSpPr>
+          <p:cNvPr id="18" name="Rectangle 17">
+            <a:extLst>
+              <a:ext uri="{FF2B5EF4-FFF2-40B4-BE49-F238E27FC236}">
+                <a16:creationId xmlns:a16="http://schemas.microsoft.com/office/drawing/2014/main" id="{D5AADE08-A85D-4367-AF35-82927B65BCD5}"/>
+              </a:ext>
+              <a:ext uri="{C183D7F6-B498-43B3-948B-1728B52AA6E4}">
+                <adec:decorative xmlns:adec="http://schemas.microsoft.com/office/drawing/2017/decorative" val="1"/>
+              </a:ext>
+            </a:extLst>
+          </p:cNvPr>
+          <p:cNvSpPr>
+            <a:spLocks noGrp="1" noRot="1" noChangeAspect="1" noMove="1" noResize="1" noEditPoints="1" noAdjustHandles="1" noChangeArrowheads="1" noChangeShapeType="1" noTextEdit="1"/>
+          </p:cNvSpPr>
+          <p:nvPr>
+            <p:extLst>
+              <p:ext uri="{386F3935-93C4-4BCD-93E2-E3B085C9AB24}">
+                <p16:designElem xmlns:p16="http://schemas.microsoft.com/office/powerpoint/2015/main" val="1"/>
+              </p:ext>
+            </p:extLst>
+          </p:nvPr>
+        </p:nvSpPr>
+        <p:spPr>
+          <a:xfrm>
+            <a:off x="1507" y="4906176"/>
+            <a:ext cx="12188952" cy="64008"/>
+          </a:xfrm>
+          <a:prstGeom prst="rect">
+            <a:avLst/>
+          </a:prstGeom>
+          <a:solidFill>
+            <a:schemeClr val="accent1"/>
+          </a:solidFill>
+          <a:ln>
+            <a:noFill/>
+          </a:ln>
+        </p:spPr>
+        <p:style>
+          <a:lnRef idx="2">
+            <a:schemeClr val="accent1">
+              <a:shade val="50000"/>
+            </a:schemeClr>
+          </a:lnRef>
+          <a:fillRef idx="1">
+            <a:schemeClr val="accent1"/>
+          </a:fillRef>
+          <a:effectRef idx="0">
+            <a:schemeClr val="accent1"/>
+          </a:effectRef>
+          <a:fontRef idx="minor">
+            <a:schemeClr val="lt1"/>
+          </a:fontRef>
+        </p:style>
+      </p:sp>
     </p:spTree>
     <p:extLst>
       <p:ext uri="{BB962C8B-B14F-4D97-AF65-F5344CB8AC3E}">
-        <p14:creationId xmlns:p14="http://schemas.microsoft.com/office/powerpoint/2010/main" val="1064492176"/>
+        <p14:creationId xmlns:p14="http://schemas.microsoft.com/office/powerpoint/2010/main" val="556370433"/>
       </p:ext>
     </p:extLst>
   </p:cSld>
@@ -5845,7 +6563,7 @@
       </p:grpSpPr>
       <p:sp>
         <p:nvSpPr>
-          <p:cNvPr id="38" name="Rectangle 37">
+          <p:cNvPr id="10" name="Rectangle 9">
             <a:extLst>
               <a:ext uri="{FF2B5EF4-FFF2-40B4-BE49-F238E27FC236}">
                 <a16:creationId xmlns:a16="http://schemas.microsoft.com/office/drawing/2014/main" id="{C1CEA5B3-F026-4EA7-8ECF-E1F5465E5684}"/>
@@ -5902,7 +6620,7 @@
       </p:sp>
       <p:sp>
         <p:nvSpPr>
-          <p:cNvPr id="40" name="Rectangle 39">
+          <p:cNvPr id="12" name="Rectangle 11">
             <a:extLst>
               <a:ext uri="{FF2B5EF4-FFF2-40B4-BE49-F238E27FC236}">
                 <a16:creationId xmlns:a16="http://schemas.microsoft.com/office/drawing/2014/main" id="{4B486FE1-17CE-45A4-9CBC-8C0B185E1963}"/>
@@ -5957,7 +6675,7 @@
       </p:sp>
       <p:cxnSp>
         <p:nvCxnSpPr>
-          <p:cNvPr id="42" name="Straight Connector 41">
+          <p:cNvPr id="14" name="Straight Connector 13">
             <a:extLst>
               <a:ext uri="{FF2B5EF4-FFF2-40B4-BE49-F238E27FC236}">
                 <a16:creationId xmlns:a16="http://schemas.microsoft.com/office/drawing/2014/main" id="{2AF0217B-4943-4BF1-8CDF-A5FB04C876DA}"/>
@@ -6012,7 +6730,7 @@
       </p:cxnSp>
       <p:sp>
         <p:nvSpPr>
-          <p:cNvPr id="44" name="Rectangle 43">
+          <p:cNvPr id="16" name="Rectangle 15">
             <a:extLst>
               <a:ext uri="{FF2B5EF4-FFF2-40B4-BE49-F238E27FC236}">
                 <a16:creationId xmlns:a16="http://schemas.microsoft.com/office/drawing/2014/main" id="{947A5FA4-F7D9-4BD2-BCEA-016B70DC8E02}"/>
@@ -6072,7 +6790,7 @@
           <p:cNvPr id="2" name="Titel 1">
             <a:extLst>
               <a:ext uri="{FF2B5EF4-FFF2-40B4-BE49-F238E27FC236}">
-                <a16:creationId xmlns:a16="http://schemas.microsoft.com/office/drawing/2014/main" id="{813CBFB9-7F76-4A9D-908B-14CE62DBDD92}"/>
+                <a16:creationId xmlns:a16="http://schemas.microsoft.com/office/drawing/2014/main" id="{299ED1C5-2372-4D17-8C63-7692DB9BA827}"/>
               </a:ext>
             </a:extLst>
           </p:cNvPr>
@@ -6096,19 +6814,19 @@
           <a:lstStyle/>
           <a:p>
             <a:r>
-              <a:rPr lang="en-US" sz="3600">
+              <a:rPr lang="en-US" sz="3600" dirty="0">
                 <a:solidFill>
                   <a:srgbClr val="FFFFFF"/>
                 </a:solidFill>
               </a:rPr>
-              <a:t>Creating the sphere: 3.step</a:t>
-            </a:r>
-          </a:p>
-        </p:txBody>
-      </p:sp>
-      <p:sp>
-        <p:nvSpPr>
-          <p:cNvPr id="46" name="Rectangle 45">
+              <a:t>Perspective / View</a:t>
+            </a:r>
+          </a:p>
+        </p:txBody>
+      </p:sp>
+      <p:sp>
+        <p:nvSpPr>
+          <p:cNvPr id="18" name="Rectangle 17">
             <a:extLst>
               <a:ext uri="{FF2B5EF4-FFF2-40B4-BE49-F238E27FC236}">
                 <a16:creationId xmlns:a16="http://schemas.microsoft.com/office/drawing/2014/main" id="{D5AADE08-A85D-4367-AF35-82927B65BCD5}"/>
@@ -6166,7 +6884,7 @@
           <p:cNvPr id="11" name="Inhaltsplatzhalter 10" descr="Ein Bild, das Text enthält.&#10;&#10;Automatisch generierte Beschreibung">
             <a:extLst>
               <a:ext uri="{FF2B5EF4-FFF2-40B4-BE49-F238E27FC236}">
-                <a16:creationId xmlns:a16="http://schemas.microsoft.com/office/drawing/2014/main" id="{607388EC-9D73-4DC2-A649-E5B9AC37C99B}"/>
+                <a16:creationId xmlns:a16="http://schemas.microsoft.com/office/drawing/2014/main" id="{015F3B47-6CEE-4316-9498-07BE6723DCDB}"/>
               </a:ext>
             </a:extLst>
           </p:cNvPr>
@@ -6191,15 +6909,15 @@
         </p:blipFill>
         <p:spPr>
           <a:xfrm>
-            <a:off x="-3975" y="78948"/>
-            <a:ext cx="12192815" cy="4752000"/>
+            <a:off x="824375" y="0"/>
+            <a:ext cx="10642085" cy="4896000"/>
           </a:xfrm>
         </p:spPr>
       </p:pic>
     </p:spTree>
     <p:extLst>
       <p:ext uri="{BB962C8B-B14F-4D97-AF65-F5344CB8AC3E}">
-        <p14:creationId xmlns:p14="http://schemas.microsoft.com/office/powerpoint/2010/main" val="2516939678"/>
+        <p14:creationId xmlns:p14="http://schemas.microsoft.com/office/powerpoint/2010/main" val="1335712501"/>
       </p:ext>
     </p:extLst>
   </p:cSld>
@@ -6210,6 +6928,104 @@
 </file>
 
 <file path=ppt/slides/slide18.xml><?xml version="1.0" encoding="utf-8"?>
+<p:sld xmlns:a="http://schemas.openxmlformats.org/drawingml/2006/main" xmlns:r="http://schemas.openxmlformats.org/officeDocument/2006/relationships" xmlns:p="http://schemas.openxmlformats.org/presentationml/2006/main">
+  <p:cSld>
+    <p:spTree>
+      <p:nvGrpSpPr>
+        <p:cNvPr id="1" name=""/>
+        <p:cNvGrpSpPr/>
+        <p:nvPr/>
+      </p:nvGrpSpPr>
+      <p:grpSpPr>
+        <a:xfrm>
+          <a:off x="0" y="0"/>
+          <a:ext cx="0" cy="0"/>
+          <a:chOff x="0" y="0"/>
+          <a:chExt cx="0" cy="0"/>
+        </a:xfrm>
+      </p:grpSpPr>
+      <p:sp>
+        <p:nvSpPr>
+          <p:cNvPr id="2" name="Titel 1">
+            <a:extLst>
+              <a:ext uri="{FF2B5EF4-FFF2-40B4-BE49-F238E27FC236}">
+                <a16:creationId xmlns:a16="http://schemas.microsoft.com/office/drawing/2014/main" id="{D3579722-9D15-41B3-BBD2-84DD6BA11313}"/>
+              </a:ext>
+            </a:extLst>
+          </p:cNvPr>
+          <p:cNvSpPr>
+            <a:spLocks noGrp="1"/>
+          </p:cNvSpPr>
+          <p:nvPr>
+            <p:ph type="title"/>
+          </p:nvPr>
+        </p:nvSpPr>
+        <p:spPr/>
+        <p:txBody>
+          <a:bodyPr/>
+          <a:lstStyle/>
+          <a:p>
+            <a:r>
+              <a:rPr lang="en-US" sz="4800" dirty="0">
+                <a:solidFill>
+                  <a:srgbClr val="FFFFFF"/>
+                </a:solidFill>
+              </a:rPr>
+              <a:t>Perspective / View</a:t>
+            </a:r>
+            <a:endParaRPr lang="de-AT" dirty="0"/>
+          </a:p>
+        </p:txBody>
+      </p:sp>
+      <p:pic>
+        <p:nvPicPr>
+          <p:cNvPr id="5" name="Inhaltsplatzhalter 4" descr="Ein Bild, das Text enthält.&#10;&#10;Automatisch generierte Beschreibung">
+            <a:extLst>
+              <a:ext uri="{FF2B5EF4-FFF2-40B4-BE49-F238E27FC236}">
+                <a16:creationId xmlns:a16="http://schemas.microsoft.com/office/drawing/2014/main" id="{013940FA-AE63-472C-9C64-2AFAFAA89285}"/>
+              </a:ext>
+            </a:extLst>
+          </p:cNvPr>
+          <p:cNvPicPr>
+            <a:picLocks noGrp="1" noChangeAspect="1"/>
+          </p:cNvPicPr>
+          <p:nvPr>
+            <p:ph idx="1"/>
+          </p:nvPr>
+        </p:nvPicPr>
+        <p:blipFill>
+          <a:blip r:embed="rId2">
+            <a:extLst>
+              <a:ext uri="{28A0092B-C50C-407E-A947-70E740481C1C}">
+                <a14:useLocalDpi xmlns:a14="http://schemas.microsoft.com/office/drawing/2010/main" val="0"/>
+              </a:ext>
+            </a:extLst>
+          </a:blip>
+          <a:stretch>
+            <a:fillRect/>
+          </a:stretch>
+        </p:blipFill>
+        <p:spPr>
+          <a:xfrm>
+            <a:off x="1097280" y="2372449"/>
+            <a:ext cx="6674994" cy="2340000"/>
+          </a:xfrm>
+        </p:spPr>
+      </p:pic>
+    </p:spTree>
+    <p:extLst>
+      <p:ext uri="{BB962C8B-B14F-4D97-AF65-F5344CB8AC3E}">
+        <p14:creationId xmlns:p14="http://schemas.microsoft.com/office/powerpoint/2010/main" val="1689369632"/>
+      </p:ext>
+    </p:extLst>
+  </p:cSld>
+  <p:clrMapOvr>
+    <a:masterClrMapping/>
+  </p:clrMapOvr>
+</p:sld>
+</file>
+
+<file path=ppt/slides/slide19.xml><?xml version="1.0" encoding="utf-8"?>
 <p:sld xmlns:a="http://schemas.openxmlformats.org/drawingml/2006/main" xmlns:r="http://schemas.openxmlformats.org/officeDocument/2006/relationships" xmlns:p="http://schemas.openxmlformats.org/presentationml/2006/main">
   <p:cSld>
     <p:bg>
@@ -6234,12 +7050,12 @@
           <a:chExt cx="0" cy="0"/>
         </a:xfrm>
       </p:grpSpPr>
-      <p:sp>
+      <p:sp useBgFill="1">
         <p:nvSpPr>
           <p:cNvPr id="10" name="Rectangle 9">
             <a:extLst>
               <a:ext uri="{FF2B5EF4-FFF2-40B4-BE49-F238E27FC236}">
-                <a16:creationId xmlns:a16="http://schemas.microsoft.com/office/drawing/2014/main" id="{C1CEA5B3-F026-4EA7-8ECF-E1F5465E5684}"/>
+                <a16:creationId xmlns:a16="http://schemas.microsoft.com/office/drawing/2014/main" id="{05670695-BABB-487A-9D4A-6B549E1C4F3C}"/>
               </a:ext>
               <a:ext uri="{C183D7F6-B498-43B3-948B-1728B52AA6E4}">
                 <adec:decorative xmlns:adec="http://schemas.microsoft.com/office/drawing/2017/decorative" val="1"/>
@@ -6259,8 +7075,68 @@
         </p:nvSpPr>
         <p:spPr>
           <a:xfrm>
-            <a:off x="3175" y="6400800"/>
-            <a:ext cx="12188825" cy="457200"/>
+            <a:off x="0" y="0"/>
+            <a:ext cx="12186315" cy="6858000"/>
+          </a:xfrm>
+          <a:prstGeom prst="rect">
+            <a:avLst/>
+          </a:prstGeom>
+          <a:ln>
+            <a:noFill/>
+          </a:ln>
+        </p:spPr>
+        <p:style>
+          <a:lnRef idx="2">
+            <a:schemeClr val="accent6">
+              <a:shade val="50000"/>
+            </a:schemeClr>
+          </a:lnRef>
+          <a:fillRef idx="1001">
+            <a:schemeClr val="lt1"/>
+          </a:fillRef>
+          <a:effectRef idx="0">
+            <a:schemeClr val="accent6"/>
+          </a:effectRef>
+          <a:fontRef idx="minor">
+            <a:schemeClr val="lt1"/>
+          </a:fontRef>
+        </p:style>
+        <p:txBody>
+          <a:bodyPr rtlCol="0" anchor="ctr"/>
+          <a:lstStyle/>
+          <a:p>
+            <a:pPr algn="ctr"/>
+            <a:endParaRPr lang="en-US"/>
+          </a:p>
+        </p:txBody>
+      </p:sp>
+      <p:sp>
+        <p:nvSpPr>
+          <p:cNvPr id="12" name="Rectangle 11">
+            <a:extLst>
+              <a:ext uri="{FF2B5EF4-FFF2-40B4-BE49-F238E27FC236}">
+                <a16:creationId xmlns:a16="http://schemas.microsoft.com/office/drawing/2014/main" id="{0E639418-A68B-41C9-8706-DAD1D3E21DE1}"/>
+              </a:ext>
+              <a:ext uri="{C183D7F6-B498-43B3-948B-1728B52AA6E4}">
+                <adec:decorative xmlns:adec="http://schemas.microsoft.com/office/drawing/2017/decorative" val="1"/>
+              </a:ext>
+            </a:extLst>
+          </p:cNvPr>
+          <p:cNvSpPr>
+            <a:spLocks noGrp="1" noRot="1" noChangeAspect="1" noMove="1" noResize="1" noEditPoints="1" noAdjustHandles="1" noChangeArrowheads="1" noChangeShapeType="1" noTextEdit="1"/>
+          </p:cNvSpPr>
+          <p:nvPr>
+            <p:extLst>
+              <p:ext uri="{386F3935-93C4-4BCD-93E2-E3B085C9AB24}">
+                <p16:designElem xmlns:p16="http://schemas.microsoft.com/office/powerpoint/2015/main" val="1"/>
+              </p:ext>
+            </p:extLst>
+          </p:nvPr>
+        </p:nvSpPr>
+        <p:spPr>
+          <a:xfrm>
+            <a:off x="16" y="0"/>
+            <a:ext cx="4050791" cy="6858000"/>
           </a:xfrm>
           <a:prstGeom prst="rect">
             <a:avLst/>
@@ -6293,10 +7169,54 @@
       </p:sp>
       <p:sp>
         <p:nvSpPr>
-          <p:cNvPr id="12" name="Rectangle 11">
-            <a:extLst>
-              <a:ext uri="{FF2B5EF4-FFF2-40B4-BE49-F238E27FC236}">
-                <a16:creationId xmlns:a16="http://schemas.microsoft.com/office/drawing/2014/main" id="{4B486FE1-17CE-45A4-9CBC-8C0B185E1963}"/>
+          <p:cNvPr id="2" name="Titel 1">
+            <a:extLst>
+              <a:ext uri="{FF2B5EF4-FFF2-40B4-BE49-F238E27FC236}">
+                <a16:creationId xmlns:a16="http://schemas.microsoft.com/office/drawing/2014/main" id="{FB802FF9-04D8-4652-942F-8F50B2ABD29A}"/>
+              </a:ext>
+            </a:extLst>
+          </p:cNvPr>
+          <p:cNvSpPr>
+            <a:spLocks noGrp="1"/>
+          </p:cNvSpPr>
+          <p:nvPr>
+            <p:ph type="title"/>
+          </p:nvPr>
+        </p:nvSpPr>
+        <p:spPr>
+          <a:xfrm>
+            <a:off x="492370" y="516835"/>
+            <a:ext cx="3084844" cy="2103875"/>
+          </a:xfrm>
+        </p:spPr>
+        <p:txBody>
+          <a:bodyPr>
+            <a:normAutofit/>
+          </a:bodyPr>
+          <a:lstStyle/>
+          <a:p>
+            <a:r>
+              <a:rPr lang="de-DE" sz="3600">
+                <a:solidFill>
+                  <a:srgbClr val="FFFFFF"/>
+                </a:solidFill>
+              </a:rPr>
+              <a:t>Shaders</a:t>
+            </a:r>
+            <a:endParaRPr lang="de-AT" sz="3600">
+              <a:solidFill>
+                <a:srgbClr val="FFFFFF"/>
+              </a:solidFill>
+            </a:endParaRPr>
+          </a:p>
+        </p:txBody>
+      </p:sp>
+      <p:sp>
+        <p:nvSpPr>
+          <p:cNvPr id="14" name="Rectangle 13">
+            <a:extLst>
+              <a:ext uri="{FF2B5EF4-FFF2-40B4-BE49-F238E27FC236}">
+                <a16:creationId xmlns:a16="http://schemas.microsoft.com/office/drawing/2014/main" id="{E579711D-7383-441E-8339-9A2B566677DB}"/>
               </a:ext>
               <a:ext uri="{C183D7F6-B498-43B3-948B-1728B52AA6E4}">
                 <adec:decorative xmlns:adec="http://schemas.microsoft.com/office/drawing/2017/decorative" val="1"/>
@@ -6316,8 +7236,8 @@
         </p:nvSpPr>
         <p:spPr>
           <a:xfrm>
-            <a:off x="15" y="6334316"/>
-            <a:ext cx="12188825" cy="64008"/>
+            <a:off x="4040071" y="0"/>
+            <a:ext cx="64008" cy="6858000"/>
           </a:xfrm>
           <a:prstGeom prst="rect">
             <a:avLst/>
@@ -6346,349 +7266,45 @@
           </a:fontRef>
         </p:style>
       </p:sp>
-      <p:cxnSp>
-        <p:nvCxnSpPr>
-          <p:cNvPr id="14" name="Straight Connector 13">
-            <a:extLst>
-              <a:ext uri="{FF2B5EF4-FFF2-40B4-BE49-F238E27FC236}">
-                <a16:creationId xmlns:a16="http://schemas.microsoft.com/office/drawing/2014/main" id="{2AF0217B-4943-4BF1-8CDF-A5FB04C876DA}"/>
-              </a:ext>
-              <a:ext uri="{C183D7F6-B498-43B3-948B-1728B52AA6E4}">
-                <adec:decorative xmlns:adec="http://schemas.microsoft.com/office/drawing/2017/decorative" val="1"/>
-              </a:ext>
-            </a:extLst>
-          </p:cNvPr>
-          <p:cNvCxnSpPr>
-            <a:cxnSpLocks noGrp="1" noRot="1" noChangeAspect="1" noMove="1" noResize="1" noEditPoints="1" noAdjustHandles="1" noChangeArrowheads="1" noChangeShapeType="1"/>
-          </p:cNvCxnSpPr>
-          <p:nvPr>
-            <p:extLst>
-              <p:ext uri="{386F3935-93C4-4BCD-93E2-E3B085C9AB24}">
-                <p16:designElem xmlns:p16="http://schemas.microsoft.com/office/powerpoint/2015/main" val="1"/>
-              </p:ext>
-            </p:extLst>
-          </p:nvPr>
-        </p:nvCxnSpPr>
-        <p:spPr>
-          <a:xfrm>
-            <a:off x="1207658" y="4343400"/>
-            <a:ext cx="9875520" cy="0"/>
-          </a:xfrm>
-          <a:prstGeom prst="line">
-            <a:avLst/>
-          </a:prstGeom>
-          <a:ln w="6350">
-            <a:solidFill>
-              <a:schemeClr val="tx1">
-                <a:lumMod val="50000"/>
-                <a:lumOff val="50000"/>
-              </a:schemeClr>
-            </a:solidFill>
-          </a:ln>
-        </p:spPr>
-        <p:style>
-          <a:lnRef idx="1">
-            <a:schemeClr val="accent1"/>
-          </a:lnRef>
-          <a:fillRef idx="0">
-            <a:schemeClr val="accent1"/>
-          </a:fillRef>
-          <a:effectRef idx="0">
-            <a:schemeClr val="accent1"/>
-          </a:effectRef>
-          <a:fontRef idx="minor">
-            <a:schemeClr val="tx1"/>
-          </a:fontRef>
-        </p:style>
-      </p:cxnSp>
-      <p:sp>
-        <p:nvSpPr>
-          <p:cNvPr id="16" name="Rectangle 15">
-            <a:extLst>
-              <a:ext uri="{FF2B5EF4-FFF2-40B4-BE49-F238E27FC236}">
-                <a16:creationId xmlns:a16="http://schemas.microsoft.com/office/drawing/2014/main" id="{947A5FA4-F7D9-4BD2-BCEA-016B70DC8E02}"/>
-              </a:ext>
-              <a:ext uri="{C183D7F6-B498-43B3-948B-1728B52AA6E4}">
-                <adec:decorative xmlns:adec="http://schemas.microsoft.com/office/drawing/2017/decorative" val="1"/>
-              </a:ext>
-            </a:extLst>
-          </p:cNvPr>
-          <p:cNvSpPr>
-            <a:spLocks noGrp="1" noRot="1" noChangeAspect="1" noMove="1" noResize="1" noEditPoints="1" noAdjustHandles="1" noChangeArrowheads="1" noChangeShapeType="1" noTextEdit="1"/>
-          </p:cNvSpPr>
-          <p:nvPr>
-            <p:extLst>
-              <p:ext uri="{386F3935-93C4-4BCD-93E2-E3B085C9AB24}">
-                <p16:designElem xmlns:p16="http://schemas.microsoft.com/office/powerpoint/2015/main" val="1"/>
-              </p:ext>
-            </p:extLst>
-          </p:nvPr>
-        </p:nvSpPr>
-        <p:spPr bwMode="white">
-          <a:xfrm>
-            <a:off x="1507" y="4953000"/>
-            <a:ext cx="12188952" cy="1905000"/>
+      <p:pic>
+        <p:nvPicPr>
+          <p:cNvPr id="6" name="Grafik 5" descr="Ein Bild, das Text enthält.&#10;&#10;Automatisch generierte Beschreibung">
+            <a:extLst>
+              <a:ext uri="{FF2B5EF4-FFF2-40B4-BE49-F238E27FC236}">
+                <a16:creationId xmlns:a16="http://schemas.microsoft.com/office/drawing/2014/main" id="{E65AA5B8-5B53-45FE-B0CC-C35A22EF7A97}"/>
+              </a:ext>
+            </a:extLst>
+          </p:cNvPr>
+          <p:cNvPicPr>
+            <a:picLocks noChangeAspect="1"/>
+          </p:cNvPicPr>
+          <p:nvPr/>
+        </p:nvPicPr>
+        <p:blipFill rotWithShape="1">
+          <a:blip r:embed="rId2">
+            <a:extLst>
+              <a:ext uri="{28A0092B-C50C-407E-A947-70E740481C1C}">
+                <a14:useLocalDpi xmlns:a14="http://schemas.microsoft.com/office/drawing/2010/main" val="0"/>
+              </a:ext>
+            </a:extLst>
+          </a:blip>
+          <a:srcRect l="6664"/>
+          <a:stretch/>
+        </p:blipFill>
+        <p:spPr>
+          <a:xfrm>
+            <a:off x="812410" y="3347"/>
+            <a:ext cx="11379590" cy="6854653"/>
           </a:xfrm>
           <a:prstGeom prst="rect">
             <a:avLst/>
           </a:prstGeom>
-          <a:solidFill>
-            <a:schemeClr val="accent1">
-              <a:lumMod val="50000"/>
-            </a:schemeClr>
-          </a:solidFill>
-          <a:ln>
-            <a:noFill/>
-          </a:ln>
-        </p:spPr>
-        <p:style>
-          <a:lnRef idx="2">
-            <a:schemeClr val="accent1">
-              <a:shade val="50000"/>
-            </a:schemeClr>
-          </a:lnRef>
-          <a:fillRef idx="1">
-            <a:schemeClr val="accent1"/>
-          </a:fillRef>
-          <a:effectRef idx="0">
-            <a:schemeClr val="accent1"/>
-          </a:effectRef>
-          <a:fontRef idx="minor">
-            <a:schemeClr val="lt1"/>
-          </a:fontRef>
-        </p:style>
-      </p:sp>
-      <p:sp>
-        <p:nvSpPr>
-          <p:cNvPr id="2" name="Titel 1">
-            <a:extLst>
-              <a:ext uri="{FF2B5EF4-FFF2-40B4-BE49-F238E27FC236}">
-                <a16:creationId xmlns:a16="http://schemas.microsoft.com/office/drawing/2014/main" id="{299ED1C5-2372-4D17-8C63-7692DB9BA827}"/>
-              </a:ext>
-            </a:extLst>
-          </p:cNvPr>
-          <p:cNvSpPr>
-            <a:spLocks noGrp="1"/>
-          </p:cNvSpPr>
-          <p:nvPr>
-            <p:ph type="title"/>
-          </p:nvPr>
-        </p:nvSpPr>
-        <p:spPr>
-          <a:xfrm>
-            <a:off x="1065197" y="5120640"/>
-            <a:ext cx="10058400" cy="822960"/>
-          </a:xfrm>
-        </p:spPr>
-        <p:txBody>
-          <a:bodyPr vert="horz" lIns="91440" tIns="45720" rIns="91440" bIns="45720" rtlCol="0" anchor="b">
-            <a:normAutofit/>
-          </a:bodyPr>
-          <a:lstStyle/>
-          <a:p>
-            <a:r>
-              <a:rPr lang="en-US" sz="3600" dirty="0">
-                <a:solidFill>
-                  <a:srgbClr val="FFFFFF"/>
-                </a:solidFill>
-              </a:rPr>
-              <a:t>Perspective / View</a:t>
-            </a:r>
-          </a:p>
-        </p:txBody>
-      </p:sp>
-      <p:sp>
-        <p:nvSpPr>
-          <p:cNvPr id="18" name="Rectangle 17">
-            <a:extLst>
-              <a:ext uri="{FF2B5EF4-FFF2-40B4-BE49-F238E27FC236}">
-                <a16:creationId xmlns:a16="http://schemas.microsoft.com/office/drawing/2014/main" id="{D5AADE08-A85D-4367-AF35-82927B65BCD5}"/>
-              </a:ext>
-              <a:ext uri="{C183D7F6-B498-43B3-948B-1728B52AA6E4}">
-                <adec:decorative xmlns:adec="http://schemas.microsoft.com/office/drawing/2017/decorative" val="1"/>
-              </a:ext>
-            </a:extLst>
-          </p:cNvPr>
-          <p:cNvSpPr>
-            <a:spLocks noGrp="1" noRot="1" noChangeAspect="1" noMove="1" noResize="1" noEditPoints="1" noAdjustHandles="1" noChangeArrowheads="1" noChangeShapeType="1" noTextEdit="1"/>
-          </p:cNvSpPr>
-          <p:nvPr>
-            <p:extLst>
-              <p:ext uri="{386F3935-93C4-4BCD-93E2-E3B085C9AB24}">
-                <p16:designElem xmlns:p16="http://schemas.microsoft.com/office/powerpoint/2015/main" val="1"/>
-              </p:ext>
-            </p:extLst>
-          </p:nvPr>
-        </p:nvSpPr>
-        <p:spPr>
-          <a:xfrm>
-            <a:off x="1507" y="4906176"/>
-            <a:ext cx="12188952" cy="64008"/>
-          </a:xfrm>
-          <a:prstGeom prst="rect">
-            <a:avLst/>
-          </a:prstGeom>
-          <a:solidFill>
-            <a:schemeClr val="accent1"/>
-          </a:solidFill>
-          <a:ln>
-            <a:noFill/>
-          </a:ln>
-        </p:spPr>
-        <p:style>
-          <a:lnRef idx="2">
-            <a:schemeClr val="accent1">
-              <a:shade val="50000"/>
-            </a:schemeClr>
-          </a:lnRef>
-          <a:fillRef idx="1">
-            <a:schemeClr val="accent1"/>
-          </a:fillRef>
-          <a:effectRef idx="0">
-            <a:schemeClr val="accent1"/>
-          </a:effectRef>
-          <a:fontRef idx="minor">
-            <a:schemeClr val="lt1"/>
-          </a:fontRef>
-        </p:style>
-      </p:sp>
-      <p:pic>
-        <p:nvPicPr>
-          <p:cNvPr id="11" name="Inhaltsplatzhalter 10" descr="Ein Bild, das Text enthält.&#10;&#10;Automatisch generierte Beschreibung">
-            <a:extLst>
-              <a:ext uri="{FF2B5EF4-FFF2-40B4-BE49-F238E27FC236}">
-                <a16:creationId xmlns:a16="http://schemas.microsoft.com/office/drawing/2014/main" id="{015F3B47-6CEE-4316-9498-07BE6723DCDB}"/>
-              </a:ext>
-            </a:extLst>
-          </p:cNvPr>
-          <p:cNvPicPr>
-            <a:picLocks noGrp="1" noChangeAspect="1"/>
-          </p:cNvPicPr>
-          <p:nvPr>
-            <p:ph idx="1"/>
-          </p:nvPr>
-        </p:nvPicPr>
-        <p:blipFill>
-          <a:blip r:embed="rId2">
-            <a:extLst>
-              <a:ext uri="{28A0092B-C50C-407E-A947-70E740481C1C}">
-                <a14:useLocalDpi xmlns:a14="http://schemas.microsoft.com/office/drawing/2010/main" val="0"/>
-              </a:ext>
-            </a:extLst>
-          </a:blip>
-          <a:stretch>
-            <a:fillRect/>
-          </a:stretch>
-        </p:blipFill>
-        <p:spPr>
-          <a:xfrm>
-            <a:off x="824375" y="0"/>
-            <a:ext cx="10642085" cy="4896000"/>
-          </a:xfrm>
         </p:spPr>
       </p:pic>
     </p:spTree>
     <p:extLst>
       <p:ext uri="{BB962C8B-B14F-4D97-AF65-F5344CB8AC3E}">
-        <p14:creationId xmlns:p14="http://schemas.microsoft.com/office/powerpoint/2010/main" val="1335712501"/>
-      </p:ext>
-    </p:extLst>
-  </p:cSld>
-  <p:clrMapOvr>
-    <a:masterClrMapping/>
-  </p:clrMapOvr>
-</p:sld>
-</file>
-
-<file path=ppt/slides/slide19.xml><?xml version="1.0" encoding="utf-8"?>
-<p:sld xmlns:a="http://schemas.openxmlformats.org/drawingml/2006/main" xmlns:r="http://schemas.openxmlformats.org/officeDocument/2006/relationships" xmlns:p="http://schemas.openxmlformats.org/presentationml/2006/main">
-  <p:cSld>
-    <p:spTree>
-      <p:nvGrpSpPr>
-        <p:cNvPr id="1" name=""/>
-        <p:cNvGrpSpPr/>
-        <p:nvPr/>
-      </p:nvGrpSpPr>
-      <p:grpSpPr>
-        <a:xfrm>
-          <a:off x="0" y="0"/>
-          <a:ext cx="0" cy="0"/>
-          <a:chOff x="0" y="0"/>
-          <a:chExt cx="0" cy="0"/>
-        </a:xfrm>
-      </p:grpSpPr>
-      <p:sp>
-        <p:nvSpPr>
-          <p:cNvPr id="2" name="Titel 1">
-            <a:extLst>
-              <a:ext uri="{FF2B5EF4-FFF2-40B4-BE49-F238E27FC236}">
-                <a16:creationId xmlns:a16="http://schemas.microsoft.com/office/drawing/2014/main" id="{D3579722-9D15-41B3-BBD2-84DD6BA11313}"/>
-              </a:ext>
-            </a:extLst>
-          </p:cNvPr>
-          <p:cNvSpPr>
-            <a:spLocks noGrp="1"/>
-          </p:cNvSpPr>
-          <p:nvPr>
-            <p:ph type="title"/>
-          </p:nvPr>
-        </p:nvSpPr>
-        <p:spPr/>
-        <p:txBody>
-          <a:bodyPr/>
-          <a:lstStyle/>
-          <a:p>
-            <a:r>
-              <a:rPr lang="en-US" sz="4800" dirty="0">
-                <a:solidFill>
-                  <a:srgbClr val="FFFFFF"/>
-                </a:solidFill>
-              </a:rPr>
-              <a:t>Perspective / View</a:t>
-            </a:r>
-            <a:endParaRPr lang="de-AT" dirty="0"/>
-          </a:p>
-        </p:txBody>
-      </p:sp>
-      <p:pic>
-        <p:nvPicPr>
-          <p:cNvPr id="5" name="Inhaltsplatzhalter 4" descr="Ein Bild, das Text enthält.&#10;&#10;Automatisch generierte Beschreibung">
-            <a:extLst>
-              <a:ext uri="{FF2B5EF4-FFF2-40B4-BE49-F238E27FC236}">
-                <a16:creationId xmlns:a16="http://schemas.microsoft.com/office/drawing/2014/main" id="{013940FA-AE63-472C-9C64-2AFAFAA89285}"/>
-              </a:ext>
-            </a:extLst>
-          </p:cNvPr>
-          <p:cNvPicPr>
-            <a:picLocks noGrp="1" noChangeAspect="1"/>
-          </p:cNvPicPr>
-          <p:nvPr>
-            <p:ph idx="1"/>
-          </p:nvPr>
-        </p:nvPicPr>
-        <p:blipFill>
-          <a:blip r:embed="rId2">
-            <a:extLst>
-              <a:ext uri="{28A0092B-C50C-407E-A947-70E740481C1C}">
-                <a14:useLocalDpi xmlns:a14="http://schemas.microsoft.com/office/drawing/2010/main" val="0"/>
-              </a:ext>
-            </a:extLst>
-          </a:blip>
-          <a:stretch>
-            <a:fillRect/>
-          </a:stretch>
-        </p:blipFill>
-        <p:spPr>
-          <a:xfrm>
-            <a:off x="1097280" y="2372449"/>
-            <a:ext cx="6674994" cy="2340000"/>
-          </a:xfrm>
-        </p:spPr>
-      </p:pic>
-    </p:spTree>
-    <p:extLst>
-      <p:ext uri="{BB962C8B-B14F-4D97-AF65-F5344CB8AC3E}">
-        <p14:creationId xmlns:p14="http://schemas.microsoft.com/office/powerpoint/2010/main" val="1689369632"/>
+        <p14:creationId xmlns:p14="http://schemas.microsoft.com/office/powerpoint/2010/main" val="438599437"/>
       </p:ext>
     </p:extLst>
   </p:cSld>
@@ -6865,7 +7481,7 @@
       </p:grpSpPr>
       <p:sp useBgFill="1">
         <p:nvSpPr>
-          <p:cNvPr id="10" name="Rectangle 9">
+          <p:cNvPr id="12" name="Rectangle 11">
             <a:extLst>
               <a:ext uri="{FF2B5EF4-FFF2-40B4-BE49-F238E27FC236}">
                 <a16:creationId xmlns:a16="http://schemas.microsoft.com/office/drawing/2014/main" id="{05670695-BABB-487A-9D4A-6B549E1C4F3C}"/>
@@ -6925,7 +7541,7 @@
       </p:sp>
       <p:sp>
         <p:nvSpPr>
-          <p:cNvPr id="12" name="Rectangle 11">
+          <p:cNvPr id="14" name="Rectangle 13">
             <a:extLst>
               <a:ext uri="{FF2B5EF4-FFF2-40B4-BE49-F238E27FC236}">
                 <a16:creationId xmlns:a16="http://schemas.microsoft.com/office/drawing/2014/main" id="{0E639418-A68B-41C9-8706-DAD1D3E21DE1}"/>
@@ -6985,7 +7601,7 @@
           <p:cNvPr id="2" name="Titel 1">
             <a:extLst>
               <a:ext uri="{FF2B5EF4-FFF2-40B4-BE49-F238E27FC236}">
-                <a16:creationId xmlns:a16="http://schemas.microsoft.com/office/drawing/2014/main" id="{FB802FF9-04D8-4652-942F-8F50B2ABD29A}"/>
+                <a16:creationId xmlns:a16="http://schemas.microsoft.com/office/drawing/2014/main" id="{79A32583-8E09-487C-A962-9B147266A792}"/>
               </a:ext>
             </a:extLst>
           </p:cNvPr>
@@ -7009,14 +7625,14 @@
           <a:lstStyle/>
           <a:p>
             <a:r>
-              <a:rPr lang="de-DE" sz="3600">
+              <a:rPr lang="de-DE" sz="3600" dirty="0">
                 <a:solidFill>
                   <a:srgbClr val="FFFFFF"/>
                 </a:solidFill>
               </a:rPr>
               <a:t>Shaders</a:t>
             </a:r>
-            <a:endParaRPr lang="de-AT" sz="3600">
+            <a:endParaRPr lang="de-AT" sz="3600" dirty="0">
               <a:solidFill>
                 <a:srgbClr val="FFFFFF"/>
               </a:solidFill>
@@ -7026,10 +7642,10 @@
       </p:sp>
       <p:sp>
         <p:nvSpPr>
-          <p:cNvPr id="3" name="Inhaltsplatzhalter 2">
-            <a:extLst>
-              <a:ext uri="{FF2B5EF4-FFF2-40B4-BE49-F238E27FC236}">
-                <a16:creationId xmlns:a16="http://schemas.microsoft.com/office/drawing/2014/main" id="{E02D23AF-6D2B-4179-ACA4-8B686BD8B319}"/>
+          <p:cNvPr id="9" name="Content Placeholder 8">
+            <a:extLst>
+              <a:ext uri="{FF2B5EF4-FFF2-40B4-BE49-F238E27FC236}">
+                <a16:creationId xmlns:a16="http://schemas.microsoft.com/office/drawing/2014/main" id="{2BA7E0E7-50A9-470B-865F-8F306ADE8DF6}"/>
               </a:ext>
             </a:extLst>
           </p:cNvPr>
@@ -7052,19 +7668,7 @@
           </a:bodyPr>
           <a:lstStyle/>
           <a:p>
-            <a:pPr>
-              <a:buFont typeface="Wingdings" panose="05000000000000000000" pitchFamily="2" charset="2"/>
-              <a:buChar char="Ø"/>
-            </a:pPr>
-            <a:r>
-              <a:rPr lang="de-DE" sz="1500">
-                <a:solidFill>
-                  <a:srgbClr val="FFFFFF"/>
-                </a:solidFill>
-              </a:rPr>
-              <a:t> </a:t>
-            </a:r>
-            <a:endParaRPr lang="de-AT" sz="1500">
+            <a:endParaRPr lang="en-US" sz="1500">
               <a:solidFill>
                 <a:srgbClr val="FFFFFF"/>
               </a:solidFill>
@@ -7074,7 +7678,7 @@
       </p:sp>
       <p:sp>
         <p:nvSpPr>
-          <p:cNvPr id="14" name="Rectangle 13">
+          <p:cNvPr id="16" name="Rectangle 15">
             <a:extLst>
               <a:ext uri="{FF2B5EF4-FFF2-40B4-BE49-F238E27FC236}">
                 <a16:creationId xmlns:a16="http://schemas.microsoft.com/office/drawing/2014/main" id="{E579711D-7383-441E-8339-9A2B566677DB}"/>
@@ -7129,10 +7733,10 @@
       </p:sp>
       <p:pic>
         <p:nvPicPr>
-          <p:cNvPr id="6" name="Grafik 5" descr="Ein Bild, das Text enthält.&#10;&#10;Automatisch generierte Beschreibung">
-            <a:extLst>
-              <a:ext uri="{FF2B5EF4-FFF2-40B4-BE49-F238E27FC236}">
-                <a16:creationId xmlns:a16="http://schemas.microsoft.com/office/drawing/2014/main" id="{E65AA5B8-5B53-45FE-B0CC-C35A22EF7A97}"/>
+          <p:cNvPr id="5" name="Inhaltsplatzhalter 4" descr="Ein Bild, das Text enthält.&#10;&#10;Automatisch generierte Beschreibung">
+            <a:extLst>
+              <a:ext uri="{FF2B5EF4-FFF2-40B4-BE49-F238E27FC236}">
+                <a16:creationId xmlns:a16="http://schemas.microsoft.com/office/drawing/2014/main" id="{CA23BF1B-5F34-49C4-B266-96BBF9A15592}"/>
               </a:ext>
             </a:extLst>
           </p:cNvPr>
@@ -7155,8 +7759,8 @@
         </p:blipFill>
         <p:spPr>
           <a:xfrm>
-            <a:off x="0" y="1673"/>
-            <a:ext cx="12192000" cy="6854653"/>
+            <a:off x="4108644" y="-54000"/>
+            <a:ext cx="7017250" cy="6912000"/>
           </a:xfrm>
           <a:prstGeom prst="rect">
             <a:avLst/>
@@ -7166,7 +7770,7 @@
     </p:spTree>
     <p:extLst>
       <p:ext uri="{BB962C8B-B14F-4D97-AF65-F5344CB8AC3E}">
-        <p14:creationId xmlns:p14="http://schemas.microsoft.com/office/powerpoint/2010/main" val="438599437"/>
+        <p14:creationId xmlns:p14="http://schemas.microsoft.com/office/powerpoint/2010/main" val="937389746"/>
       </p:ext>
     </p:extLst>
   </p:cSld>
@@ -7179,14 +7783,6 @@
 <file path=ppt/slides/slide21.xml><?xml version="1.0" encoding="utf-8"?>
 <p:sld xmlns:a="http://schemas.openxmlformats.org/drawingml/2006/main" xmlns:r="http://schemas.openxmlformats.org/officeDocument/2006/relationships" xmlns:p="http://schemas.openxmlformats.org/presentationml/2006/main">
   <p:cSld>
-    <p:bg>
-      <p:bgPr>
-        <a:solidFill>
-          <a:schemeClr val="bg2"/>
-        </a:solidFill>
-        <a:effectLst/>
-      </p:bgPr>
-    </p:bg>
     <p:spTree>
       <p:nvGrpSpPr>
         <p:cNvPr id="1" name=""/>
@@ -7201,129 +7797,41 @@
           <a:chExt cx="0" cy="0"/>
         </a:xfrm>
       </p:grpSpPr>
-      <p:sp useBgFill="1">
-        <p:nvSpPr>
-          <p:cNvPr id="12" name="Rectangle 11">
-            <a:extLst>
-              <a:ext uri="{FF2B5EF4-FFF2-40B4-BE49-F238E27FC236}">
-                <a16:creationId xmlns:a16="http://schemas.microsoft.com/office/drawing/2014/main" id="{05670695-BABB-487A-9D4A-6B549E1C4F3C}"/>
-              </a:ext>
-              <a:ext uri="{C183D7F6-B498-43B3-948B-1728B52AA6E4}">
-                <adec:decorative xmlns:adec="http://schemas.microsoft.com/office/drawing/2017/decorative" val="1"/>
-              </a:ext>
-            </a:extLst>
-          </p:cNvPr>
-          <p:cNvSpPr>
-            <a:spLocks noGrp="1" noRot="1" noChangeAspect="1" noMove="1" noResize="1" noEditPoints="1" noAdjustHandles="1" noChangeArrowheads="1" noChangeShapeType="1" noTextEdit="1"/>
-          </p:cNvSpPr>
-          <p:nvPr>
-            <p:extLst>
-              <p:ext uri="{386F3935-93C4-4BCD-93E2-E3B085C9AB24}">
-                <p16:designElem xmlns:p16="http://schemas.microsoft.com/office/powerpoint/2015/main" val="1"/>
-              </p:ext>
-            </p:extLst>
-          </p:nvPr>
-        </p:nvSpPr>
-        <p:spPr>
-          <a:xfrm>
-            <a:off x="0" y="0"/>
-            <a:ext cx="12186315" cy="6858000"/>
-          </a:xfrm>
-          <a:prstGeom prst="rect">
-            <a:avLst/>
-          </a:prstGeom>
-          <a:ln>
-            <a:noFill/>
-          </a:ln>
-        </p:spPr>
-        <p:style>
-          <a:lnRef idx="2">
-            <a:schemeClr val="accent6">
-              <a:shade val="50000"/>
-            </a:schemeClr>
-          </a:lnRef>
-          <a:fillRef idx="1001">
-            <a:schemeClr val="lt1"/>
-          </a:fillRef>
-          <a:effectRef idx="0">
-            <a:schemeClr val="accent6"/>
-          </a:effectRef>
-          <a:fontRef idx="minor">
-            <a:schemeClr val="lt1"/>
-          </a:fontRef>
-        </p:style>
-        <p:txBody>
-          <a:bodyPr rtlCol="0" anchor="ctr"/>
+      <p:sp>
+        <p:nvSpPr>
+          <p:cNvPr id="2" name="Titel 1">
+            <a:extLst>
+              <a:ext uri="{FF2B5EF4-FFF2-40B4-BE49-F238E27FC236}">
+                <a16:creationId xmlns:a16="http://schemas.microsoft.com/office/drawing/2014/main" id="{6133FD2E-2867-4FFA-98C2-5B986EC1B5B1}"/>
+              </a:ext>
+            </a:extLst>
+          </p:cNvPr>
+          <p:cNvSpPr>
+            <a:spLocks noGrp="1"/>
+          </p:cNvSpPr>
+          <p:nvPr>
+            <p:ph type="title"/>
+          </p:nvPr>
+        </p:nvSpPr>
+        <p:spPr/>
+        <p:txBody>
+          <a:bodyPr/>
           <a:lstStyle/>
           <a:p>
-            <a:pPr algn="ctr"/>
-            <a:endParaRPr lang="en-US"/>
-          </a:p>
-        </p:txBody>
-      </p:sp>
-      <p:sp>
-        <p:nvSpPr>
-          <p:cNvPr id="14" name="Rectangle 13">
-            <a:extLst>
-              <a:ext uri="{FF2B5EF4-FFF2-40B4-BE49-F238E27FC236}">
-                <a16:creationId xmlns:a16="http://schemas.microsoft.com/office/drawing/2014/main" id="{0E639418-A68B-41C9-8706-DAD1D3E21DE1}"/>
-              </a:ext>
-              <a:ext uri="{C183D7F6-B498-43B3-948B-1728B52AA6E4}">
-                <adec:decorative xmlns:adec="http://schemas.microsoft.com/office/drawing/2017/decorative" val="1"/>
-              </a:ext>
-            </a:extLst>
-          </p:cNvPr>
-          <p:cNvSpPr>
-            <a:spLocks noGrp="1" noRot="1" noChangeAspect="1" noMove="1" noResize="1" noEditPoints="1" noAdjustHandles="1" noChangeArrowheads="1" noChangeShapeType="1" noTextEdit="1"/>
-          </p:cNvSpPr>
-          <p:nvPr>
-            <p:extLst>
-              <p:ext uri="{386F3935-93C4-4BCD-93E2-E3B085C9AB24}">
-                <p16:designElem xmlns:p16="http://schemas.microsoft.com/office/powerpoint/2015/main" val="1"/>
-              </p:ext>
-            </p:extLst>
-          </p:nvPr>
-        </p:nvSpPr>
-        <p:spPr>
-          <a:xfrm>
-            <a:off x="16" y="0"/>
-            <a:ext cx="4050791" cy="6858000"/>
-          </a:xfrm>
-          <a:prstGeom prst="rect">
-            <a:avLst/>
-          </a:prstGeom>
-          <a:solidFill>
-            <a:schemeClr val="accent1">
-              <a:lumMod val="50000"/>
-            </a:schemeClr>
-          </a:solidFill>
-          <a:ln>
-            <a:noFill/>
-          </a:ln>
-        </p:spPr>
-        <p:style>
-          <a:lnRef idx="2">
-            <a:schemeClr val="accent1">
-              <a:shade val="50000"/>
-            </a:schemeClr>
-          </a:lnRef>
-          <a:fillRef idx="1">
-            <a:schemeClr val="accent1"/>
-          </a:fillRef>
-          <a:effectRef idx="0">
-            <a:schemeClr val="accent1"/>
-          </a:effectRef>
-          <a:fontRef idx="minor">
-            <a:schemeClr val="lt1"/>
-          </a:fontRef>
-        </p:style>
-      </p:sp>
-      <p:sp>
-        <p:nvSpPr>
-          <p:cNvPr id="2" name="Titel 1">
-            <a:extLst>
-              <a:ext uri="{FF2B5EF4-FFF2-40B4-BE49-F238E27FC236}">
-                <a16:creationId xmlns:a16="http://schemas.microsoft.com/office/drawing/2014/main" id="{79A32583-8E09-487C-A962-9B147266A792}"/>
+            <a:r>
+              <a:rPr lang="de-DE" dirty="0"/>
+              <a:t>Demo</a:t>
+            </a:r>
+            <a:endParaRPr lang="de-AT" dirty="0"/>
+          </a:p>
+        </p:txBody>
+      </p:sp>
+      <p:sp>
+        <p:nvSpPr>
+          <p:cNvPr id="3" name="Inhaltsplatzhalter 2">
+            <a:extLst>
+              <a:ext uri="{FF2B5EF4-FFF2-40B4-BE49-F238E27FC236}">
+                <a16:creationId xmlns:a16="http://schemas.microsoft.com/office/drawing/2014/main" id="{D5AC4917-B605-4C37-B864-0B39ED2D7971}"/>
               </a:ext>
             </a:extLst>
           </p:cNvPr>
@@ -7331,134 +7839,54 @@
             <a:spLocks noGrp="1"/>
           </p:cNvSpPr>
           <p:nvPr>
-            <p:ph type="title"/>
-          </p:nvPr>
-        </p:nvSpPr>
-        <p:spPr>
-          <a:xfrm>
-            <a:off x="492370" y="516835"/>
-            <a:ext cx="3084844" cy="2103875"/>
-          </a:xfrm>
-        </p:spPr>
-        <p:txBody>
-          <a:bodyPr>
-            <a:normAutofit/>
-          </a:bodyPr>
+            <p:ph idx="1"/>
+          </p:nvPr>
+        </p:nvSpPr>
+        <p:spPr/>
+        <p:txBody>
+          <a:bodyPr/>
           <a:lstStyle/>
           <a:p>
-            <a:r>
-              <a:rPr lang="de-DE" sz="3600" dirty="0">
-                <a:solidFill>
-                  <a:srgbClr val="FFFFFF"/>
-                </a:solidFill>
-              </a:rPr>
-              <a:t>Shaders</a:t>
-            </a:r>
-            <a:endParaRPr lang="de-AT" sz="3600" dirty="0">
-              <a:solidFill>
-                <a:srgbClr val="FFFFFF"/>
-              </a:solidFill>
-            </a:endParaRPr>
-          </a:p>
-        </p:txBody>
-      </p:sp>
-      <p:sp>
-        <p:nvSpPr>
-          <p:cNvPr id="9" name="Content Placeholder 8">
-            <a:extLst>
-              <a:ext uri="{FF2B5EF4-FFF2-40B4-BE49-F238E27FC236}">
-                <a16:creationId xmlns:a16="http://schemas.microsoft.com/office/drawing/2014/main" id="{2BA7E0E7-50A9-470B-865F-8F306ADE8DF6}"/>
-              </a:ext>
-            </a:extLst>
-          </p:cNvPr>
-          <p:cNvSpPr>
-            <a:spLocks noGrp="1"/>
-          </p:cNvSpPr>
-          <p:nvPr>
-            <p:ph idx="1"/>
-          </p:nvPr>
-        </p:nvSpPr>
-        <p:spPr>
-          <a:xfrm>
-            <a:off x="492371" y="2653800"/>
-            <a:ext cx="3084844" cy="3335519"/>
-          </a:xfrm>
-        </p:spPr>
-        <p:txBody>
-          <a:bodyPr>
-            <a:normAutofit/>
-          </a:bodyPr>
-          <a:lstStyle/>
-          <a:p>
-            <a:endParaRPr lang="en-US" sz="1500">
-              <a:solidFill>
-                <a:srgbClr val="FFFFFF"/>
-              </a:solidFill>
-            </a:endParaRPr>
-          </a:p>
-        </p:txBody>
-      </p:sp>
-      <p:sp>
-        <p:nvSpPr>
-          <p:cNvPr id="16" name="Rectangle 15">
-            <a:extLst>
-              <a:ext uri="{FF2B5EF4-FFF2-40B4-BE49-F238E27FC236}">
-                <a16:creationId xmlns:a16="http://schemas.microsoft.com/office/drawing/2014/main" id="{E579711D-7383-441E-8339-9A2B566677DB}"/>
-              </a:ext>
-              <a:ext uri="{C183D7F6-B498-43B3-948B-1728B52AA6E4}">
-                <adec:decorative xmlns:adec="http://schemas.microsoft.com/office/drawing/2017/decorative" val="1"/>
-              </a:ext>
-            </a:extLst>
-          </p:cNvPr>
-          <p:cNvSpPr>
-            <a:spLocks noGrp="1" noRot="1" noChangeAspect="1" noMove="1" noResize="1" noEditPoints="1" noAdjustHandles="1" noChangeArrowheads="1" noChangeShapeType="1" noTextEdit="1"/>
-          </p:cNvSpPr>
-          <p:nvPr>
-            <p:extLst>
-              <p:ext uri="{386F3935-93C4-4BCD-93E2-E3B085C9AB24}">
-                <p16:designElem xmlns:p16="http://schemas.microsoft.com/office/powerpoint/2015/main" val="1"/>
-              </p:ext>
-            </p:extLst>
-          </p:nvPr>
-        </p:nvSpPr>
-        <p:spPr>
-          <a:xfrm>
-            <a:off x="4040071" y="0"/>
-            <a:ext cx="64008" cy="6858000"/>
-          </a:xfrm>
-          <a:prstGeom prst="rect">
-            <a:avLst/>
-          </a:prstGeom>
-          <a:solidFill>
-            <a:schemeClr val="accent1"/>
-          </a:solidFill>
-          <a:ln>
-            <a:noFill/>
-          </a:ln>
-        </p:spPr>
-        <p:style>
-          <a:lnRef idx="2">
-            <a:schemeClr val="accent1">
-              <a:shade val="50000"/>
-            </a:schemeClr>
-          </a:lnRef>
-          <a:fillRef idx="1">
-            <a:schemeClr val="accent1"/>
-          </a:fillRef>
-          <a:effectRef idx="0">
-            <a:schemeClr val="accent1"/>
-          </a:effectRef>
-          <a:fontRef idx="minor">
-            <a:schemeClr val="lt1"/>
-          </a:fontRef>
-        </p:style>
-      </p:sp>
+            <a:endParaRPr lang="de-AT"/>
+          </a:p>
+        </p:txBody>
+      </p:sp>
+    </p:spTree>
+    <p:extLst>
+      <p:ext uri="{BB962C8B-B14F-4D97-AF65-F5344CB8AC3E}">
+        <p14:creationId xmlns:p14="http://schemas.microsoft.com/office/powerpoint/2010/main" val="2831428590"/>
+      </p:ext>
+    </p:extLst>
+  </p:cSld>
+  <p:clrMapOvr>
+    <a:masterClrMapping/>
+  </p:clrMapOvr>
+</p:sld>
+</file>
+
+<file path=ppt/slides/slide22.xml><?xml version="1.0" encoding="utf-8"?>
+<p:sld xmlns:a="http://schemas.openxmlformats.org/drawingml/2006/main" xmlns:r="http://schemas.openxmlformats.org/officeDocument/2006/relationships" xmlns:p="http://schemas.openxmlformats.org/presentationml/2006/main" showMasterSp="0">
+  <p:cSld>
+    <p:spTree>
+      <p:nvGrpSpPr>
+        <p:cNvPr id="1" name=""/>
+        <p:cNvGrpSpPr/>
+        <p:nvPr/>
+      </p:nvGrpSpPr>
+      <p:grpSpPr>
+        <a:xfrm>
+          <a:off x="0" y="0"/>
+          <a:ext cx="0" cy="0"/>
+          <a:chOff x="0" y="0"/>
+          <a:chExt cx="0" cy="0"/>
+        </a:xfrm>
+      </p:grpSpPr>
       <p:pic>
         <p:nvPicPr>
-          <p:cNvPr id="5" name="Inhaltsplatzhalter 4" descr="Ein Bild, das Text enthält.&#10;&#10;Automatisch generierte Beschreibung">
-            <a:extLst>
-              <a:ext uri="{FF2B5EF4-FFF2-40B4-BE49-F238E27FC236}">
-                <a16:creationId xmlns:a16="http://schemas.microsoft.com/office/drawing/2014/main" id="{CA23BF1B-5F34-49C4-B266-96BBF9A15592}"/>
+          <p:cNvPr id="6" name="Grafik 5">
+            <a:extLst>
+              <a:ext uri="{FF2B5EF4-FFF2-40B4-BE49-F238E27FC236}">
+                <a16:creationId xmlns:a16="http://schemas.microsoft.com/office/drawing/2014/main" id="{C9CC7FAD-9556-490E-BB8E-3359AD972DE9}"/>
               </a:ext>
             </a:extLst>
           </p:cNvPr>
@@ -7468,21 +7896,15 @@
           <p:nvPr/>
         </p:nvPicPr>
         <p:blipFill>
-          <a:blip r:embed="rId2">
-            <a:extLst>
-              <a:ext uri="{28A0092B-C50C-407E-A947-70E740481C1C}">
-                <a14:useLocalDpi xmlns:a14="http://schemas.microsoft.com/office/drawing/2010/main" val="0"/>
-              </a:ext>
-            </a:extLst>
-          </a:blip>
+          <a:blip r:embed="rId2"/>
           <a:stretch>
             <a:fillRect/>
           </a:stretch>
         </p:blipFill>
         <p:spPr>
           <a:xfrm>
-            <a:off x="4108644" y="-54000"/>
-            <a:ext cx="7017250" cy="6912000"/>
+            <a:off x="2656936" y="675000"/>
+            <a:ext cx="6878127" cy="5508000"/>
           </a:xfrm>
           <a:prstGeom prst="rect">
             <a:avLst/>
@@ -7492,7 +7914,7 @@
     </p:spTree>
     <p:extLst>
       <p:ext uri="{BB962C8B-B14F-4D97-AF65-F5344CB8AC3E}">
-        <p14:creationId xmlns:p14="http://schemas.microsoft.com/office/powerpoint/2010/main" val="937389746"/>
+        <p14:creationId xmlns:p14="http://schemas.microsoft.com/office/powerpoint/2010/main" val="1788630429"/>
       </p:ext>
     </p:extLst>
   </p:cSld>
@@ -7833,16 +8255,8 @@
 </file>
 
 <file path=ppt/slides/slide5.xml><?xml version="1.0" encoding="utf-8"?>
-<p:sld xmlns:a="http://schemas.openxmlformats.org/drawingml/2006/main" xmlns:r="http://schemas.openxmlformats.org/officeDocument/2006/relationships" xmlns:p="http://schemas.openxmlformats.org/presentationml/2006/main" showMasterSp="0">
+<p:sld xmlns:a="http://schemas.openxmlformats.org/drawingml/2006/main" xmlns:r="http://schemas.openxmlformats.org/officeDocument/2006/relationships" xmlns:p="http://schemas.openxmlformats.org/presentationml/2006/main">
   <p:cSld>
-    <p:bg>
-      <p:bgPr>
-        <a:solidFill>
-          <a:srgbClr val="2F2F2F"/>
-        </a:solidFill>
-        <a:effectLst/>
-      </p:bgPr>
-    </p:bg>
     <p:spTree>
       <p:nvGrpSpPr>
         <p:cNvPr id="1" name=""/>
@@ -7857,550 +8271,237 @@
           <a:chExt cx="0" cy="0"/>
         </a:xfrm>
       </p:grpSpPr>
-      <p:pic>
-        <p:nvPicPr>
-          <p:cNvPr id="4" name="Grafik 3">
-            <a:extLst>
-              <a:ext uri="{FF2B5EF4-FFF2-40B4-BE49-F238E27FC236}">
-                <a16:creationId xmlns:a16="http://schemas.microsoft.com/office/drawing/2014/main" id="{969BF31F-55DB-4360-B21F-4292AFC5F317}"/>
-              </a:ext>
-            </a:extLst>
-          </p:cNvPr>
-          <p:cNvPicPr>
-            <a:picLocks noChangeAspect="1"/>
-          </p:cNvPicPr>
-          <p:nvPr/>
-        </p:nvPicPr>
-        <p:blipFill>
-          <a:blip r:embed="rId2"/>
-          <a:stretch>
-            <a:fillRect/>
-          </a:stretch>
-        </p:blipFill>
-        <p:spPr>
-          <a:xfrm>
-            <a:off x="8640403" y="2401735"/>
-            <a:ext cx="2652982" cy="2051589"/>
-          </a:xfrm>
-          <a:prstGeom prst="rect">
-            <a:avLst/>
-          </a:prstGeom>
-        </p:spPr>
-      </p:pic>
-      <p:pic>
-        <p:nvPicPr>
-          <p:cNvPr id="5" name="Grafik 4">
-            <a:extLst>
-              <a:ext uri="{FF2B5EF4-FFF2-40B4-BE49-F238E27FC236}">
-                <a16:creationId xmlns:a16="http://schemas.microsoft.com/office/drawing/2014/main" id="{37F0449D-BFB0-48A4-90EA-F91C9480695F}"/>
-              </a:ext>
-            </a:extLst>
-          </p:cNvPr>
-          <p:cNvPicPr>
-            <a:picLocks noChangeAspect="1"/>
-          </p:cNvPicPr>
-          <p:nvPr/>
-        </p:nvPicPr>
-        <p:blipFill>
-          <a:blip r:embed="rId3"/>
-          <a:stretch>
-            <a:fillRect/>
-          </a:stretch>
-        </p:blipFill>
-        <p:spPr>
-          <a:xfrm>
-            <a:off x="4770005" y="2398794"/>
-            <a:ext cx="2651990" cy="2054530"/>
-          </a:xfrm>
-          <a:prstGeom prst="rect">
-            <a:avLst/>
-          </a:prstGeom>
-        </p:spPr>
-      </p:pic>
-      <p:pic>
-        <p:nvPicPr>
-          <p:cNvPr id="6" name="Grafik 5">
-            <a:extLst>
-              <a:ext uri="{FF2B5EF4-FFF2-40B4-BE49-F238E27FC236}">
-                <a16:creationId xmlns:a16="http://schemas.microsoft.com/office/drawing/2014/main" id="{2F56425C-8913-4279-80EE-5D1B1290D8CB}"/>
-              </a:ext>
-            </a:extLst>
-          </p:cNvPr>
-          <p:cNvPicPr>
-            <a:picLocks noChangeAspect="1"/>
-          </p:cNvPicPr>
-          <p:nvPr/>
-        </p:nvPicPr>
-        <p:blipFill>
-          <a:blip r:embed="rId3"/>
-          <a:stretch>
-            <a:fillRect/>
-          </a:stretch>
-        </p:blipFill>
-        <p:spPr>
-          <a:xfrm>
-            <a:off x="899607" y="2398794"/>
-            <a:ext cx="2651990" cy="2054530"/>
-          </a:xfrm>
-          <a:prstGeom prst="rect">
-            <a:avLst/>
-          </a:prstGeom>
-        </p:spPr>
-      </p:pic>
-      <p:pic>
-        <p:nvPicPr>
-          <p:cNvPr id="7" name="Grafik 6">
-            <a:extLst>
-              <a:ext uri="{FF2B5EF4-FFF2-40B4-BE49-F238E27FC236}">
-                <a16:creationId xmlns:a16="http://schemas.microsoft.com/office/drawing/2014/main" id="{11E8C991-33AD-49D3-B490-5DA2FE09AD86}"/>
-              </a:ext>
-            </a:extLst>
-          </p:cNvPr>
-          <p:cNvPicPr>
-            <a:picLocks noChangeAspect="1"/>
-          </p:cNvPicPr>
-          <p:nvPr/>
-        </p:nvPicPr>
-        <p:blipFill>
-          <a:blip r:embed="rId3"/>
-          <a:stretch>
-            <a:fillRect/>
-          </a:stretch>
-        </p:blipFill>
-        <p:spPr>
-          <a:xfrm>
-            <a:off x="899607" y="0"/>
-            <a:ext cx="2651990" cy="2054530"/>
-          </a:xfrm>
-          <a:prstGeom prst="rect">
-            <a:avLst/>
-          </a:prstGeom>
-        </p:spPr>
-      </p:pic>
-      <p:pic>
-        <p:nvPicPr>
-          <p:cNvPr id="8" name="Grafik 7">
-            <a:extLst>
-              <a:ext uri="{FF2B5EF4-FFF2-40B4-BE49-F238E27FC236}">
-                <a16:creationId xmlns:a16="http://schemas.microsoft.com/office/drawing/2014/main" id="{6FC3A584-DE56-4D09-B163-873D0FEEB5B3}"/>
-              </a:ext>
-            </a:extLst>
-          </p:cNvPr>
-          <p:cNvPicPr>
-            <a:picLocks noChangeAspect="1"/>
-          </p:cNvPicPr>
-          <p:nvPr/>
-        </p:nvPicPr>
-        <p:blipFill>
-          <a:blip r:embed="rId3"/>
-          <a:stretch>
-            <a:fillRect/>
-          </a:stretch>
-        </p:blipFill>
-        <p:spPr>
-          <a:xfrm>
-            <a:off x="899607" y="4797588"/>
-            <a:ext cx="2651990" cy="2054530"/>
-          </a:xfrm>
-          <a:prstGeom prst="rect">
-            <a:avLst/>
-          </a:prstGeom>
-        </p:spPr>
-      </p:pic>
-      <p:pic>
-        <p:nvPicPr>
-          <p:cNvPr id="9" name="Grafik 8">
-            <a:extLst>
-              <a:ext uri="{FF2B5EF4-FFF2-40B4-BE49-F238E27FC236}">
-                <a16:creationId xmlns:a16="http://schemas.microsoft.com/office/drawing/2014/main" id="{01180461-F06F-47ED-9D68-ED828E252972}"/>
-              </a:ext>
-            </a:extLst>
-          </p:cNvPr>
-          <p:cNvPicPr>
-            <a:picLocks noChangeAspect="1"/>
-          </p:cNvPicPr>
-          <p:nvPr/>
-        </p:nvPicPr>
-        <p:blipFill>
-          <a:blip r:embed="rId3"/>
-          <a:stretch>
-            <a:fillRect/>
-          </a:stretch>
-        </p:blipFill>
-        <p:spPr>
-          <a:xfrm>
-            <a:off x="4770005" y="-34593"/>
-            <a:ext cx="2651990" cy="2054530"/>
-          </a:xfrm>
-          <a:prstGeom prst="rect">
-            <a:avLst/>
-          </a:prstGeom>
-        </p:spPr>
-      </p:pic>
-      <p:pic>
-        <p:nvPicPr>
-          <p:cNvPr id="10" name="Grafik 9">
-            <a:extLst>
-              <a:ext uri="{FF2B5EF4-FFF2-40B4-BE49-F238E27FC236}">
-                <a16:creationId xmlns:a16="http://schemas.microsoft.com/office/drawing/2014/main" id="{38CAD822-3636-48C3-A285-B143531941FE}"/>
-              </a:ext>
-            </a:extLst>
-          </p:cNvPr>
-          <p:cNvPicPr>
-            <a:picLocks noChangeAspect="1"/>
-          </p:cNvPicPr>
-          <p:nvPr/>
-        </p:nvPicPr>
-        <p:blipFill>
-          <a:blip r:embed="rId3"/>
-          <a:stretch>
-            <a:fillRect/>
-          </a:stretch>
-        </p:blipFill>
-        <p:spPr>
-          <a:xfrm>
-            <a:off x="4770005" y="4797588"/>
-            <a:ext cx="2651990" cy="2054530"/>
-          </a:xfrm>
-          <a:prstGeom prst="rect">
-            <a:avLst/>
-          </a:prstGeom>
-        </p:spPr>
-      </p:pic>
-      <p:pic>
-        <p:nvPicPr>
-          <p:cNvPr id="11" name="Grafik 10">
-            <a:extLst>
-              <a:ext uri="{FF2B5EF4-FFF2-40B4-BE49-F238E27FC236}">
-                <a16:creationId xmlns:a16="http://schemas.microsoft.com/office/drawing/2014/main" id="{FB9661C4-4DF8-4C55-941C-363DAF19C72A}"/>
-              </a:ext>
-            </a:extLst>
-          </p:cNvPr>
-          <p:cNvPicPr>
-            <a:picLocks noChangeAspect="1"/>
-          </p:cNvPicPr>
-          <p:nvPr/>
-        </p:nvPicPr>
-        <p:blipFill>
-          <a:blip r:embed="rId3"/>
-          <a:stretch>
-            <a:fillRect/>
-          </a:stretch>
-        </p:blipFill>
-        <p:spPr>
-          <a:xfrm>
-            <a:off x="8640403" y="0"/>
-            <a:ext cx="2651990" cy="2054530"/>
-          </a:xfrm>
-          <a:prstGeom prst="rect">
-            <a:avLst/>
-          </a:prstGeom>
-        </p:spPr>
-      </p:pic>
-      <p:pic>
-        <p:nvPicPr>
-          <p:cNvPr id="12" name="Grafik 11">
-            <a:extLst>
-              <a:ext uri="{FF2B5EF4-FFF2-40B4-BE49-F238E27FC236}">
-                <a16:creationId xmlns:a16="http://schemas.microsoft.com/office/drawing/2014/main" id="{DF764E2C-E01E-4815-8ED1-A6556CD3D7F3}"/>
-              </a:ext>
-            </a:extLst>
-          </p:cNvPr>
-          <p:cNvPicPr>
-            <a:picLocks noChangeAspect="1"/>
-          </p:cNvPicPr>
-          <p:nvPr/>
-        </p:nvPicPr>
-        <p:blipFill>
-          <a:blip r:embed="rId3"/>
-          <a:stretch>
-            <a:fillRect/>
-          </a:stretch>
-        </p:blipFill>
-        <p:spPr>
-          <a:xfrm>
-            <a:off x="8640403" y="4797588"/>
-            <a:ext cx="2651990" cy="2054530"/>
-          </a:xfrm>
-          <a:prstGeom prst="rect">
-            <a:avLst/>
-          </a:prstGeom>
-        </p:spPr>
-      </p:pic>
-      <p:pic>
-        <p:nvPicPr>
-          <p:cNvPr id="13" name="Grafik 12">
-            <a:extLst>
-              <a:ext uri="{FF2B5EF4-FFF2-40B4-BE49-F238E27FC236}">
-                <a16:creationId xmlns:a16="http://schemas.microsoft.com/office/drawing/2014/main" id="{473BF73C-9C6B-47F1-B16F-F22BEE997B13}"/>
-              </a:ext>
-            </a:extLst>
-          </p:cNvPr>
-          <p:cNvPicPr>
-            <a:picLocks noChangeAspect="1"/>
-          </p:cNvPicPr>
-          <p:nvPr/>
-        </p:nvPicPr>
-        <p:blipFill>
-          <a:blip r:embed="rId4"/>
-          <a:stretch>
-            <a:fillRect/>
-          </a:stretch>
-        </p:blipFill>
-        <p:spPr>
-          <a:xfrm>
-            <a:off x="1020793" y="135466"/>
-            <a:ext cx="615750" cy="606605"/>
-          </a:xfrm>
-          <a:prstGeom prst="rect">
-            <a:avLst/>
-          </a:prstGeom>
-        </p:spPr>
-      </p:pic>
-      <p:pic>
-        <p:nvPicPr>
-          <p:cNvPr id="14" name="Grafik 13">
-            <a:extLst>
-              <a:ext uri="{FF2B5EF4-FFF2-40B4-BE49-F238E27FC236}">
-                <a16:creationId xmlns:a16="http://schemas.microsoft.com/office/drawing/2014/main" id="{7EA6ADF8-F1CA-4597-9FB4-02D604378762}"/>
-              </a:ext>
-            </a:extLst>
-          </p:cNvPr>
-          <p:cNvPicPr>
-            <a:picLocks noChangeAspect="1"/>
-          </p:cNvPicPr>
-          <p:nvPr/>
-        </p:nvPicPr>
-        <p:blipFill>
-          <a:blip r:embed="rId5"/>
-          <a:stretch>
-            <a:fillRect/>
-          </a:stretch>
-        </p:blipFill>
-        <p:spPr>
-          <a:xfrm>
-            <a:off x="5788125" y="86426"/>
-            <a:ext cx="615749" cy="609653"/>
-          </a:xfrm>
-          <a:prstGeom prst="rect">
-            <a:avLst/>
-          </a:prstGeom>
-        </p:spPr>
-      </p:pic>
-      <p:pic>
-        <p:nvPicPr>
-          <p:cNvPr id="15" name="Grafik 14">
-            <a:extLst>
-              <a:ext uri="{FF2B5EF4-FFF2-40B4-BE49-F238E27FC236}">
-                <a16:creationId xmlns:a16="http://schemas.microsoft.com/office/drawing/2014/main" id="{2C4A390E-6E9E-4940-B06E-714F734B955D}"/>
-              </a:ext>
-            </a:extLst>
-          </p:cNvPr>
-          <p:cNvPicPr>
-            <a:picLocks noChangeAspect="1"/>
-          </p:cNvPicPr>
-          <p:nvPr/>
-        </p:nvPicPr>
-        <p:blipFill>
-          <a:blip r:embed="rId5"/>
-          <a:stretch>
-            <a:fillRect/>
-          </a:stretch>
-        </p:blipFill>
-        <p:spPr>
-          <a:xfrm>
-            <a:off x="10532012" y="111892"/>
-            <a:ext cx="615749" cy="609653"/>
-          </a:xfrm>
-          <a:prstGeom prst="rect">
-            <a:avLst/>
-          </a:prstGeom>
-        </p:spPr>
-      </p:pic>
-      <p:pic>
-        <p:nvPicPr>
-          <p:cNvPr id="16" name="Grafik 15">
-            <a:extLst>
-              <a:ext uri="{FF2B5EF4-FFF2-40B4-BE49-F238E27FC236}">
-                <a16:creationId xmlns:a16="http://schemas.microsoft.com/office/drawing/2014/main" id="{62524041-F198-44AB-863B-4C0A147A5F82}"/>
-              </a:ext>
-            </a:extLst>
-          </p:cNvPr>
-          <p:cNvPicPr>
-            <a:picLocks noChangeAspect="1"/>
-          </p:cNvPicPr>
-          <p:nvPr/>
-        </p:nvPicPr>
-        <p:blipFill>
-          <a:blip r:embed="rId5"/>
-          <a:stretch>
-            <a:fillRect/>
-          </a:stretch>
-        </p:blipFill>
-        <p:spPr>
-          <a:xfrm>
-            <a:off x="1020793" y="3121232"/>
-            <a:ext cx="615749" cy="609653"/>
-          </a:xfrm>
-          <a:prstGeom prst="rect">
-            <a:avLst/>
-          </a:prstGeom>
-        </p:spPr>
-      </p:pic>
-      <p:pic>
-        <p:nvPicPr>
-          <p:cNvPr id="17" name="Grafik 16">
-            <a:extLst>
-              <a:ext uri="{FF2B5EF4-FFF2-40B4-BE49-F238E27FC236}">
-                <a16:creationId xmlns:a16="http://schemas.microsoft.com/office/drawing/2014/main" id="{0D5D2777-220D-4B69-8F09-544349632A55}"/>
-              </a:ext>
-            </a:extLst>
-          </p:cNvPr>
-          <p:cNvPicPr>
-            <a:picLocks noChangeAspect="1"/>
-          </p:cNvPicPr>
-          <p:nvPr/>
-        </p:nvPicPr>
-        <p:blipFill>
-          <a:blip r:embed="rId5"/>
-          <a:stretch>
-            <a:fillRect/>
-          </a:stretch>
-        </p:blipFill>
-        <p:spPr>
-          <a:xfrm>
-            <a:off x="5788124" y="3121232"/>
-            <a:ext cx="615749" cy="609653"/>
-          </a:xfrm>
-          <a:prstGeom prst="rect">
-            <a:avLst/>
-          </a:prstGeom>
-        </p:spPr>
-      </p:pic>
-      <p:pic>
-        <p:nvPicPr>
-          <p:cNvPr id="18" name="Grafik 17">
-            <a:extLst>
-              <a:ext uri="{FF2B5EF4-FFF2-40B4-BE49-F238E27FC236}">
-                <a16:creationId xmlns:a16="http://schemas.microsoft.com/office/drawing/2014/main" id="{A45B506B-7F45-4039-895E-808B4E643045}"/>
-              </a:ext>
-            </a:extLst>
-          </p:cNvPr>
-          <p:cNvPicPr>
-            <a:picLocks noChangeAspect="1"/>
-          </p:cNvPicPr>
-          <p:nvPr/>
-        </p:nvPicPr>
-        <p:blipFill>
-          <a:blip r:embed="rId5"/>
-          <a:stretch>
-            <a:fillRect/>
-          </a:stretch>
-        </p:blipFill>
-        <p:spPr>
-          <a:xfrm>
-            <a:off x="10532011" y="3121231"/>
-            <a:ext cx="615749" cy="609653"/>
-          </a:xfrm>
-          <a:prstGeom prst="rect">
-            <a:avLst/>
-          </a:prstGeom>
-        </p:spPr>
-      </p:pic>
-      <p:pic>
-        <p:nvPicPr>
-          <p:cNvPr id="19" name="Grafik 18">
-            <a:extLst>
-              <a:ext uri="{FF2B5EF4-FFF2-40B4-BE49-F238E27FC236}">
-                <a16:creationId xmlns:a16="http://schemas.microsoft.com/office/drawing/2014/main" id="{BBE271B5-B485-4EA0-846F-E5464D67856F}"/>
-              </a:ext>
-            </a:extLst>
-          </p:cNvPr>
-          <p:cNvPicPr>
-            <a:picLocks noChangeAspect="1"/>
-          </p:cNvPicPr>
-          <p:nvPr/>
-        </p:nvPicPr>
-        <p:blipFill>
-          <a:blip r:embed="rId5"/>
-          <a:stretch>
-            <a:fillRect/>
-          </a:stretch>
-        </p:blipFill>
-        <p:spPr>
-          <a:xfrm>
-            <a:off x="1020793" y="6112881"/>
-            <a:ext cx="615749" cy="609653"/>
-          </a:xfrm>
-          <a:prstGeom prst="rect">
-            <a:avLst/>
-          </a:prstGeom>
-        </p:spPr>
-      </p:pic>
-      <p:pic>
-        <p:nvPicPr>
-          <p:cNvPr id="20" name="Grafik 19">
-            <a:extLst>
-              <a:ext uri="{FF2B5EF4-FFF2-40B4-BE49-F238E27FC236}">
-                <a16:creationId xmlns:a16="http://schemas.microsoft.com/office/drawing/2014/main" id="{9A06DD48-5DAE-4AAD-B80D-7126C19D2CBC}"/>
-              </a:ext>
-            </a:extLst>
-          </p:cNvPr>
-          <p:cNvPicPr>
-            <a:picLocks noChangeAspect="1"/>
-          </p:cNvPicPr>
-          <p:nvPr/>
-        </p:nvPicPr>
-        <p:blipFill>
-          <a:blip r:embed="rId5"/>
-          <a:stretch>
-            <a:fillRect/>
-          </a:stretch>
-        </p:blipFill>
-        <p:spPr>
-          <a:xfrm>
-            <a:off x="5788123" y="6112881"/>
-            <a:ext cx="615749" cy="609653"/>
-          </a:xfrm>
-          <a:prstGeom prst="rect">
-            <a:avLst/>
-          </a:prstGeom>
-        </p:spPr>
-      </p:pic>
-      <p:pic>
-        <p:nvPicPr>
-          <p:cNvPr id="21" name="Grafik 20">
-            <a:extLst>
-              <a:ext uri="{FF2B5EF4-FFF2-40B4-BE49-F238E27FC236}">
-                <a16:creationId xmlns:a16="http://schemas.microsoft.com/office/drawing/2014/main" id="{A5E9D70E-09AE-47FE-9B27-1511E51E26F8}"/>
-              </a:ext>
-            </a:extLst>
-          </p:cNvPr>
-          <p:cNvPicPr>
-            <a:picLocks noChangeAspect="1"/>
-          </p:cNvPicPr>
-          <p:nvPr/>
-        </p:nvPicPr>
-        <p:blipFill>
-          <a:blip r:embed="rId5"/>
-          <a:stretch>
-            <a:fillRect/>
-          </a:stretch>
-        </p:blipFill>
-        <p:spPr>
-          <a:xfrm>
-            <a:off x="10532010" y="6112881"/>
-            <a:ext cx="615749" cy="609653"/>
-          </a:xfrm>
-          <a:prstGeom prst="rect">
-            <a:avLst/>
-          </a:prstGeom>
-        </p:spPr>
-      </p:pic>
+      <p:sp>
+        <p:nvSpPr>
+          <p:cNvPr id="2" name="Titel 1">
+            <a:extLst>
+              <a:ext uri="{FF2B5EF4-FFF2-40B4-BE49-F238E27FC236}">
+                <a16:creationId xmlns:a16="http://schemas.microsoft.com/office/drawing/2014/main" id="{B7E857D6-D380-4C94-A76F-F3014E4EB5DE}"/>
+              </a:ext>
+            </a:extLst>
+          </p:cNvPr>
+          <p:cNvSpPr>
+            <a:spLocks noGrp="1"/>
+          </p:cNvSpPr>
+          <p:nvPr>
+            <p:ph type="title"/>
+          </p:nvPr>
+        </p:nvSpPr>
+        <p:spPr>
+          <a:xfrm>
+            <a:off x="1097280" y="286603"/>
+            <a:ext cx="8974372" cy="1450757"/>
+          </a:xfrm>
+        </p:spPr>
+        <p:txBody>
+          <a:bodyPr/>
+          <a:lstStyle/>
+          <a:p>
+            <a:pPr algn="ctr"/>
+            <a:r>
+              <a:rPr lang="de-DE" dirty="0"/>
+              <a:t>Libraries</a:t>
+            </a:r>
+            <a:endParaRPr lang="de-AT" dirty="0"/>
+          </a:p>
+        </p:txBody>
+      </p:sp>
+      <p:sp>
+        <p:nvSpPr>
+          <p:cNvPr id="3" name="Inhaltsplatzhalter 2">
+            <a:extLst>
+              <a:ext uri="{FF2B5EF4-FFF2-40B4-BE49-F238E27FC236}">
+                <a16:creationId xmlns:a16="http://schemas.microsoft.com/office/drawing/2014/main" id="{1256EFEA-3C3C-45F5-AE06-DFE4DD96AB0D}"/>
+              </a:ext>
+            </a:extLst>
+          </p:cNvPr>
+          <p:cNvSpPr>
+            <a:spLocks noGrp="1"/>
+          </p:cNvSpPr>
+          <p:nvPr>
+            <p:ph idx="1"/>
+          </p:nvPr>
+        </p:nvSpPr>
+        <p:spPr>
+          <a:xfrm>
+            <a:off x="1097280" y="1845734"/>
+            <a:ext cx="10058399" cy="4237014"/>
+          </a:xfrm>
+        </p:spPr>
+        <p:txBody>
+          <a:bodyPr anchor="ctr">
+            <a:normAutofit/>
+          </a:bodyPr>
+          <a:lstStyle/>
+          <a:p>
+            <a:pPr>
+              <a:buFont typeface="Wingdings" panose="05000000000000000000" pitchFamily="2" charset="2"/>
+              <a:buChar char="Ø"/>
+            </a:pPr>
+            <a:r>
+              <a:rPr lang="de-DE" u="sng" dirty="0">
+                <a:latin typeface="Times New Roman" panose="02020603050405020304" pitchFamily="18" charset="0"/>
+                <a:cs typeface="Times New Roman" panose="02020603050405020304" pitchFamily="18" charset="0"/>
+              </a:rPr>
+              <a:t> </a:t>
+            </a:r>
+            <a:r>
+              <a:rPr lang="de-DE" u="sng" dirty="0" err="1">
+                <a:latin typeface="Times New Roman" panose="02020603050405020304" pitchFamily="18" charset="0"/>
+                <a:cs typeface="Times New Roman" panose="02020603050405020304" pitchFamily="18" charset="0"/>
+              </a:rPr>
+              <a:t>glew</a:t>
+            </a:r>
+            <a:r>
+              <a:rPr lang="de-DE" u="sng" dirty="0">
+                <a:latin typeface="Times New Roman" panose="02020603050405020304" pitchFamily="18" charset="0"/>
+                <a:cs typeface="Times New Roman" panose="02020603050405020304" pitchFamily="18" charset="0"/>
+              </a:rPr>
+              <a:t> v2.2.0 </a:t>
+            </a:r>
+            <a:r>
+              <a:rPr lang="en-US" u="sng" dirty="0">
+                <a:latin typeface="Times New Roman" panose="02020603050405020304" pitchFamily="18" charset="0"/>
+                <a:cs typeface="Times New Roman" panose="02020603050405020304" pitchFamily="18" charset="0"/>
+              </a:rPr>
+              <a:t>OpenGL Extension Wrangler Library (GLEW) </a:t>
+            </a:r>
+            <a:r>
+              <a:rPr lang="de-DE" u="sng" dirty="0">
+                <a:latin typeface="Times New Roman" panose="02020603050405020304" pitchFamily="18" charset="0"/>
+                <a:cs typeface="Times New Roman" panose="02020603050405020304" pitchFamily="18" charset="0"/>
+              </a:rPr>
+              <a:t>:</a:t>
+            </a:r>
+          </a:p>
+          <a:p>
+            <a:pPr lvl="1">
+              <a:buFont typeface="Wingdings" panose="05000000000000000000" pitchFamily="2" charset="2"/>
+              <a:buChar char="Ø"/>
+            </a:pPr>
+            <a:r>
+              <a:rPr lang="en-US" sz="2000" dirty="0">
+                <a:latin typeface="Times New Roman" panose="02020603050405020304" pitchFamily="18" charset="0"/>
+                <a:cs typeface="Times New Roman" panose="02020603050405020304" pitchFamily="18" charset="0"/>
+              </a:rPr>
+              <a:t>a cross-platform open-source C/C++ extension loading library</a:t>
+            </a:r>
+          </a:p>
+          <a:p>
+            <a:pPr lvl="1">
+              <a:buFont typeface="Wingdings" panose="05000000000000000000" pitchFamily="2" charset="2"/>
+              <a:buChar char="Ø"/>
+            </a:pPr>
+            <a:r>
+              <a:rPr lang="en-US" sz="2000" dirty="0">
+                <a:latin typeface="Times New Roman" panose="02020603050405020304" pitchFamily="18" charset="0"/>
+                <a:cs typeface="Times New Roman" panose="02020603050405020304" pitchFamily="18" charset="0"/>
+              </a:rPr>
+              <a:t>provides efficient run-time mechanisms for determining which OpenGL extensions are supported on the target platform</a:t>
+            </a:r>
+          </a:p>
+          <a:p>
+            <a:pPr lvl="1">
+              <a:buFont typeface="Wingdings" panose="05000000000000000000" pitchFamily="2" charset="2"/>
+              <a:buChar char="Ø"/>
+            </a:pPr>
+            <a:r>
+              <a:rPr lang="en-US" sz="2000" dirty="0">
+                <a:latin typeface="Times New Roman" panose="02020603050405020304" pitchFamily="18" charset="0"/>
+                <a:cs typeface="Times New Roman" panose="02020603050405020304" pitchFamily="18" charset="0"/>
+              </a:rPr>
+              <a:t>currently maintained by Nigel Stewart with bug fixes, new OpenGL extension support and new releases</a:t>
+            </a:r>
+          </a:p>
+          <a:p>
+            <a:pPr lvl="1">
+              <a:buFont typeface="Wingdings" panose="05000000000000000000" pitchFamily="2" charset="2"/>
+              <a:buChar char="Ø"/>
+            </a:pPr>
+            <a:r>
+              <a:rPr lang="en-US" sz="2000" dirty="0">
+                <a:latin typeface="Times New Roman" panose="02020603050405020304" pitchFamily="18" charset="0"/>
+                <a:cs typeface="Times New Roman" panose="02020603050405020304" pitchFamily="18" charset="0"/>
+              </a:rPr>
+              <a:t>was developed by Milan </a:t>
+            </a:r>
+            <a:r>
+              <a:rPr lang="en-US" sz="2000" dirty="0" err="1">
+                <a:latin typeface="Times New Roman" panose="02020603050405020304" pitchFamily="18" charset="0"/>
+                <a:cs typeface="Times New Roman" panose="02020603050405020304" pitchFamily="18" charset="0"/>
+              </a:rPr>
+              <a:t>Ikits</a:t>
+            </a:r>
+            <a:r>
+              <a:rPr lang="en-US" sz="2000" dirty="0">
+                <a:latin typeface="Times New Roman" panose="02020603050405020304" pitchFamily="18" charset="0"/>
+                <a:cs typeface="Times New Roman" panose="02020603050405020304" pitchFamily="18" charset="0"/>
+              </a:rPr>
+              <a:t> and Marcelo </a:t>
+            </a:r>
+            <a:r>
+              <a:rPr lang="en-US" sz="2000" dirty="0" err="1">
+                <a:latin typeface="Times New Roman" panose="02020603050405020304" pitchFamily="18" charset="0"/>
+                <a:cs typeface="Times New Roman" panose="02020603050405020304" pitchFamily="18" charset="0"/>
+              </a:rPr>
+              <a:t>Magallon</a:t>
+            </a:r>
+            <a:endParaRPr lang="en-US" sz="2000" dirty="0">
+              <a:latin typeface="Times New Roman" panose="02020603050405020304" pitchFamily="18" charset="0"/>
+              <a:cs typeface="Times New Roman" panose="02020603050405020304" pitchFamily="18" charset="0"/>
+            </a:endParaRPr>
+          </a:p>
+          <a:p>
+            <a:pPr lvl="1">
+              <a:buFont typeface="Wingdings" panose="05000000000000000000" pitchFamily="2" charset="2"/>
+              <a:buChar char="Ø"/>
+            </a:pPr>
+            <a:r>
+              <a:rPr lang="en-US" sz="2000" dirty="0">
+                <a:latin typeface="Times New Roman" panose="02020603050405020304" pitchFamily="18" charset="0"/>
+                <a:cs typeface="Times New Roman" panose="02020603050405020304" pitchFamily="18" charset="0"/>
+              </a:rPr>
+              <a:t>Aaron </a:t>
+            </a:r>
+            <a:r>
+              <a:rPr lang="en-US" sz="2000" dirty="0" err="1">
+                <a:latin typeface="Times New Roman" panose="02020603050405020304" pitchFamily="18" charset="0"/>
+                <a:cs typeface="Times New Roman" panose="02020603050405020304" pitchFamily="18" charset="0"/>
+              </a:rPr>
+              <a:t>Lefohn</a:t>
+            </a:r>
+            <a:r>
+              <a:rPr lang="en-US" sz="2000" dirty="0">
+                <a:latin typeface="Times New Roman" panose="02020603050405020304" pitchFamily="18" charset="0"/>
+                <a:cs typeface="Times New Roman" panose="02020603050405020304" pitchFamily="18" charset="0"/>
+              </a:rPr>
+              <a:t>, Joe </a:t>
+            </a:r>
+            <a:r>
+              <a:rPr lang="en-US" sz="2000" dirty="0" err="1">
+                <a:latin typeface="Times New Roman" panose="02020603050405020304" pitchFamily="18" charset="0"/>
+                <a:cs typeface="Times New Roman" panose="02020603050405020304" pitchFamily="18" charset="0"/>
+              </a:rPr>
+              <a:t>Kniss</a:t>
+            </a:r>
+            <a:r>
+              <a:rPr lang="en-US" sz="2000" dirty="0">
+                <a:latin typeface="Times New Roman" panose="02020603050405020304" pitchFamily="18" charset="0"/>
+                <a:cs typeface="Times New Roman" panose="02020603050405020304" pitchFamily="18" charset="0"/>
+              </a:rPr>
+              <a:t>, and Chris Wyman were the first users and also assisted with the design and debugging process</a:t>
+            </a:r>
+            <a:endParaRPr lang="de-DE" sz="2000" dirty="0">
+              <a:latin typeface="Times New Roman" panose="02020603050405020304" pitchFamily="18" charset="0"/>
+              <a:cs typeface="Times New Roman" panose="02020603050405020304" pitchFamily="18" charset="0"/>
+            </a:endParaRPr>
+          </a:p>
+        </p:txBody>
+      </p:sp>
     </p:spTree>
     <p:extLst>
       <p:ext uri="{BB962C8B-B14F-4D97-AF65-F5344CB8AC3E}">
-        <p14:creationId xmlns:p14="http://schemas.microsoft.com/office/powerpoint/2010/main" val="2296726793"/>
+        <p14:creationId xmlns:p14="http://schemas.microsoft.com/office/powerpoint/2010/main" val="4173666289"/>
       </p:ext>
     </p:extLst>
   </p:cSld>
@@ -8432,7 +8533,7 @@
           <p:cNvPr id="2" name="Titel 1">
             <a:extLst>
               <a:ext uri="{FF2B5EF4-FFF2-40B4-BE49-F238E27FC236}">
-                <a16:creationId xmlns:a16="http://schemas.microsoft.com/office/drawing/2014/main" id="{6133FD2E-2867-4FFA-98C2-5B986EC1B5B1}"/>
+                <a16:creationId xmlns:a16="http://schemas.microsoft.com/office/drawing/2014/main" id="{B90860A9-F059-4C4C-BB79-0ADD128735D2}"/>
               </a:ext>
             </a:extLst>
           </p:cNvPr>
@@ -8450,7 +8551,7 @@
           <a:p>
             <a:r>
               <a:rPr lang="de-DE" dirty="0"/>
-              <a:t>Demo</a:t>
+              <a:t>Libraries</a:t>
             </a:r>
             <a:endParaRPr lang="de-AT" dirty="0"/>
           </a:p>
@@ -8461,7 +8562,7 @@
           <p:cNvPr id="3" name="Inhaltsplatzhalter 2">
             <a:extLst>
               <a:ext uri="{FF2B5EF4-FFF2-40B4-BE49-F238E27FC236}">
-                <a16:creationId xmlns:a16="http://schemas.microsoft.com/office/drawing/2014/main" id="{D5AC4917-B605-4C37-B864-0B39ED2D7971}"/>
+                <a16:creationId xmlns:a16="http://schemas.microsoft.com/office/drawing/2014/main" id="{9C597A2C-E0DC-4F3D-BCF1-A76473E7A3A0}"/>
               </a:ext>
             </a:extLst>
           </p:cNvPr>
@@ -8477,14 +8578,281 @@
           <a:bodyPr/>
           <a:lstStyle/>
           <a:p>
-            <a:endParaRPr lang="de-AT"/>
+            <a:pPr>
+              <a:buFont typeface="Wingdings" panose="05000000000000000000" pitchFamily="2" charset="2"/>
+              <a:buChar char="Ø"/>
+            </a:pPr>
+            <a:r>
+              <a:rPr lang="de-DE" dirty="0">
+                <a:latin typeface="Times New Roman" panose="02020603050405020304" pitchFamily="18" charset="0"/>
+                <a:cs typeface="Times New Roman" panose="02020603050405020304" pitchFamily="18" charset="0"/>
+              </a:rPr>
+              <a:t> </a:t>
+            </a:r>
+            <a:r>
+              <a:rPr lang="de-AT" b="0" i="0" u="sng" dirty="0" err="1">
+                <a:solidFill>
+                  <a:schemeClr val="tx1"/>
+                </a:solidFill>
+                <a:effectLst/>
+                <a:latin typeface="Times New Roman" panose="02020603050405020304" pitchFamily="18" charset="0"/>
+                <a:cs typeface="Times New Roman" panose="02020603050405020304" pitchFamily="18" charset="0"/>
+              </a:rPr>
+              <a:t>freeglut</a:t>
+            </a:r>
+            <a:r>
+              <a:rPr lang="de-AT" b="0" i="0" u="sng" dirty="0">
+                <a:solidFill>
+                  <a:schemeClr val="tx1"/>
+                </a:solidFill>
+                <a:effectLst/>
+                <a:latin typeface="Times New Roman" panose="02020603050405020304" pitchFamily="18" charset="0"/>
+                <a:cs typeface="Times New Roman" panose="02020603050405020304" pitchFamily="18" charset="0"/>
+              </a:rPr>
+              <a:t> v3.0.0 </a:t>
+            </a:r>
+            <a:r>
+              <a:rPr lang="de-AT" b="0" i="0" u="sng" dirty="0" err="1">
+                <a:solidFill>
+                  <a:schemeClr val="tx1"/>
+                </a:solidFill>
+                <a:effectLst/>
+                <a:latin typeface="Times New Roman" panose="02020603050405020304" pitchFamily="18" charset="0"/>
+                <a:cs typeface="Times New Roman" panose="02020603050405020304" pitchFamily="18" charset="0"/>
+              </a:rPr>
+              <a:t>free</a:t>
+            </a:r>
+            <a:r>
+              <a:rPr lang="de-AT" b="0" i="0" u="sng" dirty="0">
+                <a:solidFill>
+                  <a:schemeClr val="tx1"/>
+                </a:solidFill>
+                <a:effectLst/>
+                <a:latin typeface="Times New Roman" panose="02020603050405020304" pitchFamily="18" charset="0"/>
+                <a:cs typeface="Times New Roman" panose="02020603050405020304" pitchFamily="18" charset="0"/>
+              </a:rPr>
+              <a:t> GL Utility Toolkit:</a:t>
+            </a:r>
+          </a:p>
+          <a:p>
+            <a:pPr lvl="1">
+              <a:buFont typeface="Wingdings" panose="05000000000000000000" pitchFamily="2" charset="2"/>
+              <a:buChar char="Ø"/>
+            </a:pPr>
+            <a:r>
+              <a:rPr lang="de-AT" sz="2000" dirty="0">
+                <a:latin typeface="Times New Roman" panose="02020603050405020304" pitchFamily="18" charset="0"/>
+                <a:cs typeface="Times New Roman" panose="02020603050405020304" pitchFamily="18" charset="0"/>
+              </a:rPr>
+              <a:t> GLUT </a:t>
+            </a:r>
+            <a:r>
+              <a:rPr lang="de-AT" sz="2000" dirty="0" err="1">
+                <a:latin typeface="Times New Roman" panose="02020603050405020304" pitchFamily="18" charset="0"/>
+                <a:cs typeface="Times New Roman" panose="02020603050405020304" pitchFamily="18" charset="0"/>
+              </a:rPr>
+              <a:t>vs</a:t>
+            </a:r>
+            <a:r>
+              <a:rPr lang="de-AT" sz="2000" dirty="0">
+                <a:latin typeface="Times New Roman" panose="02020603050405020304" pitchFamily="18" charset="0"/>
+                <a:cs typeface="Times New Roman" panose="02020603050405020304" pitchFamily="18" charset="0"/>
+              </a:rPr>
+              <a:t> </a:t>
+            </a:r>
+            <a:r>
+              <a:rPr lang="de-AT" sz="2000" dirty="0" err="1">
+                <a:latin typeface="Times New Roman" panose="02020603050405020304" pitchFamily="18" charset="0"/>
+                <a:cs typeface="Times New Roman" panose="02020603050405020304" pitchFamily="18" charset="0"/>
+              </a:rPr>
+              <a:t>freeglut</a:t>
+            </a:r>
+            <a:r>
+              <a:rPr lang="de-AT" sz="2000" dirty="0">
+                <a:latin typeface="Times New Roman" panose="02020603050405020304" pitchFamily="18" charset="0"/>
+                <a:cs typeface="Times New Roman" panose="02020603050405020304" pitchFamily="18" charset="0"/>
+              </a:rPr>
+              <a:t>:</a:t>
+            </a:r>
+          </a:p>
+          <a:p>
+            <a:pPr lvl="1">
+              <a:buFont typeface="Wingdings" panose="05000000000000000000" pitchFamily="2" charset="2"/>
+              <a:buChar char="Ø"/>
+            </a:pPr>
+            <a:r>
+              <a:rPr lang="en-US" sz="2000" dirty="0">
+                <a:latin typeface="Times New Roman" panose="02020603050405020304" pitchFamily="18" charset="0"/>
+                <a:cs typeface="Times New Roman" panose="02020603050405020304" pitchFamily="18" charset="0"/>
+              </a:rPr>
+              <a:t> GLUT is getting old and really needs improvement</a:t>
+            </a:r>
+          </a:p>
+          <a:p>
+            <a:pPr lvl="1">
+              <a:buFont typeface="Wingdings" panose="05000000000000000000" pitchFamily="2" charset="2"/>
+              <a:buChar char="Ø"/>
+            </a:pPr>
+            <a:r>
+              <a:rPr lang="en-US" sz="2000" dirty="0">
+                <a:latin typeface="Times New Roman" panose="02020603050405020304" pitchFamily="18" charset="0"/>
+                <a:cs typeface="Times New Roman" panose="02020603050405020304" pitchFamily="18" charset="0"/>
+              </a:rPr>
+              <a:t> its license does not allow anyone to distribute modified library code</a:t>
+            </a:r>
+          </a:p>
+          <a:p>
+            <a:pPr marL="201168" lvl="1" indent="0">
+              <a:buNone/>
+            </a:pPr>
+            <a:endParaRPr lang="en-US" sz="2000" dirty="0">
+              <a:latin typeface="Times New Roman" panose="02020603050405020304" pitchFamily="18" charset="0"/>
+              <a:cs typeface="Times New Roman" panose="02020603050405020304" pitchFamily="18" charset="0"/>
+            </a:endParaRPr>
+          </a:p>
+          <a:p>
+            <a:pPr lvl="1">
+              <a:buFont typeface="Wingdings" panose="05000000000000000000" pitchFamily="2" charset="2"/>
+              <a:buChar char="Ø"/>
+            </a:pPr>
+            <a:r>
+              <a:rPr lang="en-US" sz="2000" dirty="0">
+                <a:latin typeface="Times New Roman" panose="02020603050405020304" pitchFamily="18" charset="0"/>
+                <a:cs typeface="Times New Roman" panose="02020603050405020304" pitchFamily="18" charset="0"/>
+              </a:rPr>
+              <a:t> </a:t>
+            </a:r>
+            <a:r>
+              <a:rPr lang="en-US" sz="2000" dirty="0" err="1">
+                <a:latin typeface="Times New Roman" panose="02020603050405020304" pitchFamily="18" charset="0"/>
+                <a:cs typeface="Times New Roman" panose="02020603050405020304" pitchFamily="18" charset="0"/>
+              </a:rPr>
+              <a:t>freeglut</a:t>
+            </a:r>
+            <a:r>
+              <a:rPr lang="en-US" sz="2000" dirty="0">
+                <a:latin typeface="Times New Roman" panose="02020603050405020304" pitchFamily="18" charset="0"/>
+                <a:cs typeface="Times New Roman" panose="02020603050405020304" pitchFamily="18" charset="0"/>
+              </a:rPr>
+              <a:t> is a free-software/open-source alternative to the GLUT library</a:t>
+            </a:r>
+          </a:p>
+          <a:p>
+            <a:pPr lvl="1">
+              <a:buFont typeface="Wingdings" panose="05000000000000000000" pitchFamily="2" charset="2"/>
+              <a:buChar char="Ø"/>
+            </a:pPr>
+            <a:r>
+              <a:rPr lang="en-US" sz="2000" dirty="0">
+                <a:latin typeface="Times New Roman" panose="02020603050405020304" pitchFamily="18" charset="0"/>
+                <a:cs typeface="Times New Roman" panose="02020603050405020304" pitchFamily="18" charset="0"/>
+              </a:rPr>
+              <a:t> originally written by Pawel W. </a:t>
+            </a:r>
+            <a:r>
+              <a:rPr lang="en-US" sz="2000" dirty="0" err="1">
+                <a:latin typeface="Times New Roman" panose="02020603050405020304" pitchFamily="18" charset="0"/>
+                <a:cs typeface="Times New Roman" panose="02020603050405020304" pitchFamily="18" charset="0"/>
+              </a:rPr>
+              <a:t>Olszta</a:t>
+            </a:r>
+            <a:r>
+              <a:rPr lang="en-US" sz="2000" dirty="0">
+                <a:latin typeface="Times New Roman" panose="02020603050405020304" pitchFamily="18" charset="0"/>
+                <a:cs typeface="Times New Roman" panose="02020603050405020304" pitchFamily="18" charset="0"/>
+              </a:rPr>
+              <a:t> with contributions from Andreas </a:t>
+            </a:r>
+            <a:r>
+              <a:rPr lang="en-US" sz="2000" dirty="0" err="1">
+                <a:latin typeface="Times New Roman" panose="02020603050405020304" pitchFamily="18" charset="0"/>
+                <a:cs typeface="Times New Roman" panose="02020603050405020304" pitchFamily="18" charset="0"/>
+              </a:rPr>
+              <a:t>Umbach</a:t>
+            </a:r>
+            <a:r>
+              <a:rPr lang="en-US" sz="2000" dirty="0">
+                <a:latin typeface="Times New Roman" panose="02020603050405020304" pitchFamily="18" charset="0"/>
+                <a:cs typeface="Times New Roman" panose="02020603050405020304" pitchFamily="18" charset="0"/>
+              </a:rPr>
+              <a:t> and Steve Baker</a:t>
+            </a:r>
+          </a:p>
+          <a:p>
+            <a:pPr lvl="1">
+              <a:buFont typeface="Wingdings" panose="05000000000000000000" pitchFamily="2" charset="2"/>
+              <a:buChar char="Ø"/>
+            </a:pPr>
+            <a:r>
+              <a:rPr lang="en-US" sz="2000" dirty="0">
+                <a:latin typeface="Times New Roman" panose="02020603050405020304" pitchFamily="18" charset="0"/>
+                <a:cs typeface="Times New Roman" panose="02020603050405020304" pitchFamily="18" charset="0"/>
+              </a:rPr>
+              <a:t> John F. Fay, John </a:t>
+            </a:r>
+            <a:r>
+              <a:rPr lang="en-US" sz="2000" dirty="0" err="1">
+                <a:latin typeface="Times New Roman" panose="02020603050405020304" pitchFamily="18" charset="0"/>
+                <a:cs typeface="Times New Roman" panose="02020603050405020304" pitchFamily="18" charset="0"/>
+              </a:rPr>
+              <a:t>Tsiombikas</a:t>
+            </a:r>
+            <a:r>
+              <a:rPr lang="en-US" sz="2000" dirty="0">
+                <a:latin typeface="Times New Roman" panose="02020603050405020304" pitchFamily="18" charset="0"/>
+                <a:cs typeface="Times New Roman" panose="02020603050405020304" pitchFamily="18" charset="0"/>
+              </a:rPr>
+              <a:t>, and </a:t>
+            </a:r>
+            <a:r>
+              <a:rPr lang="en-US" sz="2000" dirty="0" err="1">
+                <a:latin typeface="Times New Roman" panose="02020603050405020304" pitchFamily="18" charset="0"/>
+                <a:cs typeface="Times New Roman" panose="02020603050405020304" pitchFamily="18" charset="0"/>
+              </a:rPr>
+              <a:t>Diederick</a:t>
+            </a:r>
+            <a:r>
+              <a:rPr lang="en-US" sz="2000" dirty="0">
+                <a:latin typeface="Times New Roman" panose="02020603050405020304" pitchFamily="18" charset="0"/>
+                <a:cs typeface="Times New Roman" panose="02020603050405020304" pitchFamily="18" charset="0"/>
+              </a:rPr>
+              <a:t> C. </a:t>
+            </a:r>
+            <a:r>
+              <a:rPr lang="en-US" sz="2000" dirty="0" err="1">
+                <a:latin typeface="Times New Roman" panose="02020603050405020304" pitchFamily="18" charset="0"/>
+                <a:cs typeface="Times New Roman" panose="02020603050405020304" pitchFamily="18" charset="0"/>
+              </a:rPr>
+              <a:t>Niehorster</a:t>
+            </a:r>
+            <a:r>
+              <a:rPr lang="en-US" sz="2000" dirty="0">
+                <a:latin typeface="Times New Roman" panose="02020603050405020304" pitchFamily="18" charset="0"/>
+                <a:cs typeface="Times New Roman" panose="02020603050405020304" pitchFamily="18" charset="0"/>
+              </a:rPr>
+              <a:t> are the current maintainers of the </a:t>
+            </a:r>
+            <a:r>
+              <a:rPr lang="en-US" sz="2000" dirty="0" err="1">
+                <a:latin typeface="Times New Roman" panose="02020603050405020304" pitchFamily="18" charset="0"/>
+                <a:cs typeface="Times New Roman" panose="02020603050405020304" pitchFamily="18" charset="0"/>
+              </a:rPr>
+              <a:t>freeglut</a:t>
+            </a:r>
+            <a:r>
+              <a:rPr lang="en-US" sz="2000" dirty="0">
+                <a:latin typeface="Times New Roman" panose="02020603050405020304" pitchFamily="18" charset="0"/>
+                <a:cs typeface="Times New Roman" panose="02020603050405020304" pitchFamily="18" charset="0"/>
+              </a:rPr>
+              <a:t> project</a:t>
+            </a:r>
           </a:p>
         </p:txBody>
       </p:sp>
     </p:spTree>
     <p:extLst>
       <p:ext uri="{BB962C8B-B14F-4D97-AF65-F5344CB8AC3E}">
-        <p14:creationId xmlns:p14="http://schemas.microsoft.com/office/powerpoint/2010/main" val="2831428590"/>
+        <p14:creationId xmlns:p14="http://schemas.microsoft.com/office/powerpoint/2010/main" val="1713831758"/>
       </p:ext>
     </p:extLst>
   </p:cSld>
@@ -8516,7 +8884,7 @@
           <p:cNvPr id="2" name="Titel 1">
             <a:extLst>
               <a:ext uri="{FF2B5EF4-FFF2-40B4-BE49-F238E27FC236}">
-                <a16:creationId xmlns:a16="http://schemas.microsoft.com/office/drawing/2014/main" id="{B7E857D6-D380-4C94-A76F-F3014E4EB5DE}"/>
+                <a16:creationId xmlns:a16="http://schemas.microsoft.com/office/drawing/2014/main" id="{5596BBE6-1823-406B-A551-5B0197572640}"/>
               </a:ext>
             </a:extLst>
           </p:cNvPr>
@@ -8527,20 +8895,14 @@
             <p:ph type="title"/>
           </p:nvPr>
         </p:nvSpPr>
-        <p:spPr>
-          <a:xfrm>
-            <a:off x="1097280" y="286603"/>
-            <a:ext cx="8974372" cy="1450757"/>
-          </a:xfrm>
-        </p:spPr>
+        <p:spPr/>
         <p:txBody>
           <a:bodyPr/>
           <a:lstStyle/>
           <a:p>
-            <a:pPr algn="ctr"/>
-            <a:r>
-              <a:rPr lang="de-DE" dirty="0"/>
-              <a:t>Libraries</a:t>
+            <a:r>
+              <a:rPr lang="de-DE" dirty="0" err="1"/>
+              <a:t>Sphere</a:t>
             </a:r>
             <a:endParaRPr lang="de-AT" dirty="0"/>
           </a:p>
@@ -8551,7 +8913,7 @@
           <p:cNvPr id="3" name="Inhaltsplatzhalter 2">
             <a:extLst>
               <a:ext uri="{FF2B5EF4-FFF2-40B4-BE49-F238E27FC236}">
-                <a16:creationId xmlns:a16="http://schemas.microsoft.com/office/drawing/2014/main" id="{1256EFEA-3C3C-45F5-AE06-DFE4DD96AB0D}"/>
+                <a16:creationId xmlns:a16="http://schemas.microsoft.com/office/drawing/2014/main" id="{03AA14AE-C590-468B-8889-7E89B83B6020}"/>
               </a:ext>
             </a:extLst>
           </p:cNvPr>
@@ -8562,14 +8924,9 @@
             <p:ph idx="1"/>
           </p:nvPr>
         </p:nvSpPr>
-        <p:spPr>
-          <a:xfrm>
-            <a:off x="1097280" y="1845734"/>
-            <a:ext cx="10058399" cy="4237014"/>
-          </a:xfrm>
-        </p:spPr>
-        <p:txBody>
-          <a:bodyPr anchor="ctr">
+        <p:spPr/>
+        <p:txBody>
+          <a:bodyPr>
             <a:normAutofit/>
           </a:bodyPr>
           <a:lstStyle/>
@@ -8579,40 +8936,81 @@
               <a:buChar char="Ø"/>
             </a:pPr>
             <a:r>
-              <a:rPr lang="de-DE" dirty="0">
+              <a:rPr lang="de-DE" sz="2400" dirty="0">
                 <a:latin typeface="Times New Roman" panose="02020603050405020304" pitchFamily="18" charset="0"/>
                 <a:cs typeface="Times New Roman" panose="02020603050405020304" pitchFamily="18" charset="0"/>
               </a:rPr>
               <a:t> </a:t>
             </a:r>
             <a:r>
-              <a:rPr lang="en-US" u="sng" dirty="0">
+              <a:rPr lang="en-US" sz="2400" dirty="0">
                 <a:latin typeface="Times New Roman" panose="02020603050405020304" pitchFamily="18" charset="0"/>
                 <a:cs typeface="Times New Roman" panose="02020603050405020304" pitchFamily="18" charset="0"/>
               </a:rPr>
-              <a:t>OpenGL extensions:</a:t>
-            </a:r>
-            <a:r>
-              <a:rPr lang="en-US" dirty="0">
-                <a:latin typeface="Times New Roman" panose="02020603050405020304" pitchFamily="18" charset="0"/>
-                <a:cs typeface="Times New Roman" panose="02020603050405020304" pitchFamily="18" charset="0"/>
-              </a:rPr>
-              <a:t> implementations to provide new or expanded functionality that the core of OpenGL does not provide</a:t>
-            </a:r>
-            <a:endParaRPr lang="de-DE" dirty="0">
-              <a:latin typeface="Times New Roman" panose="02020603050405020304" pitchFamily="18" charset="0"/>
-              <a:cs typeface="Times New Roman" panose="02020603050405020304" pitchFamily="18" charset="0"/>
-            </a:endParaRPr>
+              <a:t>3D closed surface where every point on the sphere is same distance (radius) from a given point</a:t>
+            </a:r>
           </a:p>
           <a:p>
             <a:pPr>
               <a:buFont typeface="Wingdings" panose="05000000000000000000" pitchFamily="2" charset="2"/>
               <a:buChar char="Ø"/>
             </a:pPr>
-            <a:endParaRPr lang="de-DE" dirty="0">
-              <a:latin typeface="Times New Roman" panose="02020603050405020304" pitchFamily="18" charset="0"/>
-              <a:cs typeface="Times New Roman" panose="02020603050405020304" pitchFamily="18" charset="0"/>
-            </a:endParaRPr>
+            <a:r>
+              <a:rPr lang="de-AT" sz="2400" dirty="0">
+                <a:latin typeface="Times New Roman" panose="02020603050405020304" pitchFamily="18" charset="0"/>
+                <a:cs typeface="Times New Roman" panose="02020603050405020304" pitchFamily="18" charset="0"/>
+              </a:rPr>
+              <a:t> x</a:t>
+            </a:r>
+            <a:r>
+              <a:rPr lang="de-AT" sz="2400" baseline="30000" dirty="0">
+                <a:latin typeface="Times New Roman" panose="02020603050405020304" pitchFamily="18" charset="0"/>
+                <a:cs typeface="Times New Roman" panose="02020603050405020304" pitchFamily="18" charset="0"/>
+              </a:rPr>
+              <a:t>2</a:t>
+            </a:r>
+            <a:r>
+              <a:rPr lang="de-AT" sz="2400" dirty="0">
+                <a:latin typeface="Times New Roman" panose="02020603050405020304" pitchFamily="18" charset="0"/>
+                <a:cs typeface="Times New Roman" panose="02020603050405020304" pitchFamily="18" charset="0"/>
+              </a:rPr>
+              <a:t> + y</a:t>
+            </a:r>
+            <a:r>
+              <a:rPr lang="de-AT" sz="2400" baseline="30000" dirty="0">
+                <a:latin typeface="Times New Roman" panose="02020603050405020304" pitchFamily="18" charset="0"/>
+                <a:cs typeface="Times New Roman" panose="02020603050405020304" pitchFamily="18" charset="0"/>
+              </a:rPr>
+              <a:t>2</a:t>
+            </a:r>
+            <a:r>
+              <a:rPr lang="de-AT" sz="2400" dirty="0">
+                <a:latin typeface="Times New Roman" panose="02020603050405020304" pitchFamily="18" charset="0"/>
+                <a:cs typeface="Times New Roman" panose="02020603050405020304" pitchFamily="18" charset="0"/>
+              </a:rPr>
+              <a:t> + z</a:t>
+            </a:r>
+            <a:r>
+              <a:rPr lang="de-AT" sz="2400" baseline="30000" dirty="0">
+                <a:latin typeface="Times New Roman" panose="02020603050405020304" pitchFamily="18" charset="0"/>
+                <a:cs typeface="Times New Roman" panose="02020603050405020304" pitchFamily="18" charset="0"/>
+              </a:rPr>
+              <a:t>2</a:t>
+            </a:r>
+            <a:r>
+              <a:rPr lang="de-AT" sz="2400" dirty="0">
+                <a:latin typeface="Times New Roman" panose="02020603050405020304" pitchFamily="18" charset="0"/>
+                <a:cs typeface="Times New Roman" panose="02020603050405020304" pitchFamily="18" charset="0"/>
+              </a:rPr>
+              <a:t> = r</a:t>
+            </a:r>
+            <a:r>
+              <a:rPr lang="de-AT" sz="2400" baseline="30000" dirty="0">
+                <a:latin typeface="Times New Roman" panose="02020603050405020304" pitchFamily="18" charset="0"/>
+                <a:cs typeface="Times New Roman" panose="02020603050405020304" pitchFamily="18" charset="0"/>
+              </a:rPr>
+              <a:t>2</a:t>
+            </a:r>
           </a:p>
           <a:p>
             <a:pPr>
@@ -8620,169 +9018,173 @@
               <a:buChar char="Ø"/>
             </a:pPr>
             <a:r>
-              <a:rPr lang="de-DE" u="sng" dirty="0">
+              <a:rPr lang="de-AT" sz="2400" dirty="0">
                 <a:latin typeface="Times New Roman" panose="02020603050405020304" pitchFamily="18" charset="0"/>
                 <a:cs typeface="Times New Roman" panose="02020603050405020304" pitchFamily="18" charset="0"/>
               </a:rPr>
               <a:t> </a:t>
             </a:r>
             <a:r>
-              <a:rPr lang="de-DE" u="sng" dirty="0" err="1">
+              <a:rPr lang="en-US" sz="2400" dirty="0">
                 <a:latin typeface="Times New Roman" panose="02020603050405020304" pitchFamily="18" charset="0"/>
                 <a:cs typeface="Times New Roman" panose="02020603050405020304" pitchFamily="18" charset="0"/>
               </a:rPr>
-              <a:t>glew</a:t>
-            </a:r>
-            <a:r>
-              <a:rPr lang="de-DE" u="sng" dirty="0">
+              <a:t>we cannot draw all the points on a sphere</a:t>
+            </a:r>
+          </a:p>
+          <a:p>
+            <a:pPr>
+              <a:buFont typeface="Wingdings" panose="05000000000000000000" pitchFamily="2" charset="2"/>
+              <a:buChar char="Ø"/>
+            </a:pPr>
+            <a:r>
+              <a:rPr lang="en-US" sz="2400" dirty="0">
                 <a:latin typeface="Times New Roman" panose="02020603050405020304" pitchFamily="18" charset="0"/>
                 <a:cs typeface="Times New Roman" panose="02020603050405020304" pitchFamily="18" charset="0"/>
               </a:rPr>
-              <a:t> v2.2.0 </a:t>
-            </a:r>
-            <a:r>
-              <a:rPr lang="en-US" u="sng" dirty="0">
+              <a:t> sample a limited amount of points by dividing the sphere by sectors and stacks</a:t>
+            </a:r>
+          </a:p>
+          <a:p>
+            <a:pPr>
+              <a:buFont typeface="Wingdings" panose="05000000000000000000" pitchFamily="2" charset="2"/>
+              <a:buChar char="Ø"/>
+            </a:pPr>
+            <a:r>
+              <a:rPr lang="en-US" sz="2400" dirty="0">
                 <a:latin typeface="Times New Roman" panose="02020603050405020304" pitchFamily="18" charset="0"/>
                 <a:cs typeface="Times New Roman" panose="02020603050405020304" pitchFamily="18" charset="0"/>
               </a:rPr>
-              <a:t>OpenGL Extension Wrangler Library (GLEW) </a:t>
-            </a:r>
-            <a:r>
-              <a:rPr lang="de-DE" u="sng" dirty="0">
+              <a:t> an arbitrary point (x, y, z) on a sphere can be computed with the corresponding sector angle θ and stack angle ϕ</a:t>
+            </a:r>
+          </a:p>
+          <a:p>
+            <a:pPr>
+              <a:buFont typeface="Wingdings" panose="05000000000000000000" pitchFamily="2" charset="2"/>
+              <a:buChar char="Ø"/>
+            </a:pPr>
+            <a:r>
+              <a:rPr lang="en-US" sz="2400" dirty="0">
                 <a:latin typeface="Times New Roman" panose="02020603050405020304" pitchFamily="18" charset="0"/>
                 <a:cs typeface="Times New Roman" panose="02020603050405020304" pitchFamily="18" charset="0"/>
               </a:rPr>
-              <a:t>:</a:t>
-            </a:r>
-          </a:p>
-          <a:p>
-            <a:pPr lvl="1">
-              <a:buFont typeface="Wingdings" panose="05000000000000000000" pitchFamily="2" charset="2"/>
-              <a:buChar char="Ø"/>
-            </a:pPr>
-            <a:r>
-              <a:rPr lang="en-US" sz="2000" dirty="0">
-                <a:latin typeface="Times New Roman" panose="02020603050405020304" pitchFamily="18" charset="0"/>
-                <a:cs typeface="Times New Roman" panose="02020603050405020304" pitchFamily="18" charset="0"/>
-              </a:rPr>
-              <a:t>a cross-platform open-source C/C++ extension loading library</a:t>
-            </a:r>
-          </a:p>
-          <a:p>
-            <a:pPr lvl="1">
-              <a:buFont typeface="Wingdings" panose="05000000000000000000" pitchFamily="2" charset="2"/>
-              <a:buChar char="Ø"/>
-            </a:pPr>
-            <a:r>
-              <a:rPr lang="en-US" sz="2000" dirty="0">
-                <a:latin typeface="Times New Roman" panose="02020603050405020304" pitchFamily="18" charset="0"/>
-                <a:cs typeface="Times New Roman" panose="02020603050405020304" pitchFamily="18" charset="0"/>
-              </a:rPr>
-              <a:t>provides efficient run-time mechanisms for determining which OpenGL extensions are supported on the target platform</a:t>
-            </a:r>
-          </a:p>
-          <a:p>
-            <a:pPr lvl="1">
-              <a:buFont typeface="Wingdings" panose="05000000000000000000" pitchFamily="2" charset="2"/>
-              <a:buChar char="Ø"/>
-            </a:pPr>
-            <a:r>
-              <a:rPr lang="en-US" sz="2000" dirty="0">
-                <a:latin typeface="Times New Roman" panose="02020603050405020304" pitchFamily="18" charset="0"/>
-                <a:cs typeface="Times New Roman" panose="02020603050405020304" pitchFamily="18" charset="0"/>
-              </a:rPr>
-              <a:t>currently maintained by Nigel Stewart with bug fixes, new OpenGL extension support and new releases</a:t>
-            </a:r>
-          </a:p>
-          <a:p>
-            <a:pPr lvl="1">
-              <a:buFont typeface="Wingdings" panose="05000000000000000000" pitchFamily="2" charset="2"/>
-              <a:buChar char="Ø"/>
-            </a:pPr>
-            <a:r>
-              <a:rPr lang="en-US" sz="2000" dirty="0">
-                <a:latin typeface="Times New Roman" panose="02020603050405020304" pitchFamily="18" charset="0"/>
-                <a:cs typeface="Times New Roman" panose="02020603050405020304" pitchFamily="18" charset="0"/>
-              </a:rPr>
-              <a:t>was developed by Milan </a:t>
-            </a:r>
-            <a:r>
-              <a:rPr lang="en-US" sz="2000" dirty="0" err="1">
-                <a:latin typeface="Times New Roman" panose="02020603050405020304" pitchFamily="18" charset="0"/>
-                <a:cs typeface="Times New Roman" panose="02020603050405020304" pitchFamily="18" charset="0"/>
-              </a:rPr>
-              <a:t>Ikits</a:t>
-            </a:r>
-            <a:r>
-              <a:rPr lang="en-US" sz="2000" dirty="0">
-                <a:latin typeface="Times New Roman" panose="02020603050405020304" pitchFamily="18" charset="0"/>
-                <a:cs typeface="Times New Roman" panose="02020603050405020304" pitchFamily="18" charset="0"/>
-              </a:rPr>
-              <a:t> and Marcelo </a:t>
-            </a:r>
-            <a:r>
-              <a:rPr lang="en-US" sz="2000" dirty="0" err="1">
-                <a:latin typeface="Times New Roman" panose="02020603050405020304" pitchFamily="18" charset="0"/>
-                <a:cs typeface="Times New Roman" panose="02020603050405020304" pitchFamily="18" charset="0"/>
-              </a:rPr>
-              <a:t>Magallon</a:t>
-            </a:r>
-            <a:endParaRPr lang="en-US" sz="2000" dirty="0">
-              <a:latin typeface="Times New Roman" panose="02020603050405020304" pitchFamily="18" charset="0"/>
-              <a:cs typeface="Times New Roman" panose="02020603050405020304" pitchFamily="18" charset="0"/>
-            </a:endParaRPr>
-          </a:p>
-          <a:p>
-            <a:pPr lvl="1">
-              <a:buFont typeface="Wingdings" panose="05000000000000000000" pitchFamily="2" charset="2"/>
-              <a:buChar char="Ø"/>
-            </a:pPr>
-            <a:r>
-              <a:rPr lang="en-US" sz="2000" dirty="0">
-                <a:latin typeface="Times New Roman" panose="02020603050405020304" pitchFamily="18" charset="0"/>
-                <a:cs typeface="Times New Roman" panose="02020603050405020304" pitchFamily="18" charset="0"/>
-              </a:rPr>
-              <a:t>Aaron </a:t>
-            </a:r>
-            <a:r>
-              <a:rPr lang="en-US" sz="2000" dirty="0" err="1">
-                <a:latin typeface="Times New Roman" panose="02020603050405020304" pitchFamily="18" charset="0"/>
-                <a:cs typeface="Times New Roman" panose="02020603050405020304" pitchFamily="18" charset="0"/>
-              </a:rPr>
-              <a:t>Lefohn</a:t>
-            </a:r>
-            <a:r>
-              <a:rPr lang="en-US" sz="2000" dirty="0">
-                <a:latin typeface="Times New Roman" panose="02020603050405020304" pitchFamily="18" charset="0"/>
-                <a:cs typeface="Times New Roman" panose="02020603050405020304" pitchFamily="18" charset="0"/>
-              </a:rPr>
-              <a:t>, Joe </a:t>
-            </a:r>
-            <a:r>
-              <a:rPr lang="en-US" sz="2000" dirty="0" err="1">
-                <a:latin typeface="Times New Roman" panose="02020603050405020304" pitchFamily="18" charset="0"/>
-                <a:cs typeface="Times New Roman" panose="02020603050405020304" pitchFamily="18" charset="0"/>
-              </a:rPr>
-              <a:t>Kniss</a:t>
-            </a:r>
-            <a:r>
-              <a:rPr lang="en-US" sz="2000" dirty="0">
-                <a:latin typeface="Times New Roman" panose="02020603050405020304" pitchFamily="18" charset="0"/>
-                <a:cs typeface="Times New Roman" panose="02020603050405020304" pitchFamily="18" charset="0"/>
-              </a:rPr>
-              <a:t>, and Chris Wyman were the first users and also assisted with the design and debugging process</a:t>
-            </a:r>
-            <a:endParaRPr lang="de-DE" sz="2000" dirty="0">
-              <a:latin typeface="Times New Roman" panose="02020603050405020304" pitchFamily="18" charset="0"/>
-              <a:cs typeface="Times New Roman" panose="02020603050405020304" pitchFamily="18" charset="0"/>
-            </a:endParaRPr>
-          </a:p>
-        </p:txBody>
-      </p:sp>
+              <a:t> </a:t>
+            </a:r>
+          </a:p>
+        </p:txBody>
+      </p:sp>
+      <p:pic>
+        <p:nvPicPr>
+          <p:cNvPr id="2052" name="Picture 4" descr="formula to find a point on a sphere">
+            <a:extLst>
+              <a:ext uri="{FF2B5EF4-FFF2-40B4-BE49-F238E27FC236}">
+                <a16:creationId xmlns:a16="http://schemas.microsoft.com/office/drawing/2014/main" id="{2780149B-F359-4A4C-BBE1-BF87F30DE39A}"/>
+              </a:ext>
+            </a:extLst>
+          </p:cNvPr>
+          <p:cNvPicPr>
+            <a:picLocks noChangeAspect="1" noChangeArrowheads="1"/>
+          </p:cNvPicPr>
+          <p:nvPr/>
+        </p:nvPicPr>
+        <p:blipFill rotWithShape="1">
+          <a:blip r:embed="rId2">
+            <a:extLst>
+              <a:ext uri="{BEBA8EAE-BF5A-486C-A8C5-ECC9F3942E4B}">
+                <a14:imgProps xmlns:a14="http://schemas.microsoft.com/office/drawing/2010/main">
+                  <a14:imgLayer r:embed="rId3">
+                    <a14:imgEffect>
+                      <a14:artisticPhotocopy/>
+                    </a14:imgEffect>
+                  </a14:imgLayer>
+                </a14:imgProps>
+              </a:ext>
+              <a:ext uri="{28A0092B-C50C-407E-A947-70E740481C1C}">
+                <a14:useLocalDpi xmlns:a14="http://schemas.microsoft.com/office/drawing/2010/main" val="0"/>
+              </a:ext>
+            </a:extLst>
+          </a:blip>
+          <a:srcRect b="29880"/>
+          <a:stretch/>
+        </p:blipFill>
+        <p:spPr bwMode="auto">
+          <a:xfrm>
+            <a:off x="1666802" y="5037195"/>
+            <a:ext cx="3990975" cy="1166657"/>
+          </a:xfrm>
+          <a:prstGeom prst="rect">
+            <a:avLst/>
+          </a:prstGeom>
+          <a:noFill/>
+          <a:extLst>
+            <a:ext uri="{909E8E84-426E-40DD-AFC4-6F175D3DCCD1}">
+              <a14:hiddenFill xmlns:a14="http://schemas.microsoft.com/office/drawing/2010/main">
+                <a:solidFill>
+                  <a:srgbClr val="FFFFFF"/>
+                </a:solidFill>
+              </a14:hiddenFill>
+            </a:ext>
+          </a:extLst>
+        </p:spPr>
+      </p:pic>
+      <p:pic>
+        <p:nvPicPr>
+          <p:cNvPr id="2054" name="Picture 6" descr="formula to find a point on a sphere">
+            <a:extLst>
+              <a:ext uri="{FF2B5EF4-FFF2-40B4-BE49-F238E27FC236}">
+                <a16:creationId xmlns:a16="http://schemas.microsoft.com/office/drawing/2014/main" id="{6906086A-07DE-4942-AB89-88C69FB5B975}"/>
+              </a:ext>
+            </a:extLst>
+          </p:cNvPr>
+          <p:cNvPicPr>
+            <a:picLocks noChangeAspect="1" noChangeArrowheads="1"/>
+          </p:cNvPicPr>
+          <p:nvPr/>
+        </p:nvPicPr>
+        <p:blipFill rotWithShape="1">
+          <a:blip r:embed="rId2">
+            <a:extLst>
+              <a:ext uri="{BEBA8EAE-BF5A-486C-A8C5-ECC9F3942E4B}">
+                <a14:imgProps xmlns:a14="http://schemas.microsoft.com/office/drawing/2010/main">
+                  <a14:imgLayer r:embed="rId3">
+                    <a14:imgEffect>
+                      <a14:artisticPhotocopy/>
+                    </a14:imgEffect>
+                  </a14:imgLayer>
+                </a14:imgProps>
+              </a:ext>
+              <a:ext uri="{28A0092B-C50C-407E-A947-70E740481C1C}">
+                <a14:useLocalDpi xmlns:a14="http://schemas.microsoft.com/office/drawing/2010/main" val="0"/>
+              </a:ext>
+            </a:extLst>
+          </a:blip>
+          <a:srcRect t="70167"/>
+          <a:stretch/>
+        </p:blipFill>
+        <p:spPr bwMode="auto">
+          <a:xfrm>
+            <a:off x="6411241" y="5037195"/>
+            <a:ext cx="3990975" cy="466019"/>
+          </a:xfrm>
+          <a:prstGeom prst="rect">
+            <a:avLst/>
+          </a:prstGeom>
+          <a:noFill/>
+          <a:extLst>
+            <a:ext uri="{909E8E84-426E-40DD-AFC4-6F175D3DCCD1}">
+              <a14:hiddenFill xmlns:a14="http://schemas.microsoft.com/office/drawing/2010/main">
+                <a:solidFill>
+                  <a:srgbClr val="FFFFFF"/>
+                </a:solidFill>
+              </a14:hiddenFill>
+            </a:ext>
+          </a:extLst>
+        </p:spPr>
+      </p:pic>
     </p:spTree>
     <p:extLst>
       <p:ext uri="{BB962C8B-B14F-4D97-AF65-F5344CB8AC3E}">
-        <p14:creationId xmlns:p14="http://schemas.microsoft.com/office/powerpoint/2010/main" val="4173666289"/>
+        <p14:creationId xmlns:p14="http://schemas.microsoft.com/office/powerpoint/2010/main" val="2398359700"/>
       </p:ext>
     </p:extLst>
   </p:cSld>
@@ -8809,331 +9211,104 @@
           <a:chExt cx="0" cy="0"/>
         </a:xfrm>
       </p:grpSpPr>
-      <p:sp>
-        <p:nvSpPr>
-          <p:cNvPr id="2" name="Titel 1">
-            <a:extLst>
-              <a:ext uri="{FF2B5EF4-FFF2-40B4-BE49-F238E27FC236}">
-                <a16:creationId xmlns:a16="http://schemas.microsoft.com/office/drawing/2014/main" id="{B90860A9-F059-4C4C-BB79-0ADD128735D2}"/>
-              </a:ext>
-            </a:extLst>
-          </p:cNvPr>
-          <p:cNvSpPr>
-            <a:spLocks noGrp="1"/>
-          </p:cNvSpPr>
-          <p:nvPr>
-            <p:ph type="title"/>
-          </p:nvPr>
-        </p:nvSpPr>
-        <p:spPr/>
-        <p:txBody>
-          <a:bodyPr/>
-          <a:lstStyle/>
-          <a:p>
-            <a:r>
-              <a:rPr lang="de-DE" dirty="0"/>
-              <a:t>Libraries</a:t>
-            </a:r>
-            <a:endParaRPr lang="de-AT" dirty="0"/>
-          </a:p>
-        </p:txBody>
-      </p:sp>
-      <p:sp>
-        <p:nvSpPr>
-          <p:cNvPr id="3" name="Inhaltsplatzhalter 2">
-            <a:extLst>
-              <a:ext uri="{FF2B5EF4-FFF2-40B4-BE49-F238E27FC236}">
-                <a16:creationId xmlns:a16="http://schemas.microsoft.com/office/drawing/2014/main" id="{9C597A2C-E0DC-4F3D-BCF1-A76473E7A3A0}"/>
-              </a:ext>
-            </a:extLst>
-          </p:cNvPr>
-          <p:cNvSpPr>
-            <a:spLocks noGrp="1"/>
-          </p:cNvSpPr>
-          <p:nvPr>
-            <p:ph idx="1"/>
-          </p:nvPr>
-        </p:nvSpPr>
-        <p:spPr/>
-        <p:txBody>
-          <a:bodyPr/>
-          <a:lstStyle/>
-          <a:p>
-            <a:pPr>
-              <a:buFont typeface="Wingdings" panose="05000000000000000000" pitchFamily="2" charset="2"/>
-              <a:buChar char="Ø"/>
-            </a:pPr>
-            <a:r>
-              <a:rPr lang="de-DE" dirty="0">
-                <a:latin typeface="Times New Roman" panose="02020603050405020304" pitchFamily="18" charset="0"/>
-                <a:cs typeface="Times New Roman" panose="02020603050405020304" pitchFamily="18" charset="0"/>
-              </a:rPr>
-              <a:t> </a:t>
-            </a:r>
-            <a:r>
-              <a:rPr lang="de-AT" b="0" i="0" u="sng" dirty="0" err="1">
+      <p:pic>
+        <p:nvPicPr>
+          <p:cNvPr id="1026" name="Picture 2" descr="Parametric equation of a sphere">
+            <a:extLst>
+              <a:ext uri="{FF2B5EF4-FFF2-40B4-BE49-F238E27FC236}">
+                <a16:creationId xmlns:a16="http://schemas.microsoft.com/office/drawing/2014/main" id="{591B8EC2-87DB-4437-93F4-4D95BB48F923}"/>
+              </a:ext>
+            </a:extLst>
+          </p:cNvPr>
+          <p:cNvPicPr>
+            <a:picLocks noChangeAspect="1" noChangeArrowheads="1"/>
+          </p:cNvPicPr>
+          <p:nvPr/>
+        </p:nvPicPr>
+        <p:blipFill>
+          <a:blip r:embed="rId2">
+            <a:extLst>
+              <a:ext uri="{28A0092B-C50C-407E-A947-70E740481C1C}">
+                <a14:useLocalDpi xmlns:a14="http://schemas.microsoft.com/office/drawing/2010/main" val="0"/>
+              </a:ext>
+            </a:extLst>
+          </a:blip>
+          <a:srcRect/>
+          <a:stretch>
+            <a:fillRect/>
+          </a:stretch>
+        </p:blipFill>
+        <p:spPr bwMode="auto">
+          <a:xfrm>
+            <a:off x="6511680" y="1136849"/>
+            <a:ext cx="4644000" cy="4584299"/>
+          </a:xfrm>
+          <a:prstGeom prst="rect">
+            <a:avLst/>
+          </a:prstGeom>
+          <a:noFill/>
+          <a:extLst>
+            <a:ext uri="{909E8E84-426E-40DD-AFC4-6F175D3DCCD1}">
+              <a14:hiddenFill xmlns:a14="http://schemas.microsoft.com/office/drawing/2010/main">
                 <a:solidFill>
-                  <a:schemeClr val="tx1"/>
+                  <a:srgbClr val="FFFFFF"/>
                 </a:solidFill>
-                <a:effectLst/>
-                <a:latin typeface="Times New Roman" panose="02020603050405020304" pitchFamily="18" charset="0"/>
-                <a:cs typeface="Times New Roman" panose="02020603050405020304" pitchFamily="18" charset="0"/>
-              </a:rPr>
-              <a:t>freeglut</a:t>
-            </a:r>
-            <a:r>
-              <a:rPr lang="de-AT" b="0" i="0" u="sng" dirty="0">
+              </a14:hiddenFill>
+            </a:ext>
+          </a:extLst>
+        </p:spPr>
+      </p:pic>
+      <p:pic>
+        <p:nvPicPr>
+          <p:cNvPr id="1028" name="Picture 4" descr="Sectors and stacks of a sphere">
+            <a:extLst>
+              <a:ext uri="{FF2B5EF4-FFF2-40B4-BE49-F238E27FC236}">
+                <a16:creationId xmlns:a16="http://schemas.microsoft.com/office/drawing/2014/main" id="{735FAA33-9727-4164-9494-C0CA73B5BB8B}"/>
+              </a:ext>
+            </a:extLst>
+          </p:cNvPr>
+          <p:cNvPicPr>
+            <a:picLocks noChangeAspect="1" noChangeArrowheads="1"/>
+          </p:cNvPicPr>
+          <p:nvPr/>
+        </p:nvPicPr>
+        <p:blipFill>
+          <a:blip r:embed="rId3">
+            <a:extLst>
+              <a:ext uri="{28A0092B-C50C-407E-A947-70E740481C1C}">
+                <a14:useLocalDpi xmlns:a14="http://schemas.microsoft.com/office/drawing/2010/main" val="0"/>
+              </a:ext>
+            </a:extLst>
+          </a:blip>
+          <a:srcRect/>
+          <a:stretch>
+            <a:fillRect/>
+          </a:stretch>
+        </p:blipFill>
+        <p:spPr bwMode="auto">
+          <a:xfrm>
+            <a:off x="1568612" y="1394470"/>
+            <a:ext cx="4309504" cy="4438789"/>
+          </a:xfrm>
+          <a:prstGeom prst="rect">
+            <a:avLst/>
+          </a:prstGeom>
+          <a:noFill/>
+          <a:extLst>
+            <a:ext uri="{909E8E84-426E-40DD-AFC4-6F175D3DCCD1}">
+              <a14:hiddenFill xmlns:a14="http://schemas.microsoft.com/office/drawing/2010/main">
                 <a:solidFill>
-                  <a:schemeClr val="tx1"/>
+                  <a:srgbClr val="FFFFFF"/>
                 </a:solidFill>
-                <a:effectLst/>
-                <a:latin typeface="Times New Roman" panose="02020603050405020304" pitchFamily="18" charset="0"/>
-                <a:cs typeface="Times New Roman" panose="02020603050405020304" pitchFamily="18" charset="0"/>
-              </a:rPr>
-              <a:t> v3.0.0 </a:t>
-            </a:r>
-            <a:r>
-              <a:rPr lang="de-AT" b="0" i="0" u="sng" dirty="0" err="1">
-                <a:solidFill>
-                  <a:schemeClr val="tx1"/>
-                </a:solidFill>
-                <a:effectLst/>
-                <a:latin typeface="Times New Roman" panose="02020603050405020304" pitchFamily="18" charset="0"/>
-                <a:cs typeface="Times New Roman" panose="02020603050405020304" pitchFamily="18" charset="0"/>
-              </a:rPr>
-              <a:t>free</a:t>
-            </a:r>
-            <a:r>
-              <a:rPr lang="de-AT" b="0" i="0" u="sng" dirty="0">
-                <a:solidFill>
-                  <a:schemeClr val="tx1"/>
-                </a:solidFill>
-                <a:effectLst/>
-                <a:latin typeface="Times New Roman" panose="02020603050405020304" pitchFamily="18" charset="0"/>
-                <a:cs typeface="Times New Roman" panose="02020603050405020304" pitchFamily="18" charset="0"/>
-              </a:rPr>
-              <a:t> GL Utility Toolkit:</a:t>
-            </a:r>
-          </a:p>
-          <a:p>
-            <a:pPr lvl="1">
-              <a:buFont typeface="Wingdings" panose="05000000000000000000" pitchFamily="2" charset="2"/>
-              <a:buChar char="Ø"/>
-            </a:pPr>
-            <a:r>
-              <a:rPr lang="de-AT" sz="2000" dirty="0">
-                <a:latin typeface="Times New Roman" panose="02020603050405020304" pitchFamily="18" charset="0"/>
-                <a:cs typeface="Times New Roman" panose="02020603050405020304" pitchFamily="18" charset="0"/>
-              </a:rPr>
-              <a:t> GLUT </a:t>
-            </a:r>
-            <a:r>
-              <a:rPr lang="de-AT" sz="2000" dirty="0" err="1">
-                <a:latin typeface="Times New Roman" panose="02020603050405020304" pitchFamily="18" charset="0"/>
-                <a:cs typeface="Times New Roman" panose="02020603050405020304" pitchFamily="18" charset="0"/>
-              </a:rPr>
-              <a:t>vs</a:t>
-            </a:r>
-            <a:r>
-              <a:rPr lang="de-AT" sz="2000" dirty="0">
-                <a:latin typeface="Times New Roman" panose="02020603050405020304" pitchFamily="18" charset="0"/>
-                <a:cs typeface="Times New Roman" panose="02020603050405020304" pitchFamily="18" charset="0"/>
-              </a:rPr>
-              <a:t> </a:t>
-            </a:r>
-            <a:r>
-              <a:rPr lang="de-AT" sz="2000" dirty="0" err="1">
-                <a:latin typeface="Times New Roman" panose="02020603050405020304" pitchFamily="18" charset="0"/>
-                <a:cs typeface="Times New Roman" panose="02020603050405020304" pitchFamily="18" charset="0"/>
-              </a:rPr>
-              <a:t>freeglut</a:t>
-            </a:r>
-            <a:r>
-              <a:rPr lang="de-AT" sz="2000" dirty="0">
-                <a:latin typeface="Times New Roman" panose="02020603050405020304" pitchFamily="18" charset="0"/>
-                <a:cs typeface="Times New Roman" panose="02020603050405020304" pitchFamily="18" charset="0"/>
-              </a:rPr>
-              <a:t>:</a:t>
-            </a:r>
-          </a:p>
-          <a:p>
-            <a:pPr lvl="1">
-              <a:buFont typeface="Wingdings" panose="05000000000000000000" pitchFamily="2" charset="2"/>
-              <a:buChar char="Ø"/>
-            </a:pPr>
-            <a:r>
-              <a:rPr lang="en-US" sz="2000" dirty="0">
-                <a:latin typeface="Times New Roman" panose="02020603050405020304" pitchFamily="18" charset="0"/>
-                <a:cs typeface="Times New Roman" panose="02020603050405020304" pitchFamily="18" charset="0"/>
-              </a:rPr>
-              <a:t> GLUT is getting old and really needs improvement</a:t>
-            </a:r>
-          </a:p>
-          <a:p>
-            <a:pPr lvl="1">
-              <a:buFont typeface="Wingdings" panose="05000000000000000000" pitchFamily="2" charset="2"/>
-              <a:buChar char="Ø"/>
-            </a:pPr>
-            <a:r>
-              <a:rPr lang="en-US" sz="2000" dirty="0">
-                <a:latin typeface="Times New Roman" panose="02020603050405020304" pitchFamily="18" charset="0"/>
-                <a:cs typeface="Times New Roman" panose="02020603050405020304" pitchFamily="18" charset="0"/>
-              </a:rPr>
-              <a:t> its license does not allow anyone to distribute modified library code</a:t>
-            </a:r>
-          </a:p>
-          <a:p>
-            <a:pPr marL="201168" lvl="1" indent="0">
-              <a:buNone/>
-            </a:pPr>
-            <a:endParaRPr lang="en-US" sz="2000" dirty="0">
-              <a:latin typeface="Times New Roman" panose="02020603050405020304" pitchFamily="18" charset="0"/>
-              <a:cs typeface="Times New Roman" panose="02020603050405020304" pitchFamily="18" charset="0"/>
-            </a:endParaRPr>
-          </a:p>
-          <a:p>
-            <a:pPr lvl="1">
-              <a:buFont typeface="Wingdings" panose="05000000000000000000" pitchFamily="2" charset="2"/>
-              <a:buChar char="Ø"/>
-            </a:pPr>
-            <a:r>
-              <a:rPr lang="en-US" sz="2000" dirty="0">
-                <a:latin typeface="Times New Roman" panose="02020603050405020304" pitchFamily="18" charset="0"/>
-                <a:cs typeface="Times New Roman" panose="02020603050405020304" pitchFamily="18" charset="0"/>
-              </a:rPr>
-              <a:t> </a:t>
-            </a:r>
-            <a:r>
-              <a:rPr lang="en-US" sz="2000" dirty="0" err="1">
-                <a:latin typeface="Times New Roman" panose="02020603050405020304" pitchFamily="18" charset="0"/>
-                <a:cs typeface="Times New Roman" panose="02020603050405020304" pitchFamily="18" charset="0"/>
-              </a:rPr>
-              <a:t>freeglut</a:t>
-            </a:r>
-            <a:r>
-              <a:rPr lang="en-US" sz="2000" dirty="0">
-                <a:latin typeface="Times New Roman" panose="02020603050405020304" pitchFamily="18" charset="0"/>
-                <a:cs typeface="Times New Roman" panose="02020603050405020304" pitchFamily="18" charset="0"/>
-              </a:rPr>
-              <a:t> is a free-software/open-source alternative to the GLUT library</a:t>
-            </a:r>
-          </a:p>
-          <a:p>
-            <a:pPr lvl="1">
-              <a:buFont typeface="Wingdings" panose="05000000000000000000" pitchFamily="2" charset="2"/>
-              <a:buChar char="Ø"/>
-            </a:pPr>
-            <a:r>
-              <a:rPr lang="en-US" sz="2000" dirty="0">
-                <a:latin typeface="Times New Roman" panose="02020603050405020304" pitchFamily="18" charset="0"/>
-                <a:cs typeface="Times New Roman" panose="02020603050405020304" pitchFamily="18" charset="0"/>
-              </a:rPr>
-              <a:t> originally written by Pawel W. </a:t>
-            </a:r>
-            <a:r>
-              <a:rPr lang="en-US" sz="2000" dirty="0" err="1">
-                <a:latin typeface="Times New Roman" panose="02020603050405020304" pitchFamily="18" charset="0"/>
-                <a:cs typeface="Times New Roman" panose="02020603050405020304" pitchFamily="18" charset="0"/>
-              </a:rPr>
-              <a:t>Olszta</a:t>
-            </a:r>
-            <a:r>
-              <a:rPr lang="en-US" sz="2000" dirty="0">
-                <a:latin typeface="Times New Roman" panose="02020603050405020304" pitchFamily="18" charset="0"/>
-                <a:cs typeface="Times New Roman" panose="02020603050405020304" pitchFamily="18" charset="0"/>
-              </a:rPr>
-              <a:t> with contributions from Andreas </a:t>
-            </a:r>
-            <a:r>
-              <a:rPr lang="en-US" sz="2000" dirty="0" err="1">
-                <a:latin typeface="Times New Roman" panose="02020603050405020304" pitchFamily="18" charset="0"/>
-                <a:cs typeface="Times New Roman" panose="02020603050405020304" pitchFamily="18" charset="0"/>
-              </a:rPr>
-              <a:t>Umbach</a:t>
-            </a:r>
-            <a:r>
-              <a:rPr lang="en-US" sz="2000" dirty="0">
-                <a:latin typeface="Times New Roman" panose="02020603050405020304" pitchFamily="18" charset="0"/>
-                <a:cs typeface="Times New Roman" panose="02020603050405020304" pitchFamily="18" charset="0"/>
-              </a:rPr>
-              <a:t> and Steve Baker</a:t>
-            </a:r>
-          </a:p>
-          <a:p>
-            <a:pPr lvl="1">
-              <a:buFont typeface="Wingdings" panose="05000000000000000000" pitchFamily="2" charset="2"/>
-              <a:buChar char="Ø"/>
-            </a:pPr>
-            <a:r>
-              <a:rPr lang="en-US" sz="2000" dirty="0">
-                <a:latin typeface="Times New Roman" panose="02020603050405020304" pitchFamily="18" charset="0"/>
-                <a:cs typeface="Times New Roman" panose="02020603050405020304" pitchFamily="18" charset="0"/>
-              </a:rPr>
-              <a:t> John F. Fay, John </a:t>
-            </a:r>
-            <a:r>
-              <a:rPr lang="en-US" sz="2000" dirty="0" err="1">
-                <a:latin typeface="Times New Roman" panose="02020603050405020304" pitchFamily="18" charset="0"/>
-                <a:cs typeface="Times New Roman" panose="02020603050405020304" pitchFamily="18" charset="0"/>
-              </a:rPr>
-              <a:t>Tsiombikas</a:t>
-            </a:r>
-            <a:r>
-              <a:rPr lang="en-US" sz="2000" dirty="0">
-                <a:latin typeface="Times New Roman" panose="02020603050405020304" pitchFamily="18" charset="0"/>
-                <a:cs typeface="Times New Roman" panose="02020603050405020304" pitchFamily="18" charset="0"/>
-              </a:rPr>
-              <a:t>, and </a:t>
-            </a:r>
-            <a:r>
-              <a:rPr lang="en-US" sz="2000" dirty="0" err="1">
-                <a:latin typeface="Times New Roman" panose="02020603050405020304" pitchFamily="18" charset="0"/>
-                <a:cs typeface="Times New Roman" panose="02020603050405020304" pitchFamily="18" charset="0"/>
-              </a:rPr>
-              <a:t>Diederick</a:t>
-            </a:r>
-            <a:r>
-              <a:rPr lang="en-US" sz="2000" dirty="0">
-                <a:latin typeface="Times New Roman" panose="02020603050405020304" pitchFamily="18" charset="0"/>
-                <a:cs typeface="Times New Roman" panose="02020603050405020304" pitchFamily="18" charset="0"/>
-              </a:rPr>
-              <a:t> C. </a:t>
-            </a:r>
-            <a:r>
-              <a:rPr lang="en-US" sz="2000" dirty="0" err="1">
-                <a:latin typeface="Times New Roman" panose="02020603050405020304" pitchFamily="18" charset="0"/>
-                <a:cs typeface="Times New Roman" panose="02020603050405020304" pitchFamily="18" charset="0"/>
-              </a:rPr>
-              <a:t>Niehorster</a:t>
-            </a:r>
-            <a:r>
-              <a:rPr lang="en-US" sz="2000" dirty="0">
-                <a:latin typeface="Times New Roman" panose="02020603050405020304" pitchFamily="18" charset="0"/>
-                <a:cs typeface="Times New Roman" panose="02020603050405020304" pitchFamily="18" charset="0"/>
-              </a:rPr>
-              <a:t> are the current maintainers of the </a:t>
-            </a:r>
-            <a:r>
-              <a:rPr lang="en-US" sz="2000" dirty="0" err="1">
-                <a:latin typeface="Times New Roman" panose="02020603050405020304" pitchFamily="18" charset="0"/>
-                <a:cs typeface="Times New Roman" panose="02020603050405020304" pitchFamily="18" charset="0"/>
-              </a:rPr>
-              <a:t>freeglut</a:t>
-            </a:r>
-            <a:r>
-              <a:rPr lang="en-US" sz="2000" dirty="0">
-                <a:latin typeface="Times New Roman" panose="02020603050405020304" pitchFamily="18" charset="0"/>
-                <a:cs typeface="Times New Roman" panose="02020603050405020304" pitchFamily="18" charset="0"/>
-              </a:rPr>
-              <a:t> project</a:t>
-            </a:r>
-          </a:p>
-        </p:txBody>
-      </p:sp>
+              </a14:hiddenFill>
+            </a:ext>
+          </a:extLst>
+        </p:spPr>
+      </p:pic>
     </p:spTree>
     <p:extLst>
       <p:ext uri="{BB962C8B-B14F-4D97-AF65-F5344CB8AC3E}">
-        <p14:creationId xmlns:p14="http://schemas.microsoft.com/office/powerpoint/2010/main" val="1713831758"/>
+        <p14:creationId xmlns:p14="http://schemas.microsoft.com/office/powerpoint/2010/main" val="996085788"/>
       </p:ext>
     </p:extLst>
   </p:cSld>
@@ -9146,14 +9321,6 @@
 <file path=ppt/slides/slide9.xml><?xml version="1.0" encoding="utf-8"?>
 <p:sld xmlns:a="http://schemas.openxmlformats.org/drawingml/2006/main" xmlns:r="http://schemas.openxmlformats.org/officeDocument/2006/relationships" xmlns:p="http://schemas.openxmlformats.org/presentationml/2006/main">
   <p:cSld>
-    <p:bg>
-      <p:bgPr>
-        <a:solidFill>
-          <a:schemeClr val="bg2"/>
-        </a:solidFill>
-        <a:effectLst/>
-      </p:bgPr>
-    </p:bg>
     <p:spTree>
       <p:nvGrpSpPr>
         <p:cNvPr id="1" name=""/>
@@ -9170,363 +9337,167 @@
       </p:grpSpPr>
       <p:sp>
         <p:nvSpPr>
-          <p:cNvPr id="10" name="Rectangle 9">
-            <a:extLst>
-              <a:ext uri="{FF2B5EF4-FFF2-40B4-BE49-F238E27FC236}">
-                <a16:creationId xmlns:a16="http://schemas.microsoft.com/office/drawing/2014/main" id="{C1CEA5B3-F026-4EA7-8ECF-E1F5465E5684}"/>
-              </a:ext>
-              <a:ext uri="{C183D7F6-B498-43B3-948B-1728B52AA6E4}">
-                <adec:decorative xmlns:adec="http://schemas.microsoft.com/office/drawing/2017/decorative" val="1"/>
-              </a:ext>
-            </a:extLst>
-          </p:cNvPr>
-          <p:cNvSpPr>
-            <a:spLocks noGrp="1" noRot="1" noChangeAspect="1" noMove="1" noResize="1" noEditPoints="1" noAdjustHandles="1" noChangeArrowheads="1" noChangeShapeType="1" noTextEdit="1"/>
-          </p:cNvSpPr>
-          <p:nvPr>
-            <p:extLst>
-              <p:ext uri="{386F3935-93C4-4BCD-93E2-E3B085C9AB24}">
-                <p16:designElem xmlns:p16="http://schemas.microsoft.com/office/powerpoint/2015/main" val="1"/>
-              </p:ext>
-            </p:extLst>
-          </p:nvPr>
-        </p:nvSpPr>
-        <p:spPr>
-          <a:xfrm>
-            <a:off x="3175" y="6400800"/>
-            <a:ext cx="12188825" cy="457200"/>
+          <p:cNvPr id="2" name="Titel 1">
+            <a:extLst>
+              <a:ext uri="{FF2B5EF4-FFF2-40B4-BE49-F238E27FC236}">
+                <a16:creationId xmlns:a16="http://schemas.microsoft.com/office/drawing/2014/main" id="{96E30842-7312-41F9-A888-F3BF9DD89B74}"/>
+              </a:ext>
+            </a:extLst>
+          </p:cNvPr>
+          <p:cNvSpPr>
+            <a:spLocks noGrp="1"/>
+          </p:cNvSpPr>
+          <p:nvPr>
+            <p:ph type="title"/>
+          </p:nvPr>
+        </p:nvSpPr>
+        <p:spPr/>
+        <p:txBody>
+          <a:bodyPr/>
+          <a:lstStyle/>
+          <a:p>
+            <a:r>
+              <a:rPr lang="de-DE" dirty="0" err="1"/>
+              <a:t>Sphere</a:t>
+            </a:r>
+            <a:endParaRPr lang="de-AT" dirty="0"/>
+          </a:p>
+        </p:txBody>
+      </p:sp>
+      <p:sp>
+        <p:nvSpPr>
+          <p:cNvPr id="3" name="Inhaltsplatzhalter 2">
+            <a:extLst>
+              <a:ext uri="{FF2B5EF4-FFF2-40B4-BE49-F238E27FC236}">
+                <a16:creationId xmlns:a16="http://schemas.microsoft.com/office/drawing/2014/main" id="{E68663C5-6ADD-4466-A8EF-AC441F3AAC01}"/>
+              </a:ext>
+            </a:extLst>
+          </p:cNvPr>
+          <p:cNvSpPr>
+            <a:spLocks noGrp="1"/>
+          </p:cNvSpPr>
+          <p:nvPr>
+            <p:ph idx="1"/>
+          </p:nvPr>
+        </p:nvSpPr>
+        <p:spPr/>
+        <p:txBody>
+          <a:bodyPr>
+            <a:normAutofit/>
+          </a:bodyPr>
+          <a:lstStyle/>
+          <a:p>
+            <a:pPr>
+              <a:buFont typeface="Wingdings" panose="05000000000000000000" pitchFamily="2" charset="2"/>
+              <a:buChar char="Ø"/>
+            </a:pPr>
+            <a:r>
+              <a:rPr lang="en-US" sz="2400" dirty="0">
+                <a:latin typeface="Times New Roman" panose="02020603050405020304" pitchFamily="18" charset="0"/>
+                <a:cs typeface="Times New Roman" panose="02020603050405020304" pitchFamily="18" charset="0"/>
+              </a:rPr>
+              <a:t> range of sector angles is from 0 to 360 degrees</a:t>
+            </a:r>
+          </a:p>
+          <a:p>
+            <a:pPr>
+              <a:buFont typeface="Wingdings" panose="05000000000000000000" pitchFamily="2" charset="2"/>
+              <a:buChar char="Ø"/>
+            </a:pPr>
+            <a:r>
+              <a:rPr lang="en-US" sz="2400" dirty="0">
+                <a:latin typeface="Times New Roman" panose="02020603050405020304" pitchFamily="18" charset="0"/>
+                <a:cs typeface="Times New Roman" panose="02020603050405020304" pitchFamily="18" charset="0"/>
+              </a:rPr>
+              <a:t> stack angles are from 90 (top) to -90 degrees (bottom</a:t>
+            </a:r>
+            <a:r>
+              <a:rPr lang="de-AT" sz="2400" dirty="0">
+                <a:latin typeface="Times New Roman" panose="02020603050405020304" pitchFamily="18" charset="0"/>
+                <a:cs typeface="Times New Roman" panose="02020603050405020304" pitchFamily="18" charset="0"/>
+              </a:rPr>
+              <a:t>)</a:t>
+            </a:r>
+          </a:p>
+          <a:p>
+            <a:pPr>
+              <a:buFont typeface="Wingdings" panose="05000000000000000000" pitchFamily="2" charset="2"/>
+              <a:buChar char="Ø"/>
+            </a:pPr>
+            <a:r>
+              <a:rPr lang="de-AT" sz="2400" dirty="0">
+                <a:latin typeface="Times New Roman" panose="02020603050405020304" pitchFamily="18" charset="0"/>
+                <a:cs typeface="Times New Roman" panose="02020603050405020304" pitchFamily="18" charset="0"/>
+              </a:rPr>
+              <a:t> </a:t>
+            </a:r>
+            <a:endParaRPr lang="en-US" sz="2400" dirty="0">
+              <a:latin typeface="Times New Roman" panose="02020603050405020304" pitchFamily="18" charset="0"/>
+              <a:cs typeface="Times New Roman" panose="02020603050405020304" pitchFamily="18" charset="0"/>
+            </a:endParaRPr>
+          </a:p>
+        </p:txBody>
+      </p:sp>
+      <p:pic>
+        <p:nvPicPr>
+          <p:cNvPr id="3076" name="Picture 4">
+            <a:extLst>
+              <a:ext uri="{FF2B5EF4-FFF2-40B4-BE49-F238E27FC236}">
+                <a16:creationId xmlns:a16="http://schemas.microsoft.com/office/drawing/2014/main" id="{678A937D-725C-41B4-833F-52E2D8D146BA}"/>
+              </a:ext>
+            </a:extLst>
+          </p:cNvPr>
+          <p:cNvPicPr>
+            <a:picLocks noChangeAspect="1" noChangeArrowheads="1"/>
+          </p:cNvPicPr>
+          <p:nvPr/>
+        </p:nvPicPr>
+        <p:blipFill>
+          <a:blip r:embed="rId2">
+            <a:extLst>
+              <a:ext uri="{BEBA8EAE-BF5A-486C-A8C5-ECC9F3942E4B}">
+                <a14:imgProps xmlns:a14="http://schemas.microsoft.com/office/drawing/2010/main">
+                  <a14:imgLayer r:embed="rId3">
+                    <a14:imgEffect>
+                      <a14:artisticPhotocopy/>
+                    </a14:imgEffect>
+                  </a14:imgLayer>
+                </a14:imgProps>
+              </a:ext>
+              <a:ext uri="{28A0092B-C50C-407E-A947-70E740481C1C}">
+                <a14:useLocalDpi xmlns:a14="http://schemas.microsoft.com/office/drawing/2010/main" val="0"/>
+              </a:ext>
+            </a:extLst>
+          </a:blip>
+          <a:srcRect/>
+          <a:stretch>
+            <a:fillRect/>
+          </a:stretch>
+        </p:blipFill>
+        <p:spPr bwMode="auto">
+          <a:xfrm>
+            <a:off x="1572578" y="3086833"/>
+            <a:ext cx="4657725" cy="1809750"/>
           </a:xfrm>
           <a:prstGeom prst="rect">
             <a:avLst/>
           </a:prstGeom>
-          <a:solidFill>
-            <a:schemeClr val="accent1">
-              <a:lumMod val="50000"/>
-            </a:schemeClr>
-          </a:solidFill>
-          <a:ln>
-            <a:noFill/>
-          </a:ln>
-        </p:spPr>
-        <p:style>
-          <a:lnRef idx="2">
-            <a:schemeClr val="accent1">
-              <a:shade val="50000"/>
-            </a:schemeClr>
-          </a:lnRef>
-          <a:fillRef idx="1">
-            <a:schemeClr val="accent1"/>
-          </a:fillRef>
-          <a:effectRef idx="0">
-            <a:schemeClr val="accent1"/>
-          </a:effectRef>
-          <a:fontRef idx="minor">
-            <a:schemeClr val="lt1"/>
-          </a:fontRef>
-        </p:style>
-      </p:sp>
-      <p:sp>
-        <p:nvSpPr>
-          <p:cNvPr id="12" name="Rectangle 11">
-            <a:extLst>
-              <a:ext uri="{FF2B5EF4-FFF2-40B4-BE49-F238E27FC236}">
-                <a16:creationId xmlns:a16="http://schemas.microsoft.com/office/drawing/2014/main" id="{4B486FE1-17CE-45A4-9CBC-8C0B185E1963}"/>
-              </a:ext>
-              <a:ext uri="{C183D7F6-B498-43B3-948B-1728B52AA6E4}">
-                <adec:decorative xmlns:adec="http://schemas.microsoft.com/office/drawing/2017/decorative" val="1"/>
-              </a:ext>
-            </a:extLst>
-          </p:cNvPr>
-          <p:cNvSpPr>
-            <a:spLocks noGrp="1" noRot="1" noChangeAspect="1" noMove="1" noResize="1" noEditPoints="1" noAdjustHandles="1" noChangeArrowheads="1" noChangeShapeType="1" noTextEdit="1"/>
-          </p:cNvSpPr>
-          <p:nvPr>
-            <p:extLst>
-              <p:ext uri="{386F3935-93C4-4BCD-93E2-E3B085C9AB24}">
-                <p16:designElem xmlns:p16="http://schemas.microsoft.com/office/powerpoint/2015/main" val="1"/>
-              </p:ext>
-            </p:extLst>
-          </p:nvPr>
-        </p:nvSpPr>
-        <p:spPr>
-          <a:xfrm>
-            <a:off x="15" y="6334316"/>
-            <a:ext cx="12188825" cy="64008"/>
-          </a:xfrm>
-          <a:prstGeom prst="rect">
-            <a:avLst/>
-          </a:prstGeom>
-          <a:solidFill>
-            <a:schemeClr val="accent1"/>
-          </a:solidFill>
-          <a:ln>
-            <a:noFill/>
-          </a:ln>
-        </p:spPr>
-        <p:style>
-          <a:lnRef idx="2">
-            <a:schemeClr val="accent1">
-              <a:shade val="50000"/>
-            </a:schemeClr>
-          </a:lnRef>
-          <a:fillRef idx="1">
-            <a:schemeClr val="accent1"/>
-          </a:fillRef>
-          <a:effectRef idx="0">
-            <a:schemeClr val="accent1"/>
-          </a:effectRef>
-          <a:fontRef idx="minor">
-            <a:schemeClr val="lt1"/>
-          </a:fontRef>
-        </p:style>
-      </p:sp>
-      <p:cxnSp>
-        <p:nvCxnSpPr>
-          <p:cNvPr id="14" name="Straight Connector 13">
-            <a:extLst>
-              <a:ext uri="{FF2B5EF4-FFF2-40B4-BE49-F238E27FC236}">
-                <a16:creationId xmlns:a16="http://schemas.microsoft.com/office/drawing/2014/main" id="{2AF0217B-4943-4BF1-8CDF-A5FB04C876DA}"/>
-              </a:ext>
-              <a:ext uri="{C183D7F6-B498-43B3-948B-1728B52AA6E4}">
-                <adec:decorative xmlns:adec="http://schemas.microsoft.com/office/drawing/2017/decorative" val="1"/>
-              </a:ext>
-            </a:extLst>
-          </p:cNvPr>
-          <p:cNvCxnSpPr>
-            <a:cxnSpLocks noGrp="1" noRot="1" noChangeAspect="1" noMove="1" noResize="1" noEditPoints="1" noAdjustHandles="1" noChangeArrowheads="1" noChangeShapeType="1"/>
-          </p:cNvCxnSpPr>
-          <p:nvPr>
-            <p:extLst>
-              <p:ext uri="{386F3935-93C4-4BCD-93E2-E3B085C9AB24}">
-                <p16:designElem xmlns:p16="http://schemas.microsoft.com/office/powerpoint/2015/main" val="1"/>
-              </p:ext>
-            </p:extLst>
-          </p:nvPr>
-        </p:nvCxnSpPr>
-        <p:spPr>
-          <a:xfrm>
-            <a:off x="1207658" y="4343400"/>
-            <a:ext cx="9875520" cy="0"/>
-          </a:xfrm>
-          <a:prstGeom prst="line">
-            <a:avLst/>
-          </a:prstGeom>
-          <a:ln w="6350">
-            <a:solidFill>
-              <a:schemeClr val="tx1">
-                <a:lumMod val="50000"/>
-                <a:lumOff val="50000"/>
-              </a:schemeClr>
-            </a:solidFill>
-          </a:ln>
-        </p:spPr>
-        <p:style>
-          <a:lnRef idx="1">
-            <a:schemeClr val="accent1"/>
-          </a:lnRef>
-          <a:fillRef idx="0">
-            <a:schemeClr val="accent1"/>
-          </a:fillRef>
-          <a:effectRef idx="0">
-            <a:schemeClr val="accent1"/>
-          </a:effectRef>
-          <a:fontRef idx="minor">
-            <a:schemeClr val="tx1"/>
-          </a:fontRef>
-        </p:style>
-      </p:cxnSp>
-      <p:pic>
-        <p:nvPicPr>
-          <p:cNvPr id="5" name="Inhaltsplatzhalter 4" descr="Ein Bild, das Text, grün, Screenshot enthält.&#10;&#10;Automatisch generierte Beschreibung">
-            <a:extLst>
-              <a:ext uri="{FF2B5EF4-FFF2-40B4-BE49-F238E27FC236}">
-                <a16:creationId xmlns:a16="http://schemas.microsoft.com/office/drawing/2014/main" id="{0709819E-0DD3-433C-A22C-2FB7D51A7E09}"/>
-              </a:ext>
-            </a:extLst>
-          </p:cNvPr>
-          <p:cNvPicPr>
-            <a:picLocks noGrp="1" noChangeAspect="1"/>
-          </p:cNvPicPr>
-          <p:nvPr>
-            <p:ph idx="1"/>
-          </p:nvPr>
-        </p:nvPicPr>
-        <p:blipFill rotWithShape="1">
-          <a:blip r:embed="rId2">
-            <a:extLst>
-              <a:ext uri="{28A0092B-C50C-407E-A947-70E740481C1C}">
-                <a14:useLocalDpi xmlns:a14="http://schemas.microsoft.com/office/drawing/2010/main" val="0"/>
-              </a:ext>
-            </a:extLst>
-          </a:blip>
-          <a:srcRect b="2269"/>
-          <a:stretch/>
-        </p:blipFill>
-        <p:spPr>
-          <a:xfrm>
-            <a:off x="-32" y="10"/>
-            <a:ext cx="12192031" cy="4915066"/>
-          </a:xfrm>
-          <a:prstGeom prst="rect">
-            <a:avLst/>
-          </a:prstGeom>
-        </p:spPr>
-      </p:pic>
-      <p:sp>
-        <p:nvSpPr>
-          <p:cNvPr id="16" name="Rectangle 15">
-            <a:extLst>
-              <a:ext uri="{FF2B5EF4-FFF2-40B4-BE49-F238E27FC236}">
-                <a16:creationId xmlns:a16="http://schemas.microsoft.com/office/drawing/2014/main" id="{947A5FA4-F7D9-4BD2-BCEA-016B70DC8E02}"/>
-              </a:ext>
-              <a:ext uri="{C183D7F6-B498-43B3-948B-1728B52AA6E4}">
-                <adec:decorative xmlns:adec="http://schemas.microsoft.com/office/drawing/2017/decorative" val="1"/>
-              </a:ext>
-            </a:extLst>
-          </p:cNvPr>
-          <p:cNvSpPr>
-            <a:spLocks noGrp="1" noRot="1" noChangeAspect="1" noMove="1" noResize="1" noEditPoints="1" noAdjustHandles="1" noChangeArrowheads="1" noChangeShapeType="1" noTextEdit="1"/>
-          </p:cNvSpPr>
-          <p:nvPr>
-            <p:extLst>
-              <p:ext uri="{386F3935-93C4-4BCD-93E2-E3B085C9AB24}">
-                <p16:designElem xmlns:p16="http://schemas.microsoft.com/office/powerpoint/2015/main" val="1"/>
-              </p:ext>
-            </p:extLst>
-          </p:nvPr>
-        </p:nvSpPr>
-        <p:spPr bwMode="white">
-          <a:xfrm>
-            <a:off x="1507" y="4953000"/>
-            <a:ext cx="12188952" cy="1905000"/>
-          </a:xfrm>
-          <a:prstGeom prst="rect">
-            <a:avLst/>
-          </a:prstGeom>
-          <a:solidFill>
-            <a:schemeClr val="accent1">
-              <a:lumMod val="50000"/>
-            </a:schemeClr>
-          </a:solidFill>
-          <a:ln>
-            <a:noFill/>
-          </a:ln>
-        </p:spPr>
-        <p:style>
-          <a:lnRef idx="2">
-            <a:schemeClr val="accent1">
-              <a:shade val="50000"/>
-            </a:schemeClr>
-          </a:lnRef>
-          <a:fillRef idx="1">
-            <a:schemeClr val="accent1"/>
-          </a:fillRef>
-          <a:effectRef idx="0">
-            <a:schemeClr val="accent1"/>
-          </a:effectRef>
-          <a:fontRef idx="minor">
-            <a:schemeClr val="lt1"/>
-          </a:fontRef>
-        </p:style>
-      </p:sp>
-      <p:sp>
-        <p:nvSpPr>
-          <p:cNvPr id="2" name="Titel 1">
-            <a:extLst>
-              <a:ext uri="{FF2B5EF4-FFF2-40B4-BE49-F238E27FC236}">
-                <a16:creationId xmlns:a16="http://schemas.microsoft.com/office/drawing/2014/main" id="{5F77DC0F-107D-491A-8C25-B0825FC5BEB1}"/>
-              </a:ext>
-            </a:extLst>
-          </p:cNvPr>
-          <p:cNvSpPr>
-            <a:spLocks noGrp="1"/>
-          </p:cNvSpPr>
-          <p:nvPr>
-            <p:ph type="title"/>
-          </p:nvPr>
-        </p:nvSpPr>
-        <p:spPr>
-          <a:xfrm>
-            <a:off x="1065197" y="5120640"/>
-            <a:ext cx="10058400" cy="822960"/>
-          </a:xfrm>
-        </p:spPr>
-        <p:txBody>
-          <a:bodyPr vert="horz" lIns="91440" tIns="45720" rIns="91440" bIns="45720" rtlCol="0" anchor="b">
-            <a:normAutofit/>
-          </a:bodyPr>
-          <a:lstStyle/>
-          <a:p>
-            <a:r>
-              <a:rPr lang="en-US" sz="3600" dirty="0">
+          <a:noFill/>
+          <a:extLst>
+            <a:ext uri="{909E8E84-426E-40DD-AFC4-6F175D3DCCD1}">
+              <a14:hiddenFill xmlns:a14="http://schemas.microsoft.com/office/drawing/2010/main">
                 <a:solidFill>
                   <a:srgbClr val="FFFFFF"/>
                 </a:solidFill>
-              </a:rPr>
-              <a:t>Creating walls</a:t>
-            </a:r>
-          </a:p>
-        </p:txBody>
-      </p:sp>
-      <p:sp>
-        <p:nvSpPr>
-          <p:cNvPr id="18" name="Rectangle 17">
-            <a:extLst>
-              <a:ext uri="{FF2B5EF4-FFF2-40B4-BE49-F238E27FC236}">
-                <a16:creationId xmlns:a16="http://schemas.microsoft.com/office/drawing/2014/main" id="{D5AADE08-A85D-4367-AF35-82927B65BCD5}"/>
-              </a:ext>
-              <a:ext uri="{C183D7F6-B498-43B3-948B-1728B52AA6E4}">
-                <adec:decorative xmlns:adec="http://schemas.microsoft.com/office/drawing/2017/decorative" val="1"/>
-              </a:ext>
-            </a:extLst>
-          </p:cNvPr>
-          <p:cNvSpPr>
-            <a:spLocks noGrp="1" noRot="1" noChangeAspect="1" noMove="1" noResize="1" noEditPoints="1" noAdjustHandles="1" noChangeArrowheads="1" noChangeShapeType="1" noTextEdit="1"/>
-          </p:cNvSpPr>
-          <p:nvPr>
-            <p:extLst>
-              <p:ext uri="{386F3935-93C4-4BCD-93E2-E3B085C9AB24}">
-                <p16:designElem xmlns:p16="http://schemas.microsoft.com/office/powerpoint/2015/main" val="1"/>
-              </p:ext>
-            </p:extLst>
-          </p:nvPr>
-        </p:nvSpPr>
-        <p:spPr>
-          <a:xfrm>
-            <a:off x="1507" y="4906176"/>
-            <a:ext cx="12188952" cy="64008"/>
-          </a:xfrm>
-          <a:prstGeom prst="rect">
-            <a:avLst/>
-          </a:prstGeom>
-          <a:solidFill>
-            <a:schemeClr val="accent1"/>
-          </a:solidFill>
-          <a:ln>
-            <a:noFill/>
-          </a:ln>
-        </p:spPr>
-        <p:style>
-          <a:lnRef idx="2">
-            <a:schemeClr val="accent1">
-              <a:shade val="50000"/>
-            </a:schemeClr>
-          </a:lnRef>
-          <a:fillRef idx="1">
-            <a:schemeClr val="accent1"/>
-          </a:fillRef>
-          <a:effectRef idx="0">
-            <a:schemeClr val="accent1"/>
-          </a:effectRef>
-          <a:fontRef idx="minor">
-            <a:schemeClr val="lt1"/>
-          </a:fontRef>
-        </p:style>
-      </p:sp>
+              </a14:hiddenFill>
+            </a:ext>
+          </a:extLst>
+        </p:spPr>
+      </p:pic>
     </p:spTree>
     <p:extLst>
       <p:ext uri="{BB962C8B-B14F-4D97-AF65-F5344CB8AC3E}">
-        <p14:creationId xmlns:p14="http://schemas.microsoft.com/office/powerpoint/2010/main" val="556370433"/>
+        <p14:creationId xmlns:p14="http://schemas.microsoft.com/office/powerpoint/2010/main" val="2060452004"/>
       </p:ext>
     </p:extLst>
   </p:cSld>

--- a/presentation/ballwall.pptx
+++ b/presentation/ballwall.pptx
@@ -18,15 +18,11 @@
     <p:sldId id="268" r:id="rId12"/>
     <p:sldId id="276" r:id="rId13"/>
     <p:sldId id="269" r:id="rId14"/>
-    <p:sldId id="270" r:id="rId15"/>
-    <p:sldId id="260" r:id="rId16"/>
-    <p:sldId id="265" r:id="rId17"/>
-    <p:sldId id="271" r:id="rId18"/>
-    <p:sldId id="272" r:id="rId19"/>
-    <p:sldId id="262" r:id="rId20"/>
-    <p:sldId id="264" r:id="rId21"/>
-    <p:sldId id="263" r:id="rId22"/>
-    <p:sldId id="277" r:id="rId23"/>
+    <p:sldId id="260" r:id="rId15"/>
+    <p:sldId id="265" r:id="rId16"/>
+    <p:sldId id="278" r:id="rId17"/>
+    <p:sldId id="263" r:id="rId18"/>
+    <p:sldId id="277" r:id="rId19"/>
   </p:sldIdLst>
   <p:sldSz cx="12192000" cy="6858000"/>
   <p:notesSz cx="6858000" cy="9144000"/>
@@ -361,7 +357,7 @@
           <a:p>
             <a:fld id="{19989466-504B-4804-90BA-42AAF5AF4E6F}" type="datetimeFigureOut">
               <a:rPr lang="de-AT" smtClean="0"/>
-              <a:t>15.06.2021</a:t>
+              <a:t>23.06.2021</a:t>
             </a:fld>
             <a:endParaRPr lang="de-AT"/>
           </a:p>
@@ -569,7 +565,7 @@
           <a:p>
             <a:fld id="{19989466-504B-4804-90BA-42AAF5AF4E6F}" type="datetimeFigureOut">
               <a:rPr lang="de-AT" smtClean="0"/>
-              <a:t>15.06.2021</a:t>
+              <a:t>23.06.2021</a:t>
             </a:fld>
             <a:endParaRPr lang="de-AT"/>
           </a:p>
@@ -827,7 +823,7 @@
           <a:p>
             <a:fld id="{19989466-504B-4804-90BA-42AAF5AF4E6F}" type="datetimeFigureOut">
               <a:rPr lang="de-AT" smtClean="0"/>
-              <a:t>15.06.2021</a:t>
+              <a:t>23.06.2021</a:t>
             </a:fld>
             <a:endParaRPr lang="de-AT"/>
           </a:p>
@@ -997,7 +993,7 @@
           <a:p>
             <a:fld id="{19989466-504B-4804-90BA-42AAF5AF4E6F}" type="datetimeFigureOut">
               <a:rPr lang="de-AT" smtClean="0"/>
-              <a:t>15.06.2021</a:t>
+              <a:t>23.06.2021</a:t>
             </a:fld>
             <a:endParaRPr lang="de-AT"/>
           </a:p>
@@ -1334,7 +1330,7 @@
           <a:p>
             <a:fld id="{19989466-504B-4804-90BA-42AAF5AF4E6F}" type="datetimeFigureOut">
               <a:rPr lang="de-AT" smtClean="0"/>
-              <a:t>15.06.2021</a:t>
+              <a:t>23.06.2021</a:t>
             </a:fld>
             <a:endParaRPr lang="de-AT"/>
           </a:p>
@@ -1609,7 +1605,7 @@
           <a:p>
             <a:fld id="{19989466-504B-4804-90BA-42AAF5AF4E6F}" type="datetimeFigureOut">
               <a:rPr lang="de-AT" smtClean="0"/>
-              <a:t>15.06.2021</a:t>
+              <a:t>23.06.2021</a:t>
             </a:fld>
             <a:endParaRPr lang="de-AT"/>
           </a:p>
@@ -1988,7 +1984,7 @@
           <a:p>
             <a:fld id="{19989466-504B-4804-90BA-42AAF5AF4E6F}" type="datetimeFigureOut">
               <a:rPr lang="de-AT" smtClean="0"/>
-              <a:t>15.06.2021</a:t>
+              <a:t>23.06.2021</a:t>
             </a:fld>
             <a:endParaRPr lang="de-AT"/>
           </a:p>
@@ -2106,7 +2102,7 @@
           <a:p>
             <a:fld id="{19989466-504B-4804-90BA-42AAF5AF4E6F}" type="datetimeFigureOut">
               <a:rPr lang="de-AT" smtClean="0"/>
-              <a:t>15.06.2021</a:t>
+              <a:t>23.06.2021</a:t>
             </a:fld>
             <a:endParaRPr lang="de-AT"/>
           </a:p>
@@ -2279,7 +2275,7 @@
           <a:p>
             <a:fld id="{19989466-504B-4804-90BA-42AAF5AF4E6F}" type="datetimeFigureOut">
               <a:rPr lang="de-AT" smtClean="0"/>
-              <a:t>15.06.2021</a:t>
+              <a:t>23.06.2021</a:t>
             </a:fld>
             <a:endParaRPr lang="de-AT"/>
           </a:p>
@@ -2635,7 +2631,7 @@
           <a:p>
             <a:fld id="{19989466-504B-4804-90BA-42AAF5AF4E6F}" type="datetimeFigureOut">
               <a:rPr lang="de-AT" smtClean="0"/>
-              <a:t>15.06.2021</a:t>
+              <a:t>23.06.2021</a:t>
             </a:fld>
             <a:endParaRPr lang="de-AT"/>
           </a:p>
@@ -3014,7 +3010,7 @@
           <a:p>
             <a:fld id="{19989466-504B-4804-90BA-42AAF5AF4E6F}" type="datetimeFigureOut">
               <a:rPr lang="de-AT" smtClean="0"/>
-              <a:t>15.06.2021</a:t>
+              <a:t>23.06.2021</a:t>
             </a:fld>
             <a:endParaRPr lang="de-AT"/>
           </a:p>
@@ -3303,7 +3299,7 @@
           <a:p>
             <a:fld id="{19989466-504B-4804-90BA-42AAF5AF4E6F}" type="datetimeFigureOut">
               <a:rPr lang="de-AT" smtClean="0"/>
-              <a:t>15.06.2021</a:t>
+              <a:t>23.06.2021</a:t>
             </a:fld>
             <a:endParaRPr lang="de-AT"/>
           </a:p>
@@ -4061,7 +4057,7 @@
                 <a:latin typeface="Times New Roman" panose="02020603050405020304" pitchFamily="18" charset="0"/>
                 <a:cs typeface="Times New Roman" panose="02020603050405020304" pitchFamily="18" charset="0"/>
               </a:rPr>
-              <a:t> done in three main steps</a:t>
+              <a:t> done in two main steps</a:t>
             </a:r>
             <a:endParaRPr lang="de-AT" dirty="0">
               <a:latin typeface="Times New Roman" panose="02020603050405020304" pitchFamily="18" charset="0"/>
@@ -5175,397 +5171,6 @@
 </file>
 
 <file path=ppt/slides/slide14.xml><?xml version="1.0" encoding="utf-8"?>
-<p:sld xmlns:a="http://schemas.openxmlformats.org/drawingml/2006/main" xmlns:r="http://schemas.openxmlformats.org/officeDocument/2006/relationships" xmlns:p="http://schemas.openxmlformats.org/presentationml/2006/main">
-  <p:cSld>
-    <p:bg>
-      <p:bgPr>
-        <a:solidFill>
-          <a:schemeClr val="bg2"/>
-        </a:solidFill>
-        <a:effectLst/>
-      </p:bgPr>
-    </p:bg>
-    <p:spTree>
-      <p:nvGrpSpPr>
-        <p:cNvPr id="1" name=""/>
-        <p:cNvGrpSpPr/>
-        <p:nvPr/>
-      </p:nvGrpSpPr>
-      <p:grpSpPr>
-        <a:xfrm>
-          <a:off x="0" y="0"/>
-          <a:ext cx="0" cy="0"/>
-          <a:chOff x="0" y="0"/>
-          <a:chExt cx="0" cy="0"/>
-        </a:xfrm>
-      </p:grpSpPr>
-      <p:sp>
-        <p:nvSpPr>
-          <p:cNvPr id="38" name="Rectangle 37">
-            <a:extLst>
-              <a:ext uri="{FF2B5EF4-FFF2-40B4-BE49-F238E27FC236}">
-                <a16:creationId xmlns:a16="http://schemas.microsoft.com/office/drawing/2014/main" id="{C1CEA5B3-F026-4EA7-8ECF-E1F5465E5684}"/>
-              </a:ext>
-              <a:ext uri="{C183D7F6-B498-43B3-948B-1728B52AA6E4}">
-                <adec:decorative xmlns:adec="http://schemas.microsoft.com/office/drawing/2017/decorative" val="1"/>
-              </a:ext>
-            </a:extLst>
-          </p:cNvPr>
-          <p:cNvSpPr>
-            <a:spLocks noGrp="1" noRot="1" noChangeAspect="1" noMove="1" noResize="1" noEditPoints="1" noAdjustHandles="1" noChangeArrowheads="1" noChangeShapeType="1" noTextEdit="1"/>
-          </p:cNvSpPr>
-          <p:nvPr>
-            <p:extLst>
-              <p:ext uri="{386F3935-93C4-4BCD-93E2-E3B085C9AB24}">
-                <p16:designElem xmlns:p16="http://schemas.microsoft.com/office/powerpoint/2015/main" val="1"/>
-              </p:ext>
-            </p:extLst>
-          </p:nvPr>
-        </p:nvSpPr>
-        <p:spPr>
-          <a:xfrm>
-            <a:off x="3175" y="6400800"/>
-            <a:ext cx="12188825" cy="457200"/>
-          </a:xfrm>
-          <a:prstGeom prst="rect">
-            <a:avLst/>
-          </a:prstGeom>
-          <a:solidFill>
-            <a:schemeClr val="accent1">
-              <a:lumMod val="50000"/>
-            </a:schemeClr>
-          </a:solidFill>
-          <a:ln>
-            <a:noFill/>
-          </a:ln>
-        </p:spPr>
-        <p:style>
-          <a:lnRef idx="2">
-            <a:schemeClr val="accent1">
-              <a:shade val="50000"/>
-            </a:schemeClr>
-          </a:lnRef>
-          <a:fillRef idx="1">
-            <a:schemeClr val="accent1"/>
-          </a:fillRef>
-          <a:effectRef idx="0">
-            <a:schemeClr val="accent1"/>
-          </a:effectRef>
-          <a:fontRef idx="minor">
-            <a:schemeClr val="lt1"/>
-          </a:fontRef>
-        </p:style>
-      </p:sp>
-      <p:sp>
-        <p:nvSpPr>
-          <p:cNvPr id="40" name="Rectangle 39">
-            <a:extLst>
-              <a:ext uri="{FF2B5EF4-FFF2-40B4-BE49-F238E27FC236}">
-                <a16:creationId xmlns:a16="http://schemas.microsoft.com/office/drawing/2014/main" id="{4B486FE1-17CE-45A4-9CBC-8C0B185E1963}"/>
-              </a:ext>
-              <a:ext uri="{C183D7F6-B498-43B3-948B-1728B52AA6E4}">
-                <adec:decorative xmlns:adec="http://schemas.microsoft.com/office/drawing/2017/decorative" val="1"/>
-              </a:ext>
-            </a:extLst>
-          </p:cNvPr>
-          <p:cNvSpPr>
-            <a:spLocks noGrp="1" noRot="1" noChangeAspect="1" noMove="1" noResize="1" noEditPoints="1" noAdjustHandles="1" noChangeArrowheads="1" noChangeShapeType="1" noTextEdit="1"/>
-          </p:cNvSpPr>
-          <p:nvPr>
-            <p:extLst>
-              <p:ext uri="{386F3935-93C4-4BCD-93E2-E3B085C9AB24}">
-                <p16:designElem xmlns:p16="http://schemas.microsoft.com/office/powerpoint/2015/main" val="1"/>
-              </p:ext>
-            </p:extLst>
-          </p:nvPr>
-        </p:nvSpPr>
-        <p:spPr>
-          <a:xfrm>
-            <a:off x="15" y="6334316"/>
-            <a:ext cx="12188825" cy="64008"/>
-          </a:xfrm>
-          <a:prstGeom prst="rect">
-            <a:avLst/>
-          </a:prstGeom>
-          <a:solidFill>
-            <a:schemeClr val="accent1"/>
-          </a:solidFill>
-          <a:ln>
-            <a:noFill/>
-          </a:ln>
-        </p:spPr>
-        <p:style>
-          <a:lnRef idx="2">
-            <a:schemeClr val="accent1">
-              <a:shade val="50000"/>
-            </a:schemeClr>
-          </a:lnRef>
-          <a:fillRef idx="1">
-            <a:schemeClr val="accent1"/>
-          </a:fillRef>
-          <a:effectRef idx="0">
-            <a:schemeClr val="accent1"/>
-          </a:effectRef>
-          <a:fontRef idx="minor">
-            <a:schemeClr val="lt1"/>
-          </a:fontRef>
-        </p:style>
-      </p:sp>
-      <p:cxnSp>
-        <p:nvCxnSpPr>
-          <p:cNvPr id="42" name="Straight Connector 41">
-            <a:extLst>
-              <a:ext uri="{FF2B5EF4-FFF2-40B4-BE49-F238E27FC236}">
-                <a16:creationId xmlns:a16="http://schemas.microsoft.com/office/drawing/2014/main" id="{2AF0217B-4943-4BF1-8CDF-A5FB04C876DA}"/>
-              </a:ext>
-              <a:ext uri="{C183D7F6-B498-43B3-948B-1728B52AA6E4}">
-                <adec:decorative xmlns:adec="http://schemas.microsoft.com/office/drawing/2017/decorative" val="1"/>
-              </a:ext>
-            </a:extLst>
-          </p:cNvPr>
-          <p:cNvCxnSpPr>
-            <a:cxnSpLocks noGrp="1" noRot="1" noChangeAspect="1" noMove="1" noResize="1" noEditPoints="1" noAdjustHandles="1" noChangeArrowheads="1" noChangeShapeType="1"/>
-          </p:cNvCxnSpPr>
-          <p:nvPr>
-            <p:extLst>
-              <p:ext uri="{386F3935-93C4-4BCD-93E2-E3B085C9AB24}">
-                <p16:designElem xmlns:p16="http://schemas.microsoft.com/office/powerpoint/2015/main" val="1"/>
-              </p:ext>
-            </p:extLst>
-          </p:nvPr>
-        </p:nvCxnSpPr>
-        <p:spPr>
-          <a:xfrm>
-            <a:off x="1207658" y="4343400"/>
-            <a:ext cx="9875520" cy="0"/>
-          </a:xfrm>
-          <a:prstGeom prst="line">
-            <a:avLst/>
-          </a:prstGeom>
-          <a:ln w="6350">
-            <a:solidFill>
-              <a:schemeClr val="tx1">
-                <a:lumMod val="50000"/>
-                <a:lumOff val="50000"/>
-              </a:schemeClr>
-            </a:solidFill>
-          </a:ln>
-        </p:spPr>
-        <p:style>
-          <a:lnRef idx="1">
-            <a:schemeClr val="accent1"/>
-          </a:lnRef>
-          <a:fillRef idx="0">
-            <a:schemeClr val="accent1"/>
-          </a:fillRef>
-          <a:effectRef idx="0">
-            <a:schemeClr val="accent1"/>
-          </a:effectRef>
-          <a:fontRef idx="minor">
-            <a:schemeClr val="tx1"/>
-          </a:fontRef>
-        </p:style>
-      </p:cxnSp>
-      <p:sp>
-        <p:nvSpPr>
-          <p:cNvPr id="44" name="Rectangle 43">
-            <a:extLst>
-              <a:ext uri="{FF2B5EF4-FFF2-40B4-BE49-F238E27FC236}">
-                <a16:creationId xmlns:a16="http://schemas.microsoft.com/office/drawing/2014/main" id="{947A5FA4-F7D9-4BD2-BCEA-016B70DC8E02}"/>
-              </a:ext>
-              <a:ext uri="{C183D7F6-B498-43B3-948B-1728B52AA6E4}">
-                <adec:decorative xmlns:adec="http://schemas.microsoft.com/office/drawing/2017/decorative" val="1"/>
-              </a:ext>
-            </a:extLst>
-          </p:cNvPr>
-          <p:cNvSpPr>
-            <a:spLocks noGrp="1" noRot="1" noChangeAspect="1" noMove="1" noResize="1" noEditPoints="1" noAdjustHandles="1" noChangeArrowheads="1" noChangeShapeType="1" noTextEdit="1"/>
-          </p:cNvSpPr>
-          <p:nvPr>
-            <p:extLst>
-              <p:ext uri="{386F3935-93C4-4BCD-93E2-E3B085C9AB24}">
-                <p16:designElem xmlns:p16="http://schemas.microsoft.com/office/powerpoint/2015/main" val="1"/>
-              </p:ext>
-            </p:extLst>
-          </p:nvPr>
-        </p:nvSpPr>
-        <p:spPr bwMode="white">
-          <a:xfrm>
-            <a:off x="1507" y="4953000"/>
-            <a:ext cx="12188952" cy="1905000"/>
-          </a:xfrm>
-          <a:prstGeom prst="rect">
-            <a:avLst/>
-          </a:prstGeom>
-          <a:solidFill>
-            <a:schemeClr val="accent1">
-              <a:lumMod val="50000"/>
-            </a:schemeClr>
-          </a:solidFill>
-          <a:ln>
-            <a:noFill/>
-          </a:ln>
-        </p:spPr>
-        <p:style>
-          <a:lnRef idx="2">
-            <a:schemeClr val="accent1">
-              <a:shade val="50000"/>
-            </a:schemeClr>
-          </a:lnRef>
-          <a:fillRef idx="1">
-            <a:schemeClr val="accent1"/>
-          </a:fillRef>
-          <a:effectRef idx="0">
-            <a:schemeClr val="accent1"/>
-          </a:effectRef>
-          <a:fontRef idx="minor">
-            <a:schemeClr val="lt1"/>
-          </a:fontRef>
-        </p:style>
-      </p:sp>
-      <p:sp>
-        <p:nvSpPr>
-          <p:cNvPr id="2" name="Titel 1">
-            <a:extLst>
-              <a:ext uri="{FF2B5EF4-FFF2-40B4-BE49-F238E27FC236}">
-                <a16:creationId xmlns:a16="http://schemas.microsoft.com/office/drawing/2014/main" id="{813CBFB9-7F76-4A9D-908B-14CE62DBDD92}"/>
-              </a:ext>
-            </a:extLst>
-          </p:cNvPr>
-          <p:cNvSpPr>
-            <a:spLocks noGrp="1"/>
-          </p:cNvSpPr>
-          <p:nvPr>
-            <p:ph type="title"/>
-          </p:nvPr>
-        </p:nvSpPr>
-        <p:spPr>
-          <a:xfrm>
-            <a:off x="1065197" y="5120640"/>
-            <a:ext cx="10058400" cy="822960"/>
-          </a:xfrm>
-        </p:spPr>
-        <p:txBody>
-          <a:bodyPr vert="horz" lIns="91440" tIns="45720" rIns="91440" bIns="45720" rtlCol="0" anchor="b">
-            <a:normAutofit/>
-          </a:bodyPr>
-          <a:lstStyle/>
-          <a:p>
-            <a:r>
-              <a:rPr lang="en-US" sz="3600">
-                <a:solidFill>
-                  <a:srgbClr val="FFFFFF"/>
-                </a:solidFill>
-              </a:rPr>
-              <a:t>Creating the sphere: 3.step</a:t>
-            </a:r>
-          </a:p>
-        </p:txBody>
-      </p:sp>
-      <p:sp>
-        <p:nvSpPr>
-          <p:cNvPr id="46" name="Rectangle 45">
-            <a:extLst>
-              <a:ext uri="{FF2B5EF4-FFF2-40B4-BE49-F238E27FC236}">
-                <a16:creationId xmlns:a16="http://schemas.microsoft.com/office/drawing/2014/main" id="{D5AADE08-A85D-4367-AF35-82927B65BCD5}"/>
-              </a:ext>
-              <a:ext uri="{C183D7F6-B498-43B3-948B-1728B52AA6E4}">
-                <adec:decorative xmlns:adec="http://schemas.microsoft.com/office/drawing/2017/decorative" val="1"/>
-              </a:ext>
-            </a:extLst>
-          </p:cNvPr>
-          <p:cNvSpPr>
-            <a:spLocks noGrp="1" noRot="1" noChangeAspect="1" noMove="1" noResize="1" noEditPoints="1" noAdjustHandles="1" noChangeArrowheads="1" noChangeShapeType="1" noTextEdit="1"/>
-          </p:cNvSpPr>
-          <p:nvPr>
-            <p:extLst>
-              <p:ext uri="{386F3935-93C4-4BCD-93E2-E3B085C9AB24}">
-                <p16:designElem xmlns:p16="http://schemas.microsoft.com/office/powerpoint/2015/main" val="1"/>
-              </p:ext>
-            </p:extLst>
-          </p:nvPr>
-        </p:nvSpPr>
-        <p:spPr>
-          <a:xfrm>
-            <a:off x="1507" y="4906176"/>
-            <a:ext cx="12188952" cy="64008"/>
-          </a:xfrm>
-          <a:prstGeom prst="rect">
-            <a:avLst/>
-          </a:prstGeom>
-          <a:solidFill>
-            <a:schemeClr val="accent1"/>
-          </a:solidFill>
-          <a:ln>
-            <a:noFill/>
-          </a:ln>
-        </p:spPr>
-        <p:style>
-          <a:lnRef idx="2">
-            <a:schemeClr val="accent1">
-              <a:shade val="50000"/>
-            </a:schemeClr>
-          </a:lnRef>
-          <a:fillRef idx="1">
-            <a:schemeClr val="accent1"/>
-          </a:fillRef>
-          <a:effectRef idx="0">
-            <a:schemeClr val="accent1"/>
-          </a:effectRef>
-          <a:fontRef idx="minor">
-            <a:schemeClr val="lt1"/>
-          </a:fontRef>
-        </p:style>
-      </p:sp>
-      <p:pic>
-        <p:nvPicPr>
-          <p:cNvPr id="11" name="Inhaltsplatzhalter 10" descr="Ein Bild, das Text enthält.&#10;&#10;Automatisch generierte Beschreibung">
-            <a:extLst>
-              <a:ext uri="{FF2B5EF4-FFF2-40B4-BE49-F238E27FC236}">
-                <a16:creationId xmlns:a16="http://schemas.microsoft.com/office/drawing/2014/main" id="{607388EC-9D73-4DC2-A649-E5B9AC37C99B}"/>
-              </a:ext>
-            </a:extLst>
-          </p:cNvPr>
-          <p:cNvPicPr>
-            <a:picLocks noGrp="1" noChangeAspect="1"/>
-          </p:cNvPicPr>
-          <p:nvPr>
-            <p:ph idx="1"/>
-          </p:nvPr>
-        </p:nvPicPr>
-        <p:blipFill>
-          <a:blip r:embed="rId2">
-            <a:extLst>
-              <a:ext uri="{28A0092B-C50C-407E-A947-70E740481C1C}">
-                <a14:useLocalDpi xmlns:a14="http://schemas.microsoft.com/office/drawing/2010/main" val="0"/>
-              </a:ext>
-            </a:extLst>
-          </a:blip>
-          <a:stretch>
-            <a:fillRect/>
-          </a:stretch>
-        </p:blipFill>
-        <p:spPr>
-          <a:xfrm>
-            <a:off x="-3975" y="78948"/>
-            <a:ext cx="12192815" cy="4752000"/>
-          </a:xfrm>
-        </p:spPr>
-      </p:pic>
-    </p:spTree>
-    <p:extLst>
-      <p:ext uri="{BB962C8B-B14F-4D97-AF65-F5344CB8AC3E}">
-        <p14:creationId xmlns:p14="http://schemas.microsoft.com/office/powerpoint/2010/main" val="2516939678"/>
-      </p:ext>
-    </p:extLst>
-  </p:cSld>
-  <p:clrMapOvr>
-    <a:masterClrMapping/>
-  </p:clrMapOvr>
-</p:sld>
-</file>
-
-<file path=ppt/slides/slide15.xml><?xml version="1.0" encoding="utf-8"?>
 <p:sld xmlns:a="http://schemas.openxmlformats.org/drawingml/2006/main" xmlns:r="http://schemas.openxmlformats.org/officeDocument/2006/relationships" xmlns:p="http://schemas.openxmlformats.org/presentationml/2006/main" showMasterSp="0">
   <p:cSld>
     <p:bg>
@@ -6143,7 +5748,7 @@
 </p:sld>
 </file>
 
-<file path=ppt/slides/slide16.xml><?xml version="1.0" encoding="utf-8"?>
+<file path=ppt/slides/slide15.xml><?xml version="1.0" encoding="utf-8"?>
 <p:sld xmlns:a="http://schemas.openxmlformats.org/drawingml/2006/main" xmlns:r="http://schemas.openxmlformats.org/officeDocument/2006/relationships" xmlns:p="http://schemas.openxmlformats.org/presentationml/2006/main">
   <p:cSld>
     <p:bg>
@@ -6536,398 +6141,7 @@
 </p:sld>
 </file>
 
-<file path=ppt/slides/slide17.xml><?xml version="1.0" encoding="utf-8"?>
-<p:sld xmlns:a="http://schemas.openxmlformats.org/drawingml/2006/main" xmlns:r="http://schemas.openxmlformats.org/officeDocument/2006/relationships" xmlns:p="http://schemas.openxmlformats.org/presentationml/2006/main">
-  <p:cSld>
-    <p:bg>
-      <p:bgPr>
-        <a:solidFill>
-          <a:schemeClr val="bg2"/>
-        </a:solidFill>
-        <a:effectLst/>
-      </p:bgPr>
-    </p:bg>
-    <p:spTree>
-      <p:nvGrpSpPr>
-        <p:cNvPr id="1" name=""/>
-        <p:cNvGrpSpPr/>
-        <p:nvPr/>
-      </p:nvGrpSpPr>
-      <p:grpSpPr>
-        <a:xfrm>
-          <a:off x="0" y="0"/>
-          <a:ext cx="0" cy="0"/>
-          <a:chOff x="0" y="0"/>
-          <a:chExt cx="0" cy="0"/>
-        </a:xfrm>
-      </p:grpSpPr>
-      <p:sp>
-        <p:nvSpPr>
-          <p:cNvPr id="10" name="Rectangle 9">
-            <a:extLst>
-              <a:ext uri="{FF2B5EF4-FFF2-40B4-BE49-F238E27FC236}">
-                <a16:creationId xmlns:a16="http://schemas.microsoft.com/office/drawing/2014/main" id="{C1CEA5B3-F026-4EA7-8ECF-E1F5465E5684}"/>
-              </a:ext>
-              <a:ext uri="{C183D7F6-B498-43B3-948B-1728B52AA6E4}">
-                <adec:decorative xmlns:adec="http://schemas.microsoft.com/office/drawing/2017/decorative" val="1"/>
-              </a:ext>
-            </a:extLst>
-          </p:cNvPr>
-          <p:cNvSpPr>
-            <a:spLocks noGrp="1" noRot="1" noChangeAspect="1" noMove="1" noResize="1" noEditPoints="1" noAdjustHandles="1" noChangeArrowheads="1" noChangeShapeType="1" noTextEdit="1"/>
-          </p:cNvSpPr>
-          <p:nvPr>
-            <p:extLst>
-              <p:ext uri="{386F3935-93C4-4BCD-93E2-E3B085C9AB24}">
-                <p16:designElem xmlns:p16="http://schemas.microsoft.com/office/powerpoint/2015/main" val="1"/>
-              </p:ext>
-            </p:extLst>
-          </p:nvPr>
-        </p:nvSpPr>
-        <p:spPr>
-          <a:xfrm>
-            <a:off x="3175" y="6400800"/>
-            <a:ext cx="12188825" cy="457200"/>
-          </a:xfrm>
-          <a:prstGeom prst="rect">
-            <a:avLst/>
-          </a:prstGeom>
-          <a:solidFill>
-            <a:schemeClr val="accent1">
-              <a:lumMod val="50000"/>
-            </a:schemeClr>
-          </a:solidFill>
-          <a:ln>
-            <a:noFill/>
-          </a:ln>
-        </p:spPr>
-        <p:style>
-          <a:lnRef idx="2">
-            <a:schemeClr val="accent1">
-              <a:shade val="50000"/>
-            </a:schemeClr>
-          </a:lnRef>
-          <a:fillRef idx="1">
-            <a:schemeClr val="accent1"/>
-          </a:fillRef>
-          <a:effectRef idx="0">
-            <a:schemeClr val="accent1"/>
-          </a:effectRef>
-          <a:fontRef idx="minor">
-            <a:schemeClr val="lt1"/>
-          </a:fontRef>
-        </p:style>
-      </p:sp>
-      <p:sp>
-        <p:nvSpPr>
-          <p:cNvPr id="12" name="Rectangle 11">
-            <a:extLst>
-              <a:ext uri="{FF2B5EF4-FFF2-40B4-BE49-F238E27FC236}">
-                <a16:creationId xmlns:a16="http://schemas.microsoft.com/office/drawing/2014/main" id="{4B486FE1-17CE-45A4-9CBC-8C0B185E1963}"/>
-              </a:ext>
-              <a:ext uri="{C183D7F6-B498-43B3-948B-1728B52AA6E4}">
-                <adec:decorative xmlns:adec="http://schemas.microsoft.com/office/drawing/2017/decorative" val="1"/>
-              </a:ext>
-            </a:extLst>
-          </p:cNvPr>
-          <p:cNvSpPr>
-            <a:spLocks noGrp="1" noRot="1" noChangeAspect="1" noMove="1" noResize="1" noEditPoints="1" noAdjustHandles="1" noChangeArrowheads="1" noChangeShapeType="1" noTextEdit="1"/>
-          </p:cNvSpPr>
-          <p:nvPr>
-            <p:extLst>
-              <p:ext uri="{386F3935-93C4-4BCD-93E2-E3B085C9AB24}">
-                <p16:designElem xmlns:p16="http://schemas.microsoft.com/office/powerpoint/2015/main" val="1"/>
-              </p:ext>
-            </p:extLst>
-          </p:nvPr>
-        </p:nvSpPr>
-        <p:spPr>
-          <a:xfrm>
-            <a:off x="15" y="6334316"/>
-            <a:ext cx="12188825" cy="64008"/>
-          </a:xfrm>
-          <a:prstGeom prst="rect">
-            <a:avLst/>
-          </a:prstGeom>
-          <a:solidFill>
-            <a:schemeClr val="accent1"/>
-          </a:solidFill>
-          <a:ln>
-            <a:noFill/>
-          </a:ln>
-        </p:spPr>
-        <p:style>
-          <a:lnRef idx="2">
-            <a:schemeClr val="accent1">
-              <a:shade val="50000"/>
-            </a:schemeClr>
-          </a:lnRef>
-          <a:fillRef idx="1">
-            <a:schemeClr val="accent1"/>
-          </a:fillRef>
-          <a:effectRef idx="0">
-            <a:schemeClr val="accent1"/>
-          </a:effectRef>
-          <a:fontRef idx="minor">
-            <a:schemeClr val="lt1"/>
-          </a:fontRef>
-        </p:style>
-      </p:sp>
-      <p:cxnSp>
-        <p:nvCxnSpPr>
-          <p:cNvPr id="14" name="Straight Connector 13">
-            <a:extLst>
-              <a:ext uri="{FF2B5EF4-FFF2-40B4-BE49-F238E27FC236}">
-                <a16:creationId xmlns:a16="http://schemas.microsoft.com/office/drawing/2014/main" id="{2AF0217B-4943-4BF1-8CDF-A5FB04C876DA}"/>
-              </a:ext>
-              <a:ext uri="{C183D7F6-B498-43B3-948B-1728B52AA6E4}">
-                <adec:decorative xmlns:adec="http://schemas.microsoft.com/office/drawing/2017/decorative" val="1"/>
-              </a:ext>
-            </a:extLst>
-          </p:cNvPr>
-          <p:cNvCxnSpPr>
-            <a:cxnSpLocks noGrp="1" noRot="1" noChangeAspect="1" noMove="1" noResize="1" noEditPoints="1" noAdjustHandles="1" noChangeArrowheads="1" noChangeShapeType="1"/>
-          </p:cNvCxnSpPr>
-          <p:nvPr>
-            <p:extLst>
-              <p:ext uri="{386F3935-93C4-4BCD-93E2-E3B085C9AB24}">
-                <p16:designElem xmlns:p16="http://schemas.microsoft.com/office/powerpoint/2015/main" val="1"/>
-              </p:ext>
-            </p:extLst>
-          </p:nvPr>
-        </p:nvCxnSpPr>
-        <p:spPr>
-          <a:xfrm>
-            <a:off x="1207658" y="4343400"/>
-            <a:ext cx="9875520" cy="0"/>
-          </a:xfrm>
-          <a:prstGeom prst="line">
-            <a:avLst/>
-          </a:prstGeom>
-          <a:ln w="6350">
-            <a:solidFill>
-              <a:schemeClr val="tx1">
-                <a:lumMod val="50000"/>
-                <a:lumOff val="50000"/>
-              </a:schemeClr>
-            </a:solidFill>
-          </a:ln>
-        </p:spPr>
-        <p:style>
-          <a:lnRef idx="1">
-            <a:schemeClr val="accent1"/>
-          </a:lnRef>
-          <a:fillRef idx="0">
-            <a:schemeClr val="accent1"/>
-          </a:fillRef>
-          <a:effectRef idx="0">
-            <a:schemeClr val="accent1"/>
-          </a:effectRef>
-          <a:fontRef idx="minor">
-            <a:schemeClr val="tx1"/>
-          </a:fontRef>
-        </p:style>
-      </p:cxnSp>
-      <p:sp>
-        <p:nvSpPr>
-          <p:cNvPr id="16" name="Rectangle 15">
-            <a:extLst>
-              <a:ext uri="{FF2B5EF4-FFF2-40B4-BE49-F238E27FC236}">
-                <a16:creationId xmlns:a16="http://schemas.microsoft.com/office/drawing/2014/main" id="{947A5FA4-F7D9-4BD2-BCEA-016B70DC8E02}"/>
-              </a:ext>
-              <a:ext uri="{C183D7F6-B498-43B3-948B-1728B52AA6E4}">
-                <adec:decorative xmlns:adec="http://schemas.microsoft.com/office/drawing/2017/decorative" val="1"/>
-              </a:ext>
-            </a:extLst>
-          </p:cNvPr>
-          <p:cNvSpPr>
-            <a:spLocks noGrp="1" noRot="1" noChangeAspect="1" noMove="1" noResize="1" noEditPoints="1" noAdjustHandles="1" noChangeArrowheads="1" noChangeShapeType="1" noTextEdit="1"/>
-          </p:cNvSpPr>
-          <p:nvPr>
-            <p:extLst>
-              <p:ext uri="{386F3935-93C4-4BCD-93E2-E3B085C9AB24}">
-                <p16:designElem xmlns:p16="http://schemas.microsoft.com/office/powerpoint/2015/main" val="1"/>
-              </p:ext>
-            </p:extLst>
-          </p:nvPr>
-        </p:nvSpPr>
-        <p:spPr bwMode="white">
-          <a:xfrm>
-            <a:off x="1507" y="4953000"/>
-            <a:ext cx="12188952" cy="1905000"/>
-          </a:xfrm>
-          <a:prstGeom prst="rect">
-            <a:avLst/>
-          </a:prstGeom>
-          <a:solidFill>
-            <a:schemeClr val="accent1">
-              <a:lumMod val="50000"/>
-            </a:schemeClr>
-          </a:solidFill>
-          <a:ln>
-            <a:noFill/>
-          </a:ln>
-        </p:spPr>
-        <p:style>
-          <a:lnRef idx="2">
-            <a:schemeClr val="accent1">
-              <a:shade val="50000"/>
-            </a:schemeClr>
-          </a:lnRef>
-          <a:fillRef idx="1">
-            <a:schemeClr val="accent1"/>
-          </a:fillRef>
-          <a:effectRef idx="0">
-            <a:schemeClr val="accent1"/>
-          </a:effectRef>
-          <a:fontRef idx="minor">
-            <a:schemeClr val="lt1"/>
-          </a:fontRef>
-        </p:style>
-      </p:sp>
-      <p:sp>
-        <p:nvSpPr>
-          <p:cNvPr id="2" name="Titel 1">
-            <a:extLst>
-              <a:ext uri="{FF2B5EF4-FFF2-40B4-BE49-F238E27FC236}">
-                <a16:creationId xmlns:a16="http://schemas.microsoft.com/office/drawing/2014/main" id="{299ED1C5-2372-4D17-8C63-7692DB9BA827}"/>
-              </a:ext>
-            </a:extLst>
-          </p:cNvPr>
-          <p:cNvSpPr>
-            <a:spLocks noGrp="1"/>
-          </p:cNvSpPr>
-          <p:nvPr>
-            <p:ph type="title"/>
-          </p:nvPr>
-        </p:nvSpPr>
-        <p:spPr>
-          <a:xfrm>
-            <a:off x="1065197" y="5120640"/>
-            <a:ext cx="10058400" cy="822960"/>
-          </a:xfrm>
-        </p:spPr>
-        <p:txBody>
-          <a:bodyPr vert="horz" lIns="91440" tIns="45720" rIns="91440" bIns="45720" rtlCol="0" anchor="b">
-            <a:normAutofit/>
-          </a:bodyPr>
-          <a:lstStyle/>
-          <a:p>
-            <a:r>
-              <a:rPr lang="en-US" sz="3600" dirty="0">
-                <a:solidFill>
-                  <a:srgbClr val="FFFFFF"/>
-                </a:solidFill>
-              </a:rPr>
-              <a:t>Perspective / View</a:t>
-            </a:r>
-          </a:p>
-        </p:txBody>
-      </p:sp>
-      <p:sp>
-        <p:nvSpPr>
-          <p:cNvPr id="18" name="Rectangle 17">
-            <a:extLst>
-              <a:ext uri="{FF2B5EF4-FFF2-40B4-BE49-F238E27FC236}">
-                <a16:creationId xmlns:a16="http://schemas.microsoft.com/office/drawing/2014/main" id="{D5AADE08-A85D-4367-AF35-82927B65BCD5}"/>
-              </a:ext>
-              <a:ext uri="{C183D7F6-B498-43B3-948B-1728B52AA6E4}">
-                <adec:decorative xmlns:adec="http://schemas.microsoft.com/office/drawing/2017/decorative" val="1"/>
-              </a:ext>
-            </a:extLst>
-          </p:cNvPr>
-          <p:cNvSpPr>
-            <a:spLocks noGrp="1" noRot="1" noChangeAspect="1" noMove="1" noResize="1" noEditPoints="1" noAdjustHandles="1" noChangeArrowheads="1" noChangeShapeType="1" noTextEdit="1"/>
-          </p:cNvSpPr>
-          <p:nvPr>
-            <p:extLst>
-              <p:ext uri="{386F3935-93C4-4BCD-93E2-E3B085C9AB24}">
-                <p16:designElem xmlns:p16="http://schemas.microsoft.com/office/powerpoint/2015/main" val="1"/>
-              </p:ext>
-            </p:extLst>
-          </p:nvPr>
-        </p:nvSpPr>
-        <p:spPr>
-          <a:xfrm>
-            <a:off x="1507" y="4906176"/>
-            <a:ext cx="12188952" cy="64008"/>
-          </a:xfrm>
-          <a:prstGeom prst="rect">
-            <a:avLst/>
-          </a:prstGeom>
-          <a:solidFill>
-            <a:schemeClr val="accent1"/>
-          </a:solidFill>
-          <a:ln>
-            <a:noFill/>
-          </a:ln>
-        </p:spPr>
-        <p:style>
-          <a:lnRef idx="2">
-            <a:schemeClr val="accent1">
-              <a:shade val="50000"/>
-            </a:schemeClr>
-          </a:lnRef>
-          <a:fillRef idx="1">
-            <a:schemeClr val="accent1"/>
-          </a:fillRef>
-          <a:effectRef idx="0">
-            <a:schemeClr val="accent1"/>
-          </a:effectRef>
-          <a:fontRef idx="minor">
-            <a:schemeClr val="lt1"/>
-          </a:fontRef>
-        </p:style>
-      </p:sp>
-      <p:pic>
-        <p:nvPicPr>
-          <p:cNvPr id="11" name="Inhaltsplatzhalter 10" descr="Ein Bild, das Text enthält.&#10;&#10;Automatisch generierte Beschreibung">
-            <a:extLst>
-              <a:ext uri="{FF2B5EF4-FFF2-40B4-BE49-F238E27FC236}">
-                <a16:creationId xmlns:a16="http://schemas.microsoft.com/office/drawing/2014/main" id="{015F3B47-6CEE-4316-9498-07BE6723DCDB}"/>
-              </a:ext>
-            </a:extLst>
-          </p:cNvPr>
-          <p:cNvPicPr>
-            <a:picLocks noGrp="1" noChangeAspect="1"/>
-          </p:cNvPicPr>
-          <p:nvPr>
-            <p:ph idx="1"/>
-          </p:nvPr>
-        </p:nvPicPr>
-        <p:blipFill>
-          <a:blip r:embed="rId2">
-            <a:extLst>
-              <a:ext uri="{28A0092B-C50C-407E-A947-70E740481C1C}">
-                <a14:useLocalDpi xmlns:a14="http://schemas.microsoft.com/office/drawing/2010/main" val="0"/>
-              </a:ext>
-            </a:extLst>
-          </a:blip>
-          <a:stretch>
-            <a:fillRect/>
-          </a:stretch>
-        </p:blipFill>
-        <p:spPr>
-          <a:xfrm>
-            <a:off x="824375" y="0"/>
-            <a:ext cx="10642085" cy="4896000"/>
-          </a:xfrm>
-        </p:spPr>
-      </p:pic>
-    </p:spTree>
-    <p:extLst>
-      <p:ext uri="{BB962C8B-B14F-4D97-AF65-F5344CB8AC3E}">
-        <p14:creationId xmlns:p14="http://schemas.microsoft.com/office/powerpoint/2010/main" val="1335712501"/>
-      </p:ext>
-    </p:extLst>
-  </p:cSld>
-  <p:clrMapOvr>
-    <a:masterClrMapping/>
-  </p:clrMapOvr>
-</p:sld>
-</file>
-
-<file path=ppt/slides/slide18.xml><?xml version="1.0" encoding="utf-8"?>
+<file path=ppt/slides/slide16.xml><?xml version="1.0" encoding="utf-8"?>
 <p:sld xmlns:a="http://schemas.openxmlformats.org/drawingml/2006/main" xmlns:r="http://schemas.openxmlformats.org/officeDocument/2006/relationships" xmlns:p="http://schemas.openxmlformats.org/presentationml/2006/main">
   <p:cSld>
     <p:spTree>
@@ -6949,7 +6163,7 @@
           <p:cNvPr id="2" name="Titel 1">
             <a:extLst>
               <a:ext uri="{FF2B5EF4-FFF2-40B4-BE49-F238E27FC236}">
-                <a16:creationId xmlns:a16="http://schemas.microsoft.com/office/drawing/2014/main" id="{D3579722-9D15-41B3-BBD2-84DD6BA11313}"/>
+                <a16:creationId xmlns:a16="http://schemas.microsoft.com/office/drawing/2014/main" id="{967B5354-85D0-418E-9C94-09080167BE9B}"/>
               </a:ext>
             </a:extLst>
           </p:cNvPr>
@@ -6966,56 +6180,48 @@
           <a:lstStyle/>
           <a:p>
             <a:r>
-              <a:rPr lang="en-US" sz="4800" dirty="0">
-                <a:solidFill>
-                  <a:srgbClr val="FFFFFF"/>
-                </a:solidFill>
-              </a:rPr>
-              <a:t>Perspective / View</a:t>
+              <a:rPr lang="de-AT" dirty="0"/>
+              <a:t>Code </a:t>
+            </a:r>
+            <a:r>
+              <a:rPr lang="de-AT" dirty="0" err="1"/>
+              <a:t>snippets</a:t>
             </a:r>
             <a:endParaRPr lang="de-AT" dirty="0"/>
           </a:p>
         </p:txBody>
       </p:sp>
-      <p:pic>
-        <p:nvPicPr>
-          <p:cNvPr id="5" name="Inhaltsplatzhalter 4" descr="Ein Bild, das Text enthält.&#10;&#10;Automatisch generierte Beschreibung">
+      <p:sp>
+        <p:nvSpPr>
+          <p:cNvPr id="3" name="Inhaltsplatzhalter 2">
             <a:extLst>
               <a:ext uri="{FF2B5EF4-FFF2-40B4-BE49-F238E27FC236}">
-                <a16:creationId xmlns:a16="http://schemas.microsoft.com/office/drawing/2014/main" id="{013940FA-AE63-472C-9C64-2AFAFAA89285}"/>
+                <a16:creationId xmlns:a16="http://schemas.microsoft.com/office/drawing/2014/main" id="{5F54A680-3E4F-41DA-AC0D-5BCC29C20F02}"/>
               </a:ext>
             </a:extLst>
           </p:cNvPr>
-          <p:cNvPicPr>
-            <a:picLocks noGrp="1" noChangeAspect="1"/>
-          </p:cNvPicPr>
+          <p:cNvSpPr>
+            <a:spLocks noGrp="1"/>
+          </p:cNvSpPr>
           <p:nvPr>
             <p:ph idx="1"/>
           </p:nvPr>
-        </p:nvPicPr>
-        <p:blipFill>
-          <a:blip r:embed="rId2">
-            <a:extLst>
-              <a:ext uri="{28A0092B-C50C-407E-A947-70E740481C1C}">
-                <a14:useLocalDpi xmlns:a14="http://schemas.microsoft.com/office/drawing/2010/main" val="0"/>
-              </a:ext>
-            </a:extLst>
-          </a:blip>
-          <a:stretch>
-            <a:fillRect/>
-          </a:stretch>
-        </p:blipFill>
-        <p:spPr>
-          <a:xfrm>
-            <a:off x="1097280" y="2372449"/>
-            <a:ext cx="6674994" cy="2340000"/>
-          </a:xfrm>
-        </p:spPr>
-      </p:pic>
+        </p:nvSpPr>
+        <p:spPr/>
+        <p:txBody>
+          <a:bodyPr>
+            <a:normAutofit/>
+          </a:bodyPr>
+          <a:lstStyle/>
+          <a:p>
+            <a:endParaRPr lang="de-AT" sz="2400" dirty="0"/>
+          </a:p>
+        </p:txBody>
+      </p:sp>
     </p:spTree>
     <p:extLst>
       <p:ext uri="{BB962C8B-B14F-4D97-AF65-F5344CB8AC3E}">
-        <p14:creationId xmlns:p14="http://schemas.microsoft.com/office/powerpoint/2010/main" val="1689369632"/>
+        <p14:creationId xmlns:p14="http://schemas.microsoft.com/office/powerpoint/2010/main" val="2779472713"/>
       </p:ext>
     </p:extLst>
   </p:cSld>
@@ -7025,17 +6231,9 @@
 </p:sld>
 </file>
 
-<file path=ppt/slides/slide19.xml><?xml version="1.0" encoding="utf-8"?>
+<file path=ppt/slides/slide17.xml><?xml version="1.0" encoding="utf-8"?>
 <p:sld xmlns:a="http://schemas.openxmlformats.org/drawingml/2006/main" xmlns:r="http://schemas.openxmlformats.org/officeDocument/2006/relationships" xmlns:p="http://schemas.openxmlformats.org/presentationml/2006/main">
   <p:cSld>
-    <p:bg>
-      <p:bgPr>
-        <a:solidFill>
-          <a:schemeClr val="bg2"/>
-        </a:solidFill>
-        <a:effectLst/>
-      </p:bgPr>
-    </p:bg>
     <p:spTree>
       <p:nvGrpSpPr>
         <p:cNvPr id="1" name=""/>
@@ -7050,228 +6248,96 @@
           <a:chExt cx="0" cy="0"/>
         </a:xfrm>
       </p:grpSpPr>
-      <p:sp useBgFill="1">
-        <p:nvSpPr>
-          <p:cNvPr id="10" name="Rectangle 9">
+      <p:sp>
+        <p:nvSpPr>
+          <p:cNvPr id="2" name="Titel 1">
             <a:extLst>
               <a:ext uri="{FF2B5EF4-FFF2-40B4-BE49-F238E27FC236}">
-                <a16:creationId xmlns:a16="http://schemas.microsoft.com/office/drawing/2014/main" id="{05670695-BABB-487A-9D4A-6B549E1C4F3C}"/>
-              </a:ext>
-              <a:ext uri="{C183D7F6-B498-43B3-948B-1728B52AA6E4}">
-                <adec:decorative xmlns:adec="http://schemas.microsoft.com/office/drawing/2017/decorative" val="1"/>
+                <a16:creationId xmlns:a16="http://schemas.microsoft.com/office/drawing/2014/main" id="{6133FD2E-2867-4FFA-98C2-5B986EC1B5B1}"/>
               </a:ext>
             </a:extLst>
           </p:cNvPr>
           <p:cNvSpPr>
-            <a:spLocks noGrp="1" noRot="1" noChangeAspect="1" noMove="1" noResize="1" noEditPoints="1" noAdjustHandles="1" noChangeArrowheads="1" noChangeShapeType="1" noTextEdit="1"/>
-          </p:cNvSpPr>
-          <p:nvPr>
-            <p:extLst>
-              <p:ext uri="{386F3935-93C4-4BCD-93E2-E3B085C9AB24}">
-                <p16:designElem xmlns:p16="http://schemas.microsoft.com/office/powerpoint/2015/main" val="1"/>
-              </p:ext>
-            </p:extLst>
-          </p:nvPr>
-        </p:nvSpPr>
-        <p:spPr>
-          <a:xfrm>
-            <a:off x="0" y="0"/>
-            <a:ext cx="12186315" cy="6858000"/>
-          </a:xfrm>
-          <a:prstGeom prst="rect">
-            <a:avLst/>
-          </a:prstGeom>
-          <a:ln>
-            <a:noFill/>
-          </a:ln>
-        </p:spPr>
-        <p:style>
-          <a:lnRef idx="2">
-            <a:schemeClr val="accent6">
-              <a:shade val="50000"/>
-            </a:schemeClr>
-          </a:lnRef>
-          <a:fillRef idx="1001">
-            <a:schemeClr val="lt1"/>
-          </a:fillRef>
-          <a:effectRef idx="0">
-            <a:schemeClr val="accent6"/>
-          </a:effectRef>
-          <a:fontRef idx="minor">
-            <a:schemeClr val="lt1"/>
-          </a:fontRef>
-        </p:style>
-        <p:txBody>
-          <a:bodyPr rtlCol="0" anchor="ctr"/>
+            <a:spLocks noGrp="1"/>
+          </p:cNvSpPr>
+          <p:nvPr>
+            <p:ph type="title"/>
+          </p:nvPr>
+        </p:nvSpPr>
+        <p:spPr/>
+        <p:txBody>
+          <a:bodyPr/>
           <a:lstStyle/>
           <a:p>
-            <a:pPr algn="ctr"/>
-            <a:endParaRPr lang="en-US"/>
-          </a:p>
-        </p:txBody>
-      </p:sp>
-      <p:sp>
-        <p:nvSpPr>
-          <p:cNvPr id="12" name="Rectangle 11">
+            <a:r>
+              <a:rPr lang="de-DE" dirty="0"/>
+              <a:t>Demo</a:t>
+            </a:r>
+            <a:endParaRPr lang="de-AT" dirty="0"/>
+          </a:p>
+        </p:txBody>
+      </p:sp>
+      <p:sp>
+        <p:nvSpPr>
+          <p:cNvPr id="3" name="Inhaltsplatzhalter 2">
             <a:extLst>
               <a:ext uri="{FF2B5EF4-FFF2-40B4-BE49-F238E27FC236}">
-                <a16:creationId xmlns:a16="http://schemas.microsoft.com/office/drawing/2014/main" id="{0E639418-A68B-41C9-8706-DAD1D3E21DE1}"/>
-              </a:ext>
-              <a:ext uri="{C183D7F6-B498-43B3-948B-1728B52AA6E4}">
-                <adec:decorative xmlns:adec="http://schemas.microsoft.com/office/drawing/2017/decorative" val="1"/>
+                <a16:creationId xmlns:a16="http://schemas.microsoft.com/office/drawing/2014/main" id="{D5AC4917-B605-4C37-B864-0B39ED2D7971}"/>
               </a:ext>
             </a:extLst>
           </p:cNvPr>
           <p:cNvSpPr>
-            <a:spLocks noGrp="1" noRot="1" noChangeAspect="1" noMove="1" noResize="1" noEditPoints="1" noAdjustHandles="1" noChangeArrowheads="1" noChangeShapeType="1" noTextEdit="1"/>
-          </p:cNvSpPr>
-          <p:nvPr>
-            <p:extLst>
-              <p:ext uri="{386F3935-93C4-4BCD-93E2-E3B085C9AB24}">
-                <p16:designElem xmlns:p16="http://schemas.microsoft.com/office/powerpoint/2015/main" val="1"/>
-              </p:ext>
-            </p:extLst>
-          </p:nvPr>
-        </p:nvSpPr>
-        <p:spPr>
-          <a:xfrm>
-            <a:off x="16" y="0"/>
-            <a:ext cx="4050791" cy="6858000"/>
-          </a:xfrm>
-          <a:prstGeom prst="rect">
-            <a:avLst/>
-          </a:prstGeom>
-          <a:solidFill>
-            <a:schemeClr val="accent1">
-              <a:lumMod val="50000"/>
-            </a:schemeClr>
-          </a:solidFill>
-          <a:ln>
-            <a:noFill/>
-          </a:ln>
-        </p:spPr>
-        <p:style>
-          <a:lnRef idx="2">
-            <a:schemeClr val="accent1">
-              <a:shade val="50000"/>
-            </a:schemeClr>
-          </a:lnRef>
-          <a:fillRef idx="1">
-            <a:schemeClr val="accent1"/>
-          </a:fillRef>
-          <a:effectRef idx="0">
-            <a:schemeClr val="accent1"/>
-          </a:effectRef>
-          <a:fontRef idx="minor">
-            <a:schemeClr val="lt1"/>
-          </a:fontRef>
-        </p:style>
-      </p:sp>
-      <p:sp>
-        <p:nvSpPr>
-          <p:cNvPr id="2" name="Titel 1">
-            <a:extLst>
-              <a:ext uri="{FF2B5EF4-FFF2-40B4-BE49-F238E27FC236}">
-                <a16:creationId xmlns:a16="http://schemas.microsoft.com/office/drawing/2014/main" id="{FB802FF9-04D8-4652-942F-8F50B2ABD29A}"/>
-              </a:ext>
-            </a:extLst>
-          </p:cNvPr>
-          <p:cNvSpPr>
-            <a:spLocks noGrp="1"/>
-          </p:cNvSpPr>
-          <p:nvPr>
-            <p:ph type="title"/>
-          </p:nvPr>
-        </p:nvSpPr>
-        <p:spPr>
-          <a:xfrm>
-            <a:off x="492370" y="516835"/>
-            <a:ext cx="3084844" cy="2103875"/>
-          </a:xfrm>
-        </p:spPr>
-        <p:txBody>
-          <a:bodyPr>
-            <a:normAutofit/>
-          </a:bodyPr>
+            <a:spLocks noGrp="1"/>
+          </p:cNvSpPr>
+          <p:nvPr>
+            <p:ph idx="1"/>
+          </p:nvPr>
+        </p:nvSpPr>
+        <p:spPr/>
+        <p:txBody>
+          <a:bodyPr/>
           <a:lstStyle/>
           <a:p>
-            <a:r>
-              <a:rPr lang="de-DE" sz="3600">
-                <a:solidFill>
-                  <a:srgbClr val="FFFFFF"/>
-                </a:solidFill>
-              </a:rPr>
-              <a:t>Shaders</a:t>
-            </a:r>
-            <a:endParaRPr lang="de-AT" sz="3600">
-              <a:solidFill>
-                <a:srgbClr val="FFFFFF"/>
-              </a:solidFill>
-            </a:endParaRPr>
-          </a:p>
-        </p:txBody>
-      </p:sp>
-      <p:sp>
-        <p:nvSpPr>
-          <p:cNvPr id="14" name="Rectangle 13">
-            <a:extLst>
-              <a:ext uri="{FF2B5EF4-FFF2-40B4-BE49-F238E27FC236}">
-                <a16:creationId xmlns:a16="http://schemas.microsoft.com/office/drawing/2014/main" id="{E579711D-7383-441E-8339-9A2B566677DB}"/>
-              </a:ext>
-              <a:ext uri="{C183D7F6-B498-43B3-948B-1728B52AA6E4}">
-                <adec:decorative xmlns:adec="http://schemas.microsoft.com/office/drawing/2017/decorative" val="1"/>
-              </a:ext>
-            </a:extLst>
-          </p:cNvPr>
-          <p:cNvSpPr>
-            <a:spLocks noGrp="1" noRot="1" noChangeAspect="1" noMove="1" noResize="1" noEditPoints="1" noAdjustHandles="1" noChangeArrowheads="1" noChangeShapeType="1" noTextEdit="1"/>
-          </p:cNvSpPr>
-          <p:nvPr>
-            <p:extLst>
-              <p:ext uri="{386F3935-93C4-4BCD-93E2-E3B085C9AB24}">
-                <p16:designElem xmlns:p16="http://schemas.microsoft.com/office/powerpoint/2015/main" val="1"/>
-              </p:ext>
-            </p:extLst>
-          </p:nvPr>
-        </p:nvSpPr>
-        <p:spPr>
-          <a:xfrm>
-            <a:off x="4040071" y="0"/>
-            <a:ext cx="64008" cy="6858000"/>
-          </a:xfrm>
-          <a:prstGeom prst="rect">
-            <a:avLst/>
-          </a:prstGeom>
-          <a:solidFill>
-            <a:schemeClr val="accent1"/>
-          </a:solidFill>
-          <a:ln>
-            <a:noFill/>
-          </a:ln>
-        </p:spPr>
-        <p:style>
-          <a:lnRef idx="2">
-            <a:schemeClr val="accent1">
-              <a:shade val="50000"/>
-            </a:schemeClr>
-          </a:lnRef>
-          <a:fillRef idx="1">
-            <a:schemeClr val="accent1"/>
-          </a:fillRef>
-          <a:effectRef idx="0">
-            <a:schemeClr val="accent1"/>
-          </a:effectRef>
-          <a:fontRef idx="minor">
-            <a:schemeClr val="lt1"/>
-          </a:fontRef>
-        </p:style>
-      </p:sp>
+            <a:endParaRPr lang="de-AT"/>
+          </a:p>
+        </p:txBody>
+      </p:sp>
+    </p:spTree>
+    <p:extLst>
+      <p:ext uri="{BB962C8B-B14F-4D97-AF65-F5344CB8AC3E}">
+        <p14:creationId xmlns:p14="http://schemas.microsoft.com/office/powerpoint/2010/main" val="2831428590"/>
+      </p:ext>
+    </p:extLst>
+  </p:cSld>
+  <p:clrMapOvr>
+    <a:masterClrMapping/>
+  </p:clrMapOvr>
+</p:sld>
+</file>
+
+<file path=ppt/slides/slide18.xml><?xml version="1.0" encoding="utf-8"?>
+<p:sld xmlns:a="http://schemas.openxmlformats.org/drawingml/2006/main" xmlns:r="http://schemas.openxmlformats.org/officeDocument/2006/relationships" xmlns:p="http://schemas.openxmlformats.org/presentationml/2006/main" showMasterSp="0">
+  <p:cSld>
+    <p:spTree>
+      <p:nvGrpSpPr>
+        <p:cNvPr id="1" name=""/>
+        <p:cNvGrpSpPr/>
+        <p:nvPr/>
+      </p:nvGrpSpPr>
+      <p:grpSpPr>
+        <a:xfrm>
+          <a:off x="0" y="0"/>
+          <a:ext cx="0" cy="0"/>
+          <a:chOff x="0" y="0"/>
+          <a:chExt cx="0" cy="0"/>
+        </a:xfrm>
+      </p:grpSpPr>
       <p:pic>
         <p:nvPicPr>
-          <p:cNvPr id="6" name="Grafik 5" descr="Ein Bild, das Text enthält.&#10;&#10;Automatisch generierte Beschreibung">
+          <p:cNvPr id="6" name="Grafik 5">
             <a:extLst>
               <a:ext uri="{FF2B5EF4-FFF2-40B4-BE49-F238E27FC236}">
-                <a16:creationId xmlns:a16="http://schemas.microsoft.com/office/drawing/2014/main" id="{E65AA5B8-5B53-45FE-B0CC-C35A22EF7A97}"/>
+                <a16:creationId xmlns:a16="http://schemas.microsoft.com/office/drawing/2014/main" id="{C9CC7FAD-9556-490E-BB8E-3359AD972DE9}"/>
               </a:ext>
             </a:extLst>
           </p:cNvPr>
@@ -7280,21 +6346,16 @@
           </p:cNvPicPr>
           <p:nvPr/>
         </p:nvPicPr>
-        <p:blipFill rotWithShape="1">
-          <a:blip r:embed="rId2">
-            <a:extLst>
-              <a:ext uri="{28A0092B-C50C-407E-A947-70E740481C1C}">
-                <a14:useLocalDpi xmlns:a14="http://schemas.microsoft.com/office/drawing/2010/main" val="0"/>
-              </a:ext>
-            </a:extLst>
-          </a:blip>
-          <a:srcRect l="6664"/>
-          <a:stretch/>
+        <p:blipFill>
+          <a:blip r:embed="rId2"/>
+          <a:stretch>
+            <a:fillRect/>
+          </a:stretch>
         </p:blipFill>
         <p:spPr>
           <a:xfrm>
-            <a:off x="812410" y="3347"/>
-            <a:ext cx="11379590" cy="6854653"/>
+            <a:off x="2656936" y="675000"/>
+            <a:ext cx="6878127" cy="5508000"/>
           </a:xfrm>
           <a:prstGeom prst="rect">
             <a:avLst/>
@@ -7304,7 +6365,7 @@
     </p:spTree>
     <p:extLst>
       <p:ext uri="{BB962C8B-B14F-4D97-AF65-F5344CB8AC3E}">
-        <p14:creationId xmlns:p14="http://schemas.microsoft.com/office/powerpoint/2010/main" val="438599437"/>
+        <p14:creationId xmlns:p14="http://schemas.microsoft.com/office/powerpoint/2010/main" val="1788630429"/>
       </p:ext>
     </p:extLst>
   </p:cSld>
@@ -7445,476 +6506,6 @@
     <p:extLst>
       <p:ext uri="{BB962C8B-B14F-4D97-AF65-F5344CB8AC3E}">
         <p14:creationId xmlns:p14="http://schemas.microsoft.com/office/powerpoint/2010/main" val="4095677151"/>
-      </p:ext>
-    </p:extLst>
-  </p:cSld>
-  <p:clrMapOvr>
-    <a:masterClrMapping/>
-  </p:clrMapOvr>
-</p:sld>
-</file>
-
-<file path=ppt/slides/slide20.xml><?xml version="1.0" encoding="utf-8"?>
-<p:sld xmlns:a="http://schemas.openxmlformats.org/drawingml/2006/main" xmlns:r="http://schemas.openxmlformats.org/officeDocument/2006/relationships" xmlns:p="http://schemas.openxmlformats.org/presentationml/2006/main">
-  <p:cSld>
-    <p:bg>
-      <p:bgPr>
-        <a:solidFill>
-          <a:schemeClr val="bg2"/>
-        </a:solidFill>
-        <a:effectLst/>
-      </p:bgPr>
-    </p:bg>
-    <p:spTree>
-      <p:nvGrpSpPr>
-        <p:cNvPr id="1" name=""/>
-        <p:cNvGrpSpPr/>
-        <p:nvPr/>
-      </p:nvGrpSpPr>
-      <p:grpSpPr>
-        <a:xfrm>
-          <a:off x="0" y="0"/>
-          <a:ext cx="0" cy="0"/>
-          <a:chOff x="0" y="0"/>
-          <a:chExt cx="0" cy="0"/>
-        </a:xfrm>
-      </p:grpSpPr>
-      <p:sp useBgFill="1">
-        <p:nvSpPr>
-          <p:cNvPr id="12" name="Rectangle 11">
-            <a:extLst>
-              <a:ext uri="{FF2B5EF4-FFF2-40B4-BE49-F238E27FC236}">
-                <a16:creationId xmlns:a16="http://schemas.microsoft.com/office/drawing/2014/main" id="{05670695-BABB-487A-9D4A-6B549E1C4F3C}"/>
-              </a:ext>
-              <a:ext uri="{C183D7F6-B498-43B3-948B-1728B52AA6E4}">
-                <adec:decorative xmlns:adec="http://schemas.microsoft.com/office/drawing/2017/decorative" val="1"/>
-              </a:ext>
-            </a:extLst>
-          </p:cNvPr>
-          <p:cNvSpPr>
-            <a:spLocks noGrp="1" noRot="1" noChangeAspect="1" noMove="1" noResize="1" noEditPoints="1" noAdjustHandles="1" noChangeArrowheads="1" noChangeShapeType="1" noTextEdit="1"/>
-          </p:cNvSpPr>
-          <p:nvPr>
-            <p:extLst>
-              <p:ext uri="{386F3935-93C4-4BCD-93E2-E3B085C9AB24}">
-                <p16:designElem xmlns:p16="http://schemas.microsoft.com/office/powerpoint/2015/main" val="1"/>
-              </p:ext>
-            </p:extLst>
-          </p:nvPr>
-        </p:nvSpPr>
-        <p:spPr>
-          <a:xfrm>
-            <a:off x="0" y="0"/>
-            <a:ext cx="12186315" cy="6858000"/>
-          </a:xfrm>
-          <a:prstGeom prst="rect">
-            <a:avLst/>
-          </a:prstGeom>
-          <a:ln>
-            <a:noFill/>
-          </a:ln>
-        </p:spPr>
-        <p:style>
-          <a:lnRef idx="2">
-            <a:schemeClr val="accent6">
-              <a:shade val="50000"/>
-            </a:schemeClr>
-          </a:lnRef>
-          <a:fillRef idx="1001">
-            <a:schemeClr val="lt1"/>
-          </a:fillRef>
-          <a:effectRef idx="0">
-            <a:schemeClr val="accent6"/>
-          </a:effectRef>
-          <a:fontRef idx="minor">
-            <a:schemeClr val="lt1"/>
-          </a:fontRef>
-        </p:style>
-        <p:txBody>
-          <a:bodyPr rtlCol="0" anchor="ctr"/>
-          <a:lstStyle/>
-          <a:p>
-            <a:pPr algn="ctr"/>
-            <a:endParaRPr lang="en-US"/>
-          </a:p>
-        </p:txBody>
-      </p:sp>
-      <p:sp>
-        <p:nvSpPr>
-          <p:cNvPr id="14" name="Rectangle 13">
-            <a:extLst>
-              <a:ext uri="{FF2B5EF4-FFF2-40B4-BE49-F238E27FC236}">
-                <a16:creationId xmlns:a16="http://schemas.microsoft.com/office/drawing/2014/main" id="{0E639418-A68B-41C9-8706-DAD1D3E21DE1}"/>
-              </a:ext>
-              <a:ext uri="{C183D7F6-B498-43B3-948B-1728B52AA6E4}">
-                <adec:decorative xmlns:adec="http://schemas.microsoft.com/office/drawing/2017/decorative" val="1"/>
-              </a:ext>
-            </a:extLst>
-          </p:cNvPr>
-          <p:cNvSpPr>
-            <a:spLocks noGrp="1" noRot="1" noChangeAspect="1" noMove="1" noResize="1" noEditPoints="1" noAdjustHandles="1" noChangeArrowheads="1" noChangeShapeType="1" noTextEdit="1"/>
-          </p:cNvSpPr>
-          <p:nvPr>
-            <p:extLst>
-              <p:ext uri="{386F3935-93C4-4BCD-93E2-E3B085C9AB24}">
-                <p16:designElem xmlns:p16="http://schemas.microsoft.com/office/powerpoint/2015/main" val="1"/>
-              </p:ext>
-            </p:extLst>
-          </p:nvPr>
-        </p:nvSpPr>
-        <p:spPr>
-          <a:xfrm>
-            <a:off x="16" y="0"/>
-            <a:ext cx="4050791" cy="6858000"/>
-          </a:xfrm>
-          <a:prstGeom prst="rect">
-            <a:avLst/>
-          </a:prstGeom>
-          <a:solidFill>
-            <a:schemeClr val="accent1">
-              <a:lumMod val="50000"/>
-            </a:schemeClr>
-          </a:solidFill>
-          <a:ln>
-            <a:noFill/>
-          </a:ln>
-        </p:spPr>
-        <p:style>
-          <a:lnRef idx="2">
-            <a:schemeClr val="accent1">
-              <a:shade val="50000"/>
-            </a:schemeClr>
-          </a:lnRef>
-          <a:fillRef idx="1">
-            <a:schemeClr val="accent1"/>
-          </a:fillRef>
-          <a:effectRef idx="0">
-            <a:schemeClr val="accent1"/>
-          </a:effectRef>
-          <a:fontRef idx="minor">
-            <a:schemeClr val="lt1"/>
-          </a:fontRef>
-        </p:style>
-      </p:sp>
-      <p:sp>
-        <p:nvSpPr>
-          <p:cNvPr id="2" name="Titel 1">
-            <a:extLst>
-              <a:ext uri="{FF2B5EF4-FFF2-40B4-BE49-F238E27FC236}">
-                <a16:creationId xmlns:a16="http://schemas.microsoft.com/office/drawing/2014/main" id="{79A32583-8E09-487C-A962-9B147266A792}"/>
-              </a:ext>
-            </a:extLst>
-          </p:cNvPr>
-          <p:cNvSpPr>
-            <a:spLocks noGrp="1"/>
-          </p:cNvSpPr>
-          <p:nvPr>
-            <p:ph type="title"/>
-          </p:nvPr>
-        </p:nvSpPr>
-        <p:spPr>
-          <a:xfrm>
-            <a:off x="492370" y="516835"/>
-            <a:ext cx="3084844" cy="2103875"/>
-          </a:xfrm>
-        </p:spPr>
-        <p:txBody>
-          <a:bodyPr>
-            <a:normAutofit/>
-          </a:bodyPr>
-          <a:lstStyle/>
-          <a:p>
-            <a:r>
-              <a:rPr lang="de-DE" sz="3600" dirty="0">
-                <a:solidFill>
-                  <a:srgbClr val="FFFFFF"/>
-                </a:solidFill>
-              </a:rPr>
-              <a:t>Shaders</a:t>
-            </a:r>
-            <a:endParaRPr lang="de-AT" sz="3600" dirty="0">
-              <a:solidFill>
-                <a:srgbClr val="FFFFFF"/>
-              </a:solidFill>
-            </a:endParaRPr>
-          </a:p>
-        </p:txBody>
-      </p:sp>
-      <p:sp>
-        <p:nvSpPr>
-          <p:cNvPr id="9" name="Content Placeholder 8">
-            <a:extLst>
-              <a:ext uri="{FF2B5EF4-FFF2-40B4-BE49-F238E27FC236}">
-                <a16:creationId xmlns:a16="http://schemas.microsoft.com/office/drawing/2014/main" id="{2BA7E0E7-50A9-470B-865F-8F306ADE8DF6}"/>
-              </a:ext>
-            </a:extLst>
-          </p:cNvPr>
-          <p:cNvSpPr>
-            <a:spLocks noGrp="1"/>
-          </p:cNvSpPr>
-          <p:nvPr>
-            <p:ph idx="1"/>
-          </p:nvPr>
-        </p:nvSpPr>
-        <p:spPr>
-          <a:xfrm>
-            <a:off x="492371" y="2653800"/>
-            <a:ext cx="3084844" cy="3335519"/>
-          </a:xfrm>
-        </p:spPr>
-        <p:txBody>
-          <a:bodyPr>
-            <a:normAutofit/>
-          </a:bodyPr>
-          <a:lstStyle/>
-          <a:p>
-            <a:endParaRPr lang="en-US" sz="1500">
-              <a:solidFill>
-                <a:srgbClr val="FFFFFF"/>
-              </a:solidFill>
-            </a:endParaRPr>
-          </a:p>
-        </p:txBody>
-      </p:sp>
-      <p:sp>
-        <p:nvSpPr>
-          <p:cNvPr id="16" name="Rectangle 15">
-            <a:extLst>
-              <a:ext uri="{FF2B5EF4-FFF2-40B4-BE49-F238E27FC236}">
-                <a16:creationId xmlns:a16="http://schemas.microsoft.com/office/drawing/2014/main" id="{E579711D-7383-441E-8339-9A2B566677DB}"/>
-              </a:ext>
-              <a:ext uri="{C183D7F6-B498-43B3-948B-1728B52AA6E4}">
-                <adec:decorative xmlns:adec="http://schemas.microsoft.com/office/drawing/2017/decorative" val="1"/>
-              </a:ext>
-            </a:extLst>
-          </p:cNvPr>
-          <p:cNvSpPr>
-            <a:spLocks noGrp="1" noRot="1" noChangeAspect="1" noMove="1" noResize="1" noEditPoints="1" noAdjustHandles="1" noChangeArrowheads="1" noChangeShapeType="1" noTextEdit="1"/>
-          </p:cNvSpPr>
-          <p:nvPr>
-            <p:extLst>
-              <p:ext uri="{386F3935-93C4-4BCD-93E2-E3B085C9AB24}">
-                <p16:designElem xmlns:p16="http://schemas.microsoft.com/office/powerpoint/2015/main" val="1"/>
-              </p:ext>
-            </p:extLst>
-          </p:nvPr>
-        </p:nvSpPr>
-        <p:spPr>
-          <a:xfrm>
-            <a:off x="4040071" y="0"/>
-            <a:ext cx="64008" cy="6858000"/>
-          </a:xfrm>
-          <a:prstGeom prst="rect">
-            <a:avLst/>
-          </a:prstGeom>
-          <a:solidFill>
-            <a:schemeClr val="accent1"/>
-          </a:solidFill>
-          <a:ln>
-            <a:noFill/>
-          </a:ln>
-        </p:spPr>
-        <p:style>
-          <a:lnRef idx="2">
-            <a:schemeClr val="accent1">
-              <a:shade val="50000"/>
-            </a:schemeClr>
-          </a:lnRef>
-          <a:fillRef idx="1">
-            <a:schemeClr val="accent1"/>
-          </a:fillRef>
-          <a:effectRef idx="0">
-            <a:schemeClr val="accent1"/>
-          </a:effectRef>
-          <a:fontRef idx="minor">
-            <a:schemeClr val="lt1"/>
-          </a:fontRef>
-        </p:style>
-      </p:sp>
-      <p:pic>
-        <p:nvPicPr>
-          <p:cNvPr id="5" name="Inhaltsplatzhalter 4" descr="Ein Bild, das Text enthält.&#10;&#10;Automatisch generierte Beschreibung">
-            <a:extLst>
-              <a:ext uri="{FF2B5EF4-FFF2-40B4-BE49-F238E27FC236}">
-                <a16:creationId xmlns:a16="http://schemas.microsoft.com/office/drawing/2014/main" id="{CA23BF1B-5F34-49C4-B266-96BBF9A15592}"/>
-              </a:ext>
-            </a:extLst>
-          </p:cNvPr>
-          <p:cNvPicPr>
-            <a:picLocks noChangeAspect="1"/>
-          </p:cNvPicPr>
-          <p:nvPr/>
-        </p:nvPicPr>
-        <p:blipFill>
-          <a:blip r:embed="rId2">
-            <a:extLst>
-              <a:ext uri="{28A0092B-C50C-407E-A947-70E740481C1C}">
-                <a14:useLocalDpi xmlns:a14="http://schemas.microsoft.com/office/drawing/2010/main" val="0"/>
-              </a:ext>
-            </a:extLst>
-          </a:blip>
-          <a:stretch>
-            <a:fillRect/>
-          </a:stretch>
-        </p:blipFill>
-        <p:spPr>
-          <a:xfrm>
-            <a:off x="4108644" y="-54000"/>
-            <a:ext cx="7017250" cy="6912000"/>
-          </a:xfrm>
-          <a:prstGeom prst="rect">
-            <a:avLst/>
-          </a:prstGeom>
-        </p:spPr>
-      </p:pic>
-    </p:spTree>
-    <p:extLst>
-      <p:ext uri="{BB962C8B-B14F-4D97-AF65-F5344CB8AC3E}">
-        <p14:creationId xmlns:p14="http://schemas.microsoft.com/office/powerpoint/2010/main" val="937389746"/>
-      </p:ext>
-    </p:extLst>
-  </p:cSld>
-  <p:clrMapOvr>
-    <a:masterClrMapping/>
-  </p:clrMapOvr>
-</p:sld>
-</file>
-
-<file path=ppt/slides/slide21.xml><?xml version="1.0" encoding="utf-8"?>
-<p:sld xmlns:a="http://schemas.openxmlformats.org/drawingml/2006/main" xmlns:r="http://schemas.openxmlformats.org/officeDocument/2006/relationships" xmlns:p="http://schemas.openxmlformats.org/presentationml/2006/main">
-  <p:cSld>
-    <p:spTree>
-      <p:nvGrpSpPr>
-        <p:cNvPr id="1" name=""/>
-        <p:cNvGrpSpPr/>
-        <p:nvPr/>
-      </p:nvGrpSpPr>
-      <p:grpSpPr>
-        <a:xfrm>
-          <a:off x="0" y="0"/>
-          <a:ext cx="0" cy="0"/>
-          <a:chOff x="0" y="0"/>
-          <a:chExt cx="0" cy="0"/>
-        </a:xfrm>
-      </p:grpSpPr>
-      <p:sp>
-        <p:nvSpPr>
-          <p:cNvPr id="2" name="Titel 1">
-            <a:extLst>
-              <a:ext uri="{FF2B5EF4-FFF2-40B4-BE49-F238E27FC236}">
-                <a16:creationId xmlns:a16="http://schemas.microsoft.com/office/drawing/2014/main" id="{6133FD2E-2867-4FFA-98C2-5B986EC1B5B1}"/>
-              </a:ext>
-            </a:extLst>
-          </p:cNvPr>
-          <p:cNvSpPr>
-            <a:spLocks noGrp="1"/>
-          </p:cNvSpPr>
-          <p:nvPr>
-            <p:ph type="title"/>
-          </p:nvPr>
-        </p:nvSpPr>
-        <p:spPr/>
-        <p:txBody>
-          <a:bodyPr/>
-          <a:lstStyle/>
-          <a:p>
-            <a:r>
-              <a:rPr lang="de-DE" dirty="0"/>
-              <a:t>Demo</a:t>
-            </a:r>
-            <a:endParaRPr lang="de-AT" dirty="0"/>
-          </a:p>
-        </p:txBody>
-      </p:sp>
-      <p:sp>
-        <p:nvSpPr>
-          <p:cNvPr id="3" name="Inhaltsplatzhalter 2">
-            <a:extLst>
-              <a:ext uri="{FF2B5EF4-FFF2-40B4-BE49-F238E27FC236}">
-                <a16:creationId xmlns:a16="http://schemas.microsoft.com/office/drawing/2014/main" id="{D5AC4917-B605-4C37-B864-0B39ED2D7971}"/>
-              </a:ext>
-            </a:extLst>
-          </p:cNvPr>
-          <p:cNvSpPr>
-            <a:spLocks noGrp="1"/>
-          </p:cNvSpPr>
-          <p:nvPr>
-            <p:ph idx="1"/>
-          </p:nvPr>
-        </p:nvSpPr>
-        <p:spPr/>
-        <p:txBody>
-          <a:bodyPr/>
-          <a:lstStyle/>
-          <a:p>
-            <a:endParaRPr lang="de-AT"/>
-          </a:p>
-        </p:txBody>
-      </p:sp>
-    </p:spTree>
-    <p:extLst>
-      <p:ext uri="{BB962C8B-B14F-4D97-AF65-F5344CB8AC3E}">
-        <p14:creationId xmlns:p14="http://schemas.microsoft.com/office/powerpoint/2010/main" val="2831428590"/>
-      </p:ext>
-    </p:extLst>
-  </p:cSld>
-  <p:clrMapOvr>
-    <a:masterClrMapping/>
-  </p:clrMapOvr>
-</p:sld>
-</file>
-
-<file path=ppt/slides/slide22.xml><?xml version="1.0" encoding="utf-8"?>
-<p:sld xmlns:a="http://schemas.openxmlformats.org/drawingml/2006/main" xmlns:r="http://schemas.openxmlformats.org/officeDocument/2006/relationships" xmlns:p="http://schemas.openxmlformats.org/presentationml/2006/main" showMasterSp="0">
-  <p:cSld>
-    <p:spTree>
-      <p:nvGrpSpPr>
-        <p:cNvPr id="1" name=""/>
-        <p:cNvGrpSpPr/>
-        <p:nvPr/>
-      </p:nvGrpSpPr>
-      <p:grpSpPr>
-        <a:xfrm>
-          <a:off x="0" y="0"/>
-          <a:ext cx="0" cy="0"/>
-          <a:chOff x="0" y="0"/>
-          <a:chExt cx="0" cy="0"/>
-        </a:xfrm>
-      </p:grpSpPr>
-      <p:pic>
-        <p:nvPicPr>
-          <p:cNvPr id="6" name="Grafik 5">
-            <a:extLst>
-              <a:ext uri="{FF2B5EF4-FFF2-40B4-BE49-F238E27FC236}">
-                <a16:creationId xmlns:a16="http://schemas.microsoft.com/office/drawing/2014/main" id="{C9CC7FAD-9556-490E-BB8E-3359AD972DE9}"/>
-              </a:ext>
-            </a:extLst>
-          </p:cNvPr>
-          <p:cNvPicPr>
-            <a:picLocks noChangeAspect="1"/>
-          </p:cNvPicPr>
-          <p:nvPr/>
-        </p:nvPicPr>
-        <p:blipFill>
-          <a:blip r:embed="rId2"/>
-          <a:stretch>
-            <a:fillRect/>
-          </a:stretch>
-        </p:blipFill>
-        <p:spPr>
-          <a:xfrm>
-            <a:off x="2656936" y="675000"/>
-            <a:ext cx="6878127" cy="5508000"/>
-          </a:xfrm>
-          <a:prstGeom prst="rect">
-            <a:avLst/>
-          </a:prstGeom>
-        </p:spPr>
-      </p:pic>
-    </p:spTree>
-    <p:extLst>
-      <p:ext uri="{BB962C8B-B14F-4D97-AF65-F5344CB8AC3E}">
-        <p14:creationId xmlns:p14="http://schemas.microsoft.com/office/powerpoint/2010/main" val="1788630429"/>
       </p:ext>
     </p:extLst>
   </p:cSld>
